--- a/MI5014701 科技研究與論文寫作 Technology Research and Thesis Writing/4. Figure-table.pptx
+++ b/MI5014701 科技研究與論文寫作 Technology Research and Thesis Writing/4. Figure-table.pptx
@@ -2150,6 +2150,176 @@
           <a:bodyPr/>
           <a:lstStyle/>
           <a:p>
+            <a:endParaRPr lang="zh-TW" altLang="en-US"/>
+          </a:p>
+        </p:txBody>
+      </p:sp>
+      <p:sp>
+        <p:nvSpPr>
+          <p:cNvPr id="4" name="投影片編號版面配置區 3"/>
+          <p:cNvSpPr>
+            <a:spLocks noGrp="1"/>
+          </p:cNvSpPr>
+          <p:nvPr>
+            <p:ph type="sldNum" sz="quarter" idx="10"/>
+          </p:nvPr>
+        </p:nvSpPr>
+        <p:spPr/>
+        <p:txBody>
+          <a:bodyPr/>
+          <a:lstStyle/>
+          <a:p>
+            <a:fld id="{C7BDBA1A-AC7B-45DC-A751-2B0A9550FCA9}" type="slidenum">
+              <a:rPr lang="zh-TW" altLang="en-US" smtClean="0"/>
+              <a:pPr/>
+              <a:t>31</a:t>
+            </a:fld>
+            <a:endParaRPr lang="zh-TW" altLang="en-US"/>
+          </a:p>
+        </p:txBody>
+      </p:sp>
+    </p:spTree>
+    <p:extLst>
+      <p:ext uri="{BB962C8B-B14F-4D97-AF65-F5344CB8AC3E}">
+        <p14:creationId xmlns:p14="http://schemas.microsoft.com/office/powerpoint/2010/main" val="1821877181"/>
+      </p:ext>
+    </p:extLst>
+  </p:cSld>
+  <p:clrMapOvr>
+    <a:masterClrMapping/>
+  </p:clrMapOvr>
+</p:notes>
+</file>
+
+<file path=ppt/notesSlides/notesSlide11.xml><?xml version="1.0" encoding="utf-8"?>
+<p:notes xmlns:a="http://schemas.openxmlformats.org/drawingml/2006/main" xmlns:r="http://schemas.openxmlformats.org/officeDocument/2006/relationships" xmlns:p="http://schemas.openxmlformats.org/presentationml/2006/main">
+  <p:cSld>
+    <p:spTree>
+      <p:nvGrpSpPr>
+        <p:cNvPr id="1" name=""/>
+        <p:cNvGrpSpPr/>
+        <p:nvPr/>
+      </p:nvGrpSpPr>
+      <p:grpSpPr>
+        <a:xfrm>
+          <a:off x="0" y="0"/>
+          <a:ext cx="0" cy="0"/>
+          <a:chOff x="0" y="0"/>
+          <a:chExt cx="0" cy="0"/>
+        </a:xfrm>
+      </p:grpSpPr>
+      <p:sp>
+        <p:nvSpPr>
+          <p:cNvPr id="2" name="投影片圖像版面配置區 1"/>
+          <p:cNvSpPr>
+            <a:spLocks noGrp="1" noRot="1" noChangeAspect="1"/>
+          </p:cNvSpPr>
+          <p:nvPr>
+            <p:ph type="sldImg"/>
+          </p:nvPr>
+        </p:nvSpPr>
+        <p:spPr/>
+      </p:sp>
+      <p:sp>
+        <p:nvSpPr>
+          <p:cNvPr id="3" name="備忘稿版面配置區 2"/>
+          <p:cNvSpPr>
+            <a:spLocks noGrp="1"/>
+          </p:cNvSpPr>
+          <p:nvPr>
+            <p:ph type="body" idx="1"/>
+          </p:nvPr>
+        </p:nvSpPr>
+        <p:spPr/>
+        <p:txBody>
+          <a:bodyPr/>
+          <a:lstStyle/>
+          <a:p>
+            <a:endParaRPr lang="zh-TW" altLang="en-US" dirty="0"/>
+          </a:p>
+        </p:txBody>
+      </p:sp>
+      <p:sp>
+        <p:nvSpPr>
+          <p:cNvPr id="4" name="投影片編號版面配置區 3"/>
+          <p:cNvSpPr>
+            <a:spLocks noGrp="1"/>
+          </p:cNvSpPr>
+          <p:nvPr>
+            <p:ph type="sldNum" sz="quarter" idx="10"/>
+          </p:nvPr>
+        </p:nvSpPr>
+        <p:spPr/>
+        <p:txBody>
+          <a:bodyPr/>
+          <a:lstStyle/>
+          <a:p>
+            <a:fld id="{C7BDBA1A-AC7B-45DC-A751-2B0A9550FCA9}" type="slidenum">
+              <a:rPr lang="zh-TW" altLang="en-US" smtClean="0"/>
+              <a:pPr/>
+              <a:t>38</a:t>
+            </a:fld>
+            <a:endParaRPr lang="zh-TW" altLang="en-US"/>
+          </a:p>
+        </p:txBody>
+      </p:sp>
+    </p:spTree>
+    <p:extLst>
+      <p:ext uri="{BB962C8B-B14F-4D97-AF65-F5344CB8AC3E}">
+        <p14:creationId xmlns:p14="http://schemas.microsoft.com/office/powerpoint/2010/main" val="1875472024"/>
+      </p:ext>
+    </p:extLst>
+  </p:cSld>
+  <p:clrMapOvr>
+    <a:masterClrMapping/>
+  </p:clrMapOvr>
+</p:notes>
+</file>
+
+<file path=ppt/notesSlides/notesSlide12.xml><?xml version="1.0" encoding="utf-8"?>
+<p:notes xmlns:a="http://schemas.openxmlformats.org/drawingml/2006/main" xmlns:r="http://schemas.openxmlformats.org/officeDocument/2006/relationships" xmlns:p="http://schemas.openxmlformats.org/presentationml/2006/main">
+  <p:cSld>
+    <p:spTree>
+      <p:nvGrpSpPr>
+        <p:cNvPr id="1" name=""/>
+        <p:cNvGrpSpPr/>
+        <p:nvPr/>
+      </p:nvGrpSpPr>
+      <p:grpSpPr>
+        <a:xfrm>
+          <a:off x="0" y="0"/>
+          <a:ext cx="0" cy="0"/>
+          <a:chOff x="0" y="0"/>
+          <a:chExt cx="0" cy="0"/>
+        </a:xfrm>
+      </p:grpSpPr>
+      <p:sp>
+        <p:nvSpPr>
+          <p:cNvPr id="2" name="投影片圖像版面配置區 1"/>
+          <p:cNvSpPr>
+            <a:spLocks noGrp="1" noRot="1" noChangeAspect="1"/>
+          </p:cNvSpPr>
+          <p:nvPr>
+            <p:ph type="sldImg"/>
+          </p:nvPr>
+        </p:nvSpPr>
+        <p:spPr/>
+      </p:sp>
+      <p:sp>
+        <p:nvSpPr>
+          <p:cNvPr id="3" name="備忘稿版面配置區 2"/>
+          <p:cNvSpPr>
+            <a:spLocks noGrp="1"/>
+          </p:cNvSpPr>
+          <p:nvPr>
+            <p:ph type="body" idx="1"/>
+          </p:nvPr>
+        </p:nvSpPr>
+        <p:spPr/>
+        <p:txBody>
+          <a:bodyPr/>
+          <a:lstStyle/>
+          <a:p>
             <a:pPr marL="0" marR="0" lvl="1" indent="0" algn="l" defTabSz="914400" rtl="0" eaLnBrk="1" fontAlgn="auto" latinLnBrk="0" hangingPunct="1">
               <a:lnSpc>
                 <a:spcPct val="100000"/>
@@ -2794,7 +2964,7 @@
       </p:grpSpPr>
       <p:sp>
         <p:nvSpPr>
-          <p:cNvPr id="2" name="投影片圖像版面配置區 1"/>
+          <p:cNvPr id="2" name="投影片影像版面配置區 1"/>
           <p:cNvSpPr>
             <a:spLocks noGrp="1" noRot="1" noChangeAspect="1"/>
           </p:cNvSpPr>
@@ -2830,7 +3000,7 @@
             <a:spLocks noGrp="1"/>
           </p:cNvSpPr>
           <p:nvPr>
-            <p:ph type="sldNum" sz="quarter" idx="10"/>
+            <p:ph type="sldNum" sz="quarter" idx="5"/>
           </p:nvPr>
         </p:nvSpPr>
         <p:spPr/>
@@ -2838,10 +3008,10 @@
           <a:bodyPr/>
           <a:lstStyle/>
           <a:p>
-            <a:fld id="{518BE4F5-F18B-4D2C-9D11-3E6D941672A9}" type="slidenum">
+            <a:fld id="{C7BDBA1A-AC7B-45DC-A751-2B0A9550FCA9}" type="slidenum">
               <a:rPr lang="zh-TW" altLang="en-US" smtClean="0"/>
               <a:pPr/>
-              <a:t>9</a:t>
+              <a:t>7</a:t>
             </a:fld>
             <a:endParaRPr lang="zh-TW" altLang="en-US"/>
           </a:p>
@@ -2850,7 +3020,7 @@
     </p:spTree>
     <p:extLst>
       <p:ext uri="{BB962C8B-B14F-4D97-AF65-F5344CB8AC3E}">
-        <p14:creationId xmlns:p14="http://schemas.microsoft.com/office/powerpoint/2010/main" val="3333153210"/>
+        <p14:creationId xmlns:p14="http://schemas.microsoft.com/office/powerpoint/2010/main" val="778019470"/>
       </p:ext>
     </p:extLst>
   </p:cSld>
@@ -2879,7 +3049,7 @@
       </p:grpSpPr>
       <p:sp>
         <p:nvSpPr>
-          <p:cNvPr id="2" name="投影片圖像版面配置區 1"/>
+          <p:cNvPr id="2" name="投影片影像版面配置區 1"/>
           <p:cNvSpPr>
             <a:spLocks noGrp="1" noRot="1" noChangeAspect="1"/>
           </p:cNvSpPr>
@@ -2915,7 +3085,7 @@
             <a:spLocks noGrp="1"/>
           </p:cNvSpPr>
           <p:nvPr>
-            <p:ph type="sldNum" sz="quarter" idx="10"/>
+            <p:ph type="sldNum" sz="quarter" idx="5"/>
           </p:nvPr>
         </p:nvSpPr>
         <p:spPr/>
@@ -2926,7 +3096,7 @@
             <a:fld id="{C7BDBA1A-AC7B-45DC-A751-2B0A9550FCA9}" type="slidenum">
               <a:rPr lang="zh-TW" altLang="en-US" smtClean="0"/>
               <a:pPr/>
-              <a:t>11</a:t>
+              <a:t>8</a:t>
             </a:fld>
             <a:endParaRPr lang="zh-TW" altLang="en-US"/>
           </a:p>
@@ -2935,7 +3105,7 @@
     </p:spTree>
     <p:extLst>
       <p:ext uri="{BB962C8B-B14F-4D97-AF65-F5344CB8AC3E}">
-        <p14:creationId xmlns:p14="http://schemas.microsoft.com/office/powerpoint/2010/main" val="485385666"/>
+        <p14:creationId xmlns:p14="http://schemas.microsoft.com/office/powerpoint/2010/main" val="2275206625"/>
       </p:ext>
     </p:extLst>
   </p:cSld>
@@ -2989,181 +3159,6 @@
           <a:bodyPr/>
           <a:lstStyle/>
           <a:p>
-            <a:pPr algn="just"/>
-            <a:r>
-              <a:rPr lang="zh-TW" altLang="en-US" dirty="0"/>
-              <a:t>標題是要建立</a:t>
-            </a:r>
-            <a:r>
-              <a:rPr lang="zh-TW" altLang="en-US" dirty="0">
-                <a:solidFill>
-                  <a:srgbClr val="FF0000"/>
-                </a:solidFill>
-              </a:rPr>
-              <a:t>資料的邏輯</a:t>
-            </a:r>
-            <a:r>
-              <a:rPr lang="zh-TW" altLang="en-US" dirty="0"/>
-              <a:t>，將相關資料群組在同一欄之下，並參照以下規定：</a:t>
-            </a:r>
-            <a:endParaRPr lang="en-US" altLang="zh-TW" dirty="0"/>
-          </a:p>
-          <a:p>
-            <a:pPr lvl="1" algn="just"/>
-            <a:r>
-              <a:rPr lang="zh-TW" altLang="en-US" dirty="0"/>
-              <a:t>欄標題</a:t>
-            </a:r>
-            <a:r>
-              <a:rPr lang="zh-TW" altLang="en-US" dirty="0">
-                <a:solidFill>
-                  <a:srgbClr val="FF0000"/>
-                </a:solidFill>
-              </a:rPr>
-              <a:t>應簡短</a:t>
-            </a:r>
-            <a:r>
-              <a:rPr lang="zh-TW" altLang="en-US" dirty="0"/>
-              <a:t>，不要與欄內文字字數差距過於懸殊，也不應超越欄寬</a:t>
-            </a:r>
-            <a:endParaRPr lang="en-US" altLang="zh-TW" dirty="0"/>
-          </a:p>
-          <a:p>
-            <a:pPr lvl="1" algn="just"/>
-            <a:r>
-              <a:rPr lang="zh-TW" altLang="en-US" dirty="0"/>
-              <a:t>欄標題可能只有一層，也可能有兩、三層。如有兩層以上的欄標題，在第一個層次的欄標題之下應</a:t>
-            </a:r>
-            <a:r>
-              <a:rPr lang="zh-TW" altLang="en-US" dirty="0">
-                <a:solidFill>
-                  <a:srgbClr val="FF0000"/>
-                </a:solidFill>
-              </a:rPr>
-              <a:t>劃一橫線</a:t>
-            </a:r>
-            <a:r>
-              <a:rPr lang="en-US" altLang="zh-TW" dirty="0"/>
-              <a:t>(</a:t>
-            </a:r>
-            <a:r>
-              <a:rPr lang="zh-TW" altLang="en-US" dirty="0"/>
-              <a:t>表格框線，如下所示</a:t>
-            </a:r>
-            <a:r>
-              <a:rPr lang="en-US" altLang="zh-TW" dirty="0"/>
-              <a:t>)</a:t>
-            </a:r>
-            <a:r>
-              <a:rPr lang="zh-TW" altLang="en-US" dirty="0"/>
-              <a:t>，然後再寫細分的小標題</a:t>
-            </a:r>
-            <a:endParaRPr lang="en-US" altLang="zh-TW" dirty="0"/>
-          </a:p>
-          <a:p>
-            <a:pPr lvl="1" algn="just"/>
-            <a:r>
-              <a:rPr lang="zh-TW" altLang="en-US" dirty="0"/>
-              <a:t>欄標題應該</a:t>
-            </a:r>
-            <a:r>
-              <a:rPr lang="zh-TW" altLang="en-US" dirty="0">
-                <a:solidFill>
-                  <a:srgbClr val="FF0000"/>
-                </a:solidFill>
-              </a:rPr>
-              <a:t>置中</a:t>
-            </a:r>
-            <a:r>
-              <a:rPr lang="zh-TW" altLang="en-US" dirty="0"/>
-              <a:t>於所屬各欄</a:t>
-            </a:r>
-            <a:endParaRPr lang="en-US" altLang="zh-TW" dirty="0"/>
-          </a:p>
-          <a:p>
-            <a:pPr lvl="1" algn="just"/>
-            <a:r>
-              <a:rPr lang="zh-TW" altLang="en-US" dirty="0"/>
-              <a:t>欄標題以</a:t>
-            </a:r>
-            <a:r>
-              <a:rPr lang="zh-TW" altLang="en-US" dirty="0">
-                <a:solidFill>
-                  <a:srgbClr val="FF0000"/>
-                </a:solidFill>
-              </a:rPr>
-              <a:t>橫書</a:t>
-            </a:r>
-            <a:r>
-              <a:rPr lang="zh-TW" altLang="en-US" dirty="0"/>
-              <a:t>為原則，且第一個字母必須</a:t>
-            </a:r>
-            <a:r>
-              <a:rPr lang="zh-TW" altLang="en-US" dirty="0">
-                <a:solidFill>
-                  <a:srgbClr val="FF0000"/>
-                </a:solidFill>
-              </a:rPr>
-              <a:t>大寫</a:t>
-            </a:r>
-            <a:endParaRPr lang="en-US" altLang="zh-TW" dirty="0">
-              <a:solidFill>
-                <a:srgbClr val="FF0000"/>
-              </a:solidFill>
-            </a:endParaRPr>
-          </a:p>
-          <a:p>
-            <a:pPr lvl="1" algn="just"/>
-            <a:r>
-              <a:rPr lang="zh-TW" altLang="en-US" dirty="0"/>
-              <a:t>表中的每一欄都應該賦予標題，包括最左邊的</a:t>
-            </a:r>
-            <a:r>
-              <a:rPr lang="zh-TW" altLang="en-US" dirty="0">
-                <a:solidFill>
-                  <a:srgbClr val="FF0000"/>
-                </a:solidFill>
-              </a:rPr>
-              <a:t>側欄</a:t>
-            </a:r>
-          </a:p>
-          <a:p>
-            <a:pPr lvl="2" algn="just"/>
-            <a:r>
-              <a:rPr lang="zh-TW" altLang="en-US" dirty="0"/>
-              <a:t>表格最左邊的一欄，稱之為側欄</a:t>
-            </a:r>
-          </a:p>
-          <a:p>
-            <a:pPr lvl="2" algn="just"/>
-            <a:r>
-              <a:rPr lang="zh-TW" altLang="en-US" dirty="0"/>
-              <a:t>側欄通常用來條列重要的自變項</a:t>
-            </a:r>
-          </a:p>
-          <a:p>
-            <a:pPr lvl="2" algn="just"/>
-            <a:r>
-              <a:rPr lang="zh-TW" altLang="en-US" dirty="0"/>
-              <a:t>側欄標題要細分時，宜直接在同欄細分，不宜另起新欄</a:t>
-            </a:r>
-          </a:p>
-          <a:p>
-            <a:pPr lvl="2" algn="just"/>
-            <a:r>
-              <a:rPr lang="zh-TW" altLang="en-US" dirty="0"/>
-              <a:t>側欄標題分層過細的話，第二層以後的標題應逐層內縮兩格</a:t>
-            </a:r>
-            <a:endParaRPr lang="en-US" altLang="zh-TW" dirty="0"/>
-          </a:p>
-          <a:p>
-            <a:pPr lvl="1"/>
-            <a:endParaRPr lang="zh-TW" altLang="en-US" dirty="0"/>
-          </a:p>
-          <a:p>
-            <a:endParaRPr lang="zh-TW" altLang="en-US" dirty="0"/>
-          </a:p>
-          <a:p>
             <a:endParaRPr lang="zh-TW" altLang="en-US" dirty="0"/>
           </a:p>
         </p:txBody>
@@ -3183,10 +3178,10 @@
           <a:bodyPr/>
           <a:lstStyle/>
           <a:p>
-            <a:fld id="{C7BDBA1A-AC7B-45DC-A751-2B0A9550FCA9}" type="slidenum">
+            <a:fld id="{518BE4F5-F18B-4D2C-9D11-3E6D941672A9}" type="slidenum">
               <a:rPr lang="zh-TW" altLang="en-US" smtClean="0"/>
               <a:pPr/>
-              <a:t>18</a:t>
+              <a:t>9</a:t>
             </a:fld>
             <a:endParaRPr lang="zh-TW" altLang="en-US"/>
           </a:p>
@@ -3195,7 +3190,7 @@
     </p:spTree>
     <p:extLst>
       <p:ext uri="{BB962C8B-B14F-4D97-AF65-F5344CB8AC3E}">
-        <p14:creationId xmlns:p14="http://schemas.microsoft.com/office/powerpoint/2010/main" val="3208253003"/>
+        <p14:creationId xmlns:p14="http://schemas.microsoft.com/office/powerpoint/2010/main" val="3333153210"/>
       </p:ext>
     </p:extLst>
   </p:cSld>
@@ -3249,7 +3244,7 @@
           <a:bodyPr/>
           <a:lstStyle/>
           <a:p>
-            <a:endParaRPr lang="zh-TW" altLang="en-US"/>
+            <a:endParaRPr lang="zh-TW" altLang="en-US" dirty="0"/>
           </a:p>
         </p:txBody>
       </p:sp>
@@ -3271,7 +3266,7 @@
             <a:fld id="{C7BDBA1A-AC7B-45DC-A751-2B0A9550FCA9}" type="slidenum">
               <a:rPr lang="zh-TW" altLang="en-US" smtClean="0"/>
               <a:pPr/>
-              <a:t>31</a:t>
+              <a:t>11</a:t>
             </a:fld>
             <a:endParaRPr lang="zh-TW" altLang="en-US"/>
           </a:p>
@@ -3280,7 +3275,7 @@
     </p:spTree>
     <p:extLst>
       <p:ext uri="{BB962C8B-B14F-4D97-AF65-F5344CB8AC3E}">
-        <p14:creationId xmlns:p14="http://schemas.microsoft.com/office/powerpoint/2010/main" val="1821877181"/>
+        <p14:creationId xmlns:p14="http://schemas.microsoft.com/office/powerpoint/2010/main" val="485385666"/>
       </p:ext>
     </p:extLst>
   </p:cSld>
@@ -3334,6 +3329,181 @@
           <a:bodyPr/>
           <a:lstStyle/>
           <a:p>
+            <a:pPr algn="just"/>
+            <a:r>
+              <a:rPr lang="zh-TW" altLang="en-US" dirty="0"/>
+              <a:t>標題是要建立</a:t>
+            </a:r>
+            <a:r>
+              <a:rPr lang="zh-TW" altLang="en-US" dirty="0">
+                <a:solidFill>
+                  <a:srgbClr val="FF0000"/>
+                </a:solidFill>
+              </a:rPr>
+              <a:t>資料的邏輯</a:t>
+            </a:r>
+            <a:r>
+              <a:rPr lang="zh-TW" altLang="en-US" dirty="0"/>
+              <a:t>，將相關資料群組在同一欄之下，並參照以下規定：</a:t>
+            </a:r>
+            <a:endParaRPr lang="en-US" altLang="zh-TW" dirty="0"/>
+          </a:p>
+          <a:p>
+            <a:pPr lvl="1" algn="just"/>
+            <a:r>
+              <a:rPr lang="zh-TW" altLang="en-US" dirty="0"/>
+              <a:t>欄標題</a:t>
+            </a:r>
+            <a:r>
+              <a:rPr lang="zh-TW" altLang="en-US" dirty="0">
+                <a:solidFill>
+                  <a:srgbClr val="FF0000"/>
+                </a:solidFill>
+              </a:rPr>
+              <a:t>應簡短</a:t>
+            </a:r>
+            <a:r>
+              <a:rPr lang="zh-TW" altLang="en-US" dirty="0"/>
+              <a:t>，不要與欄內文字字數差距過於懸殊，也不應超越欄寬</a:t>
+            </a:r>
+            <a:endParaRPr lang="en-US" altLang="zh-TW" dirty="0"/>
+          </a:p>
+          <a:p>
+            <a:pPr lvl="1" algn="just"/>
+            <a:r>
+              <a:rPr lang="zh-TW" altLang="en-US" dirty="0"/>
+              <a:t>欄標題可能只有一層，也可能有兩、三層。如有兩層以上的欄標題，在第一個層次的欄標題之下應</a:t>
+            </a:r>
+            <a:r>
+              <a:rPr lang="zh-TW" altLang="en-US" dirty="0">
+                <a:solidFill>
+                  <a:srgbClr val="FF0000"/>
+                </a:solidFill>
+              </a:rPr>
+              <a:t>劃一橫線</a:t>
+            </a:r>
+            <a:r>
+              <a:rPr lang="en-US" altLang="zh-TW" dirty="0"/>
+              <a:t>(</a:t>
+            </a:r>
+            <a:r>
+              <a:rPr lang="zh-TW" altLang="en-US" dirty="0"/>
+              <a:t>表格框線，如下所示</a:t>
+            </a:r>
+            <a:r>
+              <a:rPr lang="en-US" altLang="zh-TW" dirty="0"/>
+              <a:t>)</a:t>
+            </a:r>
+            <a:r>
+              <a:rPr lang="zh-TW" altLang="en-US" dirty="0"/>
+              <a:t>，然後再寫細分的小標題</a:t>
+            </a:r>
+            <a:endParaRPr lang="en-US" altLang="zh-TW" dirty="0"/>
+          </a:p>
+          <a:p>
+            <a:pPr lvl="1" algn="just"/>
+            <a:r>
+              <a:rPr lang="zh-TW" altLang="en-US" dirty="0"/>
+              <a:t>欄標題應該</a:t>
+            </a:r>
+            <a:r>
+              <a:rPr lang="zh-TW" altLang="en-US" dirty="0">
+                <a:solidFill>
+                  <a:srgbClr val="FF0000"/>
+                </a:solidFill>
+              </a:rPr>
+              <a:t>置中</a:t>
+            </a:r>
+            <a:r>
+              <a:rPr lang="zh-TW" altLang="en-US" dirty="0"/>
+              <a:t>於所屬各欄</a:t>
+            </a:r>
+            <a:endParaRPr lang="en-US" altLang="zh-TW" dirty="0"/>
+          </a:p>
+          <a:p>
+            <a:pPr lvl="1" algn="just"/>
+            <a:r>
+              <a:rPr lang="zh-TW" altLang="en-US" dirty="0"/>
+              <a:t>欄標題以</a:t>
+            </a:r>
+            <a:r>
+              <a:rPr lang="zh-TW" altLang="en-US" dirty="0">
+                <a:solidFill>
+                  <a:srgbClr val="FF0000"/>
+                </a:solidFill>
+              </a:rPr>
+              <a:t>橫書</a:t>
+            </a:r>
+            <a:r>
+              <a:rPr lang="zh-TW" altLang="en-US" dirty="0"/>
+              <a:t>為原則，且第一個字母必須</a:t>
+            </a:r>
+            <a:r>
+              <a:rPr lang="zh-TW" altLang="en-US" dirty="0">
+                <a:solidFill>
+                  <a:srgbClr val="FF0000"/>
+                </a:solidFill>
+              </a:rPr>
+              <a:t>大寫</a:t>
+            </a:r>
+            <a:endParaRPr lang="en-US" altLang="zh-TW" dirty="0">
+              <a:solidFill>
+                <a:srgbClr val="FF0000"/>
+              </a:solidFill>
+            </a:endParaRPr>
+          </a:p>
+          <a:p>
+            <a:pPr lvl="1" algn="just"/>
+            <a:r>
+              <a:rPr lang="zh-TW" altLang="en-US" dirty="0"/>
+              <a:t>表中的每一欄都應該賦予標題，包括最左邊的</a:t>
+            </a:r>
+            <a:r>
+              <a:rPr lang="zh-TW" altLang="en-US" dirty="0">
+                <a:solidFill>
+                  <a:srgbClr val="FF0000"/>
+                </a:solidFill>
+              </a:rPr>
+              <a:t>側欄</a:t>
+            </a:r>
+          </a:p>
+          <a:p>
+            <a:pPr lvl="2" algn="just"/>
+            <a:r>
+              <a:rPr lang="zh-TW" altLang="en-US" dirty="0"/>
+              <a:t>表格最左邊的一欄，稱之為側欄</a:t>
+            </a:r>
+          </a:p>
+          <a:p>
+            <a:pPr lvl="2" algn="just"/>
+            <a:r>
+              <a:rPr lang="zh-TW" altLang="en-US" dirty="0"/>
+              <a:t>側欄通常用來條列重要的自變項</a:t>
+            </a:r>
+          </a:p>
+          <a:p>
+            <a:pPr lvl="2" algn="just"/>
+            <a:r>
+              <a:rPr lang="zh-TW" altLang="en-US" dirty="0"/>
+              <a:t>側欄標題要細分時，宜直接在同欄細分，不宜另起新欄</a:t>
+            </a:r>
+          </a:p>
+          <a:p>
+            <a:pPr lvl="2" algn="just"/>
+            <a:r>
+              <a:rPr lang="zh-TW" altLang="en-US" dirty="0"/>
+              <a:t>側欄標題分層過細的話，第二層以後的標題應逐層內縮兩格</a:t>
+            </a:r>
+            <a:endParaRPr lang="en-US" altLang="zh-TW" dirty="0"/>
+          </a:p>
+          <a:p>
+            <a:pPr lvl="1"/>
+            <a:endParaRPr lang="zh-TW" altLang="en-US" dirty="0"/>
+          </a:p>
+          <a:p>
+            <a:endParaRPr lang="zh-TW" altLang="en-US" dirty="0"/>
+          </a:p>
+          <a:p>
             <a:endParaRPr lang="zh-TW" altLang="en-US" dirty="0"/>
           </a:p>
         </p:txBody>
@@ -3356,7 +3526,7 @@
             <a:fld id="{C7BDBA1A-AC7B-45DC-A751-2B0A9550FCA9}" type="slidenum">
               <a:rPr lang="zh-TW" altLang="en-US" smtClean="0"/>
               <a:pPr/>
-              <a:t>38</a:t>
+              <a:t>18</a:t>
             </a:fld>
             <a:endParaRPr lang="zh-TW" altLang="en-US"/>
           </a:p>
@@ -3365,7 +3535,7 @@
     </p:spTree>
     <p:extLst>
       <p:ext uri="{BB962C8B-B14F-4D97-AF65-F5344CB8AC3E}">
-        <p14:creationId xmlns:p14="http://schemas.microsoft.com/office/powerpoint/2010/main" val="1875472024"/>
+        <p14:creationId xmlns:p14="http://schemas.microsoft.com/office/powerpoint/2010/main" val="3208253003"/>
       </p:ext>
     </p:extLst>
   </p:cSld>
@@ -28933,7 +29103,77 @@
               </a:rPr>
               <a:t>彩色圖表</a:t>
             </a:r>
-            <a:endParaRPr lang="en-US" altLang="zh-TW" dirty="0"/>
+            <a:endParaRPr lang="en-US" altLang="zh-TW" dirty="0">
+              <a:solidFill>
+                <a:srgbClr val="FF0000"/>
+              </a:solidFill>
+            </a:endParaRPr>
+          </a:p>
+          <a:p>
+            <a:pPr lvl="1" algn="just"/>
+            <a:r>
+              <a:rPr lang="zh-TW" altLang="en-US" dirty="0">
+                <a:solidFill>
+                  <a:srgbClr val="FF0000"/>
+                </a:solidFill>
+                <a:highlight>
+                  <a:srgbClr val="FFFF00"/>
+                </a:highlight>
+              </a:rPr>
+              <a:t>圖</a:t>
+            </a:r>
+            <a:r>
+              <a:rPr lang="en-US" altLang="zh-TW" dirty="0">
+                <a:solidFill>
+                  <a:srgbClr val="FF0000"/>
+                </a:solidFill>
+                <a:highlight>
+                  <a:srgbClr val="FFFF00"/>
+                </a:highlight>
+              </a:rPr>
+              <a:t>or</a:t>
+            </a:r>
+            <a:r>
+              <a:rPr lang="zh-TW" altLang="en-US" dirty="0">
+                <a:solidFill>
+                  <a:srgbClr val="FF0000"/>
+                </a:solidFill>
+                <a:highlight>
+                  <a:srgbClr val="FFFF00"/>
+                </a:highlight>
+              </a:rPr>
+              <a:t>表的字體不要比本文大</a:t>
+            </a:r>
+            <a:r>
+              <a:rPr lang="en-US" altLang="zh-TW" dirty="0">
+                <a:solidFill>
+                  <a:srgbClr val="FF0000"/>
+                </a:solidFill>
+                <a:highlight>
+                  <a:srgbClr val="FFFF00"/>
+                </a:highlight>
+              </a:rPr>
+              <a:t>!!!</a:t>
+            </a:r>
+          </a:p>
+          <a:p>
+            <a:pPr lvl="1" algn="just"/>
+            <a:r>
+              <a:rPr lang="zh-TW" altLang="en-US" dirty="0">
+                <a:solidFill>
+                  <a:srgbClr val="FF0000"/>
+                </a:solidFill>
+                <a:highlight>
+                  <a:srgbClr val="FFFF00"/>
+                </a:highlight>
+              </a:rPr>
+              <a:t>要注意圖表放大字要清楚不能模糊</a:t>
+            </a:r>
+            <a:endParaRPr lang="en-US" altLang="zh-TW" dirty="0">
+              <a:highlight>
+                <a:srgbClr val="FFFF00"/>
+              </a:highlight>
+            </a:endParaRPr>
           </a:p>
         </p:txBody>
       </p:sp>
@@ -29258,6 +29498,276 @@
             <a:r>
               <a:rPr lang="en-US" altLang="zh-TW" dirty="0"/>
               <a:t>, the responses were provided by ...</a:t>
+            </a:r>
+          </a:p>
+          <a:p>
+            <a:pPr lvl="1" algn="just"/>
+            <a:r>
+              <a:rPr lang="zh-TW" altLang="en-US" sz="1800" dirty="0">
+                <a:solidFill>
+                  <a:srgbClr val="FF0000"/>
+                </a:solidFill>
+                <a:highlight>
+                  <a:srgbClr val="FFFF00"/>
+                </a:highlight>
+              </a:rPr>
+              <a:t>圖用</a:t>
+            </a:r>
+            <a:r>
+              <a:rPr lang="en-US" altLang="zh-TW" sz="1800" dirty="0">
+                <a:solidFill>
+                  <a:srgbClr val="FF0000"/>
+                </a:solidFill>
+                <a:highlight>
+                  <a:srgbClr val="FFFF00"/>
+                </a:highlight>
+              </a:rPr>
+              <a:t>12345 (</a:t>
+            </a:r>
+            <a:r>
+              <a:rPr lang="zh-TW" altLang="en-US" sz="1800" dirty="0">
+                <a:solidFill>
+                  <a:srgbClr val="FF0000"/>
+                </a:solidFill>
+                <a:highlight>
+                  <a:srgbClr val="FFFF00"/>
+                </a:highlight>
+              </a:rPr>
+              <a:t>圖沒有用羅馬數字</a:t>
+            </a:r>
+            <a:r>
+              <a:rPr lang="en-US" altLang="zh-TW" sz="1800" dirty="0">
+                <a:solidFill>
+                  <a:srgbClr val="FF0000"/>
+                </a:solidFill>
+                <a:highlight>
+                  <a:srgbClr val="FFFF00"/>
+                </a:highlight>
+              </a:rPr>
+              <a:t>)</a:t>
+            </a:r>
+            <a:r>
+              <a:rPr lang="zh-TW" altLang="en-US" sz="1800" dirty="0">
+                <a:solidFill>
+                  <a:srgbClr val="FF0000"/>
+                </a:solidFill>
+                <a:highlight>
+                  <a:srgbClr val="FFFF00"/>
+                </a:highlight>
+              </a:rPr>
+              <a:t> 表用羅馬數字或</a:t>
+            </a:r>
+            <a:r>
+              <a:rPr lang="en-US" altLang="zh-TW" sz="1800" dirty="0">
+                <a:solidFill>
+                  <a:srgbClr val="FF0000"/>
+                </a:solidFill>
+                <a:highlight>
+                  <a:srgbClr val="FFFF00"/>
+                </a:highlight>
+              </a:rPr>
+              <a:t>123</a:t>
+            </a:r>
+            <a:r>
+              <a:rPr lang="zh-TW" altLang="en-US" sz="1800" dirty="0">
+                <a:solidFill>
+                  <a:srgbClr val="FF0000"/>
+                </a:solidFill>
+                <a:highlight>
+                  <a:srgbClr val="FFFF00"/>
+                </a:highlight>
+              </a:rPr>
+              <a:t>都可以</a:t>
+            </a:r>
+            <a:endParaRPr lang="en-US" altLang="zh-TW" sz="1800" dirty="0">
+              <a:solidFill>
+                <a:srgbClr val="FF0000"/>
+              </a:solidFill>
+              <a:highlight>
+                <a:srgbClr val="FFFF00"/>
+              </a:highlight>
+            </a:endParaRPr>
+          </a:p>
+          <a:p>
+            <a:pPr lvl="1" algn="just"/>
+            <a:r>
+              <a:rPr lang="zh-TW" altLang="en-US" sz="1800" dirty="0">
+                <a:solidFill>
+                  <a:srgbClr val="FF0000"/>
+                </a:solidFill>
+                <a:highlight>
+                  <a:srgbClr val="FFFF00"/>
+                </a:highlight>
+              </a:rPr>
+              <a:t>碩士論文為啥要用</a:t>
+            </a:r>
+            <a:r>
+              <a:rPr lang="en-US" altLang="zh-TW" sz="1800" dirty="0">
+                <a:solidFill>
+                  <a:srgbClr val="FF0000"/>
+                </a:solidFill>
+                <a:highlight>
+                  <a:srgbClr val="FFFF00"/>
+                </a:highlight>
+              </a:rPr>
+              <a:t>5-1/5-2?(</a:t>
+            </a:r>
+            <a:r>
+              <a:rPr lang="zh-TW" altLang="en-US" sz="1800" dirty="0">
+                <a:solidFill>
+                  <a:srgbClr val="FF0000"/>
+                </a:solidFill>
+                <a:highlight>
+                  <a:srgbClr val="FFFF00"/>
+                </a:highlight>
+              </a:rPr>
+              <a:t>只是因為比較好改</a:t>
+            </a:r>
+            <a:r>
+              <a:rPr lang="en-US" altLang="zh-TW" sz="1800" dirty="0">
+                <a:solidFill>
+                  <a:srgbClr val="FF0000"/>
+                </a:solidFill>
+                <a:highlight>
+                  <a:srgbClr val="FFFF00"/>
+                </a:highlight>
+              </a:rPr>
+              <a:t>)</a:t>
+            </a:r>
+            <a:r>
+              <a:rPr lang="zh-TW" altLang="en-US" sz="1800" dirty="0">
+                <a:solidFill>
+                  <a:srgbClr val="FF0000"/>
+                </a:solidFill>
+                <a:highlight>
+                  <a:srgbClr val="FFFF00"/>
+                </a:highlight>
+              </a:rPr>
+              <a:t>，但可以只用</a:t>
+            </a:r>
+            <a:r>
+              <a:rPr lang="en-US" altLang="zh-TW" sz="1800" dirty="0">
+                <a:solidFill>
+                  <a:srgbClr val="FF0000"/>
+                </a:solidFill>
+                <a:highlight>
+                  <a:srgbClr val="FFFF00"/>
+                </a:highlight>
+              </a:rPr>
+              <a:t>567</a:t>
+            </a:r>
+          </a:p>
+          <a:p>
+            <a:pPr lvl="1" algn="just"/>
+            <a:r>
+              <a:rPr lang="zh-TW" altLang="en-US" sz="1800" dirty="0">
+                <a:solidFill>
+                  <a:srgbClr val="FF0000"/>
+                </a:solidFill>
+                <a:highlight>
+                  <a:srgbClr val="FFFF00"/>
+                </a:highlight>
+              </a:rPr>
+              <a:t>碩士論文</a:t>
+            </a:r>
+            <a:r>
+              <a:rPr lang="en-US" altLang="zh-TW" sz="1800" dirty="0">
+                <a:solidFill>
+                  <a:srgbClr val="FF0000"/>
+                </a:solidFill>
+                <a:highlight>
+                  <a:srgbClr val="FFFF00"/>
+                </a:highlight>
+              </a:rPr>
+              <a:t>chapter+123(</a:t>
+            </a:r>
+            <a:r>
+              <a:rPr lang="zh-TW" altLang="en-US" sz="1800" dirty="0">
+                <a:solidFill>
+                  <a:srgbClr val="FF0000"/>
+                </a:solidFill>
+                <a:highlight>
+                  <a:srgbClr val="FFFF00"/>
+                </a:highlight>
+              </a:rPr>
+              <a:t>比較像書</a:t>
+            </a:r>
+            <a:r>
+              <a:rPr lang="en-US" altLang="zh-TW" sz="1800" dirty="0">
+                <a:solidFill>
+                  <a:srgbClr val="FF0000"/>
+                </a:solidFill>
+                <a:highlight>
+                  <a:srgbClr val="FFFF00"/>
+                </a:highlight>
+              </a:rPr>
+              <a:t>)</a:t>
+            </a:r>
+            <a:r>
+              <a:rPr lang="zh-TW" altLang="en-US" sz="1800" dirty="0">
+                <a:solidFill>
+                  <a:srgbClr val="FF0000"/>
+                </a:solidFill>
+                <a:highlight>
+                  <a:srgbClr val="FFFF00"/>
+                </a:highlight>
+              </a:rPr>
+              <a:t>投稿論文比較多用</a:t>
+            </a:r>
+            <a:r>
+              <a:rPr lang="en-US" altLang="zh-TW" sz="1800" dirty="0">
+                <a:solidFill>
+                  <a:srgbClr val="FF0000"/>
+                </a:solidFill>
+                <a:highlight>
+                  <a:srgbClr val="FFFF00"/>
+                </a:highlight>
+              </a:rPr>
+              <a:t>section +</a:t>
+            </a:r>
+            <a:r>
+              <a:rPr lang="zh-TW" altLang="en-US" sz="1800" dirty="0">
+                <a:solidFill>
+                  <a:srgbClr val="FF0000"/>
+                </a:solidFill>
+                <a:highlight>
+                  <a:srgbClr val="FFFF00"/>
+                </a:highlight>
+              </a:rPr>
+              <a:t>羅馬符號</a:t>
+            </a:r>
+            <a:r>
+              <a:rPr lang="en-US" altLang="zh-TW" sz="1800" dirty="0">
+                <a:solidFill>
+                  <a:srgbClr val="FF0000"/>
+                </a:solidFill>
+                <a:highlight>
+                  <a:srgbClr val="FFFF00"/>
+                </a:highlight>
+              </a:rPr>
+              <a:t>(</a:t>
+            </a:r>
+            <a:r>
+              <a:rPr lang="zh-TW" altLang="en-US" sz="1800" dirty="0">
+                <a:solidFill>
+                  <a:srgbClr val="FF0000"/>
+                </a:solidFill>
+                <a:highlight>
+                  <a:srgbClr val="FFFF00"/>
+                </a:highlight>
+              </a:rPr>
+              <a:t>電子檔</a:t>
+            </a:r>
+            <a:r>
+              <a:rPr lang="en-US" altLang="zh-TW" sz="1800" dirty="0">
+                <a:solidFill>
+                  <a:srgbClr val="FF0000"/>
+                </a:solidFill>
+                <a:highlight>
+                  <a:srgbClr val="FFFF00"/>
+                </a:highlight>
+              </a:rPr>
+              <a:t>)</a:t>
             </a:r>
           </a:p>
         </p:txBody>

--- a/MI5014701 科技研究與論文寫作 Technology Research and Thesis Writing/4. Figure-table.pptx
+++ b/MI5014701 科技研究與論文寫作 Technology Research and Thesis Writing/4. Figure-table.pptx
@@ -1586,7 +1586,7 @@
             <a:fld id="{247B535D-8BD0-404E-96D6-D5C611C59A2C}" type="datetimeFigureOut">
               <a:rPr lang="zh-TW" altLang="en-US" smtClean="0"/>
               <a:pPr/>
-              <a:t>2023/10/19</a:t>
+              <a:t>2023/10/26</a:t>
             </a:fld>
             <a:endParaRPr lang="zh-TW" altLang="en-US"/>
           </a:p>
@@ -1753,7 +1753,7 @@
             <a:fld id="{8A138D5D-92D2-4EB1-8778-0DDC1EE16406}" type="datetimeFigureOut">
               <a:rPr lang="zh-TW" altLang="en-US" smtClean="0"/>
               <a:pPr/>
-              <a:t>2023/10/19</a:t>
+              <a:t>2023/10/26</a:t>
             </a:fld>
             <a:endParaRPr lang="zh-TW" altLang="en-US"/>
           </a:p>
@@ -2125,7 +2125,7 @@
       </p:grpSpPr>
       <p:sp>
         <p:nvSpPr>
-          <p:cNvPr id="2" name="投影片圖像版面配置區 1"/>
+          <p:cNvPr id="2" name="投影片影像版面配置區 1"/>
           <p:cNvSpPr>
             <a:spLocks noGrp="1" noRot="1" noChangeAspect="1"/>
           </p:cNvSpPr>
@@ -2150,7 +2150,10 @@
           <a:bodyPr/>
           <a:lstStyle/>
           <a:p>
-            <a:endParaRPr lang="zh-TW" altLang="en-US"/>
+            <a:r>
+              <a:rPr lang="zh-TW" altLang="en-US" dirty="0"/>
+              <a:t>形容詞、動名詞、各種詞性需要一致</a:t>
+            </a:r>
           </a:p>
         </p:txBody>
       </p:sp>
@@ -2161,7 +2164,7 @@
             <a:spLocks noGrp="1"/>
           </p:cNvSpPr>
           <p:nvPr>
-            <p:ph type="sldNum" sz="quarter" idx="10"/>
+            <p:ph type="sldNum" sz="quarter" idx="5"/>
           </p:nvPr>
         </p:nvSpPr>
         <p:spPr/>
@@ -2172,7 +2175,7 @@
             <a:fld id="{C7BDBA1A-AC7B-45DC-A751-2B0A9550FCA9}" type="slidenum">
               <a:rPr lang="zh-TW" altLang="en-US" smtClean="0"/>
               <a:pPr/>
-              <a:t>31</a:t>
+              <a:t>17</a:t>
             </a:fld>
             <a:endParaRPr lang="zh-TW" altLang="en-US"/>
           </a:p>
@@ -2181,7 +2184,7 @@
     </p:spTree>
     <p:extLst>
       <p:ext uri="{BB962C8B-B14F-4D97-AF65-F5344CB8AC3E}">
-        <p14:creationId xmlns:p14="http://schemas.microsoft.com/office/powerpoint/2010/main" val="1821877181"/>
+        <p14:creationId xmlns:p14="http://schemas.microsoft.com/office/powerpoint/2010/main" val="3802108895"/>
       </p:ext>
     </p:extLst>
   </p:cSld>
@@ -2235,6 +2238,181 @@
           <a:bodyPr/>
           <a:lstStyle/>
           <a:p>
+            <a:pPr algn="just"/>
+            <a:r>
+              <a:rPr lang="zh-TW" altLang="en-US" dirty="0"/>
+              <a:t>標題是要建立</a:t>
+            </a:r>
+            <a:r>
+              <a:rPr lang="zh-TW" altLang="en-US" dirty="0">
+                <a:solidFill>
+                  <a:srgbClr val="FF0000"/>
+                </a:solidFill>
+              </a:rPr>
+              <a:t>資料的邏輯</a:t>
+            </a:r>
+            <a:r>
+              <a:rPr lang="zh-TW" altLang="en-US" dirty="0"/>
+              <a:t>，將相關資料群組在同一欄之下，並參照以下規定：</a:t>
+            </a:r>
+            <a:endParaRPr lang="en-US" altLang="zh-TW" dirty="0"/>
+          </a:p>
+          <a:p>
+            <a:pPr lvl="1" algn="just"/>
+            <a:r>
+              <a:rPr lang="zh-TW" altLang="en-US" dirty="0"/>
+              <a:t>欄標題</a:t>
+            </a:r>
+            <a:r>
+              <a:rPr lang="zh-TW" altLang="en-US" dirty="0">
+                <a:solidFill>
+                  <a:srgbClr val="FF0000"/>
+                </a:solidFill>
+              </a:rPr>
+              <a:t>應簡短</a:t>
+            </a:r>
+            <a:r>
+              <a:rPr lang="zh-TW" altLang="en-US" dirty="0"/>
+              <a:t>，不要與欄內文字字數差距過於懸殊，也不應超越欄寬</a:t>
+            </a:r>
+            <a:endParaRPr lang="en-US" altLang="zh-TW" dirty="0"/>
+          </a:p>
+          <a:p>
+            <a:pPr lvl="1" algn="just"/>
+            <a:r>
+              <a:rPr lang="zh-TW" altLang="en-US" dirty="0"/>
+              <a:t>欄標題可能只有一層，也可能有兩、三層。如有兩層以上的欄標題，在第一個層次的欄標題之下應</a:t>
+            </a:r>
+            <a:r>
+              <a:rPr lang="zh-TW" altLang="en-US" dirty="0">
+                <a:solidFill>
+                  <a:srgbClr val="FF0000"/>
+                </a:solidFill>
+              </a:rPr>
+              <a:t>劃一橫線</a:t>
+            </a:r>
+            <a:r>
+              <a:rPr lang="en-US" altLang="zh-TW" dirty="0"/>
+              <a:t>(</a:t>
+            </a:r>
+            <a:r>
+              <a:rPr lang="zh-TW" altLang="en-US" dirty="0"/>
+              <a:t>表格框線，如下所示</a:t>
+            </a:r>
+            <a:r>
+              <a:rPr lang="en-US" altLang="zh-TW" dirty="0"/>
+              <a:t>)</a:t>
+            </a:r>
+            <a:r>
+              <a:rPr lang="zh-TW" altLang="en-US" dirty="0"/>
+              <a:t>，然後再寫細分的小標題</a:t>
+            </a:r>
+            <a:endParaRPr lang="en-US" altLang="zh-TW" dirty="0"/>
+          </a:p>
+          <a:p>
+            <a:pPr lvl="1" algn="just"/>
+            <a:r>
+              <a:rPr lang="zh-TW" altLang="en-US" dirty="0"/>
+              <a:t>欄標題應該</a:t>
+            </a:r>
+            <a:r>
+              <a:rPr lang="zh-TW" altLang="en-US" dirty="0">
+                <a:solidFill>
+                  <a:srgbClr val="FF0000"/>
+                </a:solidFill>
+              </a:rPr>
+              <a:t>置中</a:t>
+            </a:r>
+            <a:r>
+              <a:rPr lang="zh-TW" altLang="en-US" dirty="0"/>
+              <a:t>於所屬各欄</a:t>
+            </a:r>
+            <a:endParaRPr lang="en-US" altLang="zh-TW" dirty="0"/>
+          </a:p>
+          <a:p>
+            <a:pPr lvl="1" algn="just"/>
+            <a:r>
+              <a:rPr lang="zh-TW" altLang="en-US" dirty="0"/>
+              <a:t>欄標題以</a:t>
+            </a:r>
+            <a:r>
+              <a:rPr lang="zh-TW" altLang="en-US" dirty="0">
+                <a:solidFill>
+                  <a:srgbClr val="FF0000"/>
+                </a:solidFill>
+              </a:rPr>
+              <a:t>橫書</a:t>
+            </a:r>
+            <a:r>
+              <a:rPr lang="zh-TW" altLang="en-US" dirty="0"/>
+              <a:t>為原則，且第一個字母必須</a:t>
+            </a:r>
+            <a:r>
+              <a:rPr lang="zh-TW" altLang="en-US" dirty="0">
+                <a:solidFill>
+                  <a:srgbClr val="FF0000"/>
+                </a:solidFill>
+              </a:rPr>
+              <a:t>大寫</a:t>
+            </a:r>
+            <a:endParaRPr lang="en-US" altLang="zh-TW" dirty="0">
+              <a:solidFill>
+                <a:srgbClr val="FF0000"/>
+              </a:solidFill>
+            </a:endParaRPr>
+          </a:p>
+          <a:p>
+            <a:pPr lvl="1" algn="just"/>
+            <a:r>
+              <a:rPr lang="zh-TW" altLang="en-US" dirty="0"/>
+              <a:t>表中的每一欄都應該賦予標題，包括最左邊的</a:t>
+            </a:r>
+            <a:r>
+              <a:rPr lang="zh-TW" altLang="en-US" dirty="0">
+                <a:solidFill>
+                  <a:srgbClr val="FF0000"/>
+                </a:solidFill>
+              </a:rPr>
+              <a:t>側欄</a:t>
+            </a:r>
+          </a:p>
+          <a:p>
+            <a:pPr lvl="2" algn="just"/>
+            <a:r>
+              <a:rPr lang="zh-TW" altLang="en-US" dirty="0"/>
+              <a:t>表格最左邊的一欄，稱之為側欄</a:t>
+            </a:r>
+          </a:p>
+          <a:p>
+            <a:pPr lvl="2" algn="just"/>
+            <a:r>
+              <a:rPr lang="zh-TW" altLang="en-US" dirty="0"/>
+              <a:t>側欄通常用來條列重要的自變項</a:t>
+            </a:r>
+          </a:p>
+          <a:p>
+            <a:pPr lvl="2" algn="just"/>
+            <a:r>
+              <a:rPr lang="zh-TW" altLang="en-US" dirty="0"/>
+              <a:t>側欄標題要細分時，宜直接在同欄細分，不宜另起新欄</a:t>
+            </a:r>
+          </a:p>
+          <a:p>
+            <a:pPr lvl="2" algn="just"/>
+            <a:r>
+              <a:rPr lang="zh-TW" altLang="en-US" dirty="0"/>
+              <a:t>側欄標題分層過細的話，第二層以後的標題應逐層內縮兩格</a:t>
+            </a:r>
+            <a:endParaRPr lang="en-US" altLang="zh-TW" dirty="0"/>
+          </a:p>
+          <a:p>
+            <a:pPr lvl="1"/>
+            <a:endParaRPr lang="zh-TW" altLang="en-US" dirty="0"/>
+          </a:p>
+          <a:p>
+            <a:endParaRPr lang="zh-TW" altLang="en-US" dirty="0"/>
+          </a:p>
+          <a:p>
             <a:endParaRPr lang="zh-TW" altLang="en-US" dirty="0"/>
           </a:p>
         </p:txBody>
@@ -2257,7 +2435,7 @@
             <a:fld id="{C7BDBA1A-AC7B-45DC-A751-2B0A9550FCA9}" type="slidenum">
               <a:rPr lang="zh-TW" altLang="en-US" smtClean="0"/>
               <a:pPr/>
-              <a:t>38</a:t>
+              <a:t>18</a:t>
             </a:fld>
             <a:endParaRPr lang="zh-TW" altLang="en-US"/>
           </a:p>
@@ -2266,7 +2444,7 @@
     </p:spTree>
     <p:extLst>
       <p:ext uri="{BB962C8B-B14F-4D97-AF65-F5344CB8AC3E}">
-        <p14:creationId xmlns:p14="http://schemas.microsoft.com/office/powerpoint/2010/main" val="1875472024"/>
+        <p14:creationId xmlns:p14="http://schemas.microsoft.com/office/powerpoint/2010/main" val="3208253003"/>
       </p:ext>
     </p:extLst>
   </p:cSld>
@@ -2295,7 +2473,7 @@
       </p:grpSpPr>
       <p:sp>
         <p:nvSpPr>
-          <p:cNvPr id="2" name="投影片圖像版面配置區 1"/>
+          <p:cNvPr id="2" name="投影片影像版面配置區 1"/>
           <p:cNvSpPr>
             <a:spLocks noGrp="1" noRot="1" noChangeAspect="1"/>
           </p:cNvSpPr>
@@ -2320,158 +2498,8 @@
           <a:bodyPr/>
           <a:lstStyle/>
           <a:p>
-            <a:pPr marL="0" marR="0" lvl="1" indent="0" algn="l" defTabSz="914400" rtl="0" eaLnBrk="1" fontAlgn="auto" latinLnBrk="0" hangingPunct="1">
-              <a:lnSpc>
-                <a:spcPct val="100000"/>
-              </a:lnSpc>
-              <a:spcBef>
-                <a:spcPts val="0"/>
-              </a:spcBef>
-              <a:spcAft>
-                <a:spcPts val="0"/>
-              </a:spcAft>
-              <a:buClrTx/>
-              <a:buSzTx/>
-              <a:buFontTx/>
-              <a:buNone/>
-              <a:tabLst/>
-              <a:defRPr/>
-            </a:pPr>
-            <a:r>
-              <a:rPr lang="zh-TW" altLang="en-US" dirty="0"/>
-              <a:t>英文選字母間隔適當：英文選字母間隔適當以免字母過於擁擠甚至重疊</a:t>
-            </a:r>
-            <a:endParaRPr lang="en-US" altLang="zh-TW" dirty="0"/>
-          </a:p>
-          <a:p>
-            <a:pPr marL="0" marR="0" lvl="1" indent="0" algn="l" defTabSz="914400" rtl="0" eaLnBrk="1" fontAlgn="auto" latinLnBrk="0" hangingPunct="1">
-              <a:lnSpc>
-                <a:spcPct val="100000"/>
-              </a:lnSpc>
-              <a:spcBef>
-                <a:spcPts val="0"/>
-              </a:spcBef>
-              <a:spcAft>
-                <a:spcPts val="0"/>
-              </a:spcAft>
-              <a:buClrTx/>
-              <a:buSzTx/>
-              <a:buFontTx/>
-              <a:buNone/>
-              <a:tabLst/>
-              <a:defRPr/>
-            </a:pPr>
-            <a:r>
-              <a:rPr lang="zh-TW" altLang="en-US" dirty="0"/>
-              <a:t>字體的大小變化</a:t>
-            </a:r>
-            <a:r>
-              <a:rPr lang="zh-TW" altLang="en-US" dirty="0">
-                <a:solidFill>
-                  <a:srgbClr val="FF0000"/>
-                </a:solidFill>
-              </a:rPr>
-              <a:t>不應超過</a:t>
-            </a:r>
-            <a:r>
-              <a:rPr lang="en-US" altLang="zh-TW" dirty="0">
-                <a:solidFill>
-                  <a:srgbClr val="FF0000"/>
-                </a:solidFill>
-              </a:rPr>
-              <a:t>4</a:t>
-            </a:r>
-            <a:r>
-              <a:rPr lang="zh-TW" altLang="en-US" dirty="0">
-                <a:solidFill>
-                  <a:srgbClr val="FF0000"/>
-                </a:solidFill>
-              </a:rPr>
-              <a:t>點</a:t>
-            </a:r>
-            <a:r>
-              <a:rPr lang="zh-TW" altLang="en-US" dirty="0">
-                <a:solidFill>
-                  <a:schemeClr val="tx1"/>
-                </a:solidFill>
-              </a:rPr>
-              <a:t>：</a:t>
-            </a:r>
-            <a:r>
-              <a:rPr lang="zh-TW" altLang="en-US" dirty="0"/>
-              <a:t>如座標軸的標示是</a:t>
-            </a:r>
-            <a:r>
-              <a:rPr lang="en-US" altLang="zh-TW" dirty="0"/>
-              <a:t>12</a:t>
-            </a:r>
-            <a:r>
-              <a:rPr lang="zh-TW" altLang="en-US" dirty="0"/>
-              <a:t>點，圖例大小就不能小於</a:t>
-            </a:r>
-            <a:r>
-              <a:rPr lang="en-US" altLang="zh-TW" dirty="0"/>
-              <a:t>8</a:t>
-            </a:r>
-            <a:r>
-              <a:rPr lang="zh-TW" altLang="en-US" dirty="0"/>
-              <a:t>點或大於</a:t>
-            </a:r>
-            <a:r>
-              <a:rPr lang="en-US" altLang="zh-TW" dirty="0"/>
-              <a:t>16</a:t>
-            </a:r>
-            <a:r>
-              <a:rPr lang="zh-TW" altLang="en-US" dirty="0"/>
-              <a:t>點</a:t>
-            </a:r>
-          </a:p>
-          <a:p>
-            <a:pPr marL="0" marR="0" lvl="1" indent="0" algn="l" defTabSz="914400" rtl="0" eaLnBrk="1" fontAlgn="auto" latinLnBrk="0" hangingPunct="1">
-              <a:lnSpc>
-                <a:spcPct val="100000"/>
-              </a:lnSpc>
-              <a:spcBef>
-                <a:spcPts val="0"/>
-              </a:spcBef>
-              <a:spcAft>
-                <a:spcPts val="0"/>
-              </a:spcAft>
-              <a:buClrTx/>
-              <a:buSzTx/>
-              <a:buFontTx/>
-              <a:buNone/>
-              <a:tabLst/>
-              <a:defRPr/>
-            </a:pPr>
-            <a:r>
-              <a:rPr lang="zh-TW" altLang="en-US" dirty="0"/>
-              <a:t>字體的粗細也會影響閱讀：粗體字太黑，字體較小時複製圖後可能會影響閱讀</a:t>
-            </a:r>
-          </a:p>
-          <a:p>
-            <a:pPr marL="0" marR="0" lvl="1" indent="0" algn="l" defTabSz="914400" rtl="0" eaLnBrk="1" fontAlgn="auto" latinLnBrk="0" hangingPunct="1">
-              <a:lnSpc>
-                <a:spcPct val="100000"/>
-              </a:lnSpc>
-              <a:spcBef>
-                <a:spcPts val="0"/>
-              </a:spcBef>
-              <a:spcAft>
-                <a:spcPts val="0"/>
-              </a:spcAft>
-              <a:buClrTx/>
-              <a:buSzTx/>
-              <a:buFontTx/>
-              <a:buNone/>
-              <a:tabLst/>
-              <a:defRPr/>
-            </a:pPr>
             <a:endParaRPr lang="zh-TW" altLang="en-US" dirty="0"/>
           </a:p>
-          <a:p>
-            <a:endParaRPr lang="zh-TW" altLang="en-US" dirty="0"/>
-          </a:p>
         </p:txBody>
       </p:sp>
       <p:sp>
@@ -2481,7 +2509,7 @@
             <a:spLocks noGrp="1"/>
           </p:cNvSpPr>
           <p:nvPr>
-            <p:ph type="sldNum" sz="quarter" idx="10"/>
+            <p:ph type="sldNum" sz="quarter" idx="5"/>
           </p:nvPr>
         </p:nvSpPr>
         <p:spPr/>
@@ -2492,7 +2520,7 @@
             <a:fld id="{C7BDBA1A-AC7B-45DC-A751-2B0A9550FCA9}" type="slidenum">
               <a:rPr lang="zh-TW" altLang="en-US" smtClean="0"/>
               <a:pPr/>
-              <a:t>42</a:t>
+              <a:t>19</a:t>
             </a:fld>
             <a:endParaRPr lang="zh-TW" altLang="en-US"/>
           </a:p>
@@ -2501,7 +2529,933 @@
     </p:spTree>
     <p:extLst>
       <p:ext uri="{BB962C8B-B14F-4D97-AF65-F5344CB8AC3E}">
-        <p14:creationId xmlns:p14="http://schemas.microsoft.com/office/powerpoint/2010/main" val="193661458"/>
+        <p14:creationId xmlns:p14="http://schemas.microsoft.com/office/powerpoint/2010/main" val="4242690336"/>
+      </p:ext>
+    </p:extLst>
+  </p:cSld>
+  <p:clrMapOvr>
+    <a:masterClrMapping/>
+  </p:clrMapOvr>
+</p:notes>
+</file>
+
+<file path=ppt/notesSlides/notesSlide13.xml><?xml version="1.0" encoding="utf-8"?>
+<p:notes xmlns:a="http://schemas.openxmlformats.org/drawingml/2006/main" xmlns:r="http://schemas.openxmlformats.org/officeDocument/2006/relationships" xmlns:p="http://schemas.openxmlformats.org/presentationml/2006/main">
+  <p:cSld>
+    <p:spTree>
+      <p:nvGrpSpPr>
+        <p:cNvPr id="1" name=""/>
+        <p:cNvGrpSpPr/>
+        <p:nvPr/>
+      </p:nvGrpSpPr>
+      <p:grpSpPr>
+        <a:xfrm>
+          <a:off x="0" y="0"/>
+          <a:ext cx="0" cy="0"/>
+          <a:chOff x="0" y="0"/>
+          <a:chExt cx="0" cy="0"/>
+        </a:xfrm>
+      </p:grpSpPr>
+      <p:sp>
+        <p:nvSpPr>
+          <p:cNvPr id="2" name="投影片影像版面配置區 1"/>
+          <p:cNvSpPr>
+            <a:spLocks noGrp="1" noRot="1" noChangeAspect="1"/>
+          </p:cNvSpPr>
+          <p:nvPr>
+            <p:ph type="sldImg"/>
+          </p:nvPr>
+        </p:nvSpPr>
+        <p:spPr/>
+      </p:sp>
+      <p:sp>
+        <p:nvSpPr>
+          <p:cNvPr id="3" name="備忘稿版面配置區 2"/>
+          <p:cNvSpPr>
+            <a:spLocks noGrp="1"/>
+          </p:cNvSpPr>
+          <p:nvPr>
+            <p:ph type="body" idx="1"/>
+          </p:nvPr>
+        </p:nvSpPr>
+        <p:spPr/>
+        <p:txBody>
+          <a:bodyPr/>
+          <a:lstStyle/>
+          <a:p>
+            <a:r>
+              <a:rPr lang="zh-TW" altLang="en-US" dirty="0"/>
+              <a:t>如果表格本身很常可以拆開 比如參考文獻有很多 那可以</a:t>
+            </a:r>
+            <a:r>
+              <a:rPr lang="en-US" altLang="zh-TW" dirty="0"/>
+              <a:t>5g</a:t>
+            </a:r>
+            <a:r>
+              <a:rPr lang="zh-TW" altLang="en-US" dirty="0"/>
+              <a:t>依表、其他技術一個表格</a:t>
+            </a:r>
+          </a:p>
+        </p:txBody>
+      </p:sp>
+      <p:sp>
+        <p:nvSpPr>
+          <p:cNvPr id="4" name="投影片編號版面配置區 3"/>
+          <p:cNvSpPr>
+            <a:spLocks noGrp="1"/>
+          </p:cNvSpPr>
+          <p:nvPr>
+            <p:ph type="sldNum" sz="quarter" idx="5"/>
+          </p:nvPr>
+        </p:nvSpPr>
+        <p:spPr/>
+        <p:txBody>
+          <a:bodyPr/>
+          <a:lstStyle/>
+          <a:p>
+            <a:fld id="{C7BDBA1A-AC7B-45DC-A751-2B0A9550FCA9}" type="slidenum">
+              <a:rPr lang="zh-TW" altLang="en-US" smtClean="0"/>
+              <a:pPr/>
+              <a:t>25</a:t>
+            </a:fld>
+            <a:endParaRPr lang="zh-TW" altLang="en-US"/>
+          </a:p>
+        </p:txBody>
+      </p:sp>
+    </p:spTree>
+    <p:extLst>
+      <p:ext uri="{BB962C8B-B14F-4D97-AF65-F5344CB8AC3E}">
+        <p14:creationId xmlns:p14="http://schemas.microsoft.com/office/powerpoint/2010/main" val="1475050998"/>
+      </p:ext>
+    </p:extLst>
+  </p:cSld>
+  <p:clrMapOvr>
+    <a:masterClrMapping/>
+  </p:clrMapOvr>
+</p:notes>
+</file>
+
+<file path=ppt/notesSlides/notesSlide14.xml><?xml version="1.0" encoding="utf-8"?>
+<p:notes xmlns:a="http://schemas.openxmlformats.org/drawingml/2006/main" xmlns:r="http://schemas.openxmlformats.org/officeDocument/2006/relationships" xmlns:p="http://schemas.openxmlformats.org/presentationml/2006/main">
+  <p:cSld>
+    <p:spTree>
+      <p:nvGrpSpPr>
+        <p:cNvPr id="1" name=""/>
+        <p:cNvGrpSpPr/>
+        <p:nvPr/>
+      </p:nvGrpSpPr>
+      <p:grpSpPr>
+        <a:xfrm>
+          <a:off x="0" y="0"/>
+          <a:ext cx="0" cy="0"/>
+          <a:chOff x="0" y="0"/>
+          <a:chExt cx="0" cy="0"/>
+        </a:xfrm>
+      </p:grpSpPr>
+      <p:sp>
+        <p:nvSpPr>
+          <p:cNvPr id="2" name="投影片影像版面配置區 1"/>
+          <p:cNvSpPr>
+            <a:spLocks noGrp="1" noRot="1" noChangeAspect="1"/>
+          </p:cNvSpPr>
+          <p:nvPr>
+            <p:ph type="sldImg"/>
+          </p:nvPr>
+        </p:nvSpPr>
+        <p:spPr/>
+      </p:sp>
+      <p:sp>
+        <p:nvSpPr>
+          <p:cNvPr id="3" name="備忘稿版面配置區 2"/>
+          <p:cNvSpPr>
+            <a:spLocks noGrp="1"/>
+          </p:cNvSpPr>
+          <p:nvPr>
+            <p:ph type="body" idx="1"/>
+          </p:nvPr>
+        </p:nvSpPr>
+        <p:spPr/>
+        <p:txBody>
+          <a:bodyPr/>
+          <a:lstStyle/>
+          <a:p>
+            <a:r>
+              <a:rPr lang="en-US" altLang="zh-TW" dirty="0"/>
+              <a:t>1.</a:t>
+            </a:r>
+            <a:r>
+              <a:rPr lang="zh-TW" altLang="en-US" dirty="0"/>
+              <a:t>字太寬第一航深綠色的藍寬</a:t>
+            </a:r>
+            <a:endParaRPr lang="en-US" altLang="zh-TW" dirty="0"/>
+          </a:p>
+          <a:p>
+            <a:r>
+              <a:rPr lang="en-US" altLang="zh-TW" dirty="0"/>
+              <a:t>2.</a:t>
+            </a:r>
+            <a:r>
+              <a:rPr lang="zh-TW" altLang="en-US" dirty="0"/>
+              <a:t>表格中空白處太多 字太小</a:t>
+            </a:r>
+            <a:endParaRPr lang="en-US" altLang="zh-TW" dirty="0"/>
+          </a:p>
+          <a:p>
+            <a:r>
+              <a:rPr lang="en-US" altLang="zh-TW" dirty="0"/>
+              <a:t>3.</a:t>
+            </a:r>
+            <a:r>
+              <a:rPr lang="zh-TW" altLang="en-US" dirty="0"/>
+              <a:t>左上方不要留空白</a:t>
+            </a:r>
+            <a:r>
+              <a:rPr lang="en-US" altLang="zh-TW" dirty="0"/>
+              <a:t>(</a:t>
+            </a:r>
+            <a:r>
+              <a:rPr lang="zh-TW" altLang="en-US" dirty="0"/>
+              <a:t>最好是斜線註記欄列在尬麻</a:t>
+            </a:r>
+            <a:r>
+              <a:rPr lang="en-US" altLang="zh-TW" dirty="0"/>
+              <a:t>)</a:t>
+            </a:r>
+          </a:p>
+          <a:p>
+            <a:r>
+              <a:rPr lang="en-US" altLang="zh-TW" dirty="0"/>
+              <a:t>4.</a:t>
+            </a:r>
+            <a:r>
+              <a:rPr lang="zh-TW" altLang="en-US" dirty="0"/>
+              <a:t>注意打勾和叉叉是甚麼意思</a:t>
+            </a:r>
+            <a:r>
+              <a:rPr lang="en-US" altLang="zh-TW" dirty="0"/>
+              <a:t>(</a:t>
+            </a:r>
+            <a:r>
+              <a:rPr lang="zh-TW" altLang="en-US" dirty="0"/>
+              <a:t>可以註記含意 勾勾代表 叉叉代表</a:t>
+            </a:r>
+            <a:r>
+              <a:rPr lang="en-US" altLang="zh-TW" dirty="0"/>
+              <a:t>)</a:t>
+            </a:r>
+          </a:p>
+          <a:p>
+            <a:r>
+              <a:rPr lang="en-US" altLang="zh-TW" dirty="0"/>
+              <a:t>5.</a:t>
+            </a:r>
+            <a:r>
+              <a:rPr lang="zh-TW" altLang="en-US" dirty="0"/>
+              <a:t>叉叉</a:t>
+            </a:r>
+            <a:r>
+              <a:rPr lang="en-US" altLang="zh-TW" dirty="0" err="1"/>
+              <a:t>Xx</a:t>
+            </a:r>
+            <a:r>
+              <a:rPr lang="zh-TW" altLang="en-US" dirty="0"/>
+              <a:t>大小不一致</a:t>
+            </a:r>
+            <a:endParaRPr lang="en-US" altLang="zh-TW" dirty="0"/>
+          </a:p>
+          <a:p>
+            <a:r>
+              <a:rPr lang="en-US" altLang="zh-TW" dirty="0"/>
+              <a:t>6.</a:t>
+            </a:r>
+            <a:r>
+              <a:rPr lang="zh-TW" altLang="en-US" dirty="0"/>
+              <a:t>蘭列標題的</a:t>
+            </a:r>
+            <a:r>
+              <a:rPr lang="en-US" altLang="zh-TW" dirty="0"/>
+              <a:t>no </a:t>
+            </a:r>
+            <a:r>
+              <a:rPr lang="en-US" altLang="zh-TW" dirty="0" err="1"/>
+              <a:t>virualize</a:t>
+            </a:r>
+            <a:r>
+              <a:rPr lang="en-US" altLang="zh-TW" dirty="0"/>
+              <a:t> (</a:t>
+            </a:r>
+            <a:r>
+              <a:rPr lang="zh-TW" altLang="en-US" dirty="0"/>
+              <a:t>形容詞</a:t>
+            </a:r>
+            <a:r>
+              <a:rPr lang="en-US" altLang="zh-TW" dirty="0"/>
+              <a:t>) </a:t>
+            </a:r>
+            <a:r>
+              <a:rPr lang="zh-TW" altLang="en-US" dirty="0"/>
+              <a:t>和 下方的</a:t>
+            </a:r>
+            <a:r>
+              <a:rPr lang="en-US" altLang="zh-TW" dirty="0"/>
+              <a:t>non SDN(</a:t>
+            </a:r>
+            <a:r>
+              <a:rPr lang="zh-TW" altLang="en-US" dirty="0"/>
+              <a:t>名詞</a:t>
+            </a:r>
+            <a:r>
+              <a:rPr lang="en-US" altLang="zh-TW" dirty="0"/>
+              <a:t>)</a:t>
+            </a:r>
+            <a:r>
+              <a:rPr lang="zh-TW" altLang="en-US" dirty="0"/>
+              <a:t>不一致</a:t>
+            </a:r>
+          </a:p>
+        </p:txBody>
+      </p:sp>
+      <p:sp>
+        <p:nvSpPr>
+          <p:cNvPr id="4" name="投影片編號版面配置區 3"/>
+          <p:cNvSpPr>
+            <a:spLocks noGrp="1"/>
+          </p:cNvSpPr>
+          <p:nvPr>
+            <p:ph type="sldNum" sz="quarter" idx="5"/>
+          </p:nvPr>
+        </p:nvSpPr>
+        <p:spPr/>
+        <p:txBody>
+          <a:bodyPr/>
+          <a:lstStyle/>
+          <a:p>
+            <a:fld id="{C7BDBA1A-AC7B-45DC-A751-2B0A9550FCA9}" type="slidenum">
+              <a:rPr lang="zh-TW" altLang="en-US" smtClean="0"/>
+              <a:pPr/>
+              <a:t>27</a:t>
+            </a:fld>
+            <a:endParaRPr lang="zh-TW" altLang="en-US"/>
+          </a:p>
+        </p:txBody>
+      </p:sp>
+    </p:spTree>
+    <p:extLst>
+      <p:ext uri="{BB962C8B-B14F-4D97-AF65-F5344CB8AC3E}">
+        <p14:creationId xmlns:p14="http://schemas.microsoft.com/office/powerpoint/2010/main" val="2652576056"/>
+      </p:ext>
+    </p:extLst>
+  </p:cSld>
+  <p:clrMapOvr>
+    <a:masterClrMapping/>
+  </p:clrMapOvr>
+</p:notes>
+</file>
+
+<file path=ppt/notesSlides/notesSlide15.xml><?xml version="1.0" encoding="utf-8"?>
+<p:notes xmlns:a="http://schemas.openxmlformats.org/drawingml/2006/main" xmlns:r="http://schemas.openxmlformats.org/officeDocument/2006/relationships" xmlns:p="http://schemas.openxmlformats.org/presentationml/2006/main">
+  <p:cSld>
+    <p:spTree>
+      <p:nvGrpSpPr>
+        <p:cNvPr id="1" name=""/>
+        <p:cNvGrpSpPr/>
+        <p:nvPr/>
+      </p:nvGrpSpPr>
+      <p:grpSpPr>
+        <a:xfrm>
+          <a:off x="0" y="0"/>
+          <a:ext cx="0" cy="0"/>
+          <a:chOff x="0" y="0"/>
+          <a:chExt cx="0" cy="0"/>
+        </a:xfrm>
+      </p:grpSpPr>
+      <p:sp>
+        <p:nvSpPr>
+          <p:cNvPr id="2" name="投影片影像版面配置區 1"/>
+          <p:cNvSpPr>
+            <a:spLocks noGrp="1" noRot="1" noChangeAspect="1"/>
+          </p:cNvSpPr>
+          <p:nvPr>
+            <p:ph type="sldImg"/>
+          </p:nvPr>
+        </p:nvSpPr>
+        <p:spPr/>
+      </p:sp>
+      <p:sp>
+        <p:nvSpPr>
+          <p:cNvPr id="3" name="備忘稿版面配置區 2"/>
+          <p:cNvSpPr>
+            <a:spLocks noGrp="1"/>
+          </p:cNvSpPr>
+          <p:nvPr>
+            <p:ph type="body" idx="1"/>
+          </p:nvPr>
+        </p:nvSpPr>
+        <p:spPr/>
+        <p:txBody>
+          <a:bodyPr/>
+          <a:lstStyle/>
+          <a:p>
+            <a:r>
+              <a:rPr lang="en-US" altLang="zh-TW" dirty="0"/>
+              <a:t>1.</a:t>
+            </a:r>
+            <a:r>
+              <a:rPr lang="zh-TW" altLang="en-US" dirty="0"/>
+              <a:t>右邊的內容太常在表格中不能比較</a:t>
+            </a:r>
+            <a:endParaRPr lang="en-US" altLang="zh-TW" dirty="0"/>
+          </a:p>
+          <a:p>
+            <a:r>
+              <a:rPr lang="en-US" altLang="zh-TW" dirty="0"/>
+              <a:t>2.</a:t>
+            </a:r>
+            <a:r>
+              <a:rPr lang="zh-TW" altLang="en-US" dirty="0"/>
+              <a:t>優缺點比較無法體現較大的價值</a:t>
+            </a:r>
+            <a:endParaRPr lang="en-US" altLang="zh-TW" dirty="0"/>
+          </a:p>
+          <a:p>
+            <a:r>
+              <a:rPr lang="en-US" altLang="zh-TW" dirty="0"/>
+              <a:t>3.</a:t>
+            </a:r>
+          </a:p>
+          <a:p>
+            <a:endParaRPr lang="zh-TW" altLang="en-US" dirty="0"/>
+          </a:p>
+        </p:txBody>
+      </p:sp>
+      <p:sp>
+        <p:nvSpPr>
+          <p:cNvPr id="4" name="投影片編號版面配置區 3"/>
+          <p:cNvSpPr>
+            <a:spLocks noGrp="1"/>
+          </p:cNvSpPr>
+          <p:nvPr>
+            <p:ph type="sldNum" sz="quarter" idx="5"/>
+          </p:nvPr>
+        </p:nvSpPr>
+        <p:spPr/>
+        <p:txBody>
+          <a:bodyPr/>
+          <a:lstStyle/>
+          <a:p>
+            <a:fld id="{C7BDBA1A-AC7B-45DC-A751-2B0A9550FCA9}" type="slidenum">
+              <a:rPr lang="zh-TW" altLang="en-US" smtClean="0"/>
+              <a:pPr/>
+              <a:t>28</a:t>
+            </a:fld>
+            <a:endParaRPr lang="zh-TW" altLang="en-US"/>
+          </a:p>
+        </p:txBody>
+      </p:sp>
+    </p:spTree>
+    <p:extLst>
+      <p:ext uri="{BB962C8B-B14F-4D97-AF65-F5344CB8AC3E}">
+        <p14:creationId xmlns:p14="http://schemas.microsoft.com/office/powerpoint/2010/main" val="2100858275"/>
+      </p:ext>
+    </p:extLst>
+  </p:cSld>
+  <p:clrMapOvr>
+    <a:masterClrMapping/>
+  </p:clrMapOvr>
+</p:notes>
+</file>
+
+<file path=ppt/notesSlides/notesSlide16.xml><?xml version="1.0" encoding="utf-8"?>
+<p:notes xmlns:a="http://schemas.openxmlformats.org/drawingml/2006/main" xmlns:r="http://schemas.openxmlformats.org/officeDocument/2006/relationships" xmlns:p="http://schemas.openxmlformats.org/presentationml/2006/main">
+  <p:cSld>
+    <p:spTree>
+      <p:nvGrpSpPr>
+        <p:cNvPr id="1" name=""/>
+        <p:cNvGrpSpPr/>
+        <p:nvPr/>
+      </p:nvGrpSpPr>
+      <p:grpSpPr>
+        <a:xfrm>
+          <a:off x="0" y="0"/>
+          <a:ext cx="0" cy="0"/>
+          <a:chOff x="0" y="0"/>
+          <a:chExt cx="0" cy="0"/>
+        </a:xfrm>
+      </p:grpSpPr>
+      <p:sp>
+        <p:nvSpPr>
+          <p:cNvPr id="2" name="投影片影像版面配置區 1"/>
+          <p:cNvSpPr>
+            <a:spLocks noGrp="1" noRot="1" noChangeAspect="1"/>
+          </p:cNvSpPr>
+          <p:nvPr>
+            <p:ph type="sldImg"/>
+          </p:nvPr>
+        </p:nvSpPr>
+        <p:spPr/>
+      </p:sp>
+      <p:sp>
+        <p:nvSpPr>
+          <p:cNvPr id="3" name="備忘稿版面配置區 2"/>
+          <p:cNvSpPr>
+            <a:spLocks noGrp="1"/>
+          </p:cNvSpPr>
+          <p:nvPr>
+            <p:ph type="body" idx="1"/>
+          </p:nvPr>
+        </p:nvSpPr>
+        <p:spPr/>
+        <p:txBody>
+          <a:bodyPr/>
+          <a:lstStyle/>
+          <a:p>
+            <a:pPr marL="228600" indent="-228600">
+              <a:buFont typeface="+mj-lt"/>
+              <a:buAutoNum type="arabicPeriod"/>
+            </a:pPr>
+            <a:r>
+              <a:rPr lang="zh-TW" altLang="en-US" dirty="0"/>
+              <a:t>這張表左上角有劃線但沒寫字</a:t>
+            </a:r>
+            <a:r>
+              <a:rPr lang="en-US" altLang="zh-TW" dirty="0"/>
+              <a:t>(</a:t>
+            </a:r>
+            <a:r>
+              <a:rPr lang="zh-TW" altLang="en-US" dirty="0"/>
+              <a:t>還是要寫欄列代表甚麼比較好</a:t>
+            </a:r>
+            <a:r>
+              <a:rPr lang="en-US" altLang="zh-TW" dirty="0"/>
+              <a:t>)</a:t>
+            </a:r>
+          </a:p>
+          <a:p>
+            <a:pPr marL="228600" indent="-228600">
+              <a:buFont typeface="+mj-lt"/>
+              <a:buAutoNum type="arabicPeriod"/>
+            </a:pPr>
+            <a:r>
+              <a:rPr lang="en-US" altLang="zh-TW" dirty="0"/>
+              <a:t>Reference</a:t>
+            </a:r>
+            <a:r>
+              <a:rPr lang="zh-TW" altLang="en-US" dirty="0"/>
+              <a:t>就是要加</a:t>
+            </a:r>
+            <a:r>
+              <a:rPr lang="en-US" altLang="zh-TW" dirty="0"/>
+              <a:t>[]</a:t>
+            </a:r>
+          </a:p>
+          <a:p>
+            <a:pPr marL="228600" indent="-228600">
+              <a:buFont typeface="+mj-lt"/>
+              <a:buAutoNum type="arabicPeriod"/>
+            </a:pPr>
+            <a:r>
+              <a:rPr lang="en-US" altLang="zh-TW" dirty="0"/>
+              <a:t>Eqpt</a:t>
+            </a:r>
+            <a:r>
+              <a:rPr lang="zh-TW" altLang="en-US" dirty="0"/>
+              <a:t>可以做註解 不是很確定這是甚麼</a:t>
+            </a:r>
+            <a:endParaRPr lang="en-US" altLang="zh-TW" dirty="0"/>
+          </a:p>
+          <a:p>
+            <a:pPr marL="228600" indent="-228600">
+              <a:buFont typeface="+mj-lt"/>
+              <a:buAutoNum type="arabicPeriod"/>
+            </a:pPr>
+            <a:r>
+              <a:rPr lang="en-US" altLang="zh-TW" dirty="0"/>
+              <a:t>FU</a:t>
+            </a:r>
+            <a:r>
+              <a:rPr lang="zh-TW" altLang="en-US" dirty="0"/>
+              <a:t>是甚麼可以註記</a:t>
+            </a:r>
+            <a:endParaRPr lang="en-US" altLang="zh-TW" dirty="0"/>
+          </a:p>
+          <a:p>
+            <a:pPr marL="228600" indent="-228600">
+              <a:buFont typeface="+mj-lt"/>
+              <a:buAutoNum type="arabicPeriod"/>
+            </a:pPr>
+            <a:r>
+              <a:rPr lang="zh-TW" altLang="en-US" dirty="0"/>
+              <a:t>不要寫</a:t>
+            </a:r>
+            <a:r>
+              <a:rPr lang="en-US" altLang="zh-TW" dirty="0"/>
+              <a:t>me</a:t>
+            </a:r>
+            <a:endParaRPr lang="zh-TW" altLang="en-US" dirty="0"/>
+          </a:p>
+        </p:txBody>
+      </p:sp>
+      <p:sp>
+        <p:nvSpPr>
+          <p:cNvPr id="4" name="投影片編號版面配置區 3"/>
+          <p:cNvSpPr>
+            <a:spLocks noGrp="1"/>
+          </p:cNvSpPr>
+          <p:nvPr>
+            <p:ph type="sldNum" sz="quarter" idx="5"/>
+          </p:nvPr>
+        </p:nvSpPr>
+        <p:spPr/>
+        <p:txBody>
+          <a:bodyPr/>
+          <a:lstStyle/>
+          <a:p>
+            <a:fld id="{C7BDBA1A-AC7B-45DC-A751-2B0A9550FCA9}" type="slidenum">
+              <a:rPr lang="zh-TW" altLang="en-US" smtClean="0"/>
+              <a:pPr/>
+              <a:t>29</a:t>
+            </a:fld>
+            <a:endParaRPr lang="zh-TW" altLang="en-US"/>
+          </a:p>
+        </p:txBody>
+      </p:sp>
+    </p:spTree>
+    <p:extLst>
+      <p:ext uri="{BB962C8B-B14F-4D97-AF65-F5344CB8AC3E}">
+        <p14:creationId xmlns:p14="http://schemas.microsoft.com/office/powerpoint/2010/main" val="4108786823"/>
+      </p:ext>
+    </p:extLst>
+  </p:cSld>
+  <p:clrMapOvr>
+    <a:masterClrMapping/>
+  </p:clrMapOvr>
+</p:notes>
+</file>
+
+<file path=ppt/notesSlides/notesSlide17.xml><?xml version="1.0" encoding="utf-8"?>
+<p:notes xmlns:a="http://schemas.openxmlformats.org/drawingml/2006/main" xmlns:r="http://schemas.openxmlformats.org/officeDocument/2006/relationships" xmlns:p="http://schemas.openxmlformats.org/presentationml/2006/main">
+  <p:cSld>
+    <p:spTree>
+      <p:nvGrpSpPr>
+        <p:cNvPr id="1" name=""/>
+        <p:cNvGrpSpPr/>
+        <p:nvPr/>
+      </p:nvGrpSpPr>
+      <p:grpSpPr>
+        <a:xfrm>
+          <a:off x="0" y="0"/>
+          <a:ext cx="0" cy="0"/>
+          <a:chOff x="0" y="0"/>
+          <a:chExt cx="0" cy="0"/>
+        </a:xfrm>
+      </p:grpSpPr>
+      <p:sp>
+        <p:nvSpPr>
+          <p:cNvPr id="2" name="投影片圖像版面配置區 1"/>
+          <p:cNvSpPr>
+            <a:spLocks noGrp="1" noRot="1" noChangeAspect="1"/>
+          </p:cNvSpPr>
+          <p:nvPr>
+            <p:ph type="sldImg"/>
+          </p:nvPr>
+        </p:nvSpPr>
+        <p:spPr/>
+      </p:sp>
+      <p:sp>
+        <p:nvSpPr>
+          <p:cNvPr id="3" name="備忘稿版面配置區 2"/>
+          <p:cNvSpPr>
+            <a:spLocks noGrp="1"/>
+          </p:cNvSpPr>
+          <p:nvPr>
+            <p:ph type="body" idx="1"/>
+          </p:nvPr>
+        </p:nvSpPr>
+        <p:spPr/>
+        <p:txBody>
+          <a:bodyPr/>
+          <a:lstStyle/>
+          <a:p>
+            <a:r>
+              <a:rPr lang="zh-TW" altLang="en-US" dirty="0"/>
+              <a:t>表對中間</a:t>
+            </a:r>
+            <a:endParaRPr lang="en-US" altLang="zh-TW" dirty="0"/>
+          </a:p>
+          <a:p>
+            <a:r>
+              <a:rPr lang="zh-TW" altLang="en-US" dirty="0"/>
+              <a:t>圖對左邊</a:t>
+            </a:r>
+            <a:r>
+              <a:rPr lang="en-US" altLang="zh-TW" dirty="0"/>
+              <a:t>(</a:t>
+            </a:r>
+            <a:r>
+              <a:rPr lang="zh-TW" altLang="en-US" dirty="0"/>
+              <a:t>或置中</a:t>
+            </a:r>
+            <a:r>
+              <a:rPr lang="en-US" altLang="zh-TW" dirty="0"/>
+              <a:t>)</a:t>
+            </a:r>
+          </a:p>
+          <a:p>
+            <a:r>
+              <a:rPr lang="zh-TW" altLang="en-US" dirty="0"/>
+              <a:t>有些字體就是全部的字都是大寫 但真正的大寫的那一個會比較大</a:t>
+            </a:r>
+          </a:p>
+        </p:txBody>
+      </p:sp>
+      <p:sp>
+        <p:nvSpPr>
+          <p:cNvPr id="4" name="投影片編號版面配置區 3"/>
+          <p:cNvSpPr>
+            <a:spLocks noGrp="1"/>
+          </p:cNvSpPr>
+          <p:nvPr>
+            <p:ph type="sldNum" sz="quarter" idx="10"/>
+          </p:nvPr>
+        </p:nvSpPr>
+        <p:spPr/>
+        <p:txBody>
+          <a:bodyPr/>
+          <a:lstStyle/>
+          <a:p>
+            <a:fld id="{C7BDBA1A-AC7B-45DC-A751-2B0A9550FCA9}" type="slidenum">
+              <a:rPr lang="zh-TW" altLang="en-US" smtClean="0"/>
+              <a:pPr/>
+              <a:t>31</a:t>
+            </a:fld>
+            <a:endParaRPr lang="zh-TW" altLang="en-US"/>
+          </a:p>
+        </p:txBody>
+      </p:sp>
+    </p:spTree>
+    <p:extLst>
+      <p:ext uri="{BB962C8B-B14F-4D97-AF65-F5344CB8AC3E}">
+        <p14:creationId xmlns:p14="http://schemas.microsoft.com/office/powerpoint/2010/main" val="1821877181"/>
+      </p:ext>
+    </p:extLst>
+  </p:cSld>
+  <p:clrMapOvr>
+    <a:masterClrMapping/>
+  </p:clrMapOvr>
+</p:notes>
+</file>
+
+<file path=ppt/notesSlides/notesSlide18.xml><?xml version="1.0" encoding="utf-8"?>
+<p:notes xmlns:a="http://schemas.openxmlformats.org/drawingml/2006/main" xmlns:r="http://schemas.openxmlformats.org/officeDocument/2006/relationships" xmlns:p="http://schemas.openxmlformats.org/presentationml/2006/main">
+  <p:cSld>
+    <p:spTree>
+      <p:nvGrpSpPr>
+        <p:cNvPr id="1" name=""/>
+        <p:cNvGrpSpPr/>
+        <p:nvPr/>
+      </p:nvGrpSpPr>
+      <p:grpSpPr>
+        <a:xfrm>
+          <a:off x="0" y="0"/>
+          <a:ext cx="0" cy="0"/>
+          <a:chOff x="0" y="0"/>
+          <a:chExt cx="0" cy="0"/>
+        </a:xfrm>
+      </p:grpSpPr>
+      <p:sp>
+        <p:nvSpPr>
+          <p:cNvPr id="2" name="投影片影像版面配置區 1"/>
+          <p:cNvSpPr>
+            <a:spLocks noGrp="1" noRot="1" noChangeAspect="1"/>
+          </p:cNvSpPr>
+          <p:nvPr>
+            <p:ph type="sldImg"/>
+          </p:nvPr>
+        </p:nvSpPr>
+        <p:spPr/>
+      </p:sp>
+      <p:sp>
+        <p:nvSpPr>
+          <p:cNvPr id="3" name="備忘稿版面配置區 2"/>
+          <p:cNvSpPr>
+            <a:spLocks noGrp="1"/>
+          </p:cNvSpPr>
+          <p:nvPr>
+            <p:ph type="body" idx="1"/>
+          </p:nvPr>
+        </p:nvSpPr>
+        <p:spPr/>
+        <p:txBody>
+          <a:bodyPr/>
+          <a:lstStyle/>
+          <a:p>
+            <a:r>
+              <a:rPr lang="zh-TW" altLang="en-US" dirty="0"/>
+              <a:t>折線圖看趨勢變化</a:t>
+            </a:r>
+            <a:r>
+              <a:rPr lang="en-US" altLang="zh-TW" dirty="0"/>
+              <a:t>(X</a:t>
+            </a:r>
+            <a:r>
+              <a:rPr lang="zh-TW" altLang="en-US" dirty="0"/>
+              <a:t>有關係</a:t>
+            </a:r>
+            <a:r>
+              <a:rPr lang="en-US" altLang="zh-TW" dirty="0"/>
+              <a:t>)</a:t>
+            </a:r>
+            <a:r>
+              <a:rPr lang="zh-TW" altLang="en-US" dirty="0"/>
+              <a:t> 強調兩者之間的關係</a:t>
+            </a:r>
+            <a:endParaRPr lang="en-US" altLang="zh-TW" dirty="0"/>
+          </a:p>
+          <a:p>
+            <a:r>
+              <a:rPr lang="zh-TW" altLang="en-US" dirty="0"/>
+              <a:t>長條圖看變量</a:t>
+            </a:r>
+            <a:r>
+              <a:rPr lang="en-US" altLang="zh-TW" dirty="0"/>
+              <a:t>(X</a:t>
+            </a:r>
+            <a:r>
+              <a:rPr lang="zh-TW" altLang="en-US" dirty="0"/>
+              <a:t>沒關係</a:t>
+            </a:r>
+            <a:r>
+              <a:rPr lang="en-US" altLang="zh-TW" dirty="0"/>
+              <a:t>)</a:t>
+            </a:r>
+            <a:r>
+              <a:rPr lang="zh-TW" altLang="en-US" dirty="0"/>
+              <a:t> 而非強調關係或相互變化</a:t>
+            </a:r>
+            <a:endParaRPr lang="en-US" altLang="zh-TW" dirty="0"/>
+          </a:p>
+        </p:txBody>
+      </p:sp>
+      <p:sp>
+        <p:nvSpPr>
+          <p:cNvPr id="4" name="投影片編號版面配置區 3"/>
+          <p:cNvSpPr>
+            <a:spLocks noGrp="1"/>
+          </p:cNvSpPr>
+          <p:nvPr>
+            <p:ph type="sldNum" sz="quarter" idx="5"/>
+          </p:nvPr>
+        </p:nvSpPr>
+        <p:spPr/>
+        <p:txBody>
+          <a:bodyPr/>
+          <a:lstStyle/>
+          <a:p>
+            <a:fld id="{C7BDBA1A-AC7B-45DC-A751-2B0A9550FCA9}" type="slidenum">
+              <a:rPr lang="zh-TW" altLang="en-US" smtClean="0"/>
+              <a:pPr/>
+              <a:t>34</a:t>
+            </a:fld>
+            <a:endParaRPr lang="zh-TW" altLang="en-US"/>
+          </a:p>
+        </p:txBody>
+      </p:sp>
+    </p:spTree>
+    <p:extLst>
+      <p:ext uri="{BB962C8B-B14F-4D97-AF65-F5344CB8AC3E}">
+        <p14:creationId xmlns:p14="http://schemas.microsoft.com/office/powerpoint/2010/main" val="730361328"/>
+      </p:ext>
+    </p:extLst>
+  </p:cSld>
+  <p:clrMapOvr>
+    <a:masterClrMapping/>
+  </p:clrMapOvr>
+</p:notes>
+</file>
+
+<file path=ppt/notesSlides/notesSlide19.xml><?xml version="1.0" encoding="utf-8"?>
+<p:notes xmlns:a="http://schemas.openxmlformats.org/drawingml/2006/main" xmlns:r="http://schemas.openxmlformats.org/officeDocument/2006/relationships" xmlns:p="http://schemas.openxmlformats.org/presentationml/2006/main">
+  <p:cSld>
+    <p:spTree>
+      <p:nvGrpSpPr>
+        <p:cNvPr id="1" name=""/>
+        <p:cNvGrpSpPr/>
+        <p:nvPr/>
+      </p:nvGrpSpPr>
+      <p:grpSpPr>
+        <a:xfrm>
+          <a:off x="0" y="0"/>
+          <a:ext cx="0" cy="0"/>
+          <a:chOff x="0" y="0"/>
+          <a:chExt cx="0" cy="0"/>
+        </a:xfrm>
+      </p:grpSpPr>
+      <p:sp>
+        <p:nvSpPr>
+          <p:cNvPr id="2" name="投影片影像版面配置區 1"/>
+          <p:cNvSpPr>
+            <a:spLocks noGrp="1" noRot="1" noChangeAspect="1"/>
+          </p:cNvSpPr>
+          <p:nvPr>
+            <p:ph type="sldImg"/>
+          </p:nvPr>
+        </p:nvSpPr>
+        <p:spPr/>
+      </p:sp>
+      <p:sp>
+        <p:nvSpPr>
+          <p:cNvPr id="3" name="備忘稿版面配置區 2"/>
+          <p:cNvSpPr>
+            <a:spLocks noGrp="1"/>
+          </p:cNvSpPr>
+          <p:nvPr>
+            <p:ph type="body" idx="1"/>
+          </p:nvPr>
+        </p:nvSpPr>
+        <p:spPr/>
+        <p:txBody>
+          <a:bodyPr/>
+          <a:lstStyle/>
+          <a:p>
+            <a:r>
+              <a:rPr lang="en-US" altLang="zh-TW" dirty="0"/>
+              <a:t>X</a:t>
+            </a:r>
+            <a:r>
+              <a:rPr lang="zh-TW" altLang="en-US" dirty="0"/>
+              <a:t>有關係折線圖 </a:t>
+            </a:r>
+          </a:p>
+        </p:txBody>
+      </p:sp>
+      <p:sp>
+        <p:nvSpPr>
+          <p:cNvPr id="4" name="投影片編號版面配置區 3"/>
+          <p:cNvSpPr>
+            <a:spLocks noGrp="1"/>
+          </p:cNvSpPr>
+          <p:nvPr>
+            <p:ph type="sldNum" sz="quarter" idx="5"/>
+          </p:nvPr>
+        </p:nvSpPr>
+        <p:spPr/>
+        <p:txBody>
+          <a:bodyPr/>
+          <a:lstStyle/>
+          <a:p>
+            <a:fld id="{C7BDBA1A-AC7B-45DC-A751-2B0A9550FCA9}" type="slidenum">
+              <a:rPr lang="zh-TW" altLang="en-US" smtClean="0"/>
+              <a:pPr/>
+              <a:t>35</a:t>
+            </a:fld>
+            <a:endParaRPr lang="zh-TW" altLang="en-US"/>
+          </a:p>
+        </p:txBody>
+      </p:sp>
+    </p:spTree>
+    <p:extLst>
+      <p:ext uri="{BB962C8B-B14F-4D97-AF65-F5344CB8AC3E}">
+        <p14:creationId xmlns:p14="http://schemas.microsoft.com/office/powerpoint/2010/main" val="93744668"/>
       </p:ext>
     </p:extLst>
   </p:cSld>
@@ -2687,6 +3641,867 @@
     <p:extLst>
       <p:ext uri="{BB962C8B-B14F-4D97-AF65-F5344CB8AC3E}">
         <p14:creationId xmlns:p14="http://schemas.microsoft.com/office/powerpoint/2010/main" val="2315265668"/>
+      </p:ext>
+    </p:extLst>
+  </p:cSld>
+  <p:clrMapOvr>
+    <a:masterClrMapping/>
+  </p:clrMapOvr>
+</p:notes>
+</file>
+
+<file path=ppt/notesSlides/notesSlide20.xml><?xml version="1.0" encoding="utf-8"?>
+<p:notes xmlns:a="http://schemas.openxmlformats.org/drawingml/2006/main" xmlns:r="http://schemas.openxmlformats.org/officeDocument/2006/relationships" xmlns:p="http://schemas.openxmlformats.org/presentationml/2006/main">
+  <p:cSld>
+    <p:spTree>
+      <p:nvGrpSpPr>
+        <p:cNvPr id="1" name=""/>
+        <p:cNvGrpSpPr/>
+        <p:nvPr/>
+      </p:nvGrpSpPr>
+      <p:grpSpPr>
+        <a:xfrm>
+          <a:off x="0" y="0"/>
+          <a:ext cx="0" cy="0"/>
+          <a:chOff x="0" y="0"/>
+          <a:chExt cx="0" cy="0"/>
+        </a:xfrm>
+      </p:grpSpPr>
+      <p:sp>
+        <p:nvSpPr>
+          <p:cNvPr id="2" name="投影片影像版面配置區 1"/>
+          <p:cNvSpPr>
+            <a:spLocks noGrp="1" noRot="1" noChangeAspect="1"/>
+          </p:cNvSpPr>
+          <p:nvPr>
+            <p:ph type="sldImg"/>
+          </p:nvPr>
+        </p:nvSpPr>
+        <p:spPr/>
+      </p:sp>
+      <p:sp>
+        <p:nvSpPr>
+          <p:cNvPr id="3" name="備忘稿版面配置區 2"/>
+          <p:cNvSpPr>
+            <a:spLocks noGrp="1"/>
+          </p:cNvSpPr>
+          <p:nvPr>
+            <p:ph type="body" idx="1"/>
+          </p:nvPr>
+        </p:nvSpPr>
+        <p:spPr/>
+        <p:txBody>
+          <a:bodyPr/>
+          <a:lstStyle/>
+          <a:p>
+            <a:endParaRPr lang="zh-TW" altLang="en-US" dirty="0"/>
+          </a:p>
+        </p:txBody>
+      </p:sp>
+      <p:sp>
+        <p:nvSpPr>
+          <p:cNvPr id="4" name="投影片編號版面配置區 3"/>
+          <p:cNvSpPr>
+            <a:spLocks noGrp="1"/>
+          </p:cNvSpPr>
+          <p:nvPr>
+            <p:ph type="sldNum" sz="quarter" idx="5"/>
+          </p:nvPr>
+        </p:nvSpPr>
+        <p:spPr/>
+        <p:txBody>
+          <a:bodyPr/>
+          <a:lstStyle/>
+          <a:p>
+            <a:fld id="{C7BDBA1A-AC7B-45DC-A751-2B0A9550FCA9}" type="slidenum">
+              <a:rPr lang="zh-TW" altLang="en-US" smtClean="0"/>
+              <a:pPr/>
+              <a:t>36</a:t>
+            </a:fld>
+            <a:endParaRPr lang="zh-TW" altLang="en-US"/>
+          </a:p>
+        </p:txBody>
+      </p:sp>
+    </p:spTree>
+    <p:extLst>
+      <p:ext uri="{BB962C8B-B14F-4D97-AF65-F5344CB8AC3E}">
+        <p14:creationId xmlns:p14="http://schemas.microsoft.com/office/powerpoint/2010/main" val="3171636080"/>
+      </p:ext>
+    </p:extLst>
+  </p:cSld>
+  <p:clrMapOvr>
+    <a:masterClrMapping/>
+  </p:clrMapOvr>
+</p:notes>
+</file>
+
+<file path=ppt/notesSlides/notesSlide21.xml><?xml version="1.0" encoding="utf-8"?>
+<p:notes xmlns:a="http://schemas.openxmlformats.org/drawingml/2006/main" xmlns:r="http://schemas.openxmlformats.org/officeDocument/2006/relationships" xmlns:p="http://schemas.openxmlformats.org/presentationml/2006/main">
+  <p:cSld>
+    <p:spTree>
+      <p:nvGrpSpPr>
+        <p:cNvPr id="1" name=""/>
+        <p:cNvGrpSpPr/>
+        <p:nvPr/>
+      </p:nvGrpSpPr>
+      <p:grpSpPr>
+        <a:xfrm>
+          <a:off x="0" y="0"/>
+          <a:ext cx="0" cy="0"/>
+          <a:chOff x="0" y="0"/>
+          <a:chExt cx="0" cy="0"/>
+        </a:xfrm>
+      </p:grpSpPr>
+      <p:sp>
+        <p:nvSpPr>
+          <p:cNvPr id="2" name="投影片圖像版面配置區 1"/>
+          <p:cNvSpPr>
+            <a:spLocks noGrp="1" noRot="1" noChangeAspect="1"/>
+          </p:cNvSpPr>
+          <p:nvPr>
+            <p:ph type="sldImg"/>
+          </p:nvPr>
+        </p:nvSpPr>
+        <p:spPr/>
+      </p:sp>
+      <p:sp>
+        <p:nvSpPr>
+          <p:cNvPr id="3" name="備忘稿版面配置區 2"/>
+          <p:cNvSpPr>
+            <a:spLocks noGrp="1"/>
+          </p:cNvSpPr>
+          <p:nvPr>
+            <p:ph type="body" idx="1"/>
+          </p:nvPr>
+        </p:nvSpPr>
+        <p:spPr/>
+        <p:txBody>
+          <a:bodyPr/>
+          <a:lstStyle/>
+          <a:p>
+            <a:endParaRPr lang="zh-TW" altLang="en-US" dirty="0"/>
+          </a:p>
+        </p:txBody>
+      </p:sp>
+      <p:sp>
+        <p:nvSpPr>
+          <p:cNvPr id="4" name="投影片編號版面配置區 3"/>
+          <p:cNvSpPr>
+            <a:spLocks noGrp="1"/>
+          </p:cNvSpPr>
+          <p:nvPr>
+            <p:ph type="sldNum" sz="quarter" idx="10"/>
+          </p:nvPr>
+        </p:nvSpPr>
+        <p:spPr/>
+        <p:txBody>
+          <a:bodyPr/>
+          <a:lstStyle/>
+          <a:p>
+            <a:fld id="{C7BDBA1A-AC7B-45DC-A751-2B0A9550FCA9}" type="slidenum">
+              <a:rPr lang="zh-TW" altLang="en-US" smtClean="0"/>
+              <a:pPr/>
+              <a:t>38</a:t>
+            </a:fld>
+            <a:endParaRPr lang="zh-TW" altLang="en-US"/>
+          </a:p>
+        </p:txBody>
+      </p:sp>
+    </p:spTree>
+    <p:extLst>
+      <p:ext uri="{BB962C8B-B14F-4D97-AF65-F5344CB8AC3E}">
+        <p14:creationId xmlns:p14="http://schemas.microsoft.com/office/powerpoint/2010/main" val="1875472024"/>
+      </p:ext>
+    </p:extLst>
+  </p:cSld>
+  <p:clrMapOvr>
+    <a:masterClrMapping/>
+  </p:clrMapOvr>
+</p:notes>
+</file>
+
+<file path=ppt/notesSlides/notesSlide22.xml><?xml version="1.0" encoding="utf-8"?>
+<p:notes xmlns:a="http://schemas.openxmlformats.org/drawingml/2006/main" xmlns:r="http://schemas.openxmlformats.org/officeDocument/2006/relationships" xmlns:p="http://schemas.openxmlformats.org/presentationml/2006/main">
+  <p:cSld>
+    <p:spTree>
+      <p:nvGrpSpPr>
+        <p:cNvPr id="1" name=""/>
+        <p:cNvGrpSpPr/>
+        <p:nvPr/>
+      </p:nvGrpSpPr>
+      <p:grpSpPr>
+        <a:xfrm>
+          <a:off x="0" y="0"/>
+          <a:ext cx="0" cy="0"/>
+          <a:chOff x="0" y="0"/>
+          <a:chExt cx="0" cy="0"/>
+        </a:xfrm>
+      </p:grpSpPr>
+      <p:sp>
+        <p:nvSpPr>
+          <p:cNvPr id="2" name="投影片影像版面配置區 1"/>
+          <p:cNvSpPr>
+            <a:spLocks noGrp="1" noRot="1" noChangeAspect="1"/>
+          </p:cNvSpPr>
+          <p:nvPr>
+            <p:ph type="sldImg"/>
+          </p:nvPr>
+        </p:nvSpPr>
+        <p:spPr/>
+      </p:sp>
+      <p:sp>
+        <p:nvSpPr>
+          <p:cNvPr id="3" name="備忘稿版面配置區 2"/>
+          <p:cNvSpPr>
+            <a:spLocks noGrp="1"/>
+          </p:cNvSpPr>
+          <p:nvPr>
+            <p:ph type="body" idx="1"/>
+          </p:nvPr>
+        </p:nvSpPr>
+        <p:spPr/>
+        <p:txBody>
+          <a:bodyPr/>
+          <a:lstStyle/>
+          <a:p>
+            <a:r>
+              <a:rPr lang="zh-TW" altLang="en-US" b="1" dirty="0">
+                <a:solidFill>
+                  <a:srgbClr val="FF0000"/>
+                </a:solidFill>
+              </a:rPr>
+              <a:t>同個</a:t>
+            </a:r>
+            <a:r>
+              <a:rPr lang="en-US" altLang="zh-TW" b="1" dirty="0">
+                <a:solidFill>
+                  <a:srgbClr val="FF0000"/>
+                </a:solidFill>
+              </a:rPr>
+              <a:t>X</a:t>
+            </a:r>
+            <a:r>
+              <a:rPr lang="zh-TW" altLang="en-US" b="1" dirty="0">
+                <a:solidFill>
+                  <a:srgbClr val="FF0000"/>
+                </a:solidFill>
+              </a:rPr>
+              <a:t> 不同的</a:t>
+            </a:r>
+            <a:r>
+              <a:rPr lang="en-US" altLang="zh-TW" b="1" dirty="0">
+                <a:solidFill>
+                  <a:srgbClr val="FF0000"/>
+                </a:solidFill>
+              </a:rPr>
+              <a:t>Y</a:t>
+            </a:r>
+            <a:r>
+              <a:rPr lang="en-US" altLang="zh-TW" dirty="0"/>
+              <a:t> </a:t>
+            </a:r>
+            <a:r>
+              <a:rPr lang="zh-TW" altLang="en-US" dirty="0"/>
+              <a:t>認為是同個實驗 但不同結果</a:t>
+            </a:r>
+            <a:endParaRPr lang="en-US" altLang="zh-TW" dirty="0"/>
+          </a:p>
+          <a:p>
+            <a:r>
+              <a:rPr lang="zh-TW" altLang="en-US" b="1" dirty="0"/>
+              <a:t>但不同</a:t>
+            </a:r>
+            <a:r>
+              <a:rPr lang="en-US" altLang="zh-TW" b="1" dirty="0"/>
+              <a:t>X</a:t>
+            </a:r>
+            <a:r>
+              <a:rPr lang="zh-TW" altLang="en-US" b="1" dirty="0"/>
+              <a:t> </a:t>
+            </a:r>
+            <a:r>
+              <a:rPr lang="zh-TW" altLang="en-US" dirty="0"/>
+              <a:t>則是不同的圖</a:t>
+            </a:r>
+          </a:p>
+        </p:txBody>
+      </p:sp>
+      <p:sp>
+        <p:nvSpPr>
+          <p:cNvPr id="4" name="投影片編號版面配置區 3"/>
+          <p:cNvSpPr>
+            <a:spLocks noGrp="1"/>
+          </p:cNvSpPr>
+          <p:nvPr>
+            <p:ph type="sldNum" sz="quarter" idx="5"/>
+          </p:nvPr>
+        </p:nvSpPr>
+        <p:spPr/>
+        <p:txBody>
+          <a:bodyPr/>
+          <a:lstStyle/>
+          <a:p>
+            <a:fld id="{C7BDBA1A-AC7B-45DC-A751-2B0A9550FCA9}" type="slidenum">
+              <a:rPr lang="zh-TW" altLang="en-US" smtClean="0"/>
+              <a:pPr/>
+              <a:t>40</a:t>
+            </a:fld>
+            <a:endParaRPr lang="zh-TW" altLang="en-US"/>
+          </a:p>
+        </p:txBody>
+      </p:sp>
+    </p:spTree>
+    <p:extLst>
+      <p:ext uri="{BB962C8B-B14F-4D97-AF65-F5344CB8AC3E}">
+        <p14:creationId xmlns:p14="http://schemas.microsoft.com/office/powerpoint/2010/main" val="1488102522"/>
+      </p:ext>
+    </p:extLst>
+  </p:cSld>
+  <p:clrMapOvr>
+    <a:masterClrMapping/>
+  </p:clrMapOvr>
+</p:notes>
+</file>
+
+<file path=ppt/notesSlides/notesSlide23.xml><?xml version="1.0" encoding="utf-8"?>
+<p:notes xmlns:a="http://schemas.openxmlformats.org/drawingml/2006/main" xmlns:r="http://schemas.openxmlformats.org/officeDocument/2006/relationships" xmlns:p="http://schemas.openxmlformats.org/presentationml/2006/main">
+  <p:cSld>
+    <p:spTree>
+      <p:nvGrpSpPr>
+        <p:cNvPr id="1" name=""/>
+        <p:cNvGrpSpPr/>
+        <p:nvPr/>
+      </p:nvGrpSpPr>
+      <p:grpSpPr>
+        <a:xfrm>
+          <a:off x="0" y="0"/>
+          <a:ext cx="0" cy="0"/>
+          <a:chOff x="0" y="0"/>
+          <a:chExt cx="0" cy="0"/>
+        </a:xfrm>
+      </p:grpSpPr>
+      <p:sp>
+        <p:nvSpPr>
+          <p:cNvPr id="2" name="投影片圖像版面配置區 1"/>
+          <p:cNvSpPr>
+            <a:spLocks noGrp="1" noRot="1" noChangeAspect="1"/>
+          </p:cNvSpPr>
+          <p:nvPr>
+            <p:ph type="sldImg"/>
+          </p:nvPr>
+        </p:nvSpPr>
+        <p:spPr/>
+      </p:sp>
+      <p:sp>
+        <p:nvSpPr>
+          <p:cNvPr id="3" name="備忘稿版面配置區 2"/>
+          <p:cNvSpPr>
+            <a:spLocks noGrp="1"/>
+          </p:cNvSpPr>
+          <p:nvPr>
+            <p:ph type="body" idx="1"/>
+          </p:nvPr>
+        </p:nvSpPr>
+        <p:spPr/>
+        <p:txBody>
+          <a:bodyPr/>
+          <a:lstStyle/>
+          <a:p>
+            <a:pPr marL="0" marR="0" lvl="1" indent="0" algn="l" defTabSz="914400" rtl="0" eaLnBrk="1" fontAlgn="auto" latinLnBrk="0" hangingPunct="1">
+              <a:lnSpc>
+                <a:spcPct val="100000"/>
+              </a:lnSpc>
+              <a:spcBef>
+                <a:spcPts val="0"/>
+              </a:spcBef>
+              <a:spcAft>
+                <a:spcPts val="0"/>
+              </a:spcAft>
+              <a:buClrTx/>
+              <a:buSzTx/>
+              <a:buFontTx/>
+              <a:buNone/>
+              <a:tabLst/>
+              <a:defRPr/>
+            </a:pPr>
+            <a:r>
+              <a:rPr lang="zh-TW" altLang="en-US" dirty="0"/>
+              <a:t>英文選字母間隔適當：英文選字母間隔適當以免字母過於擁擠甚至重疊</a:t>
+            </a:r>
+            <a:endParaRPr lang="en-US" altLang="zh-TW" dirty="0"/>
+          </a:p>
+          <a:p>
+            <a:pPr marL="0" marR="0" lvl="1" indent="0" algn="l" defTabSz="914400" rtl="0" eaLnBrk="1" fontAlgn="auto" latinLnBrk="0" hangingPunct="1">
+              <a:lnSpc>
+                <a:spcPct val="100000"/>
+              </a:lnSpc>
+              <a:spcBef>
+                <a:spcPts val="0"/>
+              </a:spcBef>
+              <a:spcAft>
+                <a:spcPts val="0"/>
+              </a:spcAft>
+              <a:buClrTx/>
+              <a:buSzTx/>
+              <a:buFontTx/>
+              <a:buNone/>
+              <a:tabLst/>
+              <a:defRPr/>
+            </a:pPr>
+            <a:r>
+              <a:rPr lang="zh-TW" altLang="en-US" dirty="0"/>
+              <a:t>字體的大小變化</a:t>
+            </a:r>
+            <a:r>
+              <a:rPr lang="zh-TW" altLang="en-US" dirty="0">
+                <a:solidFill>
+                  <a:srgbClr val="FF0000"/>
+                </a:solidFill>
+              </a:rPr>
+              <a:t>不應超過</a:t>
+            </a:r>
+            <a:r>
+              <a:rPr lang="en-US" altLang="zh-TW" dirty="0">
+                <a:solidFill>
+                  <a:srgbClr val="FF0000"/>
+                </a:solidFill>
+              </a:rPr>
+              <a:t>4</a:t>
+            </a:r>
+            <a:r>
+              <a:rPr lang="zh-TW" altLang="en-US" dirty="0">
+                <a:solidFill>
+                  <a:srgbClr val="FF0000"/>
+                </a:solidFill>
+              </a:rPr>
+              <a:t>點</a:t>
+            </a:r>
+            <a:r>
+              <a:rPr lang="zh-TW" altLang="en-US" dirty="0">
+                <a:solidFill>
+                  <a:schemeClr val="tx1"/>
+                </a:solidFill>
+              </a:rPr>
+              <a:t>：</a:t>
+            </a:r>
+            <a:r>
+              <a:rPr lang="zh-TW" altLang="en-US" dirty="0"/>
+              <a:t>如座標軸的標示是</a:t>
+            </a:r>
+            <a:r>
+              <a:rPr lang="en-US" altLang="zh-TW" dirty="0"/>
+              <a:t>12</a:t>
+            </a:r>
+            <a:r>
+              <a:rPr lang="zh-TW" altLang="en-US" dirty="0"/>
+              <a:t>點，圖例大小就不能小於</a:t>
+            </a:r>
+            <a:r>
+              <a:rPr lang="en-US" altLang="zh-TW" dirty="0"/>
+              <a:t>8</a:t>
+            </a:r>
+            <a:r>
+              <a:rPr lang="zh-TW" altLang="en-US" dirty="0"/>
+              <a:t>點或大於</a:t>
+            </a:r>
+            <a:r>
+              <a:rPr lang="en-US" altLang="zh-TW" dirty="0"/>
+              <a:t>16</a:t>
+            </a:r>
+            <a:r>
+              <a:rPr lang="zh-TW" altLang="en-US" dirty="0"/>
+              <a:t>點</a:t>
+            </a:r>
+          </a:p>
+          <a:p>
+            <a:pPr marL="0" marR="0" lvl="1" indent="0" algn="l" defTabSz="914400" rtl="0" eaLnBrk="1" fontAlgn="auto" latinLnBrk="0" hangingPunct="1">
+              <a:lnSpc>
+                <a:spcPct val="100000"/>
+              </a:lnSpc>
+              <a:spcBef>
+                <a:spcPts val="0"/>
+              </a:spcBef>
+              <a:spcAft>
+                <a:spcPts val="0"/>
+              </a:spcAft>
+              <a:buClrTx/>
+              <a:buSzTx/>
+              <a:buFontTx/>
+              <a:buNone/>
+              <a:tabLst/>
+              <a:defRPr/>
+            </a:pPr>
+            <a:r>
+              <a:rPr lang="zh-TW" altLang="en-US" dirty="0"/>
+              <a:t>字體的粗細也會影響閱讀：粗體字太黑，字體較小時複製圖後可能會影響閱讀</a:t>
+            </a:r>
+          </a:p>
+          <a:p>
+            <a:pPr marL="0" marR="0" lvl="1" indent="0" algn="l" defTabSz="914400" rtl="0" eaLnBrk="1" fontAlgn="auto" latinLnBrk="0" hangingPunct="1">
+              <a:lnSpc>
+                <a:spcPct val="100000"/>
+              </a:lnSpc>
+              <a:spcBef>
+                <a:spcPts val="0"/>
+              </a:spcBef>
+              <a:spcAft>
+                <a:spcPts val="0"/>
+              </a:spcAft>
+              <a:buClrTx/>
+              <a:buSzTx/>
+              <a:buFontTx/>
+              <a:buNone/>
+              <a:tabLst/>
+              <a:defRPr/>
+            </a:pPr>
+            <a:endParaRPr lang="zh-TW" altLang="en-US" dirty="0"/>
+          </a:p>
+          <a:p>
+            <a:endParaRPr lang="zh-TW" altLang="en-US" dirty="0"/>
+          </a:p>
+        </p:txBody>
+      </p:sp>
+      <p:sp>
+        <p:nvSpPr>
+          <p:cNvPr id="4" name="投影片編號版面配置區 3"/>
+          <p:cNvSpPr>
+            <a:spLocks noGrp="1"/>
+          </p:cNvSpPr>
+          <p:nvPr>
+            <p:ph type="sldNum" sz="quarter" idx="10"/>
+          </p:nvPr>
+        </p:nvSpPr>
+        <p:spPr/>
+        <p:txBody>
+          <a:bodyPr/>
+          <a:lstStyle/>
+          <a:p>
+            <a:fld id="{C7BDBA1A-AC7B-45DC-A751-2B0A9550FCA9}" type="slidenum">
+              <a:rPr lang="zh-TW" altLang="en-US" smtClean="0"/>
+              <a:pPr/>
+              <a:t>42</a:t>
+            </a:fld>
+            <a:endParaRPr lang="zh-TW" altLang="en-US"/>
+          </a:p>
+        </p:txBody>
+      </p:sp>
+    </p:spTree>
+    <p:extLst>
+      <p:ext uri="{BB962C8B-B14F-4D97-AF65-F5344CB8AC3E}">
+        <p14:creationId xmlns:p14="http://schemas.microsoft.com/office/powerpoint/2010/main" val="193661458"/>
+      </p:ext>
+    </p:extLst>
+  </p:cSld>
+  <p:clrMapOvr>
+    <a:masterClrMapping/>
+  </p:clrMapOvr>
+</p:notes>
+</file>
+
+<file path=ppt/notesSlides/notesSlide24.xml><?xml version="1.0" encoding="utf-8"?>
+<p:notes xmlns:a="http://schemas.openxmlformats.org/drawingml/2006/main" xmlns:r="http://schemas.openxmlformats.org/officeDocument/2006/relationships" xmlns:p="http://schemas.openxmlformats.org/presentationml/2006/main">
+  <p:cSld>
+    <p:spTree>
+      <p:nvGrpSpPr>
+        <p:cNvPr id="1" name=""/>
+        <p:cNvGrpSpPr/>
+        <p:nvPr/>
+      </p:nvGrpSpPr>
+      <p:grpSpPr>
+        <a:xfrm>
+          <a:off x="0" y="0"/>
+          <a:ext cx="0" cy="0"/>
+          <a:chOff x="0" y="0"/>
+          <a:chExt cx="0" cy="0"/>
+        </a:xfrm>
+      </p:grpSpPr>
+      <p:sp>
+        <p:nvSpPr>
+          <p:cNvPr id="2" name="投影片影像版面配置區 1"/>
+          <p:cNvSpPr>
+            <a:spLocks noGrp="1" noRot="1" noChangeAspect="1"/>
+          </p:cNvSpPr>
+          <p:nvPr>
+            <p:ph type="sldImg"/>
+          </p:nvPr>
+        </p:nvSpPr>
+        <p:spPr/>
+      </p:sp>
+      <p:sp>
+        <p:nvSpPr>
+          <p:cNvPr id="3" name="備忘稿版面配置區 2"/>
+          <p:cNvSpPr>
+            <a:spLocks noGrp="1"/>
+          </p:cNvSpPr>
+          <p:nvPr>
+            <p:ph type="body" idx="1"/>
+          </p:nvPr>
+        </p:nvSpPr>
+        <p:spPr/>
+        <p:txBody>
+          <a:bodyPr/>
+          <a:lstStyle/>
+          <a:p>
+            <a:pPr marL="228600" indent="-228600">
+              <a:buFont typeface="+mj-lt"/>
+              <a:buAutoNum type="arabicPeriod"/>
+            </a:pPr>
+            <a:r>
+              <a:rPr lang="en-US" altLang="zh-TW" dirty="0"/>
+              <a:t>XY</a:t>
+            </a:r>
+            <a:r>
+              <a:rPr lang="zh-TW" altLang="en-US" dirty="0"/>
+              <a:t>軸沒單位</a:t>
+            </a:r>
+            <a:endParaRPr lang="en-US" altLang="zh-TW" dirty="0"/>
+          </a:p>
+          <a:p>
+            <a:pPr marL="228600" indent="-228600">
+              <a:buFont typeface="+mj-lt"/>
+              <a:buAutoNum type="arabicPeriod"/>
+            </a:pPr>
+            <a:r>
+              <a:rPr lang="zh-TW" altLang="en-US" dirty="0"/>
+              <a:t>要不要畫刻度橫線 都可以 依個人喜好這個沒有硬性規定 但一般比較多人不畫</a:t>
+            </a:r>
+            <a:endParaRPr lang="en-US" altLang="zh-TW" dirty="0"/>
+          </a:p>
+          <a:p>
+            <a:pPr marL="228600" indent="-228600">
+              <a:buFont typeface="+mj-lt"/>
+              <a:buAutoNum type="arabicPeriod"/>
+            </a:pPr>
+            <a:r>
+              <a:rPr lang="zh-TW" altLang="en-US" dirty="0"/>
+              <a:t>要不要數標</a:t>
+            </a:r>
+            <a:r>
+              <a:rPr lang="en-US" altLang="zh-TW" dirty="0"/>
+              <a:t>(</a:t>
+            </a:r>
+            <a:r>
+              <a:rPr lang="zh-TW" altLang="en-US" dirty="0"/>
+              <a:t>數字標記</a:t>
+            </a:r>
+            <a:r>
+              <a:rPr lang="en-US" altLang="zh-TW" dirty="0"/>
+              <a:t>?) </a:t>
+            </a:r>
+            <a:r>
+              <a:rPr lang="zh-TW" altLang="en-US" dirty="0"/>
+              <a:t>可以不用 有了標記會比較亂</a:t>
+            </a:r>
+            <a:endParaRPr lang="en-US" altLang="zh-TW" dirty="0"/>
+          </a:p>
+          <a:p>
+            <a:pPr marL="228600" indent="-228600">
+              <a:buFont typeface="+mj-lt"/>
+              <a:buAutoNum type="arabicPeriod"/>
+            </a:pPr>
+            <a:endParaRPr lang="zh-TW" altLang="en-US" dirty="0"/>
+          </a:p>
+        </p:txBody>
+      </p:sp>
+      <p:sp>
+        <p:nvSpPr>
+          <p:cNvPr id="4" name="投影片編號版面配置區 3"/>
+          <p:cNvSpPr>
+            <a:spLocks noGrp="1"/>
+          </p:cNvSpPr>
+          <p:nvPr>
+            <p:ph type="sldNum" sz="quarter" idx="5"/>
+          </p:nvPr>
+        </p:nvSpPr>
+        <p:spPr/>
+        <p:txBody>
+          <a:bodyPr/>
+          <a:lstStyle/>
+          <a:p>
+            <a:fld id="{C7BDBA1A-AC7B-45DC-A751-2B0A9550FCA9}" type="slidenum">
+              <a:rPr lang="zh-TW" altLang="en-US" smtClean="0"/>
+              <a:pPr/>
+              <a:t>45</a:t>
+            </a:fld>
+            <a:endParaRPr lang="zh-TW" altLang="en-US"/>
+          </a:p>
+        </p:txBody>
+      </p:sp>
+    </p:spTree>
+    <p:extLst>
+      <p:ext uri="{BB962C8B-B14F-4D97-AF65-F5344CB8AC3E}">
+        <p14:creationId xmlns:p14="http://schemas.microsoft.com/office/powerpoint/2010/main" val="282116562"/>
+      </p:ext>
+    </p:extLst>
+  </p:cSld>
+  <p:clrMapOvr>
+    <a:masterClrMapping/>
+  </p:clrMapOvr>
+</p:notes>
+</file>
+
+<file path=ppt/notesSlides/notesSlide25.xml><?xml version="1.0" encoding="utf-8"?>
+<p:notes xmlns:a="http://schemas.openxmlformats.org/drawingml/2006/main" xmlns:r="http://schemas.openxmlformats.org/officeDocument/2006/relationships" xmlns:p="http://schemas.openxmlformats.org/presentationml/2006/main">
+  <p:cSld>
+    <p:spTree>
+      <p:nvGrpSpPr>
+        <p:cNvPr id="1" name=""/>
+        <p:cNvGrpSpPr/>
+        <p:nvPr/>
+      </p:nvGrpSpPr>
+      <p:grpSpPr>
+        <a:xfrm>
+          <a:off x="0" y="0"/>
+          <a:ext cx="0" cy="0"/>
+          <a:chOff x="0" y="0"/>
+          <a:chExt cx="0" cy="0"/>
+        </a:xfrm>
+      </p:grpSpPr>
+      <p:sp>
+        <p:nvSpPr>
+          <p:cNvPr id="2" name="投影片影像版面配置區 1"/>
+          <p:cNvSpPr>
+            <a:spLocks noGrp="1" noRot="1" noChangeAspect="1"/>
+          </p:cNvSpPr>
+          <p:nvPr>
+            <p:ph type="sldImg"/>
+          </p:nvPr>
+        </p:nvSpPr>
+        <p:spPr/>
+      </p:sp>
+      <p:sp>
+        <p:nvSpPr>
+          <p:cNvPr id="3" name="備忘稿版面配置區 2"/>
+          <p:cNvSpPr>
+            <a:spLocks noGrp="1"/>
+          </p:cNvSpPr>
+          <p:nvPr>
+            <p:ph type="body" idx="1"/>
+          </p:nvPr>
+        </p:nvSpPr>
+        <p:spPr/>
+        <p:txBody>
+          <a:bodyPr/>
+          <a:lstStyle/>
+          <a:p>
+            <a:pPr marL="228600" indent="-228600">
+              <a:buFont typeface="+mj-lt"/>
+              <a:buAutoNum type="arabicPeriod"/>
+            </a:pPr>
+            <a:r>
+              <a:rPr lang="zh-TW" altLang="en-US" dirty="0"/>
+              <a:t>顏色圖例把</a:t>
+            </a:r>
+            <a:r>
+              <a:rPr lang="en-US" altLang="zh-TW" dirty="0"/>
+              <a:t>X</a:t>
+            </a:r>
+            <a:r>
+              <a:rPr lang="zh-TW" altLang="en-US" dirty="0"/>
+              <a:t>軸標題壓縮了，最好是要讓標題放到最中間</a:t>
+            </a:r>
+            <a:r>
+              <a:rPr lang="en-US" altLang="zh-TW" dirty="0"/>
+              <a:t>(</a:t>
+            </a:r>
+            <a:r>
+              <a:rPr lang="zh-TW" altLang="en-US" dirty="0"/>
+              <a:t>置中</a:t>
+            </a:r>
+            <a:r>
+              <a:rPr lang="en-US" altLang="zh-TW" dirty="0"/>
+              <a:t>)</a:t>
+            </a:r>
+          </a:p>
+          <a:p>
+            <a:pPr marL="228600" indent="-228600">
+              <a:buFont typeface="+mj-lt"/>
+              <a:buAutoNum type="arabicPeriod"/>
+            </a:pPr>
+            <a:r>
+              <a:rPr lang="en-US" altLang="zh-TW" dirty="0"/>
+              <a:t>Y</a:t>
+            </a:r>
+            <a:r>
+              <a:rPr lang="zh-TW" altLang="en-US" dirty="0"/>
+              <a:t>軸標題不覺的字太大了嗎</a:t>
+            </a:r>
+            <a:r>
+              <a:rPr lang="en-US" altLang="zh-TW" dirty="0"/>
+              <a:t>?</a:t>
+            </a:r>
+          </a:p>
+          <a:p>
+            <a:pPr marL="228600" indent="-228600">
+              <a:buFont typeface="+mj-lt"/>
+              <a:buAutoNum type="arabicPeriod"/>
+            </a:pPr>
+            <a:r>
+              <a:rPr lang="zh-TW" altLang="en-US" dirty="0"/>
+              <a:t>優點</a:t>
+            </a:r>
+            <a:r>
+              <a:rPr lang="en-US" altLang="zh-TW" dirty="0"/>
+              <a:t>:</a:t>
+            </a:r>
+            <a:r>
+              <a:rPr lang="zh-TW" altLang="en-US" dirty="0"/>
+              <a:t>用科學符號寫在上方</a:t>
+            </a:r>
+            <a:r>
+              <a:rPr lang="en-US" altLang="zh-TW" dirty="0"/>
+              <a:t>0246810 *10</a:t>
+            </a:r>
+            <a:r>
+              <a:rPr lang="zh-TW" altLang="en-US" dirty="0"/>
+              <a:t>六次方</a:t>
+            </a:r>
+            <a:endParaRPr lang="en-US" altLang="zh-TW" dirty="0"/>
+          </a:p>
+          <a:p>
+            <a:pPr marL="228600" indent="-228600">
+              <a:buFont typeface="+mj-lt"/>
+              <a:buAutoNum type="arabicPeriod"/>
+            </a:pPr>
+            <a:r>
+              <a:rPr lang="en-US" altLang="zh-TW" dirty="0"/>
+              <a:t>Mu total </a:t>
+            </a:r>
+            <a:r>
+              <a:rPr lang="zh-TW" altLang="en-US" dirty="0"/>
+              <a:t>可以標記數字</a:t>
+            </a:r>
+          </a:p>
+        </p:txBody>
+      </p:sp>
+      <p:sp>
+        <p:nvSpPr>
+          <p:cNvPr id="4" name="投影片編號版面配置區 3"/>
+          <p:cNvSpPr>
+            <a:spLocks noGrp="1"/>
+          </p:cNvSpPr>
+          <p:nvPr>
+            <p:ph type="sldNum" sz="quarter" idx="5"/>
+          </p:nvPr>
+        </p:nvSpPr>
+        <p:spPr/>
+        <p:txBody>
+          <a:bodyPr/>
+          <a:lstStyle/>
+          <a:p>
+            <a:fld id="{C7BDBA1A-AC7B-45DC-A751-2B0A9550FCA9}" type="slidenum">
+              <a:rPr lang="zh-TW" altLang="en-US" smtClean="0"/>
+              <a:pPr/>
+              <a:t>46</a:t>
+            </a:fld>
+            <a:endParaRPr lang="zh-TW" altLang="en-US"/>
+          </a:p>
+        </p:txBody>
+      </p:sp>
+    </p:spTree>
+    <p:extLst>
+      <p:ext uri="{BB962C8B-B14F-4D97-AF65-F5344CB8AC3E}">
+        <p14:creationId xmlns:p14="http://schemas.microsoft.com/office/powerpoint/2010/main" val="3379649568"/>
       </p:ext>
     </p:extLst>
   </p:cSld>
@@ -3304,7 +5119,7 @@
       </p:grpSpPr>
       <p:sp>
         <p:nvSpPr>
-          <p:cNvPr id="2" name="投影片圖像版面配置區 1"/>
+          <p:cNvPr id="2" name="投影片影像版面配置區 1"/>
           <p:cNvSpPr>
             <a:spLocks noGrp="1" noRot="1" noChangeAspect="1"/>
           </p:cNvSpPr>
@@ -3329,183 +5144,8 @@
           <a:bodyPr/>
           <a:lstStyle/>
           <a:p>
-            <a:pPr algn="just"/>
-            <a:r>
-              <a:rPr lang="zh-TW" altLang="en-US" dirty="0"/>
-              <a:t>標題是要建立</a:t>
-            </a:r>
-            <a:r>
-              <a:rPr lang="zh-TW" altLang="en-US" dirty="0">
-                <a:solidFill>
-                  <a:srgbClr val="FF0000"/>
-                </a:solidFill>
-              </a:rPr>
-              <a:t>資料的邏輯</a:t>
-            </a:r>
-            <a:r>
-              <a:rPr lang="zh-TW" altLang="en-US" dirty="0"/>
-              <a:t>，將相關資料群組在同一欄之下，並參照以下規定：</a:t>
-            </a:r>
-            <a:endParaRPr lang="en-US" altLang="zh-TW" dirty="0"/>
-          </a:p>
-          <a:p>
-            <a:pPr lvl="1" algn="just"/>
-            <a:r>
-              <a:rPr lang="zh-TW" altLang="en-US" dirty="0"/>
-              <a:t>欄標題</a:t>
-            </a:r>
-            <a:r>
-              <a:rPr lang="zh-TW" altLang="en-US" dirty="0">
-                <a:solidFill>
-                  <a:srgbClr val="FF0000"/>
-                </a:solidFill>
-              </a:rPr>
-              <a:t>應簡短</a:t>
-            </a:r>
-            <a:r>
-              <a:rPr lang="zh-TW" altLang="en-US" dirty="0"/>
-              <a:t>，不要與欄內文字字數差距過於懸殊，也不應超越欄寬</a:t>
-            </a:r>
-            <a:endParaRPr lang="en-US" altLang="zh-TW" dirty="0"/>
-          </a:p>
-          <a:p>
-            <a:pPr lvl="1" algn="just"/>
-            <a:r>
-              <a:rPr lang="zh-TW" altLang="en-US" dirty="0"/>
-              <a:t>欄標題可能只有一層，也可能有兩、三層。如有兩層以上的欄標題，在第一個層次的欄標題之下應</a:t>
-            </a:r>
-            <a:r>
-              <a:rPr lang="zh-TW" altLang="en-US" dirty="0">
-                <a:solidFill>
-                  <a:srgbClr val="FF0000"/>
-                </a:solidFill>
-              </a:rPr>
-              <a:t>劃一橫線</a:t>
-            </a:r>
-            <a:r>
-              <a:rPr lang="en-US" altLang="zh-TW" dirty="0"/>
-              <a:t>(</a:t>
-            </a:r>
-            <a:r>
-              <a:rPr lang="zh-TW" altLang="en-US" dirty="0"/>
-              <a:t>表格框線，如下所示</a:t>
-            </a:r>
-            <a:r>
-              <a:rPr lang="en-US" altLang="zh-TW" dirty="0"/>
-              <a:t>)</a:t>
-            </a:r>
-            <a:r>
-              <a:rPr lang="zh-TW" altLang="en-US" dirty="0"/>
-              <a:t>，然後再寫細分的小標題</a:t>
-            </a:r>
-            <a:endParaRPr lang="en-US" altLang="zh-TW" dirty="0"/>
-          </a:p>
-          <a:p>
-            <a:pPr lvl="1" algn="just"/>
-            <a:r>
-              <a:rPr lang="zh-TW" altLang="en-US" dirty="0"/>
-              <a:t>欄標題應該</a:t>
-            </a:r>
-            <a:r>
-              <a:rPr lang="zh-TW" altLang="en-US" dirty="0">
-                <a:solidFill>
-                  <a:srgbClr val="FF0000"/>
-                </a:solidFill>
-              </a:rPr>
-              <a:t>置中</a:t>
-            </a:r>
-            <a:r>
-              <a:rPr lang="zh-TW" altLang="en-US" dirty="0"/>
-              <a:t>於所屬各欄</a:t>
-            </a:r>
-            <a:endParaRPr lang="en-US" altLang="zh-TW" dirty="0"/>
-          </a:p>
-          <a:p>
-            <a:pPr lvl="1" algn="just"/>
-            <a:r>
-              <a:rPr lang="zh-TW" altLang="en-US" dirty="0"/>
-              <a:t>欄標題以</a:t>
-            </a:r>
-            <a:r>
-              <a:rPr lang="zh-TW" altLang="en-US" dirty="0">
-                <a:solidFill>
-                  <a:srgbClr val="FF0000"/>
-                </a:solidFill>
-              </a:rPr>
-              <a:t>橫書</a:t>
-            </a:r>
-            <a:r>
-              <a:rPr lang="zh-TW" altLang="en-US" dirty="0"/>
-              <a:t>為原則，且第一個字母必須</a:t>
-            </a:r>
-            <a:r>
-              <a:rPr lang="zh-TW" altLang="en-US" dirty="0">
-                <a:solidFill>
-                  <a:srgbClr val="FF0000"/>
-                </a:solidFill>
-              </a:rPr>
-              <a:t>大寫</a:t>
-            </a:r>
-            <a:endParaRPr lang="en-US" altLang="zh-TW" dirty="0">
-              <a:solidFill>
-                <a:srgbClr val="FF0000"/>
-              </a:solidFill>
-            </a:endParaRPr>
-          </a:p>
-          <a:p>
-            <a:pPr lvl="1" algn="just"/>
-            <a:r>
-              <a:rPr lang="zh-TW" altLang="en-US" dirty="0"/>
-              <a:t>表中的每一欄都應該賦予標題，包括最左邊的</a:t>
-            </a:r>
-            <a:r>
-              <a:rPr lang="zh-TW" altLang="en-US" dirty="0">
-                <a:solidFill>
-                  <a:srgbClr val="FF0000"/>
-                </a:solidFill>
-              </a:rPr>
-              <a:t>側欄</a:t>
-            </a:r>
-          </a:p>
-          <a:p>
-            <a:pPr lvl="2" algn="just"/>
-            <a:r>
-              <a:rPr lang="zh-TW" altLang="en-US" dirty="0"/>
-              <a:t>表格最左邊的一欄，稱之為側欄</a:t>
-            </a:r>
-          </a:p>
-          <a:p>
-            <a:pPr lvl="2" algn="just"/>
-            <a:r>
-              <a:rPr lang="zh-TW" altLang="en-US" dirty="0"/>
-              <a:t>側欄通常用來條列重要的自變項</a:t>
-            </a:r>
-          </a:p>
-          <a:p>
-            <a:pPr lvl="2" algn="just"/>
-            <a:r>
-              <a:rPr lang="zh-TW" altLang="en-US" dirty="0"/>
-              <a:t>側欄標題要細分時，宜直接在同欄細分，不宜另起新欄</a:t>
-            </a:r>
-          </a:p>
-          <a:p>
-            <a:pPr lvl="2" algn="just"/>
-            <a:r>
-              <a:rPr lang="zh-TW" altLang="en-US" dirty="0"/>
-              <a:t>側欄標題分層過細的話，第二層以後的標題應逐層內縮兩格</a:t>
-            </a:r>
-            <a:endParaRPr lang="en-US" altLang="zh-TW" dirty="0"/>
-          </a:p>
-          <a:p>
-            <a:pPr lvl="1"/>
             <a:endParaRPr lang="zh-TW" altLang="en-US" dirty="0"/>
           </a:p>
-          <a:p>
-            <a:endParaRPr lang="zh-TW" altLang="en-US" dirty="0"/>
-          </a:p>
-          <a:p>
-            <a:endParaRPr lang="zh-TW" altLang="en-US" dirty="0"/>
-          </a:p>
         </p:txBody>
       </p:sp>
       <p:sp>
@@ -3515,7 +5155,7 @@
             <a:spLocks noGrp="1"/>
           </p:cNvSpPr>
           <p:nvPr>
-            <p:ph type="sldNum" sz="quarter" idx="10"/>
+            <p:ph type="sldNum" sz="quarter" idx="5"/>
           </p:nvPr>
         </p:nvSpPr>
         <p:spPr/>
@@ -3526,7 +5166,7 @@
             <a:fld id="{C7BDBA1A-AC7B-45DC-A751-2B0A9550FCA9}" type="slidenum">
               <a:rPr lang="zh-TW" altLang="en-US" smtClean="0"/>
               <a:pPr/>
-              <a:t>18</a:t>
+              <a:t>16</a:t>
             </a:fld>
             <a:endParaRPr lang="zh-TW" altLang="en-US"/>
           </a:p>
@@ -3535,7 +5175,7 @@
     </p:spTree>
     <p:extLst>
       <p:ext uri="{BB962C8B-B14F-4D97-AF65-F5344CB8AC3E}">
-        <p14:creationId xmlns:p14="http://schemas.microsoft.com/office/powerpoint/2010/main" val="3208253003"/>
+        <p14:creationId xmlns:p14="http://schemas.microsoft.com/office/powerpoint/2010/main" val="1706937589"/>
       </p:ext>
     </p:extLst>
   </p:cSld>
@@ -8628,7 +10268,7 @@
             <a:fld id="{32049A66-0248-488C-ADBB-B0C7708A5BF5}" type="datetimeFigureOut">
               <a:rPr lang="zh-TW" altLang="en-US" smtClean="0"/>
               <a:pPr/>
-              <a:t>2023/10/19</a:t>
+              <a:t>2023/10/26</a:t>
             </a:fld>
             <a:endParaRPr lang="zh-TW" altLang="en-US"/>
           </a:p>
@@ -13781,11 +15421,18 @@
                 <a:solidFill>
                   <a:srgbClr val="FF0000"/>
                 </a:solidFill>
+                <a:highlight>
+                  <a:srgbClr val="FFFF00"/>
+                </a:highlight>
               </a:rPr>
               <a:t>補充本文內容</a:t>
             </a:r>
             <a:r>
-              <a:rPr lang="zh-TW" altLang="en-US" dirty="0"/>
+              <a:rPr lang="zh-TW" altLang="en-US" dirty="0">
+                <a:highlight>
+                  <a:srgbClr val="FFFF00"/>
+                </a:highlight>
+              </a:rPr>
               <a:t>，不是重複本文的內容</a:t>
             </a:r>
           </a:p>
@@ -13894,15 +15541,27 @@
           <a:p>
             <a:pPr lvl="1"/>
             <a:r>
-              <a:rPr lang="zh-TW" altLang="en-US" dirty="0"/>
+              <a:rPr lang="zh-TW" altLang="en-US" dirty="0">
+                <a:highlight>
+                  <a:srgbClr val="FFFF00"/>
+                </a:highlight>
+              </a:rPr>
               <a:t>不要寫「見下表」或「見第</a:t>
             </a:r>
             <a:r>
-              <a:rPr lang="en-US" altLang="zh-TW" dirty="0"/>
+              <a:rPr lang="en-US" altLang="zh-TW" dirty="0">
+                <a:highlight>
+                  <a:srgbClr val="FFFF00"/>
+                </a:highlight>
+              </a:rPr>
               <a:t>n</a:t>
             </a:r>
             <a:r>
-              <a:rPr lang="zh-TW" altLang="en-US" dirty="0"/>
+              <a:rPr lang="zh-TW" altLang="en-US" dirty="0">
+                <a:highlight>
+                  <a:srgbClr val="FFFF00"/>
+                </a:highlight>
+              </a:rPr>
               <a:t>頁的表」</a:t>
             </a:r>
           </a:p>
@@ -15966,7 +17625,7 @@
           <p:nvPr/>
         </p:nvPicPr>
         <p:blipFill>
-          <a:blip r:embed="rId2" cstate="print">
+          <a:blip r:embed="rId3" cstate="print">
             <a:extLst>
               <a:ext uri="{28A0092B-C50C-407E-A947-70E740481C1C}">
                 <a14:useLocalDpi xmlns:a14="http://schemas.microsoft.com/office/drawing/2010/main" val="0"/>
@@ -16889,7 +18548,11 @@
               <a:t>(cells)</a:t>
             </a:r>
             <a:r>
-              <a:rPr lang="zh-TW" altLang="en-US" dirty="0"/>
+              <a:rPr lang="zh-TW" altLang="en-US" dirty="0">
+                <a:highlight>
+                  <a:srgbClr val="FFFF00"/>
+                </a:highlight>
+              </a:rPr>
               <a:t>寫</a:t>
             </a:r>
             <a:r>
@@ -16897,6 +18560,9 @@
                 <a:solidFill>
                   <a:srgbClr val="FF0000"/>
                 </a:solidFill>
+                <a:highlight>
+                  <a:srgbClr val="FFFF00"/>
+                </a:highlight>
               </a:rPr>
               <a:t>N/A(</a:t>
             </a:r>
@@ -16905,6 +18571,9 @@
                 <a:solidFill>
                   <a:srgbClr val="FF0000"/>
                 </a:solidFill>
+                <a:highlight>
+                  <a:srgbClr val="FFFF00"/>
+                </a:highlight>
               </a:rPr>
               <a:t>建議</a:t>
             </a:r>
@@ -16913,11 +18582,18 @@
                 <a:solidFill>
                   <a:srgbClr val="FF0000"/>
                 </a:solidFill>
+                <a:highlight>
+                  <a:srgbClr val="FFFF00"/>
+                </a:highlight>
               </a:rPr>
               <a:t>)</a:t>
             </a:r>
             <a:r>
-              <a:rPr lang="zh-TW" altLang="en-US" dirty="0"/>
+              <a:rPr lang="zh-TW" altLang="en-US" dirty="0">
+                <a:highlight>
+                  <a:srgbClr val="FFFF00"/>
+                </a:highlight>
+              </a:rPr>
               <a:t>或保持</a:t>
             </a:r>
             <a:r>
@@ -16925,6 +18601,9 @@
                 <a:solidFill>
                   <a:srgbClr val="FF0000"/>
                 </a:solidFill>
+                <a:highlight>
+                  <a:srgbClr val="FFFF00"/>
+                </a:highlight>
               </a:rPr>
               <a:t>空白</a:t>
             </a:r>
@@ -16933,6 +18612,9 @@
                 <a:solidFill>
                   <a:srgbClr val="FF0000"/>
                 </a:solidFill>
+                <a:highlight>
+                  <a:srgbClr val="FFFF00"/>
+                </a:highlight>
               </a:rPr>
               <a:t>(</a:t>
             </a:r>
@@ -16941,6 +18623,9 @@
                 <a:solidFill>
                   <a:srgbClr val="FF0000"/>
                 </a:solidFill>
+                <a:highlight>
+                  <a:srgbClr val="FFFF00"/>
+                </a:highlight>
               </a:rPr>
               <a:t>不建議</a:t>
             </a:r>
@@ -16949,6 +18634,9 @@
                 <a:solidFill>
                   <a:srgbClr val="FF0000"/>
                 </a:solidFill>
+                <a:highlight>
+                  <a:srgbClr val="FFFF00"/>
+                </a:highlight>
               </a:rPr>
               <a:t>)</a:t>
             </a:r>
@@ -16956,6 +18644,9 @@
               <a:solidFill>
                 <a:srgbClr val="FF0000"/>
               </a:solidFill>
+              <a:highlight>
+                <a:srgbClr val="FFFF00"/>
+              </a:highlight>
             </a:endParaRPr>
           </a:p>
           <a:p>
@@ -17136,7 +18827,7 @@
           <p:nvPr/>
         </p:nvPicPr>
         <p:blipFill>
-          <a:blip r:embed="rId2" cstate="print">
+          <a:blip r:embed="rId3" cstate="print">
             <a:extLst>
               <a:ext uri="{28A0092B-C50C-407E-A947-70E740481C1C}">
                 <a14:useLocalDpi xmlns:a14="http://schemas.microsoft.com/office/drawing/2010/main" val="0"/>
@@ -19384,27 +21075,59 @@
             <a:pPr lvl="2" algn="just"/>
             <a:r>
               <a:rPr lang="zh-TW" altLang="en-US" dirty="0"/>
-              <a:t>例如：表</a:t>
-            </a:r>
-            <a:r>
-              <a:rPr lang="en-US" altLang="zh-TW" dirty="0"/>
+              <a:t>例如：</a:t>
+            </a:r>
+            <a:r>
+              <a:rPr lang="zh-TW" altLang="en-US" dirty="0">
+                <a:highlight>
+                  <a:srgbClr val="FFFF00"/>
+                </a:highlight>
+              </a:rPr>
+              <a:t>表</a:t>
+            </a:r>
+            <a:r>
+              <a:rPr lang="en-US" altLang="zh-TW" dirty="0">
+                <a:highlight>
+                  <a:srgbClr val="FFFF00"/>
+                </a:highlight>
+              </a:rPr>
               <a:t>5(</a:t>
             </a:r>
             <a:r>
-              <a:rPr lang="zh-TW" altLang="en-US" dirty="0"/>
+              <a:rPr lang="zh-TW" altLang="en-US" dirty="0">
+                <a:highlight>
+                  <a:srgbClr val="FFFF00"/>
+                </a:highlight>
+              </a:rPr>
               <a:t>續</a:t>
+            </a:r>
+            <a:r>
+              <a:rPr lang="en-US" altLang="zh-TW" dirty="0">
+                <a:highlight>
+                  <a:srgbClr val="FFFF00"/>
+                </a:highlight>
+              </a:rPr>
+              <a:t>)</a:t>
+            </a:r>
+            <a:r>
+              <a:rPr lang="zh-TW" altLang="en-US" dirty="0">
+                <a:highlight>
+                  <a:srgbClr val="FFFF00"/>
+                </a:highlight>
+              </a:rPr>
+              <a:t>、</a:t>
+            </a:r>
+            <a:r>
+              <a:rPr lang="en-US" altLang="zh-TW" dirty="0">
+                <a:highlight>
+                  <a:srgbClr val="FFFF00"/>
+                </a:highlight>
+              </a:rPr>
+              <a:t>Table 5 (Continued</a:t>
             </a:r>
             <a:r>
               <a:rPr lang="en-US" altLang="zh-TW" dirty="0"/>
               <a:t>)</a:t>
-            </a:r>
-            <a:r>
-              <a:rPr lang="zh-TW" altLang="en-US" dirty="0"/>
-              <a:t>、</a:t>
-            </a:r>
-            <a:r>
-              <a:rPr lang="en-US" altLang="zh-TW" dirty="0"/>
-              <a:t>Table 5 (Continued)</a:t>
             </a:r>
           </a:p>
           <a:p>
@@ -19979,7 +21702,7 @@
           <p:nvPr>
             <p:extLst>
               <p:ext uri="{D42A27DB-BD31-4B8C-83A1-F6EECF244321}">
-                <p14:modId xmlns:p14="http://schemas.microsoft.com/office/powerpoint/2010/main" val="2239064825"/>
+                <p14:modId xmlns:p14="http://schemas.microsoft.com/office/powerpoint/2010/main" val="735252424"/>
               </p:ext>
             </p:extLst>
           </p:nvPr>
@@ -21319,6 +23042,351 @@
           </a:graphicData>
         </a:graphic>
       </p:graphicFrame>
+      <p:sp>
+        <p:nvSpPr>
+          <p:cNvPr id="3" name="矩形 2">
+            <a:extLst>
+              <a:ext uri="{FF2B5EF4-FFF2-40B4-BE49-F238E27FC236}">
+                <a16:creationId xmlns:a16="http://schemas.microsoft.com/office/drawing/2014/main" id="{751A95D1-786F-042A-E2CF-AC595C80AFA1}"/>
+              </a:ext>
+            </a:extLst>
+          </p:cNvPr>
+          <p:cNvSpPr/>
+          <p:nvPr/>
+        </p:nvSpPr>
+        <p:spPr bwMode="auto">
+          <a:xfrm>
+            <a:off x="838200" y="1398484"/>
+            <a:ext cx="10290717" cy="1325563"/>
+          </a:xfrm>
+          <a:prstGeom prst="rect">
+            <a:avLst/>
+          </a:prstGeom>
+          <a:noFill/>
+          <a:ln w="19050" cap="flat" cmpd="sng" algn="ctr">
+            <a:solidFill>
+              <a:srgbClr val="FF0000"/>
+            </a:solidFill>
+            <a:prstDash val="solid"/>
+            <a:round/>
+            <a:headEnd type="none" w="med" len="med"/>
+            <a:tailEnd type="none" w="med" len="med"/>
+          </a:ln>
+          <a:effectLst/>
+        </p:spPr>
+        <p:txBody>
+          <a:bodyPr vert="horz" wrap="square" lIns="91440" tIns="45720" rIns="91440" bIns="45720" numCol="1" rtlCol="0" anchor="t" anchorCtr="0" compatLnSpc="1">
+            <a:prstTxWarp prst="textNoShape">
+              <a:avLst/>
+            </a:prstTxWarp>
+          </a:bodyPr>
+          <a:lstStyle/>
+          <a:p>
+            <a:pPr marL="0" marR="0" indent="0" algn="l" defTabSz="914400" rtl="0" eaLnBrk="0" fontAlgn="base" latinLnBrk="0" hangingPunct="0">
+              <a:lnSpc>
+                <a:spcPct val="100000"/>
+              </a:lnSpc>
+              <a:spcBef>
+                <a:spcPct val="0"/>
+              </a:spcBef>
+              <a:spcAft>
+                <a:spcPct val="0"/>
+              </a:spcAft>
+              <a:buClrTx/>
+              <a:buSzTx/>
+              <a:buFontTx/>
+              <a:buNone/>
+              <a:tabLst/>
+            </a:pPr>
+            <a:endParaRPr kumimoji="0" lang="zh-TW" altLang="en-US" sz="2400" b="0" i="0" u="none" strike="noStrike" cap="none" normalizeH="0" baseline="0">
+              <a:ln>
+                <a:noFill/>
+              </a:ln>
+              <a:solidFill>
+                <a:schemeClr val="tx1"/>
+              </a:solidFill>
+              <a:effectLst/>
+              <a:latin typeface="Arial" charset="0"/>
+            </a:endParaRPr>
+          </a:p>
+        </p:txBody>
+      </p:sp>
+      <p:sp>
+        <p:nvSpPr>
+          <p:cNvPr id="4" name="矩形 3">
+            <a:extLst>
+              <a:ext uri="{FF2B5EF4-FFF2-40B4-BE49-F238E27FC236}">
+                <a16:creationId xmlns:a16="http://schemas.microsoft.com/office/drawing/2014/main" id="{6FB5FF59-2F5E-976A-BA01-66E951D28F17}"/>
+              </a:ext>
+            </a:extLst>
+          </p:cNvPr>
+          <p:cNvSpPr/>
+          <p:nvPr/>
+        </p:nvSpPr>
+        <p:spPr bwMode="auto">
+          <a:xfrm>
+            <a:off x="5892799" y="4868501"/>
+            <a:ext cx="680224" cy="591015"/>
+          </a:xfrm>
+          <a:prstGeom prst="rect">
+            <a:avLst/>
+          </a:prstGeom>
+          <a:noFill/>
+          <a:ln w="19050" cap="flat" cmpd="sng" algn="ctr">
+            <a:solidFill>
+              <a:srgbClr val="FF0000"/>
+            </a:solidFill>
+            <a:prstDash val="solid"/>
+            <a:round/>
+            <a:headEnd type="none" w="med" len="med"/>
+            <a:tailEnd type="none" w="med" len="med"/>
+          </a:ln>
+          <a:effectLst/>
+        </p:spPr>
+        <p:txBody>
+          <a:bodyPr vert="horz" wrap="square" lIns="91440" tIns="45720" rIns="91440" bIns="45720" numCol="1" rtlCol="0" anchor="t" anchorCtr="0" compatLnSpc="1">
+            <a:prstTxWarp prst="textNoShape">
+              <a:avLst/>
+            </a:prstTxWarp>
+          </a:bodyPr>
+          <a:lstStyle/>
+          <a:p>
+            <a:pPr marL="0" marR="0" indent="0" algn="l" defTabSz="914400" rtl="0" eaLnBrk="0" fontAlgn="base" latinLnBrk="0" hangingPunct="0">
+              <a:lnSpc>
+                <a:spcPct val="100000"/>
+              </a:lnSpc>
+              <a:spcBef>
+                <a:spcPct val="0"/>
+              </a:spcBef>
+              <a:spcAft>
+                <a:spcPct val="0"/>
+              </a:spcAft>
+              <a:buClrTx/>
+              <a:buSzTx/>
+              <a:buFontTx/>
+              <a:buNone/>
+              <a:tabLst/>
+            </a:pPr>
+            <a:endParaRPr kumimoji="0" lang="zh-TW" altLang="en-US" sz="2400" b="0" i="0" u="none" strike="noStrike" cap="none" normalizeH="0" baseline="0">
+              <a:ln>
+                <a:noFill/>
+              </a:ln>
+              <a:solidFill>
+                <a:schemeClr val="tx1"/>
+              </a:solidFill>
+              <a:effectLst/>
+              <a:latin typeface="Arial" charset="0"/>
+            </a:endParaRPr>
+          </a:p>
+        </p:txBody>
+      </p:sp>
+      <p:sp>
+        <p:nvSpPr>
+          <p:cNvPr id="5" name="矩形 4">
+            <a:extLst>
+              <a:ext uri="{FF2B5EF4-FFF2-40B4-BE49-F238E27FC236}">
+                <a16:creationId xmlns:a16="http://schemas.microsoft.com/office/drawing/2014/main" id="{CF360346-55B2-2F8D-9EA4-822318A4D359}"/>
+              </a:ext>
+            </a:extLst>
+          </p:cNvPr>
+          <p:cNvSpPr/>
+          <p:nvPr/>
+        </p:nvSpPr>
+        <p:spPr bwMode="auto">
+          <a:xfrm>
+            <a:off x="5925632" y="4047321"/>
+            <a:ext cx="680224" cy="591015"/>
+          </a:xfrm>
+          <a:prstGeom prst="rect">
+            <a:avLst/>
+          </a:prstGeom>
+          <a:noFill/>
+          <a:ln w="19050" cap="flat" cmpd="sng" algn="ctr">
+            <a:solidFill>
+              <a:srgbClr val="FF0000"/>
+            </a:solidFill>
+            <a:prstDash val="solid"/>
+            <a:round/>
+            <a:headEnd type="none" w="med" len="med"/>
+            <a:tailEnd type="none" w="med" len="med"/>
+          </a:ln>
+          <a:effectLst/>
+        </p:spPr>
+        <p:txBody>
+          <a:bodyPr vert="horz" wrap="square" lIns="91440" tIns="45720" rIns="91440" bIns="45720" numCol="1" rtlCol="0" anchor="t" anchorCtr="0" compatLnSpc="1">
+            <a:prstTxWarp prst="textNoShape">
+              <a:avLst/>
+            </a:prstTxWarp>
+          </a:bodyPr>
+          <a:lstStyle/>
+          <a:p>
+            <a:pPr marL="0" marR="0" indent="0" algn="l" defTabSz="914400" rtl="0" eaLnBrk="0" fontAlgn="base" latinLnBrk="0" hangingPunct="0">
+              <a:lnSpc>
+                <a:spcPct val="100000"/>
+              </a:lnSpc>
+              <a:spcBef>
+                <a:spcPct val="0"/>
+              </a:spcBef>
+              <a:spcAft>
+                <a:spcPct val="0"/>
+              </a:spcAft>
+              <a:buClrTx/>
+              <a:buSzTx/>
+              <a:buFontTx/>
+              <a:buNone/>
+              <a:tabLst/>
+            </a:pPr>
+            <a:endParaRPr kumimoji="0" lang="zh-TW" altLang="en-US" sz="2400" b="0" i="0" u="none" strike="noStrike" cap="none" normalizeH="0" baseline="0">
+              <a:ln>
+                <a:noFill/>
+              </a:ln>
+              <a:solidFill>
+                <a:schemeClr val="tx1"/>
+              </a:solidFill>
+              <a:effectLst/>
+              <a:latin typeface="Arial" charset="0"/>
+            </a:endParaRPr>
+          </a:p>
+        </p:txBody>
+      </p:sp>
+      <p:sp>
+        <p:nvSpPr>
+          <p:cNvPr id="6" name="矩形 5">
+            <a:extLst>
+              <a:ext uri="{FF2B5EF4-FFF2-40B4-BE49-F238E27FC236}">
+                <a16:creationId xmlns:a16="http://schemas.microsoft.com/office/drawing/2014/main" id="{DC56FF23-EF7E-91A0-CA6D-5445E4249875}"/>
+              </a:ext>
+            </a:extLst>
+          </p:cNvPr>
+          <p:cNvSpPr/>
+          <p:nvPr/>
+        </p:nvSpPr>
+        <p:spPr bwMode="auto">
+          <a:xfrm>
+            <a:off x="1661532" y="1463100"/>
+            <a:ext cx="2018370" cy="1196330"/>
+          </a:xfrm>
+          <a:prstGeom prst="rect">
+            <a:avLst/>
+          </a:prstGeom>
+          <a:noFill/>
+          <a:ln w="19050" cap="flat" cmpd="sng" algn="ctr">
+            <a:solidFill>
+              <a:srgbClr val="FF0000"/>
+            </a:solidFill>
+            <a:prstDash val="solid"/>
+            <a:round/>
+            <a:headEnd type="none" w="med" len="med"/>
+            <a:tailEnd type="none" w="med" len="med"/>
+          </a:ln>
+          <a:effectLst/>
+        </p:spPr>
+        <p:txBody>
+          <a:bodyPr vert="horz" wrap="square" lIns="91440" tIns="45720" rIns="91440" bIns="45720" numCol="1" rtlCol="0" anchor="t" anchorCtr="0" compatLnSpc="1">
+            <a:prstTxWarp prst="textNoShape">
+              <a:avLst/>
+            </a:prstTxWarp>
+          </a:bodyPr>
+          <a:lstStyle/>
+          <a:p>
+            <a:pPr marL="0" marR="0" indent="0" algn="l" defTabSz="914400" rtl="0" eaLnBrk="0" fontAlgn="base" latinLnBrk="0" hangingPunct="0">
+              <a:lnSpc>
+                <a:spcPct val="100000"/>
+              </a:lnSpc>
+              <a:spcBef>
+                <a:spcPct val="0"/>
+              </a:spcBef>
+              <a:spcAft>
+                <a:spcPct val="0"/>
+              </a:spcAft>
+              <a:buClrTx/>
+              <a:buSzTx/>
+              <a:buFontTx/>
+              <a:buNone/>
+              <a:tabLst/>
+            </a:pPr>
+            <a:endParaRPr kumimoji="0" lang="zh-TW" altLang="en-US" sz="2400" b="0" i="0" u="none" strike="noStrike" cap="none" normalizeH="0" baseline="0">
+              <a:ln>
+                <a:noFill/>
+              </a:ln>
+              <a:solidFill>
+                <a:schemeClr val="tx1"/>
+              </a:solidFill>
+              <a:effectLst/>
+              <a:latin typeface="Arial" charset="0"/>
+            </a:endParaRPr>
+          </a:p>
+        </p:txBody>
+      </p:sp>
+      <p:sp>
+        <p:nvSpPr>
+          <p:cNvPr id="8" name="矩形 7">
+            <a:extLst>
+              <a:ext uri="{FF2B5EF4-FFF2-40B4-BE49-F238E27FC236}">
+                <a16:creationId xmlns:a16="http://schemas.microsoft.com/office/drawing/2014/main" id="{0273CB54-17C3-4F9A-AC77-910A6FD81101}"/>
+              </a:ext>
+            </a:extLst>
+          </p:cNvPr>
+          <p:cNvSpPr/>
+          <p:nvPr/>
+        </p:nvSpPr>
+        <p:spPr bwMode="auto">
+          <a:xfrm>
+            <a:off x="1661532" y="2599944"/>
+            <a:ext cx="2018370" cy="1196330"/>
+          </a:xfrm>
+          <a:prstGeom prst="rect">
+            <a:avLst/>
+          </a:prstGeom>
+          <a:noFill/>
+          <a:ln w="19050" cap="flat" cmpd="sng" algn="ctr">
+            <a:solidFill>
+              <a:srgbClr val="FF0000"/>
+            </a:solidFill>
+            <a:prstDash val="solid"/>
+            <a:round/>
+            <a:headEnd type="none" w="med" len="med"/>
+            <a:tailEnd type="none" w="med" len="med"/>
+          </a:ln>
+          <a:effectLst/>
+        </p:spPr>
+        <p:txBody>
+          <a:bodyPr vert="horz" wrap="square" lIns="91440" tIns="45720" rIns="91440" bIns="45720" numCol="1" rtlCol="0" anchor="t" anchorCtr="0" compatLnSpc="1">
+            <a:prstTxWarp prst="textNoShape">
+              <a:avLst/>
+            </a:prstTxWarp>
+          </a:bodyPr>
+          <a:lstStyle/>
+          <a:p>
+            <a:pPr marL="0" marR="0" indent="0" algn="l" defTabSz="914400" rtl="0" eaLnBrk="0" fontAlgn="base" latinLnBrk="0" hangingPunct="0">
+              <a:lnSpc>
+                <a:spcPct val="100000"/>
+              </a:lnSpc>
+              <a:spcBef>
+                <a:spcPct val="0"/>
+              </a:spcBef>
+              <a:spcAft>
+                <a:spcPct val="0"/>
+              </a:spcAft>
+              <a:buClrTx/>
+              <a:buSzTx/>
+              <a:buFontTx/>
+              <a:buNone/>
+              <a:tabLst/>
+            </a:pPr>
+            <a:endParaRPr kumimoji="0" lang="zh-TW" altLang="en-US" sz="2400" b="0" i="0" u="none" strike="noStrike" cap="none" normalizeH="0" baseline="0">
+              <a:ln>
+                <a:noFill/>
+              </a:ln>
+              <a:solidFill>
+                <a:schemeClr val="tx1"/>
+              </a:solidFill>
+              <a:effectLst/>
+              <a:latin typeface="Arial" charset="0"/>
+            </a:endParaRPr>
+          </a:p>
+        </p:txBody>
+      </p:sp>
     </p:spTree>
     <p:extLst>
       <p:ext uri="{BB962C8B-B14F-4D97-AF65-F5344CB8AC3E}">
@@ -21388,7 +23456,7 @@
           <p:nvPr/>
         </p:nvPicPr>
         <p:blipFill>
-          <a:blip r:embed="rId2"/>
+          <a:blip r:embed="rId3"/>
           <a:stretch>
             <a:fillRect/>
           </a:stretch>
@@ -21403,6 +23471,75 @@
           </a:prstGeom>
         </p:spPr>
       </p:pic>
+      <p:sp>
+        <p:nvSpPr>
+          <p:cNvPr id="2" name="矩形 1">
+            <a:extLst>
+              <a:ext uri="{FF2B5EF4-FFF2-40B4-BE49-F238E27FC236}">
+                <a16:creationId xmlns:a16="http://schemas.microsoft.com/office/drawing/2014/main" id="{A180C433-11E5-69FD-AEC1-F084C7330512}"/>
+              </a:ext>
+            </a:extLst>
+          </p:cNvPr>
+          <p:cNvSpPr/>
+          <p:nvPr/>
+        </p:nvSpPr>
+        <p:spPr bwMode="auto">
+          <a:xfrm>
+            <a:off x="5374888" y="2425612"/>
+            <a:ext cx="5876692" cy="2893519"/>
+          </a:xfrm>
+          <a:prstGeom prst="rect">
+            <a:avLst/>
+          </a:prstGeom>
+          <a:noFill/>
+          <a:ln w="19050" cap="flat" cmpd="sng" algn="ctr">
+            <a:solidFill>
+              <a:srgbClr val="FF0000"/>
+            </a:solidFill>
+            <a:prstDash val="solid"/>
+            <a:round/>
+            <a:headEnd type="none" w="med" len="med"/>
+            <a:tailEnd type="none" w="med" len="med"/>
+          </a:ln>
+          <a:effectLst/>
+        </p:spPr>
+        <p:txBody>
+          <a:bodyPr vert="horz" wrap="square" lIns="91440" tIns="45720" rIns="91440" bIns="45720" numCol="1" rtlCol="0" anchor="t" anchorCtr="0" compatLnSpc="1">
+            <a:prstTxWarp prst="textNoShape">
+              <a:avLst/>
+            </a:prstTxWarp>
+          </a:bodyPr>
+          <a:lstStyle/>
+          <a:p>
+            <a:pPr marL="0" marR="0" indent="0" algn="l" defTabSz="914400" rtl="0" eaLnBrk="0" fontAlgn="base" latinLnBrk="0" hangingPunct="0">
+              <a:lnSpc>
+                <a:spcPct val="100000"/>
+              </a:lnSpc>
+              <a:spcBef>
+                <a:spcPct val="0"/>
+              </a:spcBef>
+              <a:spcAft>
+                <a:spcPct val="0"/>
+              </a:spcAft>
+              <a:buClrTx/>
+              <a:buSzTx/>
+              <a:buFontTx/>
+              <a:buNone/>
+              <a:tabLst/>
+            </a:pPr>
+            <a:endParaRPr kumimoji="0" lang="zh-TW" altLang="en-US" sz="2400" b="0" i="0" u="none" strike="noStrike" cap="none" normalizeH="0" baseline="0">
+              <a:ln>
+                <a:noFill/>
+              </a:ln>
+              <a:solidFill>
+                <a:schemeClr val="tx1"/>
+              </a:solidFill>
+              <a:effectLst/>
+              <a:latin typeface="Arial" charset="0"/>
+            </a:endParaRPr>
+          </a:p>
+        </p:txBody>
+      </p:sp>
     </p:spTree>
     <p:extLst>
       <p:ext uri="{BB962C8B-B14F-4D97-AF65-F5344CB8AC3E}">
@@ -21472,7 +23609,7 @@
           <p:nvPr/>
         </p:nvPicPr>
         <p:blipFill>
-          <a:blip r:embed="rId2"/>
+          <a:blip r:embed="rId3"/>
           <a:stretch>
             <a:fillRect/>
           </a:stretch>
@@ -21487,6 +23624,420 @@
           </a:prstGeom>
         </p:spPr>
       </p:pic>
+      <p:sp>
+        <p:nvSpPr>
+          <p:cNvPr id="3" name="矩形 2">
+            <a:extLst>
+              <a:ext uri="{FF2B5EF4-FFF2-40B4-BE49-F238E27FC236}">
+                <a16:creationId xmlns:a16="http://schemas.microsoft.com/office/drawing/2014/main" id="{DB10CF70-F8FA-FB86-C1E1-E558A63E3CE1}"/>
+              </a:ext>
+            </a:extLst>
+          </p:cNvPr>
+          <p:cNvSpPr/>
+          <p:nvPr/>
+        </p:nvSpPr>
+        <p:spPr bwMode="auto">
+          <a:xfrm>
+            <a:off x="7177668" y="3196683"/>
+            <a:ext cx="1393902" cy="735980"/>
+          </a:xfrm>
+          <a:prstGeom prst="rect">
+            <a:avLst/>
+          </a:prstGeom>
+          <a:noFill/>
+          <a:ln w="19050" cap="flat" cmpd="sng" algn="ctr">
+            <a:solidFill>
+              <a:srgbClr val="FF0000"/>
+            </a:solidFill>
+            <a:prstDash val="solid"/>
+            <a:round/>
+            <a:headEnd type="none" w="med" len="med"/>
+            <a:tailEnd type="none" w="med" len="med"/>
+          </a:ln>
+          <a:effectLst/>
+        </p:spPr>
+        <p:txBody>
+          <a:bodyPr vert="horz" wrap="square" lIns="91440" tIns="45720" rIns="91440" bIns="45720" numCol="1" rtlCol="0" anchor="t" anchorCtr="0" compatLnSpc="1">
+            <a:prstTxWarp prst="textNoShape">
+              <a:avLst/>
+            </a:prstTxWarp>
+          </a:bodyPr>
+          <a:lstStyle/>
+          <a:p>
+            <a:pPr marL="0" marR="0" indent="0" algn="l" defTabSz="914400" rtl="0" eaLnBrk="0" fontAlgn="base" latinLnBrk="0" hangingPunct="0">
+              <a:lnSpc>
+                <a:spcPct val="100000"/>
+              </a:lnSpc>
+              <a:spcBef>
+                <a:spcPct val="0"/>
+              </a:spcBef>
+              <a:spcAft>
+                <a:spcPct val="0"/>
+              </a:spcAft>
+              <a:buClrTx/>
+              <a:buSzTx/>
+              <a:buFontTx/>
+              <a:buNone/>
+              <a:tabLst/>
+            </a:pPr>
+            <a:endParaRPr kumimoji="0" lang="zh-TW" altLang="en-US" sz="2400" b="0" i="0" u="none" strike="noStrike" cap="none" normalizeH="0" baseline="0">
+              <a:ln>
+                <a:noFill/>
+              </a:ln>
+              <a:solidFill>
+                <a:schemeClr val="tx1"/>
+              </a:solidFill>
+              <a:effectLst/>
+              <a:latin typeface="Arial" charset="0"/>
+            </a:endParaRPr>
+          </a:p>
+        </p:txBody>
+      </p:sp>
+      <p:sp>
+        <p:nvSpPr>
+          <p:cNvPr id="4" name="矩形 3">
+            <a:extLst>
+              <a:ext uri="{FF2B5EF4-FFF2-40B4-BE49-F238E27FC236}">
+                <a16:creationId xmlns:a16="http://schemas.microsoft.com/office/drawing/2014/main" id="{0AB8A4A4-EAD2-C212-B6A9-1022398E39FF}"/>
+              </a:ext>
+            </a:extLst>
+          </p:cNvPr>
+          <p:cNvSpPr/>
+          <p:nvPr/>
+        </p:nvSpPr>
+        <p:spPr bwMode="auto">
+          <a:xfrm>
+            <a:off x="5285066" y="4728117"/>
+            <a:ext cx="650488" cy="486936"/>
+          </a:xfrm>
+          <a:prstGeom prst="rect">
+            <a:avLst/>
+          </a:prstGeom>
+          <a:noFill/>
+          <a:ln w="19050" cap="flat" cmpd="sng" algn="ctr">
+            <a:solidFill>
+              <a:srgbClr val="FF0000"/>
+            </a:solidFill>
+            <a:prstDash val="solid"/>
+            <a:round/>
+            <a:headEnd type="none" w="med" len="med"/>
+            <a:tailEnd type="none" w="med" len="med"/>
+          </a:ln>
+          <a:effectLst/>
+        </p:spPr>
+        <p:txBody>
+          <a:bodyPr vert="horz" wrap="square" lIns="91440" tIns="45720" rIns="91440" bIns="45720" numCol="1" rtlCol="0" anchor="t" anchorCtr="0" compatLnSpc="1">
+            <a:prstTxWarp prst="textNoShape">
+              <a:avLst/>
+            </a:prstTxWarp>
+          </a:bodyPr>
+          <a:lstStyle/>
+          <a:p>
+            <a:pPr marL="0" marR="0" indent="0" algn="l" defTabSz="914400" rtl="0" eaLnBrk="0" fontAlgn="base" latinLnBrk="0" hangingPunct="0">
+              <a:lnSpc>
+                <a:spcPct val="100000"/>
+              </a:lnSpc>
+              <a:spcBef>
+                <a:spcPct val="0"/>
+              </a:spcBef>
+              <a:spcAft>
+                <a:spcPct val="0"/>
+              </a:spcAft>
+              <a:buClrTx/>
+              <a:buSzTx/>
+              <a:buFontTx/>
+              <a:buNone/>
+              <a:tabLst/>
+            </a:pPr>
+            <a:endParaRPr kumimoji="0" lang="zh-TW" altLang="en-US" sz="2400" b="0" i="0" u="none" strike="noStrike" cap="none" normalizeH="0" baseline="0">
+              <a:ln>
+                <a:noFill/>
+              </a:ln>
+              <a:solidFill>
+                <a:schemeClr val="tx1"/>
+              </a:solidFill>
+              <a:effectLst/>
+              <a:latin typeface="Arial" charset="0"/>
+            </a:endParaRPr>
+          </a:p>
+        </p:txBody>
+      </p:sp>
+      <p:sp>
+        <p:nvSpPr>
+          <p:cNvPr id="6" name="矩形 5">
+            <a:extLst>
+              <a:ext uri="{FF2B5EF4-FFF2-40B4-BE49-F238E27FC236}">
+                <a16:creationId xmlns:a16="http://schemas.microsoft.com/office/drawing/2014/main" id="{2D6200E6-BF42-8F4B-FD7E-478DFFF9064E}"/>
+              </a:ext>
+            </a:extLst>
+          </p:cNvPr>
+          <p:cNvSpPr/>
+          <p:nvPr/>
+        </p:nvSpPr>
+        <p:spPr bwMode="auto">
+          <a:xfrm>
+            <a:off x="2170771" y="1080083"/>
+            <a:ext cx="1393902" cy="735980"/>
+          </a:xfrm>
+          <a:prstGeom prst="rect">
+            <a:avLst/>
+          </a:prstGeom>
+          <a:noFill/>
+          <a:ln w="19050" cap="flat" cmpd="sng" algn="ctr">
+            <a:solidFill>
+              <a:srgbClr val="FF0000"/>
+            </a:solidFill>
+            <a:prstDash val="solid"/>
+            <a:round/>
+            <a:headEnd type="none" w="med" len="med"/>
+            <a:tailEnd type="none" w="med" len="med"/>
+          </a:ln>
+          <a:effectLst/>
+        </p:spPr>
+        <p:txBody>
+          <a:bodyPr vert="horz" wrap="square" lIns="91440" tIns="45720" rIns="91440" bIns="45720" numCol="1" rtlCol="0" anchor="t" anchorCtr="0" compatLnSpc="1">
+            <a:prstTxWarp prst="textNoShape">
+              <a:avLst/>
+            </a:prstTxWarp>
+          </a:bodyPr>
+          <a:lstStyle/>
+          <a:p>
+            <a:pPr marL="0" marR="0" indent="0" algn="l" defTabSz="914400" rtl="0" eaLnBrk="0" fontAlgn="base" latinLnBrk="0" hangingPunct="0">
+              <a:lnSpc>
+                <a:spcPct val="100000"/>
+              </a:lnSpc>
+              <a:spcBef>
+                <a:spcPct val="0"/>
+              </a:spcBef>
+              <a:spcAft>
+                <a:spcPct val="0"/>
+              </a:spcAft>
+              <a:buClrTx/>
+              <a:buSzTx/>
+              <a:buFontTx/>
+              <a:buNone/>
+              <a:tabLst/>
+            </a:pPr>
+            <a:endParaRPr kumimoji="0" lang="zh-TW" altLang="en-US" sz="2400" b="0" i="0" u="none" strike="noStrike" cap="none" normalizeH="0" baseline="0">
+              <a:ln>
+                <a:noFill/>
+              </a:ln>
+              <a:solidFill>
+                <a:schemeClr val="tx1"/>
+              </a:solidFill>
+              <a:effectLst/>
+              <a:latin typeface="Arial" charset="0"/>
+            </a:endParaRPr>
+          </a:p>
+        </p:txBody>
+      </p:sp>
+      <p:sp>
+        <p:nvSpPr>
+          <p:cNvPr id="8" name="矩形 7">
+            <a:extLst>
+              <a:ext uri="{FF2B5EF4-FFF2-40B4-BE49-F238E27FC236}">
+                <a16:creationId xmlns:a16="http://schemas.microsoft.com/office/drawing/2014/main" id="{9AE493BC-2A69-4130-01BD-132B4DB69242}"/>
+              </a:ext>
+            </a:extLst>
+          </p:cNvPr>
+          <p:cNvSpPr/>
+          <p:nvPr/>
+        </p:nvSpPr>
+        <p:spPr bwMode="auto">
+          <a:xfrm>
+            <a:off x="3464836" y="1672683"/>
+            <a:ext cx="493847" cy="4105233"/>
+          </a:xfrm>
+          <a:prstGeom prst="rect">
+            <a:avLst/>
+          </a:prstGeom>
+          <a:noFill/>
+          <a:ln w="19050" cap="flat" cmpd="sng" algn="ctr">
+            <a:solidFill>
+              <a:srgbClr val="FF0000"/>
+            </a:solidFill>
+            <a:prstDash val="solid"/>
+            <a:round/>
+            <a:headEnd type="none" w="med" len="med"/>
+            <a:tailEnd type="none" w="med" len="med"/>
+          </a:ln>
+          <a:effectLst/>
+        </p:spPr>
+        <p:txBody>
+          <a:bodyPr vert="horz" wrap="square" lIns="91440" tIns="45720" rIns="91440" bIns="45720" numCol="1" rtlCol="0" anchor="t" anchorCtr="0" compatLnSpc="1">
+            <a:prstTxWarp prst="textNoShape">
+              <a:avLst/>
+            </a:prstTxWarp>
+          </a:bodyPr>
+          <a:lstStyle/>
+          <a:p>
+            <a:pPr marL="0" marR="0" indent="0" algn="l" defTabSz="914400" rtl="0" eaLnBrk="0" fontAlgn="base" latinLnBrk="0" hangingPunct="0">
+              <a:lnSpc>
+                <a:spcPct val="100000"/>
+              </a:lnSpc>
+              <a:spcBef>
+                <a:spcPct val="0"/>
+              </a:spcBef>
+              <a:spcAft>
+                <a:spcPct val="0"/>
+              </a:spcAft>
+              <a:buClrTx/>
+              <a:buSzTx/>
+              <a:buFontTx/>
+              <a:buNone/>
+              <a:tabLst/>
+            </a:pPr>
+            <a:endParaRPr kumimoji="0" lang="zh-TW" altLang="en-US" sz="2400" b="0" i="0" u="none" strike="noStrike" cap="none" normalizeH="0" baseline="0">
+              <a:ln>
+                <a:noFill/>
+              </a:ln>
+              <a:solidFill>
+                <a:schemeClr val="tx1"/>
+              </a:solidFill>
+              <a:effectLst/>
+              <a:latin typeface="Arial" charset="0"/>
+            </a:endParaRPr>
+          </a:p>
+        </p:txBody>
+      </p:sp>
+      <p:sp>
+        <p:nvSpPr>
+          <p:cNvPr id="9" name="矩形 8">
+            <a:extLst>
+              <a:ext uri="{FF2B5EF4-FFF2-40B4-BE49-F238E27FC236}">
+                <a16:creationId xmlns:a16="http://schemas.microsoft.com/office/drawing/2014/main" id="{CB12BDC8-BA19-B192-D8E9-59B0C9EBB085}"/>
+              </a:ext>
+            </a:extLst>
+          </p:cNvPr>
+          <p:cNvSpPr/>
+          <p:nvPr/>
+        </p:nvSpPr>
+        <p:spPr bwMode="auto">
+          <a:xfrm>
+            <a:off x="6776049" y="1134253"/>
+            <a:ext cx="803237" cy="583580"/>
+          </a:xfrm>
+          <a:prstGeom prst="rect">
+            <a:avLst/>
+          </a:prstGeom>
+          <a:noFill/>
+          <a:ln w="19050" cap="flat" cmpd="sng" algn="ctr">
+            <a:solidFill>
+              <a:srgbClr val="FF0000"/>
+            </a:solidFill>
+            <a:prstDash val="solid"/>
+            <a:round/>
+            <a:headEnd type="none" w="med" len="med"/>
+            <a:tailEnd type="none" w="med" len="med"/>
+          </a:ln>
+          <a:effectLst/>
+        </p:spPr>
+        <p:txBody>
+          <a:bodyPr vert="horz" wrap="square" lIns="91440" tIns="45720" rIns="91440" bIns="45720" numCol="1" rtlCol="0" anchor="t" anchorCtr="0" compatLnSpc="1">
+            <a:prstTxWarp prst="textNoShape">
+              <a:avLst/>
+            </a:prstTxWarp>
+          </a:bodyPr>
+          <a:lstStyle/>
+          <a:p>
+            <a:pPr marL="0" marR="0" indent="0" algn="l" defTabSz="914400" rtl="0" eaLnBrk="0" fontAlgn="base" latinLnBrk="0" hangingPunct="0">
+              <a:lnSpc>
+                <a:spcPct val="100000"/>
+              </a:lnSpc>
+              <a:spcBef>
+                <a:spcPct val="0"/>
+              </a:spcBef>
+              <a:spcAft>
+                <a:spcPct val="0"/>
+              </a:spcAft>
+              <a:buClrTx/>
+              <a:buSzTx/>
+              <a:buFontTx/>
+              <a:buNone/>
+              <a:tabLst/>
+            </a:pPr>
+            <a:endParaRPr kumimoji="0" lang="zh-TW" altLang="en-US" sz="2400" b="0" i="0" u="none" strike="noStrike" cap="none" normalizeH="0" baseline="0">
+              <a:ln>
+                <a:noFill/>
+              </a:ln>
+              <a:solidFill>
+                <a:schemeClr val="tx1"/>
+              </a:solidFill>
+              <a:effectLst/>
+              <a:latin typeface="Arial" charset="0"/>
+            </a:endParaRPr>
+          </a:p>
+        </p:txBody>
+      </p:sp>
+      <p:sp>
+        <p:nvSpPr>
+          <p:cNvPr id="10" name="矩形 9">
+            <a:extLst>
+              <a:ext uri="{FF2B5EF4-FFF2-40B4-BE49-F238E27FC236}">
+                <a16:creationId xmlns:a16="http://schemas.microsoft.com/office/drawing/2014/main" id="{40C6DCA3-5C76-BCB3-B947-E50673BAD539}"/>
+              </a:ext>
+            </a:extLst>
+          </p:cNvPr>
+          <p:cNvSpPr/>
+          <p:nvPr/>
+        </p:nvSpPr>
+        <p:spPr bwMode="auto">
+          <a:xfrm>
+            <a:off x="7177668" y="4847063"/>
+            <a:ext cx="1393902" cy="735980"/>
+          </a:xfrm>
+          <a:prstGeom prst="rect">
+            <a:avLst/>
+          </a:prstGeom>
+          <a:noFill/>
+          <a:ln w="19050" cap="flat" cmpd="sng" algn="ctr">
+            <a:solidFill>
+              <a:srgbClr val="FF0000"/>
+            </a:solidFill>
+            <a:prstDash val="solid"/>
+            <a:round/>
+            <a:headEnd type="none" w="med" len="med"/>
+            <a:tailEnd type="none" w="med" len="med"/>
+          </a:ln>
+          <a:effectLst/>
+        </p:spPr>
+        <p:txBody>
+          <a:bodyPr vert="horz" wrap="square" lIns="91440" tIns="45720" rIns="91440" bIns="45720" numCol="1" rtlCol="0" anchor="t" anchorCtr="0" compatLnSpc="1">
+            <a:prstTxWarp prst="textNoShape">
+              <a:avLst/>
+            </a:prstTxWarp>
+          </a:bodyPr>
+          <a:lstStyle/>
+          <a:p>
+            <a:pPr marL="0" marR="0" indent="0" algn="l" defTabSz="914400" rtl="0" eaLnBrk="0" fontAlgn="base" latinLnBrk="0" hangingPunct="0">
+              <a:lnSpc>
+                <a:spcPct val="100000"/>
+              </a:lnSpc>
+              <a:spcBef>
+                <a:spcPct val="0"/>
+              </a:spcBef>
+              <a:spcAft>
+                <a:spcPct val="0"/>
+              </a:spcAft>
+              <a:buClrTx/>
+              <a:buSzTx/>
+              <a:buFontTx/>
+              <a:buNone/>
+              <a:tabLst/>
+            </a:pPr>
+            <a:endParaRPr kumimoji="0" lang="zh-TW" altLang="en-US" sz="2400" b="0" i="0" u="none" strike="noStrike" cap="none" normalizeH="0" baseline="0">
+              <a:ln>
+                <a:noFill/>
+              </a:ln>
+              <a:solidFill>
+                <a:schemeClr val="tx1"/>
+              </a:solidFill>
+              <a:effectLst/>
+              <a:latin typeface="Arial" charset="0"/>
+            </a:endParaRPr>
+          </a:p>
+        </p:txBody>
+      </p:sp>
     </p:spTree>
     <p:extLst>
       <p:ext uri="{BB962C8B-B14F-4D97-AF65-F5344CB8AC3E}">
@@ -23244,19 +25795,35 @@
           </a:p>
           <a:p>
             <a:r>
-              <a:rPr lang="zh-TW" altLang="en-US" dirty="0"/>
+              <a:rPr lang="zh-TW" altLang="en-US" dirty="0">
+                <a:highlight>
+                  <a:srgbClr val="FFFF00"/>
+                </a:highlight>
+              </a:rPr>
               <a:t>圖說</a:t>
             </a:r>
             <a:r>
-              <a:rPr lang="en-US" altLang="zh-TW" dirty="0"/>
+              <a:rPr lang="en-US" altLang="zh-TW" dirty="0">
+                <a:highlight>
+                  <a:srgbClr val="FFFF00"/>
+                </a:highlight>
+              </a:rPr>
               <a:t>(figure captions, </a:t>
             </a:r>
             <a:r>
-              <a:rPr lang="en-US" altLang="zh-TW" b="0" dirty="0"/>
+              <a:rPr lang="en-US" altLang="zh-TW" b="0" dirty="0">
+                <a:highlight>
+                  <a:srgbClr val="FFFF00"/>
+                </a:highlight>
+              </a:rPr>
               <a:t>or</a:t>
             </a:r>
             <a:r>
-              <a:rPr lang="en-US" altLang="zh-TW" dirty="0"/>
+              <a:rPr lang="en-US" altLang="zh-TW" dirty="0">
+                <a:highlight>
+                  <a:srgbClr val="FFFF00"/>
+                </a:highlight>
+              </a:rPr>
               <a:t> figure title)</a:t>
             </a:r>
           </a:p>
@@ -23540,7 +26107,7 @@
           <p:nvPr/>
         </p:nvPicPr>
         <p:blipFill>
-          <a:blip r:embed="rId2" cstate="print">
+          <a:blip r:embed="rId3" cstate="print">
             <a:extLst>
               <a:ext uri="{28A0092B-C50C-407E-A947-70E740481C1C}">
                 <a14:useLocalDpi xmlns:a14="http://schemas.microsoft.com/office/drawing/2010/main" val="0"/>
@@ -23604,7 +26171,7 @@
           <p:nvPr/>
         </p:nvPicPr>
         <p:blipFill>
-          <a:blip r:embed="rId3" cstate="print">
+          <a:blip r:embed="rId4" cstate="print">
             <a:extLst>
               <a:ext uri="{28A0092B-C50C-407E-A947-70E740481C1C}">
                 <a14:useLocalDpi xmlns:a14="http://schemas.microsoft.com/office/drawing/2010/main" val="0"/>
@@ -23686,7 +26253,17 @@
                 <a:latin typeface="標楷體" pitchFamily="65" charset="-120"/>
                 <a:ea typeface="標楷體" pitchFamily="65" charset="-120"/>
               </a:rPr>
-              <a:t>強調網路速率隨時間變化的趨勢</a:t>
+              <a:t>強調網路速率隨時間變化的</a:t>
+            </a:r>
+            <a:r>
+              <a:rPr lang="zh-TW" altLang="en-US" sz="2000" b="1" dirty="0">
+                <a:highlight>
+                  <a:srgbClr val="FFFF00"/>
+                </a:highlight>
+                <a:latin typeface="標楷體" pitchFamily="65" charset="-120"/>
+                <a:ea typeface="標楷體" pitchFamily="65" charset="-120"/>
+              </a:rPr>
+              <a:t>趨勢</a:t>
             </a:r>
           </a:p>
         </p:txBody>
@@ -23718,7 +26295,17 @@
                 <a:latin typeface="標楷體" pitchFamily="65" charset="-120"/>
                 <a:ea typeface="標楷體" pitchFamily="65" charset="-120"/>
               </a:rPr>
-              <a:t>強調每個時間點兩組網路網速的不同</a:t>
+              <a:t>強調每個</a:t>
+            </a:r>
+            <a:r>
+              <a:rPr lang="zh-TW" altLang="en-US" sz="2000" b="1" dirty="0">
+                <a:highlight>
+                  <a:srgbClr val="FFFF00"/>
+                </a:highlight>
+                <a:latin typeface="標楷體" pitchFamily="65" charset="-120"/>
+                <a:ea typeface="標楷體" pitchFamily="65" charset="-120"/>
+              </a:rPr>
+              <a:t>時間點兩組網路網速的不同</a:t>
             </a:r>
           </a:p>
         </p:txBody>
@@ -23791,7 +26378,15 @@
             <a:pPr lvl="1" algn="just"/>
             <a:r>
               <a:rPr lang="zh-TW" altLang="en-US" dirty="0"/>
-              <a:t>用來呈現兩個量化變項間的關係</a:t>
+              <a:t>用來</a:t>
+            </a:r>
+            <a:r>
+              <a:rPr lang="zh-TW" altLang="en-US" dirty="0">
+                <a:highlight>
+                  <a:srgbClr val="FFFF00"/>
+                </a:highlight>
+              </a:rPr>
+              <a:t>呈現兩個量化變項間的關係</a:t>
             </a:r>
           </a:p>
           <a:p>
@@ -23887,7 +26482,7 @@
             <p:nvPr/>
           </p:nvPicPr>
           <p:blipFill rotWithShape="1">
-            <a:blip r:embed="rId2" cstate="print">
+            <a:blip r:embed="rId3" cstate="print">
               <a:extLst>
                 <a:ext uri="{28A0092B-C50C-407E-A947-70E740481C1C}">
                   <a14:useLocalDpi xmlns:a14="http://schemas.microsoft.com/office/drawing/2010/main" val="0"/>
@@ -24070,6 +26665,9 @@
                 <a:solidFill>
                   <a:srgbClr val="FF0000"/>
                 </a:solidFill>
+                <a:highlight>
+                  <a:srgbClr val="FFFF00"/>
+                </a:highlight>
               </a:rPr>
               <a:t>不應超過五塊</a:t>
             </a:r>
@@ -24173,10 +26771,22 @@
             <a:pPr lvl="1" algn="just"/>
             <a:r>
               <a:rPr lang="zh-TW" altLang="en-US" dirty="0"/>
-              <a:t>圓形圖不應出現負數，也應該避免百分比總和大於</a:t>
-            </a:r>
-            <a:r>
-              <a:rPr lang="en-US" altLang="zh-TW" dirty="0"/>
+              <a:t>圓形圖不應出現負數，也應該</a:t>
+            </a:r>
+            <a:r>
+              <a:rPr lang="zh-TW" altLang="en-US" dirty="0">
+                <a:highlight>
+                  <a:srgbClr val="FFFF00"/>
+                </a:highlight>
+              </a:rPr>
+              <a:t>避免百分比總和大於</a:t>
+            </a:r>
+            <a:r>
+              <a:rPr lang="en-US" altLang="zh-TW" dirty="0">
+                <a:highlight>
+                  <a:srgbClr val="FFFF00"/>
+                </a:highlight>
+              </a:rPr>
               <a:t>100%</a:t>
             </a:r>
           </a:p>
@@ -24306,7 +26916,7 @@
             <p:nvPr/>
           </p:nvPicPr>
           <p:blipFill>
-            <a:blip r:embed="rId2" cstate="print">
+            <a:blip r:embed="rId3" cstate="print">
               <a:extLst>
                 <a:ext uri="{28A0092B-C50C-407E-A947-70E740481C1C}">
                   <a14:useLocalDpi xmlns:a14="http://schemas.microsoft.com/office/drawing/2010/main" val="0"/>
@@ -24448,7 +27058,15 @@
             <a:pPr lvl="1" algn="just"/>
             <a:r>
               <a:rPr lang="zh-TW" altLang="en-US" dirty="0"/>
-              <a:t>點間有意義的聚集意謂這兩個變項間的相關性</a:t>
+              <a:t>點間有意義的</a:t>
+            </a:r>
+            <a:r>
+              <a:rPr lang="zh-TW" altLang="en-US" dirty="0">
+                <a:highlight>
+                  <a:srgbClr val="FFFF00"/>
+                </a:highlight>
+              </a:rPr>
+              <a:t>聚集意謂這兩個變項間的相關性</a:t>
             </a:r>
           </a:p>
           <a:p>
@@ -25709,22 +28327,41 @@
             <a:pPr lvl="1" algn="just"/>
             <a:r>
               <a:rPr lang="zh-TW" altLang="en-US" dirty="0"/>
-              <a:t>座標軸相同的兩張以上折線圖，可視情況水平</a:t>
+              <a:t>座標軸相同的兩張以上折線圖，可視情況</a:t>
             </a:r>
             <a:r>
               <a:rPr lang="zh-TW" altLang="en-US" dirty="0">
+                <a:highlight>
+                  <a:srgbClr val="FFFF00"/>
+                </a:highlight>
+              </a:rPr>
+              <a:t>水平</a:t>
+            </a:r>
+            <a:r>
+              <a:rPr lang="zh-TW" altLang="en-US" dirty="0">
                 <a:solidFill>
                   <a:srgbClr val="FF0000"/>
                 </a:solidFill>
+                <a:highlight>
+                  <a:srgbClr val="FFFF00"/>
+                </a:highlight>
               </a:rPr>
               <a:t>合併</a:t>
             </a:r>
             <a:r>
-              <a:rPr lang="zh-TW" altLang="en-US" dirty="0"/>
+              <a:rPr lang="zh-TW" altLang="en-US" dirty="0">
+                <a:highlight>
+                  <a:srgbClr val="FFFF00"/>
+                </a:highlight>
+              </a:rPr>
               <a:t>成一張圖，亦即同一個實驗的結果，畫在多張圖，編號</a:t>
             </a:r>
             <a:r>
-              <a:rPr lang="en-US" altLang="zh-TW" dirty="0"/>
+              <a:rPr lang="en-US" altLang="zh-TW" dirty="0">
+                <a:highlight>
+                  <a:srgbClr val="FFFF00"/>
+                </a:highlight>
+              </a:rPr>
               <a:t>(a)(b)(c)</a:t>
             </a:r>
           </a:p>
@@ -26069,7 +28706,11 @@
           <a:p>
             <a:pPr lvl="1" algn="just"/>
             <a:r>
-              <a:rPr lang="zh-TW" altLang="en-US" dirty="0"/>
+              <a:rPr lang="zh-TW" altLang="en-US" dirty="0">
+                <a:highlight>
+                  <a:srgbClr val="FFFF00"/>
+                </a:highlight>
+              </a:rPr>
               <a:t>所有的圖都必須在經過單色印刷後仍然</a:t>
             </a:r>
             <a:r>
@@ -26077,6 +28718,9 @@
                 <a:solidFill>
                   <a:srgbClr val="FF0000"/>
                 </a:solidFill>
+                <a:highlight>
+                  <a:srgbClr val="FFFF00"/>
+                </a:highlight>
               </a:rPr>
               <a:t>清晰易辨識</a:t>
             </a:r>
@@ -26092,6 +28736,9 @@
                 <a:solidFill>
                   <a:srgbClr val="FF0000"/>
                 </a:solidFill>
+                <a:highlight>
+                  <a:srgbClr val="FFFF00"/>
+                </a:highlight>
               </a:rPr>
               <a:t>明暗手法</a:t>
             </a:r>
@@ -26100,6 +28747,9 @@
                 <a:solidFill>
                   <a:srgbClr val="FF0000"/>
                 </a:solidFill>
+                <a:highlight>
+                  <a:srgbClr val="FFFF00"/>
+                </a:highlight>
               </a:rPr>
               <a:t>(</a:t>
             </a:r>
@@ -26108,6 +28758,9 @@
                 <a:solidFill>
                   <a:srgbClr val="FF0000"/>
                 </a:solidFill>
+                <a:highlight>
+                  <a:srgbClr val="FFFF00"/>
+                </a:highlight>
               </a:rPr>
               <a:t>灰階</a:t>
             </a:r>
@@ -26116,18 +28769,33 @@
                 <a:solidFill>
                   <a:srgbClr val="FF0000"/>
                 </a:solidFill>
+                <a:highlight>
+                  <a:srgbClr val="FFFF00"/>
+                </a:highlight>
               </a:rPr>
               <a:t>)</a:t>
             </a:r>
-            <a:endParaRPr lang="en-US" altLang="zh-TW" dirty="0"/>
+            <a:endParaRPr lang="en-US" altLang="zh-TW" dirty="0">
+              <a:highlight>
+                <a:srgbClr val="FFFF00"/>
+              </a:highlight>
+            </a:endParaRPr>
           </a:p>
           <a:p>
             <a:pPr lvl="2" algn="just"/>
             <a:r>
-              <a:rPr lang="zh-TW" altLang="en-US" dirty="0"/>
+              <a:rPr lang="zh-TW" altLang="en-US" dirty="0">
+                <a:highlight>
+                  <a:srgbClr val="FFFF00"/>
+                </a:highlight>
+              </a:rPr>
               <a:t>例如：</a:t>
             </a:r>
-            <a:endParaRPr lang="en-US" altLang="zh-TW" dirty="0"/>
+            <a:endParaRPr lang="en-US" altLang="zh-TW" dirty="0">
+              <a:highlight>
+                <a:srgbClr val="FFFF00"/>
+              </a:highlight>
+            </a:endParaRPr>
           </a:p>
           <a:p>
             <a:pPr lvl="3" algn="just"/>
@@ -26696,7 +29364,11 @@
           <a:p>
             <a:pPr lvl="1"/>
             <a:r>
-              <a:rPr lang="zh-TW" altLang="en-US" dirty="0"/>
+              <a:rPr lang="zh-TW" altLang="en-US" dirty="0">
+                <a:highlight>
+                  <a:srgbClr val="FFFF00"/>
+                </a:highlight>
+              </a:rPr>
               <a:t>一個圖表應該只傳遞一個觀點 </a:t>
             </a:r>
             <a:r>
@@ -26704,6 +29376,9 @@
                 <a:solidFill>
                   <a:srgbClr val="FF0000"/>
                 </a:solidFill>
+                <a:highlight>
+                  <a:srgbClr val="FFFF00"/>
+                </a:highlight>
               </a:rPr>
               <a:t>(</a:t>
             </a:r>
@@ -26712,6 +29387,9 @@
                 <a:solidFill>
                   <a:srgbClr val="FF0000"/>
                 </a:solidFill>
+                <a:highlight>
+                  <a:srgbClr val="FFFF00"/>
+                </a:highlight>
               </a:rPr>
               <a:t>只變動一個參數</a:t>
             </a:r>
@@ -26720,6 +29398,9 @@
                 <a:solidFill>
                   <a:srgbClr val="FF0000"/>
                 </a:solidFill>
+                <a:highlight>
+                  <a:srgbClr val="FFFF00"/>
+                </a:highlight>
               </a:rPr>
               <a:t>)</a:t>
             </a:r>
@@ -26727,6 +29408,9 @@
               <a:solidFill>
                 <a:srgbClr val="FF0000"/>
               </a:solidFill>
+              <a:highlight>
+                <a:srgbClr val="FFFF00"/>
+              </a:highlight>
             </a:endParaRPr>
           </a:p>
           <a:p>
@@ -26951,39 +29635,75 @@
               <a:buChar char="p"/>
             </a:pPr>
             <a:r>
-              <a:rPr lang="en-US" altLang="zh-TW" dirty="0"/>
+              <a:rPr lang="en-US" altLang="zh-TW" dirty="0">
+                <a:highlight>
+                  <a:srgbClr val="FFFF00"/>
+                </a:highlight>
+              </a:rPr>
               <a:t>X</a:t>
             </a:r>
             <a:r>
-              <a:rPr lang="zh-TW" altLang="en-US" dirty="0"/>
+              <a:rPr lang="zh-TW" altLang="en-US" dirty="0">
+                <a:highlight>
+                  <a:srgbClr val="FFFF00"/>
+                </a:highlight>
+              </a:rPr>
               <a:t>軸標題、</a:t>
             </a:r>
             <a:r>
-              <a:rPr lang="en-US" altLang="zh-TW" dirty="0"/>
+              <a:rPr lang="en-US" altLang="zh-TW" dirty="0">
+                <a:highlight>
+                  <a:srgbClr val="FFFF00"/>
+                </a:highlight>
+              </a:rPr>
               <a:t>X</a:t>
             </a:r>
             <a:r>
-              <a:rPr lang="zh-TW" altLang="en-US" dirty="0"/>
+              <a:rPr lang="zh-TW" altLang="en-US" dirty="0">
+                <a:highlight>
+                  <a:srgbClr val="FFFF00"/>
+                </a:highlight>
+              </a:rPr>
               <a:t>軸單位、</a:t>
             </a:r>
             <a:r>
-              <a:rPr lang="en-US" altLang="zh-TW" dirty="0"/>
+              <a:rPr lang="en-US" altLang="zh-TW" dirty="0">
+                <a:highlight>
+                  <a:srgbClr val="FFFF00"/>
+                </a:highlight>
+              </a:rPr>
               <a:t>Y</a:t>
             </a:r>
             <a:r>
-              <a:rPr lang="zh-TW" altLang="en-US" dirty="0"/>
+              <a:rPr lang="zh-TW" altLang="en-US" dirty="0">
+                <a:highlight>
+                  <a:srgbClr val="FFFF00"/>
+                </a:highlight>
+              </a:rPr>
               <a:t>軸標題、</a:t>
             </a:r>
             <a:r>
-              <a:rPr lang="en-US" altLang="zh-TW" dirty="0"/>
+              <a:rPr lang="en-US" altLang="zh-TW" dirty="0">
+                <a:highlight>
+                  <a:srgbClr val="FFFF00"/>
+                </a:highlight>
+              </a:rPr>
               <a:t>Y</a:t>
             </a:r>
             <a:r>
-              <a:rPr lang="zh-TW" altLang="en-US" dirty="0"/>
+              <a:rPr lang="zh-TW" altLang="en-US" dirty="0">
+                <a:highlight>
+                  <a:srgbClr val="FFFF00"/>
+                </a:highlight>
+              </a:rPr>
               <a:t>軸單位、</a:t>
             </a:r>
             <a:r>
-              <a:rPr lang="en-US" altLang="zh-TW" dirty="0"/>
+              <a:rPr lang="en-US" altLang="zh-TW" dirty="0">
+                <a:highlight>
+                  <a:srgbClr val="FFFF00"/>
+                </a:highlight>
+              </a:rPr>
               <a:t>Legend</a:t>
             </a:r>
           </a:p>
@@ -27015,10 +29735,18 @@
               <a:buChar char="p"/>
             </a:pPr>
             <a:r>
-              <a:rPr lang="zh-TW" altLang="en-US" dirty="0"/>
+              <a:rPr lang="zh-TW" altLang="en-US" dirty="0">
+                <a:highlight>
+                  <a:srgbClr val="FFFF00"/>
+                </a:highlight>
+              </a:rPr>
               <a:t>平行的圖或同等重要的圖，是否以相同的比例繪製？</a:t>
             </a:r>
-            <a:endParaRPr lang="en-US" altLang="zh-TW" dirty="0"/>
+            <a:endParaRPr lang="en-US" altLang="zh-TW" dirty="0">
+              <a:highlight>
+                <a:srgbClr val="FFFF00"/>
+              </a:highlight>
+            </a:endParaRPr>
           </a:p>
           <a:p>
             <a:pPr>
@@ -27191,10 +29919,79 @@
         </p:xfrm>
         <a:graphic>
           <a:graphicData uri="http://schemas.openxmlformats.org/drawingml/2006/chart">
-            <c:chart xmlns:c="http://schemas.openxmlformats.org/drawingml/2006/chart" xmlns:r="http://schemas.openxmlformats.org/officeDocument/2006/relationships" r:id="rId2"/>
+            <c:chart xmlns:c="http://schemas.openxmlformats.org/drawingml/2006/chart" xmlns:r="http://schemas.openxmlformats.org/officeDocument/2006/relationships" r:id="rId3"/>
           </a:graphicData>
         </a:graphic>
       </p:graphicFrame>
+      <p:sp>
+        <p:nvSpPr>
+          <p:cNvPr id="2" name="矩形 1">
+            <a:extLst>
+              <a:ext uri="{FF2B5EF4-FFF2-40B4-BE49-F238E27FC236}">
+                <a16:creationId xmlns:a16="http://schemas.microsoft.com/office/drawing/2014/main" id="{A00A9A35-2FB7-5B67-CF24-BF9BF09B0BBD}"/>
+              </a:ext>
+            </a:extLst>
+          </p:cNvPr>
+          <p:cNvSpPr/>
+          <p:nvPr/>
+        </p:nvSpPr>
+        <p:spPr bwMode="auto">
+          <a:xfrm>
+            <a:off x="4304371" y="3072161"/>
+            <a:ext cx="1393902" cy="735980"/>
+          </a:xfrm>
+          <a:prstGeom prst="rect">
+            <a:avLst/>
+          </a:prstGeom>
+          <a:noFill/>
+          <a:ln w="19050" cap="flat" cmpd="sng" algn="ctr">
+            <a:solidFill>
+              <a:srgbClr val="FF0000"/>
+            </a:solidFill>
+            <a:prstDash val="solid"/>
+            <a:round/>
+            <a:headEnd type="none" w="med" len="med"/>
+            <a:tailEnd type="none" w="med" len="med"/>
+          </a:ln>
+          <a:effectLst/>
+        </p:spPr>
+        <p:txBody>
+          <a:bodyPr vert="horz" wrap="square" lIns="91440" tIns="45720" rIns="91440" bIns="45720" numCol="1" rtlCol="0" anchor="t" anchorCtr="0" compatLnSpc="1">
+            <a:prstTxWarp prst="textNoShape">
+              <a:avLst/>
+            </a:prstTxWarp>
+          </a:bodyPr>
+          <a:lstStyle/>
+          <a:p>
+            <a:pPr marL="0" marR="0" indent="0" algn="l" defTabSz="914400" rtl="0" eaLnBrk="0" fontAlgn="base" latinLnBrk="0" hangingPunct="0">
+              <a:lnSpc>
+                <a:spcPct val="100000"/>
+              </a:lnSpc>
+              <a:spcBef>
+                <a:spcPct val="0"/>
+              </a:spcBef>
+              <a:spcAft>
+                <a:spcPct val="0"/>
+              </a:spcAft>
+              <a:buClrTx/>
+              <a:buSzTx/>
+              <a:buFontTx/>
+              <a:buNone/>
+              <a:tabLst/>
+            </a:pPr>
+            <a:endParaRPr kumimoji="0" lang="zh-TW" altLang="en-US" sz="2400" b="0" i="0" u="none" strike="noStrike" cap="none" normalizeH="0" baseline="0">
+              <a:ln>
+                <a:noFill/>
+              </a:ln>
+              <a:solidFill>
+                <a:schemeClr val="tx1"/>
+              </a:solidFill>
+              <a:effectLst/>
+              <a:latin typeface="Arial" charset="0"/>
+            </a:endParaRPr>
+          </a:p>
+        </p:txBody>
+      </p:sp>
     </p:spTree>
     <p:extLst>
       <p:ext uri="{BB962C8B-B14F-4D97-AF65-F5344CB8AC3E}">
@@ -27290,7 +30087,7 @@
           <p:nvPr/>
         </p:nvPicPr>
         <p:blipFill>
-          <a:blip r:embed="rId2" cstate="print">
+          <a:blip r:embed="rId3" cstate="print">
             <a:extLst>
               <a:ext uri="{28A0092B-C50C-407E-A947-70E740481C1C}">
                 <a14:useLocalDpi xmlns:a14="http://schemas.microsoft.com/office/drawing/2010/main" val="0"/>
@@ -27316,6 +30113,558 @@
           </a:ln>
         </p:spPr>
       </p:pic>
+      <p:sp>
+        <p:nvSpPr>
+          <p:cNvPr id="8" name="矩形 7">
+            <a:extLst>
+              <a:ext uri="{FF2B5EF4-FFF2-40B4-BE49-F238E27FC236}">
+                <a16:creationId xmlns:a16="http://schemas.microsoft.com/office/drawing/2014/main" id="{8C02EA89-4EBE-7698-D7B6-E6344BD1A3E7}"/>
+              </a:ext>
+            </a:extLst>
+          </p:cNvPr>
+          <p:cNvSpPr/>
+          <p:nvPr/>
+        </p:nvSpPr>
+        <p:spPr bwMode="auto">
+          <a:xfrm>
+            <a:off x="2408663" y="869796"/>
+            <a:ext cx="1393902" cy="735980"/>
+          </a:xfrm>
+          <a:prstGeom prst="rect">
+            <a:avLst/>
+          </a:prstGeom>
+          <a:noFill/>
+          <a:ln w="19050" cap="flat" cmpd="sng" algn="ctr">
+            <a:solidFill>
+              <a:srgbClr val="FF0000"/>
+            </a:solidFill>
+            <a:prstDash val="solid"/>
+            <a:round/>
+            <a:headEnd type="none" w="med" len="med"/>
+            <a:tailEnd type="none" w="med" len="med"/>
+          </a:ln>
+          <a:effectLst/>
+        </p:spPr>
+        <p:txBody>
+          <a:bodyPr vert="horz" wrap="square" lIns="91440" tIns="45720" rIns="91440" bIns="45720" numCol="1" rtlCol="0" anchor="t" anchorCtr="0" compatLnSpc="1">
+            <a:prstTxWarp prst="textNoShape">
+              <a:avLst/>
+            </a:prstTxWarp>
+          </a:bodyPr>
+          <a:lstStyle/>
+          <a:p>
+            <a:pPr marL="0" marR="0" indent="0" algn="l" defTabSz="914400" rtl="0" eaLnBrk="0" fontAlgn="base" latinLnBrk="0" hangingPunct="0">
+              <a:lnSpc>
+                <a:spcPct val="100000"/>
+              </a:lnSpc>
+              <a:spcBef>
+                <a:spcPct val="0"/>
+              </a:spcBef>
+              <a:spcAft>
+                <a:spcPct val="0"/>
+              </a:spcAft>
+              <a:buClrTx/>
+              <a:buSzTx/>
+              <a:buFontTx/>
+              <a:buNone/>
+              <a:tabLst/>
+            </a:pPr>
+            <a:endParaRPr kumimoji="0" lang="zh-TW" altLang="en-US" sz="2400" b="0" i="0" u="none" strike="noStrike" cap="none" normalizeH="0" baseline="0">
+              <a:ln>
+                <a:noFill/>
+              </a:ln>
+              <a:solidFill>
+                <a:schemeClr val="tx1"/>
+              </a:solidFill>
+              <a:effectLst/>
+              <a:latin typeface="Arial" charset="0"/>
+            </a:endParaRPr>
+          </a:p>
+        </p:txBody>
+      </p:sp>
+      <p:sp>
+        <p:nvSpPr>
+          <p:cNvPr id="9" name="矩形 8">
+            <a:extLst>
+              <a:ext uri="{FF2B5EF4-FFF2-40B4-BE49-F238E27FC236}">
+                <a16:creationId xmlns:a16="http://schemas.microsoft.com/office/drawing/2014/main" id="{29442214-83D1-2B9E-965D-59CA774BF492}"/>
+              </a:ext>
+            </a:extLst>
+          </p:cNvPr>
+          <p:cNvSpPr/>
+          <p:nvPr/>
+        </p:nvSpPr>
+        <p:spPr bwMode="auto">
+          <a:xfrm>
+            <a:off x="2408663" y="1674977"/>
+            <a:ext cx="780585" cy="3186955"/>
+          </a:xfrm>
+          <a:prstGeom prst="rect">
+            <a:avLst/>
+          </a:prstGeom>
+          <a:noFill/>
+          <a:ln w="19050" cap="flat" cmpd="sng" algn="ctr">
+            <a:solidFill>
+              <a:srgbClr val="FF0000"/>
+            </a:solidFill>
+            <a:prstDash val="solid"/>
+            <a:round/>
+            <a:headEnd type="none" w="med" len="med"/>
+            <a:tailEnd type="none" w="med" len="med"/>
+          </a:ln>
+          <a:effectLst/>
+        </p:spPr>
+        <p:txBody>
+          <a:bodyPr vert="horz" wrap="square" lIns="91440" tIns="45720" rIns="91440" bIns="45720" numCol="1" rtlCol="0" anchor="t" anchorCtr="0" compatLnSpc="1">
+            <a:prstTxWarp prst="textNoShape">
+              <a:avLst/>
+            </a:prstTxWarp>
+          </a:bodyPr>
+          <a:lstStyle/>
+          <a:p>
+            <a:pPr marL="0" marR="0" indent="0" algn="l" defTabSz="914400" rtl="0" eaLnBrk="0" fontAlgn="base" latinLnBrk="0" hangingPunct="0">
+              <a:lnSpc>
+                <a:spcPct val="100000"/>
+              </a:lnSpc>
+              <a:spcBef>
+                <a:spcPct val="0"/>
+              </a:spcBef>
+              <a:spcAft>
+                <a:spcPct val="0"/>
+              </a:spcAft>
+              <a:buClrTx/>
+              <a:buSzTx/>
+              <a:buFontTx/>
+              <a:buNone/>
+              <a:tabLst/>
+            </a:pPr>
+            <a:endParaRPr kumimoji="0" lang="zh-TW" altLang="en-US" sz="2400" b="0" i="0" u="none" strike="noStrike" cap="none" normalizeH="0" baseline="0">
+              <a:ln>
+                <a:noFill/>
+              </a:ln>
+              <a:solidFill>
+                <a:schemeClr val="tx1"/>
+              </a:solidFill>
+              <a:effectLst/>
+              <a:latin typeface="Arial" charset="0"/>
+            </a:endParaRPr>
+          </a:p>
+        </p:txBody>
+      </p:sp>
+      <p:sp>
+        <p:nvSpPr>
+          <p:cNvPr id="10" name="矩形 9">
+            <a:extLst>
+              <a:ext uri="{FF2B5EF4-FFF2-40B4-BE49-F238E27FC236}">
+                <a16:creationId xmlns:a16="http://schemas.microsoft.com/office/drawing/2014/main" id="{208BBB01-F647-2711-3DA4-99AA00934745}"/>
+              </a:ext>
+            </a:extLst>
+          </p:cNvPr>
+          <p:cNvSpPr/>
+          <p:nvPr/>
+        </p:nvSpPr>
+        <p:spPr bwMode="auto">
+          <a:xfrm>
+            <a:off x="7527072" y="5240502"/>
+            <a:ext cx="959005" cy="735980"/>
+          </a:xfrm>
+          <a:prstGeom prst="rect">
+            <a:avLst/>
+          </a:prstGeom>
+          <a:noFill/>
+          <a:ln w="19050" cap="flat" cmpd="sng" algn="ctr">
+            <a:solidFill>
+              <a:srgbClr val="FF0000"/>
+            </a:solidFill>
+            <a:prstDash val="solid"/>
+            <a:round/>
+            <a:headEnd type="none" w="med" len="med"/>
+            <a:tailEnd type="none" w="med" len="med"/>
+          </a:ln>
+          <a:effectLst/>
+        </p:spPr>
+        <p:txBody>
+          <a:bodyPr vert="horz" wrap="square" lIns="91440" tIns="45720" rIns="91440" bIns="45720" numCol="1" rtlCol="0" anchor="t" anchorCtr="0" compatLnSpc="1">
+            <a:prstTxWarp prst="textNoShape">
+              <a:avLst/>
+            </a:prstTxWarp>
+          </a:bodyPr>
+          <a:lstStyle/>
+          <a:p>
+            <a:pPr marL="0" marR="0" indent="0" algn="l" defTabSz="914400" rtl="0" eaLnBrk="0" fontAlgn="base" latinLnBrk="0" hangingPunct="0">
+              <a:lnSpc>
+                <a:spcPct val="100000"/>
+              </a:lnSpc>
+              <a:spcBef>
+                <a:spcPct val="0"/>
+              </a:spcBef>
+              <a:spcAft>
+                <a:spcPct val="0"/>
+              </a:spcAft>
+              <a:buClrTx/>
+              <a:buSzTx/>
+              <a:buFontTx/>
+              <a:buNone/>
+              <a:tabLst/>
+            </a:pPr>
+            <a:endParaRPr kumimoji="0" lang="zh-TW" altLang="en-US" sz="2400" b="0" i="0" u="none" strike="noStrike" cap="none" normalizeH="0" baseline="0">
+              <a:ln>
+                <a:noFill/>
+              </a:ln>
+              <a:solidFill>
+                <a:schemeClr val="tx1"/>
+              </a:solidFill>
+              <a:effectLst/>
+              <a:latin typeface="Arial" charset="0"/>
+            </a:endParaRPr>
+          </a:p>
+        </p:txBody>
+      </p:sp>
+      <p:sp>
+        <p:nvSpPr>
+          <p:cNvPr id="11" name="矩形 10">
+            <a:extLst>
+              <a:ext uri="{FF2B5EF4-FFF2-40B4-BE49-F238E27FC236}">
+                <a16:creationId xmlns:a16="http://schemas.microsoft.com/office/drawing/2014/main" id="{9E9637F0-7769-4CC1-06DA-AF3F8F75D657}"/>
+              </a:ext>
+            </a:extLst>
+          </p:cNvPr>
+          <p:cNvSpPr/>
+          <p:nvPr/>
+        </p:nvSpPr>
+        <p:spPr bwMode="auto">
+          <a:xfrm>
+            <a:off x="3802565" y="1690688"/>
+            <a:ext cx="780585" cy="657922"/>
+          </a:xfrm>
+          <a:prstGeom prst="rect">
+            <a:avLst/>
+          </a:prstGeom>
+          <a:noFill/>
+          <a:ln w="19050" cap="flat" cmpd="sng" algn="ctr">
+            <a:solidFill>
+              <a:srgbClr val="FF0000"/>
+            </a:solidFill>
+            <a:prstDash val="solid"/>
+            <a:round/>
+            <a:headEnd type="none" w="med" len="med"/>
+            <a:tailEnd type="none" w="med" len="med"/>
+          </a:ln>
+          <a:effectLst/>
+        </p:spPr>
+        <p:txBody>
+          <a:bodyPr vert="horz" wrap="square" lIns="91440" tIns="45720" rIns="91440" bIns="45720" numCol="1" rtlCol="0" anchor="t" anchorCtr="0" compatLnSpc="1">
+            <a:prstTxWarp prst="textNoShape">
+              <a:avLst/>
+            </a:prstTxWarp>
+          </a:bodyPr>
+          <a:lstStyle/>
+          <a:p>
+            <a:pPr marL="0" marR="0" indent="0" algn="l" defTabSz="914400" rtl="0" eaLnBrk="0" fontAlgn="base" latinLnBrk="0" hangingPunct="0">
+              <a:lnSpc>
+                <a:spcPct val="100000"/>
+              </a:lnSpc>
+              <a:spcBef>
+                <a:spcPct val="0"/>
+              </a:spcBef>
+              <a:spcAft>
+                <a:spcPct val="0"/>
+              </a:spcAft>
+              <a:buClrTx/>
+              <a:buSzTx/>
+              <a:buFontTx/>
+              <a:buNone/>
+              <a:tabLst/>
+            </a:pPr>
+            <a:endParaRPr kumimoji="0" lang="zh-TW" altLang="en-US" sz="2400" b="0" i="0" u="none" strike="noStrike" cap="none" normalizeH="0" baseline="0">
+              <a:ln>
+                <a:noFill/>
+              </a:ln>
+              <a:solidFill>
+                <a:schemeClr val="tx1"/>
+              </a:solidFill>
+              <a:effectLst/>
+              <a:latin typeface="Arial" charset="0"/>
+            </a:endParaRPr>
+          </a:p>
+        </p:txBody>
+      </p:sp>
+      <p:sp>
+        <p:nvSpPr>
+          <p:cNvPr id="12" name="矩形 11">
+            <a:extLst>
+              <a:ext uri="{FF2B5EF4-FFF2-40B4-BE49-F238E27FC236}">
+                <a16:creationId xmlns:a16="http://schemas.microsoft.com/office/drawing/2014/main" id="{FD4FDC39-6247-B138-998E-F190DB9D8CFA}"/>
+              </a:ext>
+            </a:extLst>
+          </p:cNvPr>
+          <p:cNvSpPr/>
+          <p:nvPr/>
+        </p:nvSpPr>
+        <p:spPr bwMode="auto">
+          <a:xfrm>
+            <a:off x="4960577" y="1864247"/>
+            <a:ext cx="780585" cy="646771"/>
+          </a:xfrm>
+          <a:prstGeom prst="rect">
+            <a:avLst/>
+          </a:prstGeom>
+          <a:noFill/>
+          <a:ln w="19050" cap="flat" cmpd="sng" algn="ctr">
+            <a:solidFill>
+              <a:srgbClr val="FF0000"/>
+            </a:solidFill>
+            <a:prstDash val="solid"/>
+            <a:round/>
+            <a:headEnd type="none" w="med" len="med"/>
+            <a:tailEnd type="none" w="med" len="med"/>
+          </a:ln>
+          <a:effectLst/>
+        </p:spPr>
+        <p:txBody>
+          <a:bodyPr vert="horz" wrap="square" lIns="91440" tIns="45720" rIns="91440" bIns="45720" numCol="1" rtlCol="0" anchor="t" anchorCtr="0" compatLnSpc="1">
+            <a:prstTxWarp prst="textNoShape">
+              <a:avLst/>
+            </a:prstTxWarp>
+          </a:bodyPr>
+          <a:lstStyle/>
+          <a:p>
+            <a:pPr marL="0" marR="0" indent="0" algn="l" defTabSz="914400" rtl="0" eaLnBrk="0" fontAlgn="base" latinLnBrk="0" hangingPunct="0">
+              <a:lnSpc>
+                <a:spcPct val="100000"/>
+              </a:lnSpc>
+              <a:spcBef>
+                <a:spcPct val="0"/>
+              </a:spcBef>
+              <a:spcAft>
+                <a:spcPct val="0"/>
+              </a:spcAft>
+              <a:buClrTx/>
+              <a:buSzTx/>
+              <a:buFontTx/>
+              <a:buNone/>
+              <a:tabLst/>
+            </a:pPr>
+            <a:endParaRPr kumimoji="0" lang="zh-TW" altLang="en-US" sz="2400" b="0" i="0" u="none" strike="noStrike" cap="none" normalizeH="0" baseline="0">
+              <a:ln>
+                <a:noFill/>
+              </a:ln>
+              <a:solidFill>
+                <a:schemeClr val="tx1"/>
+              </a:solidFill>
+              <a:effectLst/>
+              <a:latin typeface="Arial" charset="0"/>
+            </a:endParaRPr>
+          </a:p>
+        </p:txBody>
+      </p:sp>
+      <p:sp>
+        <p:nvSpPr>
+          <p:cNvPr id="14" name="矩形 13">
+            <a:extLst>
+              <a:ext uri="{FF2B5EF4-FFF2-40B4-BE49-F238E27FC236}">
+                <a16:creationId xmlns:a16="http://schemas.microsoft.com/office/drawing/2014/main" id="{A3A2DFBA-DF28-8BC4-2844-B72FEF53ABFA}"/>
+              </a:ext>
+            </a:extLst>
+          </p:cNvPr>
+          <p:cNvSpPr/>
+          <p:nvPr/>
+        </p:nvSpPr>
+        <p:spPr bwMode="auto">
+          <a:xfrm>
+            <a:off x="6100646" y="2045532"/>
+            <a:ext cx="780585" cy="646771"/>
+          </a:xfrm>
+          <a:prstGeom prst="rect">
+            <a:avLst/>
+          </a:prstGeom>
+          <a:noFill/>
+          <a:ln w="19050" cap="flat" cmpd="sng" algn="ctr">
+            <a:solidFill>
+              <a:srgbClr val="FF0000"/>
+            </a:solidFill>
+            <a:prstDash val="solid"/>
+            <a:round/>
+            <a:headEnd type="none" w="med" len="med"/>
+            <a:tailEnd type="none" w="med" len="med"/>
+          </a:ln>
+          <a:effectLst/>
+        </p:spPr>
+        <p:txBody>
+          <a:bodyPr vert="horz" wrap="square" lIns="91440" tIns="45720" rIns="91440" bIns="45720" numCol="1" rtlCol="0" anchor="t" anchorCtr="0" compatLnSpc="1">
+            <a:prstTxWarp prst="textNoShape">
+              <a:avLst/>
+            </a:prstTxWarp>
+          </a:bodyPr>
+          <a:lstStyle/>
+          <a:p>
+            <a:pPr marL="0" marR="0" indent="0" algn="l" defTabSz="914400" rtl="0" eaLnBrk="0" fontAlgn="base" latinLnBrk="0" hangingPunct="0">
+              <a:lnSpc>
+                <a:spcPct val="100000"/>
+              </a:lnSpc>
+              <a:spcBef>
+                <a:spcPct val="0"/>
+              </a:spcBef>
+              <a:spcAft>
+                <a:spcPct val="0"/>
+              </a:spcAft>
+              <a:buClrTx/>
+              <a:buSzTx/>
+              <a:buFontTx/>
+              <a:buNone/>
+              <a:tabLst/>
+            </a:pPr>
+            <a:endParaRPr kumimoji="0" lang="zh-TW" altLang="en-US" sz="2400" b="0" i="0" u="none" strike="noStrike" cap="none" normalizeH="0" baseline="0">
+              <a:ln>
+                <a:noFill/>
+              </a:ln>
+              <a:solidFill>
+                <a:schemeClr val="tx1"/>
+              </a:solidFill>
+              <a:effectLst/>
+              <a:latin typeface="Arial" charset="0"/>
+            </a:endParaRPr>
+          </a:p>
+        </p:txBody>
+      </p:sp>
+      <p:sp>
+        <p:nvSpPr>
+          <p:cNvPr id="15" name="矩形 14">
+            <a:extLst>
+              <a:ext uri="{FF2B5EF4-FFF2-40B4-BE49-F238E27FC236}">
+                <a16:creationId xmlns:a16="http://schemas.microsoft.com/office/drawing/2014/main" id="{B46083DA-6A8B-091D-7E7C-6E6E153C354A}"/>
+              </a:ext>
+            </a:extLst>
+          </p:cNvPr>
+          <p:cNvSpPr/>
+          <p:nvPr/>
+        </p:nvSpPr>
+        <p:spPr bwMode="auto">
+          <a:xfrm>
+            <a:off x="7291039" y="2187632"/>
+            <a:ext cx="780585" cy="646771"/>
+          </a:xfrm>
+          <a:prstGeom prst="rect">
+            <a:avLst/>
+          </a:prstGeom>
+          <a:noFill/>
+          <a:ln w="19050" cap="flat" cmpd="sng" algn="ctr">
+            <a:solidFill>
+              <a:srgbClr val="FF0000"/>
+            </a:solidFill>
+            <a:prstDash val="solid"/>
+            <a:round/>
+            <a:headEnd type="none" w="med" len="med"/>
+            <a:tailEnd type="none" w="med" len="med"/>
+          </a:ln>
+          <a:effectLst/>
+        </p:spPr>
+        <p:txBody>
+          <a:bodyPr vert="horz" wrap="square" lIns="91440" tIns="45720" rIns="91440" bIns="45720" numCol="1" rtlCol="0" anchor="t" anchorCtr="0" compatLnSpc="1">
+            <a:prstTxWarp prst="textNoShape">
+              <a:avLst/>
+            </a:prstTxWarp>
+          </a:bodyPr>
+          <a:lstStyle/>
+          <a:p>
+            <a:pPr marL="0" marR="0" indent="0" algn="l" defTabSz="914400" rtl="0" eaLnBrk="0" fontAlgn="base" latinLnBrk="0" hangingPunct="0">
+              <a:lnSpc>
+                <a:spcPct val="100000"/>
+              </a:lnSpc>
+              <a:spcBef>
+                <a:spcPct val="0"/>
+              </a:spcBef>
+              <a:spcAft>
+                <a:spcPct val="0"/>
+              </a:spcAft>
+              <a:buClrTx/>
+              <a:buSzTx/>
+              <a:buFontTx/>
+              <a:buNone/>
+              <a:tabLst/>
+            </a:pPr>
+            <a:endParaRPr kumimoji="0" lang="zh-TW" altLang="en-US" sz="2400" b="0" i="0" u="none" strike="noStrike" cap="none" normalizeH="0" baseline="0">
+              <a:ln>
+                <a:noFill/>
+              </a:ln>
+              <a:solidFill>
+                <a:schemeClr val="tx1"/>
+              </a:solidFill>
+              <a:effectLst/>
+              <a:latin typeface="Arial" charset="0"/>
+            </a:endParaRPr>
+          </a:p>
+        </p:txBody>
+      </p:sp>
+      <p:sp>
+        <p:nvSpPr>
+          <p:cNvPr id="18" name="矩形 17">
+            <a:extLst>
+              <a:ext uri="{FF2B5EF4-FFF2-40B4-BE49-F238E27FC236}">
+                <a16:creationId xmlns:a16="http://schemas.microsoft.com/office/drawing/2014/main" id="{E2FAAB31-E093-72A2-99C5-EA6040A02ECF}"/>
+              </a:ext>
+            </a:extLst>
+          </p:cNvPr>
+          <p:cNvSpPr/>
+          <p:nvPr/>
+        </p:nvSpPr>
+        <p:spPr bwMode="auto">
+          <a:xfrm>
+            <a:off x="8397519" y="2306153"/>
+            <a:ext cx="780585" cy="646771"/>
+          </a:xfrm>
+          <a:prstGeom prst="rect">
+            <a:avLst/>
+          </a:prstGeom>
+          <a:noFill/>
+          <a:ln w="19050" cap="flat" cmpd="sng" algn="ctr">
+            <a:solidFill>
+              <a:srgbClr val="FF0000"/>
+            </a:solidFill>
+            <a:prstDash val="solid"/>
+            <a:round/>
+            <a:headEnd type="none" w="med" len="med"/>
+            <a:tailEnd type="none" w="med" len="med"/>
+          </a:ln>
+          <a:effectLst/>
+        </p:spPr>
+        <p:txBody>
+          <a:bodyPr vert="horz" wrap="square" lIns="91440" tIns="45720" rIns="91440" bIns="45720" numCol="1" rtlCol="0" anchor="t" anchorCtr="0" compatLnSpc="1">
+            <a:prstTxWarp prst="textNoShape">
+              <a:avLst/>
+            </a:prstTxWarp>
+          </a:bodyPr>
+          <a:lstStyle/>
+          <a:p>
+            <a:pPr marL="0" marR="0" indent="0" algn="l" defTabSz="914400" rtl="0" eaLnBrk="0" fontAlgn="base" latinLnBrk="0" hangingPunct="0">
+              <a:lnSpc>
+                <a:spcPct val="100000"/>
+              </a:lnSpc>
+              <a:spcBef>
+                <a:spcPct val="0"/>
+              </a:spcBef>
+              <a:spcAft>
+                <a:spcPct val="0"/>
+              </a:spcAft>
+              <a:buClrTx/>
+              <a:buSzTx/>
+              <a:buFontTx/>
+              <a:buNone/>
+              <a:tabLst/>
+            </a:pPr>
+            <a:endParaRPr kumimoji="0" lang="zh-TW" altLang="en-US" sz="2400" b="0" i="0" u="none" strike="noStrike" cap="none" normalizeH="0" baseline="0">
+              <a:ln>
+                <a:noFill/>
+              </a:ln>
+              <a:solidFill>
+                <a:schemeClr val="tx1"/>
+              </a:solidFill>
+              <a:effectLst/>
+              <a:latin typeface="Arial" charset="0"/>
+            </a:endParaRPr>
+          </a:p>
+        </p:txBody>
+      </p:sp>
     </p:spTree>
     <p:extLst>
       <p:ext uri="{BB962C8B-B14F-4D97-AF65-F5344CB8AC3E}">

--- a/MI5014701 科技研究與論文寫作 Technology Research and Thesis Writing/4. Figure-table.pptx
+++ b/MI5014701 科技研究與論文寫作 Technology Research and Thesis Writing/4. Figure-table.pptx
@@ -6,10 +6,10 @@
     <p:sldMasterId id="2147483674" r:id="rId2"/>
   </p:sldMasterIdLst>
   <p:notesMasterIdLst>
-    <p:notesMasterId r:id="rId55"/>
+    <p:notesMasterId r:id="rId61"/>
   </p:notesMasterIdLst>
   <p:handoutMasterIdLst>
-    <p:handoutMasterId r:id="rId56"/>
+    <p:handoutMasterId r:id="rId62"/>
   </p:handoutMasterIdLst>
   <p:sldIdLst>
     <p:sldId id="256" r:id="rId3"/>
@@ -63,7 +63,13 @@
     <p:sldId id="306" r:id="rId51"/>
     <p:sldId id="307" r:id="rId52"/>
     <p:sldId id="309" r:id="rId53"/>
-    <p:sldId id="310" r:id="rId54"/>
+    <p:sldId id="319" r:id="rId54"/>
+    <p:sldId id="320" r:id="rId55"/>
+    <p:sldId id="321" r:id="rId56"/>
+    <p:sldId id="322" r:id="rId57"/>
+    <p:sldId id="310" r:id="rId58"/>
+    <p:sldId id="318" r:id="rId59"/>
+    <p:sldId id="317" r:id="rId60"/>
   </p:sldIdLst>
   <p:sldSz cx="12192000" cy="6858000"/>
   <p:notesSz cx="6858000" cy="9144000"/>
@@ -226,7 +232,13 @@
             <p14:sldId id="306"/>
             <p14:sldId id="307"/>
             <p14:sldId id="309"/>
+            <p14:sldId id="319"/>
+            <p14:sldId id="320"/>
+            <p14:sldId id="321"/>
+            <p14:sldId id="322"/>
             <p14:sldId id="310"/>
+            <p14:sldId id="318"/>
+            <p14:sldId id="317"/>
           </p14:sldIdLst>
         </p14:section>
       </p14:sectionLst>
@@ -1586,7 +1598,7 @@
             <a:fld id="{247B535D-8BD0-404E-96D6-D5C611C59A2C}" type="datetimeFigureOut">
               <a:rPr lang="zh-TW" altLang="en-US" smtClean="0"/>
               <a:pPr/>
-              <a:t>2023/10/26</a:t>
+              <a:t>2023/11/2</a:t>
             </a:fld>
             <a:endParaRPr lang="zh-TW" altLang="en-US"/>
           </a:p>
@@ -1753,7 +1765,7 @@
             <a:fld id="{8A138D5D-92D2-4EB1-8778-0DDC1EE16406}" type="datetimeFigureOut">
               <a:rPr lang="zh-TW" altLang="en-US" smtClean="0"/>
               <a:pPr/>
-              <a:t>2023/10/26</a:t>
+              <a:t>2023/11/2</a:t>
             </a:fld>
             <a:endParaRPr lang="zh-TW" altLang="en-US"/>
           </a:p>
@@ -4471,6 +4483,21 @@
               <a:rPr lang="zh-TW" altLang="en-US" dirty="0"/>
               <a:t>可以標記數字</a:t>
             </a:r>
+            <a:endParaRPr lang="en-US" altLang="zh-TW" dirty="0"/>
+          </a:p>
+          <a:p>
+            <a:pPr marL="228600" indent="-228600">
+              <a:buFont typeface="+mj-lt"/>
+              <a:buAutoNum type="arabicPeriod"/>
+            </a:pPr>
+            <a:r>
+              <a:rPr lang="en-US" altLang="zh-TW" dirty="0"/>
+              <a:t>Legend</a:t>
+            </a:r>
+            <a:r>
+              <a:rPr lang="zh-TW" altLang="en-US" dirty="0"/>
+              <a:t>標記不要疊到圖</a:t>
+            </a:r>
           </a:p>
         </p:txBody>
       </p:sp>
@@ -4502,6 +4529,532 @@
     <p:extLst>
       <p:ext uri="{BB962C8B-B14F-4D97-AF65-F5344CB8AC3E}">
         <p14:creationId xmlns:p14="http://schemas.microsoft.com/office/powerpoint/2010/main" val="3379649568"/>
+      </p:ext>
+    </p:extLst>
+  </p:cSld>
+  <p:clrMapOvr>
+    <a:masterClrMapping/>
+  </p:clrMapOvr>
+</p:notes>
+</file>
+
+<file path=ppt/notesSlides/notesSlide26.xml><?xml version="1.0" encoding="utf-8"?>
+<p:notes xmlns:a="http://schemas.openxmlformats.org/drawingml/2006/main" xmlns:r="http://schemas.openxmlformats.org/officeDocument/2006/relationships" xmlns:p="http://schemas.openxmlformats.org/presentationml/2006/main">
+  <p:cSld>
+    <p:spTree>
+      <p:nvGrpSpPr>
+        <p:cNvPr id="1" name=""/>
+        <p:cNvGrpSpPr/>
+        <p:nvPr/>
+      </p:nvGrpSpPr>
+      <p:grpSpPr>
+        <a:xfrm>
+          <a:off x="0" y="0"/>
+          <a:ext cx="0" cy="0"/>
+          <a:chOff x="0" y="0"/>
+          <a:chExt cx="0" cy="0"/>
+        </a:xfrm>
+      </p:grpSpPr>
+      <p:sp>
+        <p:nvSpPr>
+          <p:cNvPr id="2" name="投影片影像版面配置區 1"/>
+          <p:cNvSpPr>
+            <a:spLocks noGrp="1" noRot="1" noChangeAspect="1"/>
+          </p:cNvSpPr>
+          <p:nvPr>
+            <p:ph type="sldImg"/>
+          </p:nvPr>
+        </p:nvSpPr>
+        <p:spPr/>
+      </p:sp>
+      <p:sp>
+        <p:nvSpPr>
+          <p:cNvPr id="3" name="備忘稿版面配置區 2"/>
+          <p:cNvSpPr>
+            <a:spLocks noGrp="1"/>
+          </p:cNvSpPr>
+          <p:nvPr>
+            <p:ph type="body" idx="1"/>
+          </p:nvPr>
+        </p:nvSpPr>
+        <p:spPr/>
+        <p:txBody>
+          <a:bodyPr/>
+          <a:lstStyle/>
+          <a:p>
+            <a:pPr marL="228600" indent="-228600">
+              <a:buFont typeface="+mj-lt"/>
+              <a:buAutoNum type="arabicPeriod"/>
+            </a:pPr>
+            <a:r>
+              <a:rPr lang="zh-TW" altLang="en-US" dirty="0"/>
+              <a:t>框線有沒有沒關係</a:t>
+            </a:r>
+            <a:endParaRPr lang="en-US" altLang="zh-TW" dirty="0"/>
+          </a:p>
+          <a:p>
+            <a:pPr marL="228600" indent="-228600">
+              <a:buFont typeface="+mj-lt"/>
+              <a:buAutoNum type="arabicPeriod"/>
+            </a:pPr>
+            <a:r>
+              <a:rPr lang="zh-TW" altLang="en-US" dirty="0"/>
+              <a:t>這張圖同時表示了</a:t>
+            </a:r>
+            <a:r>
+              <a:rPr lang="en-US" altLang="zh-TW" dirty="0"/>
+              <a:t>Delay time /</a:t>
+            </a:r>
+            <a:r>
+              <a:rPr lang="zh-TW" altLang="en-US" dirty="0"/>
+              <a:t> </a:t>
+            </a:r>
+            <a:r>
+              <a:rPr lang="en-US" altLang="zh-TW" dirty="0"/>
+              <a:t>services time</a:t>
+            </a:r>
+            <a:r>
+              <a:rPr lang="zh-TW" altLang="en-US" dirty="0"/>
+              <a:t> 曲線跟直條圖 但是擺在一起不會特別清楚</a:t>
+            </a:r>
+            <a:r>
+              <a:rPr lang="en-US" altLang="zh-TW" dirty="0"/>
+              <a:t>(</a:t>
+            </a:r>
+            <a:r>
+              <a:rPr lang="zh-TW" altLang="en-US" dirty="0"/>
+              <a:t>如圖</a:t>
+            </a:r>
+            <a:r>
+              <a:rPr lang="en-US" altLang="zh-TW" dirty="0"/>
+              <a:t>)</a:t>
+            </a:r>
+            <a:r>
+              <a:rPr lang="zh-TW" altLang="en-US" dirty="0"/>
+              <a:t>，可以考慮左右分開標示，不要畫在一張圖</a:t>
+            </a:r>
+          </a:p>
+        </p:txBody>
+      </p:sp>
+      <p:sp>
+        <p:nvSpPr>
+          <p:cNvPr id="4" name="投影片編號版面配置區 3"/>
+          <p:cNvSpPr>
+            <a:spLocks noGrp="1"/>
+          </p:cNvSpPr>
+          <p:nvPr>
+            <p:ph type="sldNum" sz="quarter" idx="5"/>
+          </p:nvPr>
+        </p:nvSpPr>
+        <p:spPr/>
+        <p:txBody>
+          <a:bodyPr/>
+          <a:lstStyle/>
+          <a:p>
+            <a:fld id="{C7BDBA1A-AC7B-45DC-A751-2B0A9550FCA9}" type="slidenum">
+              <a:rPr lang="zh-TW" altLang="en-US" smtClean="0"/>
+              <a:pPr/>
+              <a:t>47</a:t>
+            </a:fld>
+            <a:endParaRPr lang="zh-TW" altLang="en-US"/>
+          </a:p>
+        </p:txBody>
+      </p:sp>
+    </p:spTree>
+    <p:extLst>
+      <p:ext uri="{BB962C8B-B14F-4D97-AF65-F5344CB8AC3E}">
+        <p14:creationId xmlns:p14="http://schemas.microsoft.com/office/powerpoint/2010/main" val="2333932733"/>
+      </p:ext>
+    </p:extLst>
+  </p:cSld>
+  <p:clrMapOvr>
+    <a:masterClrMapping/>
+  </p:clrMapOvr>
+</p:notes>
+</file>
+
+<file path=ppt/notesSlides/notesSlide27.xml><?xml version="1.0" encoding="utf-8"?>
+<p:notes xmlns:a="http://schemas.openxmlformats.org/drawingml/2006/main" xmlns:r="http://schemas.openxmlformats.org/officeDocument/2006/relationships" xmlns:p="http://schemas.openxmlformats.org/presentationml/2006/main">
+  <p:cSld>
+    <p:spTree>
+      <p:nvGrpSpPr>
+        <p:cNvPr id="1" name=""/>
+        <p:cNvGrpSpPr/>
+        <p:nvPr/>
+      </p:nvGrpSpPr>
+      <p:grpSpPr>
+        <a:xfrm>
+          <a:off x="0" y="0"/>
+          <a:ext cx="0" cy="0"/>
+          <a:chOff x="0" y="0"/>
+          <a:chExt cx="0" cy="0"/>
+        </a:xfrm>
+      </p:grpSpPr>
+      <p:sp>
+        <p:nvSpPr>
+          <p:cNvPr id="2" name="投影片影像版面配置區 1"/>
+          <p:cNvSpPr>
+            <a:spLocks noGrp="1" noRot="1" noChangeAspect="1"/>
+          </p:cNvSpPr>
+          <p:nvPr>
+            <p:ph type="sldImg"/>
+          </p:nvPr>
+        </p:nvSpPr>
+        <p:spPr/>
+      </p:sp>
+      <p:sp>
+        <p:nvSpPr>
+          <p:cNvPr id="3" name="備忘稿版面配置區 2"/>
+          <p:cNvSpPr>
+            <a:spLocks noGrp="1"/>
+          </p:cNvSpPr>
+          <p:nvPr>
+            <p:ph type="body" idx="1"/>
+          </p:nvPr>
+        </p:nvSpPr>
+        <p:spPr/>
+        <p:txBody>
+          <a:bodyPr/>
+          <a:lstStyle/>
+          <a:p>
+            <a:pPr marL="228600" indent="-228600">
+              <a:buFont typeface="+mj-lt"/>
+              <a:buAutoNum type="arabicPeriod"/>
+            </a:pPr>
+            <a:r>
+              <a:rPr lang="zh-TW" altLang="en-US" dirty="0"/>
+              <a:t>這張圖的黑色對左邊 藍色對右邊 這張圖其實沒什麼問題</a:t>
+            </a:r>
+            <a:endParaRPr lang="en-US" altLang="zh-TW" dirty="0"/>
+          </a:p>
+          <a:p>
+            <a:pPr marL="228600" indent="-228600">
+              <a:buFont typeface="+mj-lt"/>
+              <a:buAutoNum type="arabicPeriod"/>
+            </a:pPr>
+            <a:r>
+              <a:rPr lang="zh-TW" altLang="en-US" dirty="0"/>
+              <a:t>注意看</a:t>
+            </a:r>
+            <a:r>
+              <a:rPr lang="en-US" altLang="zh-TW" dirty="0"/>
+              <a:t>X</a:t>
+            </a:r>
+            <a:r>
+              <a:rPr lang="zh-TW" altLang="en-US" dirty="0"/>
+              <a:t>軸的</a:t>
+            </a:r>
+            <a:r>
+              <a:rPr lang="en-US" altLang="zh-TW" dirty="0"/>
+              <a:t>15/75</a:t>
+            </a:r>
+            <a:r>
+              <a:rPr lang="zh-TW" altLang="en-US" dirty="0"/>
+              <a:t>都沒有值 可能會被別人問為甚麼</a:t>
+            </a:r>
+            <a:r>
+              <a:rPr lang="en-US" altLang="zh-TW" dirty="0"/>
+              <a:t>?</a:t>
+            </a:r>
+            <a:r>
+              <a:rPr lang="zh-TW" altLang="en-US" dirty="0"/>
+              <a:t> 所以建議畫到邊</a:t>
+            </a:r>
+            <a:r>
+              <a:rPr lang="en-US" altLang="zh-TW" dirty="0"/>
+              <a:t>(</a:t>
+            </a:r>
+            <a:r>
+              <a:rPr lang="zh-TW" altLang="en-US" dirty="0"/>
+              <a:t>顯示的值</a:t>
+            </a:r>
+            <a:r>
+              <a:rPr lang="en-US" altLang="zh-TW" dirty="0"/>
+              <a:t>)</a:t>
+            </a:r>
+          </a:p>
+          <a:p>
+            <a:pPr marL="228600" indent="-228600">
+              <a:buFont typeface="+mj-lt"/>
+              <a:buAutoNum type="arabicPeriod"/>
+            </a:pPr>
+            <a:r>
+              <a:rPr lang="zh-TW" altLang="en-US" dirty="0"/>
+              <a:t>左右邊的圖案可以注意看黑線的圖標縣長的不一樣 容易混淆</a:t>
+            </a:r>
+          </a:p>
+        </p:txBody>
+      </p:sp>
+      <p:sp>
+        <p:nvSpPr>
+          <p:cNvPr id="4" name="投影片編號版面配置區 3"/>
+          <p:cNvSpPr>
+            <a:spLocks noGrp="1"/>
+          </p:cNvSpPr>
+          <p:nvPr>
+            <p:ph type="sldNum" sz="quarter" idx="5"/>
+          </p:nvPr>
+        </p:nvSpPr>
+        <p:spPr/>
+        <p:txBody>
+          <a:bodyPr/>
+          <a:lstStyle/>
+          <a:p>
+            <a:fld id="{C7BDBA1A-AC7B-45DC-A751-2B0A9550FCA9}" type="slidenum">
+              <a:rPr lang="zh-TW" altLang="en-US" smtClean="0"/>
+              <a:pPr/>
+              <a:t>48</a:t>
+            </a:fld>
+            <a:endParaRPr lang="zh-TW" altLang="en-US"/>
+          </a:p>
+        </p:txBody>
+      </p:sp>
+    </p:spTree>
+    <p:extLst>
+      <p:ext uri="{BB962C8B-B14F-4D97-AF65-F5344CB8AC3E}">
+        <p14:creationId xmlns:p14="http://schemas.microsoft.com/office/powerpoint/2010/main" val="4084875272"/>
+      </p:ext>
+    </p:extLst>
+  </p:cSld>
+  <p:clrMapOvr>
+    <a:masterClrMapping/>
+  </p:clrMapOvr>
+</p:notes>
+</file>
+
+<file path=ppt/notesSlides/notesSlide28.xml><?xml version="1.0" encoding="utf-8"?>
+<p:notes xmlns:a="http://schemas.openxmlformats.org/drawingml/2006/main" xmlns:r="http://schemas.openxmlformats.org/officeDocument/2006/relationships" xmlns:p="http://schemas.openxmlformats.org/presentationml/2006/main">
+  <p:cSld>
+    <p:spTree>
+      <p:nvGrpSpPr>
+        <p:cNvPr id="1" name=""/>
+        <p:cNvGrpSpPr/>
+        <p:nvPr/>
+      </p:nvGrpSpPr>
+      <p:grpSpPr>
+        <a:xfrm>
+          <a:off x="0" y="0"/>
+          <a:ext cx="0" cy="0"/>
+          <a:chOff x="0" y="0"/>
+          <a:chExt cx="0" cy="0"/>
+        </a:xfrm>
+      </p:grpSpPr>
+      <p:sp>
+        <p:nvSpPr>
+          <p:cNvPr id="2" name="投影片影像版面配置區 1"/>
+          <p:cNvSpPr>
+            <a:spLocks noGrp="1" noRot="1" noChangeAspect="1"/>
+          </p:cNvSpPr>
+          <p:nvPr>
+            <p:ph type="sldImg"/>
+          </p:nvPr>
+        </p:nvSpPr>
+        <p:spPr/>
+      </p:sp>
+      <p:sp>
+        <p:nvSpPr>
+          <p:cNvPr id="3" name="備忘稿版面配置區 2"/>
+          <p:cNvSpPr>
+            <a:spLocks noGrp="1"/>
+          </p:cNvSpPr>
+          <p:nvPr>
+            <p:ph type="body" idx="1"/>
+          </p:nvPr>
+        </p:nvSpPr>
+        <p:spPr/>
+        <p:txBody>
+          <a:bodyPr/>
+          <a:lstStyle/>
+          <a:p>
+            <a:pPr marL="228600" indent="-228600">
+              <a:buFont typeface="+mj-lt"/>
+              <a:buAutoNum type="arabicPeriod"/>
+            </a:pPr>
+            <a:r>
+              <a:rPr lang="zh-TW" altLang="en-US" dirty="0"/>
+              <a:t>上面的</a:t>
+            </a:r>
+            <a:r>
+              <a:rPr lang="en-US" altLang="zh-TW" dirty="0"/>
+              <a:t>Traffic allocation</a:t>
+            </a:r>
+            <a:r>
+              <a:rPr lang="zh-TW" altLang="en-US" dirty="0"/>
+              <a:t>可以不要寫 因為下面有標題了</a:t>
+            </a:r>
+            <a:endParaRPr lang="en-US" altLang="zh-TW" dirty="0"/>
+          </a:p>
+          <a:p>
+            <a:pPr marL="228600" indent="-228600">
+              <a:buFont typeface="+mj-lt"/>
+              <a:buAutoNum type="arabicPeriod"/>
+            </a:pPr>
+            <a:r>
+              <a:rPr lang="zh-TW" altLang="en-US" dirty="0"/>
+              <a:t>紅色的</a:t>
+            </a:r>
+            <a:r>
+              <a:rPr lang="en-US" altLang="zh-TW" dirty="0" err="1"/>
+              <a:t>adc</a:t>
+            </a:r>
+            <a:r>
+              <a:rPr lang="en-US" altLang="zh-TW" dirty="0"/>
+              <a:t> </a:t>
+            </a:r>
+            <a:r>
+              <a:rPr lang="zh-TW" altLang="en-US" dirty="0"/>
+              <a:t>黃色的</a:t>
+            </a:r>
+            <a:r>
+              <a:rPr lang="en-US" altLang="zh-TW" dirty="0" err="1"/>
+              <a:t>aec</a:t>
+            </a:r>
+            <a:r>
+              <a:rPr lang="en-US" altLang="zh-TW" dirty="0"/>
+              <a:t> </a:t>
+            </a:r>
+            <a:r>
+              <a:rPr lang="zh-TW" altLang="en-US" dirty="0"/>
+              <a:t>綠色的</a:t>
+            </a:r>
+            <a:r>
+              <a:rPr lang="en-US" altLang="zh-TW" dirty="0" err="1"/>
+              <a:t>aed</a:t>
+            </a:r>
+            <a:r>
+              <a:rPr lang="zh-TW" altLang="en-US" dirty="0"/>
+              <a:t>都看不出來是否有值 少到看不到 用數值標記或放大級距來解決</a:t>
+            </a:r>
+          </a:p>
+        </p:txBody>
+      </p:sp>
+      <p:sp>
+        <p:nvSpPr>
+          <p:cNvPr id="4" name="投影片編號版面配置區 3"/>
+          <p:cNvSpPr>
+            <a:spLocks noGrp="1"/>
+          </p:cNvSpPr>
+          <p:nvPr>
+            <p:ph type="sldNum" sz="quarter" idx="5"/>
+          </p:nvPr>
+        </p:nvSpPr>
+        <p:spPr/>
+        <p:txBody>
+          <a:bodyPr/>
+          <a:lstStyle/>
+          <a:p>
+            <a:fld id="{C7BDBA1A-AC7B-45DC-A751-2B0A9550FCA9}" type="slidenum">
+              <a:rPr lang="zh-TW" altLang="en-US" smtClean="0"/>
+              <a:pPr/>
+              <a:t>49</a:t>
+            </a:fld>
+            <a:endParaRPr lang="zh-TW" altLang="en-US"/>
+          </a:p>
+        </p:txBody>
+      </p:sp>
+    </p:spTree>
+    <p:extLst>
+      <p:ext uri="{BB962C8B-B14F-4D97-AF65-F5344CB8AC3E}">
+        <p14:creationId xmlns:p14="http://schemas.microsoft.com/office/powerpoint/2010/main" val="3934449758"/>
+      </p:ext>
+    </p:extLst>
+  </p:cSld>
+  <p:clrMapOvr>
+    <a:masterClrMapping/>
+  </p:clrMapOvr>
+</p:notes>
+</file>
+
+<file path=ppt/notesSlides/notesSlide29.xml><?xml version="1.0" encoding="utf-8"?>
+<p:notes xmlns:a="http://schemas.openxmlformats.org/drawingml/2006/main" xmlns:r="http://schemas.openxmlformats.org/officeDocument/2006/relationships" xmlns:p="http://schemas.openxmlformats.org/presentationml/2006/main">
+  <p:cSld>
+    <p:spTree>
+      <p:nvGrpSpPr>
+        <p:cNvPr id="1" name=""/>
+        <p:cNvGrpSpPr/>
+        <p:nvPr/>
+      </p:nvGrpSpPr>
+      <p:grpSpPr>
+        <a:xfrm>
+          <a:off x="0" y="0"/>
+          <a:ext cx="0" cy="0"/>
+          <a:chOff x="0" y="0"/>
+          <a:chExt cx="0" cy="0"/>
+        </a:xfrm>
+      </p:grpSpPr>
+      <p:sp>
+        <p:nvSpPr>
+          <p:cNvPr id="2" name="投影片影像版面配置區 1"/>
+          <p:cNvSpPr>
+            <a:spLocks noGrp="1" noRot="1" noChangeAspect="1"/>
+          </p:cNvSpPr>
+          <p:nvPr>
+            <p:ph type="sldImg"/>
+          </p:nvPr>
+        </p:nvSpPr>
+        <p:spPr/>
+      </p:sp>
+      <p:sp>
+        <p:nvSpPr>
+          <p:cNvPr id="3" name="備忘稿版面配置區 2"/>
+          <p:cNvSpPr>
+            <a:spLocks noGrp="1"/>
+          </p:cNvSpPr>
+          <p:nvPr>
+            <p:ph type="body" idx="1"/>
+          </p:nvPr>
+        </p:nvSpPr>
+        <p:spPr/>
+        <p:txBody>
+          <a:bodyPr/>
+          <a:lstStyle/>
+          <a:p>
+            <a:r>
+              <a:rPr lang="zh-TW" altLang="en-US" dirty="0"/>
+              <a:t>圖例建議擺上面</a:t>
+            </a:r>
+            <a:endParaRPr lang="en-US" altLang="zh-TW" dirty="0"/>
+          </a:p>
+          <a:p>
+            <a:r>
+              <a:rPr lang="zh-TW" altLang="en-US" dirty="0"/>
+              <a:t>科學符號讚</a:t>
+            </a:r>
+            <a:endParaRPr lang="en-US" altLang="zh-TW" dirty="0"/>
+          </a:p>
+          <a:p>
+            <a:endParaRPr lang="zh-TW" altLang="en-US" dirty="0"/>
+          </a:p>
+        </p:txBody>
+      </p:sp>
+      <p:sp>
+        <p:nvSpPr>
+          <p:cNvPr id="4" name="投影片編號版面配置區 3"/>
+          <p:cNvSpPr>
+            <a:spLocks noGrp="1"/>
+          </p:cNvSpPr>
+          <p:nvPr>
+            <p:ph type="sldNum" sz="quarter" idx="5"/>
+          </p:nvPr>
+        </p:nvSpPr>
+        <p:spPr/>
+        <p:txBody>
+          <a:bodyPr/>
+          <a:lstStyle/>
+          <a:p>
+            <a:fld id="{C7BDBA1A-AC7B-45DC-A751-2B0A9550FCA9}" type="slidenum">
+              <a:rPr lang="zh-TW" altLang="en-US" smtClean="0"/>
+              <a:pPr/>
+              <a:t>50</a:t>
+            </a:fld>
+            <a:endParaRPr lang="zh-TW" altLang="en-US"/>
+          </a:p>
+        </p:txBody>
+      </p:sp>
+    </p:spTree>
+    <p:extLst>
+      <p:ext uri="{BB962C8B-B14F-4D97-AF65-F5344CB8AC3E}">
+        <p14:creationId xmlns:p14="http://schemas.microsoft.com/office/powerpoint/2010/main" val="2181432368"/>
       </p:ext>
     </p:extLst>
   </p:cSld>
@@ -4587,6 +5140,393 @@
     <p:extLst>
       <p:ext uri="{BB962C8B-B14F-4D97-AF65-F5344CB8AC3E}">
         <p14:creationId xmlns:p14="http://schemas.microsoft.com/office/powerpoint/2010/main" val="4019784221"/>
+      </p:ext>
+    </p:extLst>
+  </p:cSld>
+  <p:clrMapOvr>
+    <a:masterClrMapping/>
+  </p:clrMapOvr>
+</p:notes>
+</file>
+
+<file path=ppt/notesSlides/notesSlide30.xml><?xml version="1.0" encoding="utf-8"?>
+<p:notes xmlns:a="http://schemas.openxmlformats.org/drawingml/2006/main" xmlns:r="http://schemas.openxmlformats.org/officeDocument/2006/relationships" xmlns:p="http://schemas.openxmlformats.org/presentationml/2006/main">
+  <p:cSld>
+    <p:spTree>
+      <p:nvGrpSpPr>
+        <p:cNvPr id="1" name=""/>
+        <p:cNvGrpSpPr/>
+        <p:nvPr/>
+      </p:nvGrpSpPr>
+      <p:grpSpPr>
+        <a:xfrm>
+          <a:off x="0" y="0"/>
+          <a:ext cx="0" cy="0"/>
+          <a:chOff x="0" y="0"/>
+          <a:chExt cx="0" cy="0"/>
+        </a:xfrm>
+      </p:grpSpPr>
+      <p:sp>
+        <p:nvSpPr>
+          <p:cNvPr id="2" name="投影片影像版面配置區 1"/>
+          <p:cNvSpPr>
+            <a:spLocks noGrp="1" noRot="1" noChangeAspect="1"/>
+          </p:cNvSpPr>
+          <p:nvPr>
+            <p:ph type="sldImg"/>
+          </p:nvPr>
+        </p:nvSpPr>
+        <p:spPr/>
+      </p:sp>
+      <p:sp>
+        <p:nvSpPr>
+          <p:cNvPr id="3" name="備忘稿版面配置區 2"/>
+          <p:cNvSpPr>
+            <a:spLocks noGrp="1"/>
+          </p:cNvSpPr>
+          <p:nvPr>
+            <p:ph type="body" idx="1"/>
+          </p:nvPr>
+        </p:nvSpPr>
+        <p:spPr/>
+        <p:txBody>
+          <a:bodyPr/>
+          <a:lstStyle/>
+          <a:p>
+            <a:r>
+              <a:rPr lang="zh-TW" altLang="en-US" dirty="0"/>
+              <a:t>這張圖是真的在期刊發表而且是非常好的期刊 是老師畫的</a:t>
+            </a:r>
+            <a:endParaRPr lang="en-US" altLang="zh-TW" dirty="0"/>
+          </a:p>
+          <a:p>
+            <a:r>
+              <a:rPr lang="zh-TW" altLang="en-US" dirty="0"/>
+              <a:t>每一個點代表有做實驗 這條線 是分析結果並非實驗結果</a:t>
+            </a:r>
+            <a:endParaRPr lang="en-US" altLang="zh-TW" dirty="0"/>
+          </a:p>
+          <a:p>
+            <a:r>
+              <a:rPr lang="zh-TW" altLang="en-US" dirty="0"/>
+              <a:t>這個東西不是折線圖 是為了驗證分析和結果的相似性 已表示分析的很準確</a:t>
+            </a:r>
+            <a:endParaRPr lang="en-US" altLang="zh-TW" dirty="0"/>
+          </a:p>
+          <a:p>
+            <a:r>
+              <a:rPr lang="zh-TW" altLang="en-US" dirty="0"/>
+              <a:t>圖本身沒問題</a:t>
+            </a:r>
+          </a:p>
+        </p:txBody>
+      </p:sp>
+      <p:sp>
+        <p:nvSpPr>
+          <p:cNvPr id="4" name="投影片編號版面配置區 3"/>
+          <p:cNvSpPr>
+            <a:spLocks noGrp="1"/>
+          </p:cNvSpPr>
+          <p:nvPr>
+            <p:ph type="sldNum" sz="quarter" idx="5"/>
+          </p:nvPr>
+        </p:nvSpPr>
+        <p:spPr/>
+        <p:txBody>
+          <a:bodyPr/>
+          <a:lstStyle/>
+          <a:p>
+            <a:fld id="{C7BDBA1A-AC7B-45DC-A751-2B0A9550FCA9}" type="slidenum">
+              <a:rPr lang="zh-TW" altLang="en-US" smtClean="0"/>
+              <a:pPr/>
+              <a:t>51</a:t>
+            </a:fld>
+            <a:endParaRPr lang="zh-TW" altLang="en-US"/>
+          </a:p>
+        </p:txBody>
+      </p:sp>
+    </p:spTree>
+    <p:extLst>
+      <p:ext uri="{BB962C8B-B14F-4D97-AF65-F5344CB8AC3E}">
+        <p14:creationId xmlns:p14="http://schemas.microsoft.com/office/powerpoint/2010/main" val="195563013"/>
+      </p:ext>
+    </p:extLst>
+  </p:cSld>
+  <p:clrMapOvr>
+    <a:masterClrMapping/>
+  </p:clrMapOvr>
+</p:notes>
+</file>
+
+<file path=ppt/notesSlides/notesSlide31.xml><?xml version="1.0" encoding="utf-8"?>
+<p:notes xmlns:a="http://schemas.openxmlformats.org/drawingml/2006/main" xmlns:r="http://schemas.openxmlformats.org/officeDocument/2006/relationships" xmlns:p="http://schemas.openxmlformats.org/presentationml/2006/main">
+  <p:cSld>
+    <p:spTree>
+      <p:nvGrpSpPr>
+        <p:cNvPr id="1" name=""/>
+        <p:cNvGrpSpPr/>
+        <p:nvPr/>
+      </p:nvGrpSpPr>
+      <p:grpSpPr>
+        <a:xfrm>
+          <a:off x="0" y="0"/>
+          <a:ext cx="0" cy="0"/>
+          <a:chOff x="0" y="0"/>
+          <a:chExt cx="0" cy="0"/>
+        </a:xfrm>
+      </p:grpSpPr>
+      <p:sp>
+        <p:nvSpPr>
+          <p:cNvPr id="2" name="投影片影像版面配置區 1"/>
+          <p:cNvSpPr>
+            <a:spLocks noGrp="1" noRot="1" noChangeAspect="1"/>
+          </p:cNvSpPr>
+          <p:nvPr>
+            <p:ph type="sldImg"/>
+          </p:nvPr>
+        </p:nvSpPr>
+        <p:spPr/>
+      </p:sp>
+      <p:sp>
+        <p:nvSpPr>
+          <p:cNvPr id="3" name="備忘稿版面配置區 2"/>
+          <p:cNvSpPr>
+            <a:spLocks noGrp="1"/>
+          </p:cNvSpPr>
+          <p:nvPr>
+            <p:ph type="body" idx="1"/>
+          </p:nvPr>
+        </p:nvSpPr>
+        <p:spPr/>
+        <p:txBody>
+          <a:bodyPr/>
+          <a:lstStyle/>
+          <a:p>
+            <a:pPr marL="0" marR="0" lvl="0" indent="0" algn="l" defTabSz="914400" rtl="0" eaLnBrk="1" fontAlgn="auto" latinLnBrk="0" hangingPunct="1">
+              <a:lnSpc>
+                <a:spcPct val="100000"/>
+              </a:lnSpc>
+              <a:spcBef>
+                <a:spcPts val="0"/>
+              </a:spcBef>
+              <a:spcAft>
+                <a:spcPts val="0"/>
+              </a:spcAft>
+              <a:buClrTx/>
+              <a:buSzTx/>
+              <a:buFontTx/>
+              <a:buNone/>
+              <a:tabLst/>
+              <a:defRPr/>
+            </a:pPr>
+            <a:r>
+              <a:rPr lang="zh-TW" altLang="en-US" dirty="0"/>
+              <a:t>把圖分兩辦可以上下兩種單位區間</a:t>
+            </a:r>
+          </a:p>
+          <a:p>
+            <a:endParaRPr lang="zh-TW" altLang="en-US" dirty="0"/>
+          </a:p>
+        </p:txBody>
+      </p:sp>
+      <p:sp>
+        <p:nvSpPr>
+          <p:cNvPr id="4" name="投影片編號版面配置區 3"/>
+          <p:cNvSpPr>
+            <a:spLocks noGrp="1"/>
+          </p:cNvSpPr>
+          <p:nvPr>
+            <p:ph type="sldNum" sz="quarter" idx="5"/>
+          </p:nvPr>
+        </p:nvSpPr>
+        <p:spPr/>
+        <p:txBody>
+          <a:bodyPr/>
+          <a:lstStyle/>
+          <a:p>
+            <a:fld id="{C7BDBA1A-AC7B-45DC-A751-2B0A9550FCA9}" type="slidenum">
+              <a:rPr lang="zh-TW" altLang="en-US" smtClean="0"/>
+              <a:pPr/>
+              <a:t>53</a:t>
+            </a:fld>
+            <a:endParaRPr lang="zh-TW" altLang="en-US"/>
+          </a:p>
+        </p:txBody>
+      </p:sp>
+    </p:spTree>
+    <p:extLst>
+      <p:ext uri="{BB962C8B-B14F-4D97-AF65-F5344CB8AC3E}">
+        <p14:creationId xmlns:p14="http://schemas.microsoft.com/office/powerpoint/2010/main" val="4216945694"/>
+      </p:ext>
+    </p:extLst>
+  </p:cSld>
+  <p:clrMapOvr>
+    <a:masterClrMapping/>
+  </p:clrMapOvr>
+</p:notes>
+</file>
+
+<file path=ppt/notesSlides/notesSlide32.xml><?xml version="1.0" encoding="utf-8"?>
+<p:notes xmlns:a="http://schemas.openxmlformats.org/drawingml/2006/main" xmlns:r="http://schemas.openxmlformats.org/officeDocument/2006/relationships" xmlns:p="http://schemas.openxmlformats.org/presentationml/2006/main">
+  <p:cSld>
+    <p:spTree>
+      <p:nvGrpSpPr>
+        <p:cNvPr id="1" name=""/>
+        <p:cNvGrpSpPr/>
+        <p:nvPr/>
+      </p:nvGrpSpPr>
+      <p:grpSpPr>
+        <a:xfrm>
+          <a:off x="0" y="0"/>
+          <a:ext cx="0" cy="0"/>
+          <a:chOff x="0" y="0"/>
+          <a:chExt cx="0" cy="0"/>
+        </a:xfrm>
+      </p:grpSpPr>
+      <p:sp>
+        <p:nvSpPr>
+          <p:cNvPr id="2" name="投影片影像版面配置區 1"/>
+          <p:cNvSpPr>
+            <a:spLocks noGrp="1" noRot="1" noChangeAspect="1"/>
+          </p:cNvSpPr>
+          <p:nvPr>
+            <p:ph type="sldImg"/>
+          </p:nvPr>
+        </p:nvSpPr>
+        <p:spPr/>
+      </p:sp>
+      <p:sp>
+        <p:nvSpPr>
+          <p:cNvPr id="3" name="備忘稿版面配置區 2"/>
+          <p:cNvSpPr>
+            <a:spLocks noGrp="1"/>
+          </p:cNvSpPr>
+          <p:nvPr>
+            <p:ph type="body" idx="1"/>
+          </p:nvPr>
+        </p:nvSpPr>
+        <p:spPr/>
+        <p:txBody>
+          <a:bodyPr/>
+          <a:lstStyle/>
+          <a:p>
+            <a:endParaRPr lang="zh-TW" altLang="en-US" dirty="0"/>
+          </a:p>
+        </p:txBody>
+      </p:sp>
+      <p:sp>
+        <p:nvSpPr>
+          <p:cNvPr id="4" name="投影片編號版面配置區 3"/>
+          <p:cNvSpPr>
+            <a:spLocks noGrp="1"/>
+          </p:cNvSpPr>
+          <p:nvPr>
+            <p:ph type="sldNum" sz="quarter" idx="5"/>
+          </p:nvPr>
+        </p:nvSpPr>
+        <p:spPr/>
+        <p:txBody>
+          <a:bodyPr/>
+          <a:lstStyle/>
+          <a:p>
+            <a:fld id="{C7BDBA1A-AC7B-45DC-A751-2B0A9550FCA9}" type="slidenum">
+              <a:rPr lang="zh-TW" altLang="en-US" smtClean="0"/>
+              <a:pPr/>
+              <a:t>55</a:t>
+            </a:fld>
+            <a:endParaRPr lang="zh-TW" altLang="en-US"/>
+          </a:p>
+        </p:txBody>
+      </p:sp>
+    </p:spTree>
+    <p:extLst>
+      <p:ext uri="{BB962C8B-B14F-4D97-AF65-F5344CB8AC3E}">
+        <p14:creationId xmlns:p14="http://schemas.microsoft.com/office/powerpoint/2010/main" val="849675344"/>
+      </p:ext>
+    </p:extLst>
+  </p:cSld>
+  <p:clrMapOvr>
+    <a:masterClrMapping/>
+  </p:clrMapOvr>
+</p:notes>
+</file>
+
+<file path=ppt/notesSlides/notesSlide33.xml><?xml version="1.0" encoding="utf-8"?>
+<p:notes xmlns:a="http://schemas.openxmlformats.org/drawingml/2006/main" xmlns:r="http://schemas.openxmlformats.org/officeDocument/2006/relationships" xmlns:p="http://schemas.openxmlformats.org/presentationml/2006/main">
+  <p:cSld>
+    <p:spTree>
+      <p:nvGrpSpPr>
+        <p:cNvPr id="1" name=""/>
+        <p:cNvGrpSpPr/>
+        <p:nvPr/>
+      </p:nvGrpSpPr>
+      <p:grpSpPr>
+        <a:xfrm>
+          <a:off x="0" y="0"/>
+          <a:ext cx="0" cy="0"/>
+          <a:chOff x="0" y="0"/>
+          <a:chExt cx="0" cy="0"/>
+        </a:xfrm>
+      </p:grpSpPr>
+      <p:sp>
+        <p:nvSpPr>
+          <p:cNvPr id="2" name="投影片影像版面配置區 1"/>
+          <p:cNvSpPr>
+            <a:spLocks noGrp="1" noRot="1" noChangeAspect="1"/>
+          </p:cNvSpPr>
+          <p:nvPr>
+            <p:ph type="sldImg"/>
+          </p:nvPr>
+        </p:nvSpPr>
+        <p:spPr/>
+      </p:sp>
+      <p:sp>
+        <p:nvSpPr>
+          <p:cNvPr id="3" name="備忘稿版面配置區 2"/>
+          <p:cNvSpPr>
+            <a:spLocks noGrp="1"/>
+          </p:cNvSpPr>
+          <p:nvPr>
+            <p:ph type="body" idx="1"/>
+          </p:nvPr>
+        </p:nvSpPr>
+        <p:spPr/>
+        <p:txBody>
+          <a:bodyPr/>
+          <a:lstStyle/>
+          <a:p>
+            <a:endParaRPr lang="zh-TW" altLang="en-US" dirty="0"/>
+          </a:p>
+        </p:txBody>
+      </p:sp>
+      <p:sp>
+        <p:nvSpPr>
+          <p:cNvPr id="4" name="投影片編號版面配置區 3"/>
+          <p:cNvSpPr>
+            <a:spLocks noGrp="1"/>
+          </p:cNvSpPr>
+          <p:nvPr>
+            <p:ph type="sldNum" sz="quarter" idx="5"/>
+          </p:nvPr>
+        </p:nvSpPr>
+        <p:spPr/>
+        <p:txBody>
+          <a:bodyPr/>
+          <a:lstStyle/>
+          <a:p>
+            <a:fld id="{C7BDBA1A-AC7B-45DC-A751-2B0A9550FCA9}" type="slidenum">
+              <a:rPr lang="zh-TW" altLang="en-US" smtClean="0"/>
+              <a:pPr/>
+              <a:t>58</a:t>
+            </a:fld>
+            <a:endParaRPr lang="zh-TW" altLang="en-US"/>
+          </a:p>
+        </p:txBody>
+      </p:sp>
+    </p:spTree>
+    <p:extLst>
+      <p:ext uri="{BB962C8B-B14F-4D97-AF65-F5344CB8AC3E}">
+        <p14:creationId xmlns:p14="http://schemas.microsoft.com/office/powerpoint/2010/main" val="3927376561"/>
       </p:ext>
     </p:extLst>
   </p:cSld>
@@ -10268,7 +11208,7 @@
             <a:fld id="{32049A66-0248-488C-ADBB-B0C7708A5BF5}" type="datetimeFigureOut">
               <a:rPr lang="zh-TW" altLang="en-US" smtClean="0"/>
               <a:pPr/>
-              <a:t>2023/10/26</a:t>
+              <a:t>2023/11/2</a:t>
             </a:fld>
             <a:endParaRPr lang="zh-TW" altLang="en-US"/>
           </a:p>
@@ -30665,6 +31605,83 @@
           </a:p>
         </p:txBody>
       </p:sp>
+      <p:sp>
+        <p:nvSpPr>
+          <p:cNvPr id="2" name="矩形 1">
+            <a:extLst>
+              <a:ext uri="{FF2B5EF4-FFF2-40B4-BE49-F238E27FC236}">
+                <a16:creationId xmlns:a16="http://schemas.microsoft.com/office/drawing/2014/main" id="{1B38D0F3-5C55-5BDE-45D9-0E0542AE5DF9}"/>
+              </a:ext>
+            </a:extLst>
+          </p:cNvPr>
+          <p:cNvSpPr/>
+          <p:nvPr/>
+        </p:nvSpPr>
+        <p:spPr bwMode="auto">
+          <a:xfrm>
+            <a:off x="5836924" y="5338868"/>
+            <a:ext cx="3236738" cy="486928"/>
+          </a:xfrm>
+          <a:prstGeom prst="rect">
+            <a:avLst/>
+          </a:prstGeom>
+          <a:noFill/>
+          <a:ln w="57150">
+            <a:headEnd type="none" w="med" len="med"/>
+            <a:tailEnd type="none" w="med" len="med"/>
+          </a:ln>
+        </p:spPr>
+        <p:style>
+          <a:lnRef idx="2">
+            <a:schemeClr val="accent5"/>
+          </a:lnRef>
+          <a:fillRef idx="1">
+            <a:schemeClr val="lt1"/>
+          </a:fillRef>
+          <a:effectRef idx="0">
+            <a:schemeClr val="accent5"/>
+          </a:effectRef>
+          <a:fontRef idx="minor">
+            <a:schemeClr val="dk1"/>
+          </a:fontRef>
+        </p:style>
+        <p:txBody>
+          <a:bodyPr vert="horz" wrap="square" lIns="91440" tIns="45720" rIns="91440" bIns="45720" numCol="1" rtlCol="0" anchor="t" anchorCtr="0" compatLnSpc="1">
+            <a:prstTxWarp prst="textNoShape">
+              <a:avLst/>
+            </a:prstTxWarp>
+          </a:bodyPr>
+          <a:lstStyle/>
+          <a:p>
+            <a:pPr marL="0" marR="0" indent="0" algn="l" defTabSz="914400" rtl="0" eaLnBrk="0" fontAlgn="base" latinLnBrk="0" hangingPunct="0">
+              <a:lnSpc>
+                <a:spcPct val="100000"/>
+              </a:lnSpc>
+              <a:spcBef>
+                <a:spcPct val="0"/>
+              </a:spcBef>
+              <a:spcAft>
+                <a:spcPct val="0"/>
+              </a:spcAft>
+              <a:buClrTx/>
+              <a:buSzTx/>
+              <a:buFontTx/>
+              <a:buNone/>
+              <a:tabLst/>
+            </a:pPr>
+            <a:endParaRPr kumimoji="0" lang="zh-TW" altLang="en-US" sz="2400" b="0" i="0" u="none" strike="noStrike" cap="none" normalizeH="0" baseline="0">
+              <a:ln>
+                <a:noFill/>
+              </a:ln>
+              <a:solidFill>
+                <a:schemeClr val="tx1"/>
+              </a:solidFill>
+              <a:effectLst/>
+              <a:latin typeface="Arial" charset="0"/>
+            </a:endParaRPr>
+          </a:p>
+        </p:txBody>
+      </p:sp>
     </p:spTree>
     <p:extLst>
       <p:ext uri="{BB962C8B-B14F-4D97-AF65-F5344CB8AC3E}">
@@ -30836,7 +31853,7 @@
           <p:nvPr/>
         </p:nvPicPr>
         <p:blipFill>
-          <a:blip r:embed="rId2" cstate="print">
+          <a:blip r:embed="rId3" cstate="print">
             <a:extLst>
               <a:ext uri="{28A0092B-C50C-407E-A947-70E740481C1C}">
                 <a14:useLocalDpi xmlns:a14="http://schemas.microsoft.com/office/drawing/2010/main" val="0"/>
@@ -30859,6 +31876,144 @@
           <a:noFill/>
         </p:spPr>
       </p:pic>
+      <p:sp>
+        <p:nvSpPr>
+          <p:cNvPr id="2" name="矩形 1">
+            <a:extLst>
+              <a:ext uri="{FF2B5EF4-FFF2-40B4-BE49-F238E27FC236}">
+                <a16:creationId xmlns:a16="http://schemas.microsoft.com/office/drawing/2014/main" id="{DB580D3B-3068-9598-4853-D1A9A77EB896}"/>
+              </a:ext>
+            </a:extLst>
+          </p:cNvPr>
+          <p:cNvSpPr/>
+          <p:nvPr/>
+        </p:nvSpPr>
+        <p:spPr bwMode="auto">
+          <a:xfrm rot="16200000">
+            <a:off x="7106554" y="2865864"/>
+            <a:ext cx="4393580" cy="735980"/>
+          </a:xfrm>
+          <a:prstGeom prst="rect">
+            <a:avLst/>
+          </a:prstGeom>
+          <a:noFill/>
+          <a:ln w="19050" cap="flat" cmpd="sng" algn="ctr">
+            <a:solidFill>
+              <a:srgbClr val="FF0000"/>
+            </a:solidFill>
+            <a:prstDash val="solid"/>
+            <a:round/>
+            <a:headEnd type="none" w="med" len="med"/>
+            <a:tailEnd type="none" w="med" len="med"/>
+          </a:ln>
+          <a:effectLst/>
+        </p:spPr>
+        <p:txBody>
+          <a:bodyPr vert="horz" wrap="square" lIns="91440" tIns="45720" rIns="91440" bIns="45720" numCol="1" rtlCol="0" anchor="t" anchorCtr="0" compatLnSpc="1">
+            <a:prstTxWarp prst="textNoShape">
+              <a:avLst/>
+            </a:prstTxWarp>
+          </a:bodyPr>
+          <a:lstStyle/>
+          <a:p>
+            <a:pPr marL="0" marR="0" indent="0" algn="l" defTabSz="914400" rtl="0" eaLnBrk="0" fontAlgn="base" latinLnBrk="0" hangingPunct="0">
+              <a:lnSpc>
+                <a:spcPct val="100000"/>
+              </a:lnSpc>
+              <a:spcBef>
+                <a:spcPct val="0"/>
+              </a:spcBef>
+              <a:spcAft>
+                <a:spcPct val="0"/>
+              </a:spcAft>
+              <a:buClrTx/>
+              <a:buSzTx/>
+              <a:buFontTx/>
+              <a:buNone/>
+              <a:tabLst/>
+            </a:pPr>
+            <a:endParaRPr kumimoji="0" lang="zh-TW" altLang="en-US" sz="2400" b="0" i="0" u="none" strike="noStrike" cap="none" normalizeH="0" baseline="0">
+              <a:ln>
+                <a:noFill/>
+              </a:ln>
+              <a:solidFill>
+                <a:schemeClr val="tx1"/>
+              </a:solidFill>
+              <a:effectLst/>
+              <a:latin typeface="Arial" charset="0"/>
+            </a:endParaRPr>
+          </a:p>
+        </p:txBody>
+      </p:sp>
+      <p:sp>
+        <p:nvSpPr>
+          <p:cNvPr id="3" name="矩形 2">
+            <a:extLst>
+              <a:ext uri="{FF2B5EF4-FFF2-40B4-BE49-F238E27FC236}">
+                <a16:creationId xmlns:a16="http://schemas.microsoft.com/office/drawing/2014/main" id="{E30673DA-13EE-2509-08FE-58C8CB61D762}"/>
+              </a:ext>
+            </a:extLst>
+          </p:cNvPr>
+          <p:cNvSpPr/>
+          <p:nvPr/>
+        </p:nvSpPr>
+        <p:spPr bwMode="auto">
+          <a:xfrm>
+            <a:off x="3443000" y="3233854"/>
+            <a:ext cx="3925230" cy="1839950"/>
+          </a:xfrm>
+          <a:prstGeom prst="rect">
+            <a:avLst/>
+          </a:prstGeom>
+          <a:noFill/>
+          <a:ln w="19050" cap="flat" cmpd="sng" algn="ctr">
+            <a:solidFill>
+              <a:srgbClr val="FF0000"/>
+            </a:solidFill>
+            <a:prstDash val="solid"/>
+            <a:round/>
+            <a:headEnd type="none" w="med" len="med"/>
+            <a:tailEnd type="none" w="med" len="med"/>
+          </a:ln>
+          <a:effectLst/>
+        </p:spPr>
+        <p:txBody>
+          <a:bodyPr vert="horz" wrap="square" lIns="91440" tIns="45720" rIns="91440" bIns="45720" numCol="1" rtlCol="0" anchor="t" anchorCtr="0" compatLnSpc="1">
+            <a:prstTxWarp prst="textNoShape">
+              <a:avLst/>
+            </a:prstTxWarp>
+          </a:bodyPr>
+          <a:lstStyle/>
+          <a:p>
+            <a:pPr marL="0" marR="0" indent="0" algn="l" defTabSz="914400" rtl="0" eaLnBrk="0" fontAlgn="base" latinLnBrk="0" hangingPunct="0">
+              <a:lnSpc>
+                <a:spcPct val="100000"/>
+              </a:lnSpc>
+              <a:spcBef>
+                <a:spcPct val="0"/>
+              </a:spcBef>
+              <a:spcAft>
+                <a:spcPct val="0"/>
+              </a:spcAft>
+              <a:buClrTx/>
+              <a:buSzTx/>
+              <a:buFontTx/>
+              <a:buNone/>
+              <a:tabLst/>
+            </a:pPr>
+            <a:endParaRPr kumimoji="0" lang="zh-TW" altLang="en-US" sz="2400" b="0" i="0" u="none" strike="noStrike" cap="none" normalizeH="0" baseline="0">
+              <a:ln>
+                <a:noFill/>
+              </a:ln>
+              <a:solidFill>
+                <a:schemeClr val="tx1"/>
+              </a:solidFill>
+              <a:effectLst/>
+              <a:latin typeface="Arial" charset="0"/>
+            </a:endParaRPr>
+          </a:p>
+        </p:txBody>
+      </p:sp>
     </p:spTree>
     <p:extLst>
       <p:ext uri="{BB962C8B-B14F-4D97-AF65-F5344CB8AC3E}">
@@ -30928,7 +32083,7 @@
           <p:nvPr/>
         </p:nvPicPr>
         <p:blipFill>
-          <a:blip r:embed="rId2" cstate="print">
+          <a:blip r:embed="rId3" cstate="print">
             <a:extLst>
               <a:ext uri="{28A0092B-C50C-407E-A947-70E740481C1C}">
                 <a14:useLocalDpi xmlns:a14="http://schemas.microsoft.com/office/drawing/2010/main" val="0"/>
@@ -30958,7 +32113,7 @@
           <p:nvPr/>
         </p:nvPicPr>
         <p:blipFill>
-          <a:blip r:embed="rId3" cstate="print">
+          <a:blip r:embed="rId4" cstate="print">
             <a:extLst>
               <a:ext uri="{28A0092B-C50C-407E-A947-70E740481C1C}">
                 <a14:useLocalDpi xmlns:a14="http://schemas.microsoft.com/office/drawing/2010/main" val="0"/>
@@ -30979,6 +32134,420 @@
           </a:prstGeom>
         </p:spPr>
       </p:pic>
+      <p:sp>
+        <p:nvSpPr>
+          <p:cNvPr id="2" name="矩形 1">
+            <a:extLst>
+              <a:ext uri="{FF2B5EF4-FFF2-40B4-BE49-F238E27FC236}">
+                <a16:creationId xmlns:a16="http://schemas.microsoft.com/office/drawing/2014/main" id="{438EA990-A6A9-0EB5-A816-6DE34160AF3E}"/>
+              </a:ext>
+            </a:extLst>
+          </p:cNvPr>
+          <p:cNvSpPr/>
+          <p:nvPr/>
+        </p:nvSpPr>
+        <p:spPr bwMode="auto">
+          <a:xfrm>
+            <a:off x="903248" y="1616928"/>
+            <a:ext cx="1393902" cy="735980"/>
+          </a:xfrm>
+          <a:prstGeom prst="rect">
+            <a:avLst/>
+          </a:prstGeom>
+          <a:noFill/>
+          <a:ln w="19050" cap="flat" cmpd="sng" algn="ctr">
+            <a:solidFill>
+              <a:srgbClr val="FF0000"/>
+            </a:solidFill>
+            <a:prstDash val="solid"/>
+            <a:round/>
+            <a:headEnd type="none" w="med" len="med"/>
+            <a:tailEnd type="none" w="med" len="med"/>
+          </a:ln>
+          <a:effectLst/>
+        </p:spPr>
+        <p:txBody>
+          <a:bodyPr vert="horz" wrap="square" lIns="91440" tIns="45720" rIns="91440" bIns="45720" numCol="1" rtlCol="0" anchor="t" anchorCtr="0" compatLnSpc="1">
+            <a:prstTxWarp prst="textNoShape">
+              <a:avLst/>
+            </a:prstTxWarp>
+          </a:bodyPr>
+          <a:lstStyle/>
+          <a:p>
+            <a:pPr marL="0" marR="0" indent="0" algn="l" defTabSz="914400" rtl="0" eaLnBrk="0" fontAlgn="base" latinLnBrk="0" hangingPunct="0">
+              <a:lnSpc>
+                <a:spcPct val="100000"/>
+              </a:lnSpc>
+              <a:spcBef>
+                <a:spcPct val="0"/>
+              </a:spcBef>
+              <a:spcAft>
+                <a:spcPct val="0"/>
+              </a:spcAft>
+              <a:buClrTx/>
+              <a:buSzTx/>
+              <a:buFontTx/>
+              <a:buNone/>
+              <a:tabLst/>
+            </a:pPr>
+            <a:endParaRPr kumimoji="0" lang="zh-TW" altLang="en-US" sz="2400" b="0" i="0" u="none" strike="noStrike" cap="none" normalizeH="0" baseline="0">
+              <a:ln>
+                <a:noFill/>
+              </a:ln>
+              <a:solidFill>
+                <a:schemeClr val="tx1"/>
+              </a:solidFill>
+              <a:effectLst/>
+              <a:latin typeface="Arial" charset="0"/>
+            </a:endParaRPr>
+          </a:p>
+        </p:txBody>
+      </p:sp>
+      <p:sp>
+        <p:nvSpPr>
+          <p:cNvPr id="3" name="矩形 2">
+            <a:extLst>
+              <a:ext uri="{FF2B5EF4-FFF2-40B4-BE49-F238E27FC236}">
+                <a16:creationId xmlns:a16="http://schemas.microsoft.com/office/drawing/2014/main" id="{08AB24C8-3A91-FDD6-661C-65EDB6E360D8}"/>
+              </a:ext>
+            </a:extLst>
+          </p:cNvPr>
+          <p:cNvSpPr/>
+          <p:nvPr/>
+        </p:nvSpPr>
+        <p:spPr bwMode="auto">
+          <a:xfrm>
+            <a:off x="7663038" y="1616928"/>
+            <a:ext cx="1393902" cy="735980"/>
+          </a:xfrm>
+          <a:prstGeom prst="rect">
+            <a:avLst/>
+          </a:prstGeom>
+          <a:noFill/>
+          <a:ln w="19050" cap="flat" cmpd="sng" algn="ctr">
+            <a:solidFill>
+              <a:srgbClr val="FF0000"/>
+            </a:solidFill>
+            <a:prstDash val="solid"/>
+            <a:round/>
+            <a:headEnd type="none" w="med" len="med"/>
+            <a:tailEnd type="none" w="med" len="med"/>
+          </a:ln>
+          <a:effectLst/>
+        </p:spPr>
+        <p:txBody>
+          <a:bodyPr vert="horz" wrap="square" lIns="91440" tIns="45720" rIns="91440" bIns="45720" numCol="1" rtlCol="0" anchor="t" anchorCtr="0" compatLnSpc="1">
+            <a:prstTxWarp prst="textNoShape">
+              <a:avLst/>
+            </a:prstTxWarp>
+          </a:bodyPr>
+          <a:lstStyle/>
+          <a:p>
+            <a:pPr marL="0" marR="0" indent="0" algn="l" defTabSz="914400" rtl="0" eaLnBrk="0" fontAlgn="base" latinLnBrk="0" hangingPunct="0">
+              <a:lnSpc>
+                <a:spcPct val="100000"/>
+              </a:lnSpc>
+              <a:spcBef>
+                <a:spcPct val="0"/>
+              </a:spcBef>
+              <a:spcAft>
+                <a:spcPct val="0"/>
+              </a:spcAft>
+              <a:buClrTx/>
+              <a:buSzTx/>
+              <a:buFontTx/>
+              <a:buNone/>
+              <a:tabLst/>
+            </a:pPr>
+            <a:endParaRPr kumimoji="0" lang="zh-TW" altLang="en-US" sz="2400" b="0" i="0" u="none" strike="noStrike" cap="none" normalizeH="0" baseline="0">
+              <a:ln>
+                <a:noFill/>
+              </a:ln>
+              <a:solidFill>
+                <a:schemeClr val="tx1"/>
+              </a:solidFill>
+              <a:effectLst/>
+              <a:latin typeface="Arial" charset="0"/>
+            </a:endParaRPr>
+          </a:p>
+        </p:txBody>
+      </p:sp>
+      <p:sp>
+        <p:nvSpPr>
+          <p:cNvPr id="6" name="矩形 5">
+            <a:extLst>
+              <a:ext uri="{FF2B5EF4-FFF2-40B4-BE49-F238E27FC236}">
+                <a16:creationId xmlns:a16="http://schemas.microsoft.com/office/drawing/2014/main" id="{56F094B7-B43C-37D3-092C-993F443646BE}"/>
+              </a:ext>
+            </a:extLst>
+          </p:cNvPr>
+          <p:cNvSpPr/>
+          <p:nvPr/>
+        </p:nvSpPr>
+        <p:spPr bwMode="auto">
+          <a:xfrm>
+            <a:off x="730112" y="4687283"/>
+            <a:ext cx="624469" cy="553789"/>
+          </a:xfrm>
+          <a:prstGeom prst="rect">
+            <a:avLst/>
+          </a:prstGeom>
+          <a:noFill/>
+          <a:ln w="19050" cap="flat" cmpd="sng" algn="ctr">
+            <a:solidFill>
+              <a:srgbClr val="FF0000"/>
+            </a:solidFill>
+            <a:prstDash val="solid"/>
+            <a:round/>
+            <a:headEnd type="none" w="med" len="med"/>
+            <a:tailEnd type="none" w="med" len="med"/>
+          </a:ln>
+          <a:effectLst/>
+        </p:spPr>
+        <p:txBody>
+          <a:bodyPr vert="horz" wrap="square" lIns="91440" tIns="45720" rIns="91440" bIns="45720" numCol="1" rtlCol="0" anchor="t" anchorCtr="0" compatLnSpc="1">
+            <a:prstTxWarp prst="textNoShape">
+              <a:avLst/>
+            </a:prstTxWarp>
+          </a:bodyPr>
+          <a:lstStyle/>
+          <a:p>
+            <a:pPr marL="0" marR="0" indent="0" algn="l" defTabSz="914400" rtl="0" eaLnBrk="0" fontAlgn="base" latinLnBrk="0" hangingPunct="0">
+              <a:lnSpc>
+                <a:spcPct val="100000"/>
+              </a:lnSpc>
+              <a:spcBef>
+                <a:spcPct val="0"/>
+              </a:spcBef>
+              <a:spcAft>
+                <a:spcPct val="0"/>
+              </a:spcAft>
+              <a:buClrTx/>
+              <a:buSzTx/>
+              <a:buFontTx/>
+              <a:buNone/>
+              <a:tabLst/>
+            </a:pPr>
+            <a:endParaRPr kumimoji="0" lang="zh-TW" altLang="en-US" sz="2400" b="0" i="0" u="none" strike="noStrike" cap="none" normalizeH="0" baseline="0">
+              <a:ln>
+                <a:noFill/>
+              </a:ln>
+              <a:solidFill>
+                <a:schemeClr val="tx1"/>
+              </a:solidFill>
+              <a:effectLst/>
+              <a:latin typeface="Arial" charset="0"/>
+            </a:endParaRPr>
+          </a:p>
+        </p:txBody>
+      </p:sp>
+      <p:sp>
+        <p:nvSpPr>
+          <p:cNvPr id="7" name="矩形 6">
+            <a:extLst>
+              <a:ext uri="{FF2B5EF4-FFF2-40B4-BE49-F238E27FC236}">
+                <a16:creationId xmlns:a16="http://schemas.microsoft.com/office/drawing/2014/main" id="{D502AB5F-B91A-6F94-25CB-3AC91C7A2F97}"/>
+              </a:ext>
+            </a:extLst>
+          </p:cNvPr>
+          <p:cNvSpPr/>
+          <p:nvPr/>
+        </p:nvSpPr>
+        <p:spPr bwMode="auto">
+          <a:xfrm>
+            <a:off x="4728117" y="4736187"/>
+            <a:ext cx="646771" cy="640850"/>
+          </a:xfrm>
+          <a:prstGeom prst="rect">
+            <a:avLst/>
+          </a:prstGeom>
+          <a:noFill/>
+          <a:ln w="19050" cap="flat" cmpd="sng" algn="ctr">
+            <a:solidFill>
+              <a:srgbClr val="FF0000"/>
+            </a:solidFill>
+            <a:prstDash val="solid"/>
+            <a:round/>
+            <a:headEnd type="none" w="med" len="med"/>
+            <a:tailEnd type="none" w="med" len="med"/>
+          </a:ln>
+          <a:effectLst/>
+        </p:spPr>
+        <p:txBody>
+          <a:bodyPr vert="horz" wrap="square" lIns="91440" tIns="45720" rIns="91440" bIns="45720" numCol="1" rtlCol="0" anchor="t" anchorCtr="0" compatLnSpc="1">
+            <a:prstTxWarp prst="textNoShape">
+              <a:avLst/>
+            </a:prstTxWarp>
+          </a:bodyPr>
+          <a:lstStyle/>
+          <a:p>
+            <a:pPr marL="0" marR="0" indent="0" algn="l" defTabSz="914400" rtl="0" eaLnBrk="0" fontAlgn="base" latinLnBrk="0" hangingPunct="0">
+              <a:lnSpc>
+                <a:spcPct val="100000"/>
+              </a:lnSpc>
+              <a:spcBef>
+                <a:spcPct val="0"/>
+              </a:spcBef>
+              <a:spcAft>
+                <a:spcPct val="0"/>
+              </a:spcAft>
+              <a:buClrTx/>
+              <a:buSzTx/>
+              <a:buFontTx/>
+              <a:buNone/>
+              <a:tabLst/>
+            </a:pPr>
+            <a:endParaRPr kumimoji="0" lang="zh-TW" altLang="en-US" sz="2400" b="0" i="0" u="none" strike="noStrike" cap="none" normalizeH="0" baseline="0">
+              <a:ln>
+                <a:noFill/>
+              </a:ln>
+              <a:solidFill>
+                <a:schemeClr val="tx1"/>
+              </a:solidFill>
+              <a:effectLst/>
+              <a:latin typeface="Arial" charset="0"/>
+            </a:endParaRPr>
+          </a:p>
+        </p:txBody>
+      </p:sp>
+      <p:sp>
+        <p:nvSpPr>
+          <p:cNvPr id="9" name="矩形 8">
+            <a:extLst>
+              <a:ext uri="{FF2B5EF4-FFF2-40B4-BE49-F238E27FC236}">
+                <a16:creationId xmlns:a16="http://schemas.microsoft.com/office/drawing/2014/main" id="{2445866B-092B-7003-DD34-7BA7D12BABE0}"/>
+              </a:ext>
+            </a:extLst>
+          </p:cNvPr>
+          <p:cNvSpPr/>
+          <p:nvPr/>
+        </p:nvSpPr>
+        <p:spPr bwMode="auto">
+          <a:xfrm>
+            <a:off x="3334215" y="3790455"/>
+            <a:ext cx="1393902" cy="735980"/>
+          </a:xfrm>
+          <a:prstGeom prst="rect">
+            <a:avLst/>
+          </a:prstGeom>
+          <a:noFill/>
+          <a:ln w="19050" cap="flat" cmpd="sng" algn="ctr">
+            <a:solidFill>
+              <a:srgbClr val="FF0000"/>
+            </a:solidFill>
+            <a:prstDash val="solid"/>
+            <a:round/>
+            <a:headEnd type="none" w="med" len="med"/>
+            <a:tailEnd type="none" w="med" len="med"/>
+          </a:ln>
+          <a:effectLst/>
+        </p:spPr>
+        <p:txBody>
+          <a:bodyPr vert="horz" wrap="square" lIns="91440" tIns="45720" rIns="91440" bIns="45720" numCol="1" rtlCol="0" anchor="t" anchorCtr="0" compatLnSpc="1">
+            <a:prstTxWarp prst="textNoShape">
+              <a:avLst/>
+            </a:prstTxWarp>
+          </a:bodyPr>
+          <a:lstStyle/>
+          <a:p>
+            <a:pPr marL="0" marR="0" indent="0" algn="l" defTabSz="914400" rtl="0" eaLnBrk="0" fontAlgn="base" latinLnBrk="0" hangingPunct="0">
+              <a:lnSpc>
+                <a:spcPct val="100000"/>
+              </a:lnSpc>
+              <a:spcBef>
+                <a:spcPct val="0"/>
+              </a:spcBef>
+              <a:spcAft>
+                <a:spcPct val="0"/>
+              </a:spcAft>
+              <a:buClrTx/>
+              <a:buSzTx/>
+              <a:buFontTx/>
+              <a:buNone/>
+              <a:tabLst/>
+            </a:pPr>
+            <a:endParaRPr kumimoji="0" lang="zh-TW" altLang="en-US" sz="2400" b="0" i="0" u="none" strike="noStrike" cap="none" normalizeH="0" baseline="0">
+              <a:ln>
+                <a:noFill/>
+              </a:ln>
+              <a:solidFill>
+                <a:schemeClr val="tx1"/>
+              </a:solidFill>
+              <a:effectLst/>
+              <a:latin typeface="Arial" charset="0"/>
+            </a:endParaRPr>
+          </a:p>
+        </p:txBody>
+      </p:sp>
+      <p:sp>
+        <p:nvSpPr>
+          <p:cNvPr id="10" name="矩形 9">
+            <a:extLst>
+              <a:ext uri="{FF2B5EF4-FFF2-40B4-BE49-F238E27FC236}">
+                <a16:creationId xmlns:a16="http://schemas.microsoft.com/office/drawing/2014/main" id="{A2E5A7E4-6DB9-8B5F-9502-2C2EFB66286D}"/>
+              </a:ext>
+            </a:extLst>
+          </p:cNvPr>
+          <p:cNvSpPr/>
+          <p:nvPr/>
+        </p:nvSpPr>
+        <p:spPr bwMode="auto">
+          <a:xfrm>
+            <a:off x="7192536" y="3621639"/>
+            <a:ext cx="1393902" cy="735980"/>
+          </a:xfrm>
+          <a:prstGeom prst="rect">
+            <a:avLst/>
+          </a:prstGeom>
+          <a:noFill/>
+          <a:ln w="19050" cap="flat" cmpd="sng" algn="ctr">
+            <a:solidFill>
+              <a:srgbClr val="FF0000"/>
+            </a:solidFill>
+            <a:prstDash val="solid"/>
+            <a:round/>
+            <a:headEnd type="none" w="med" len="med"/>
+            <a:tailEnd type="none" w="med" len="med"/>
+          </a:ln>
+          <a:effectLst/>
+        </p:spPr>
+        <p:txBody>
+          <a:bodyPr vert="horz" wrap="square" lIns="91440" tIns="45720" rIns="91440" bIns="45720" numCol="1" rtlCol="0" anchor="t" anchorCtr="0" compatLnSpc="1">
+            <a:prstTxWarp prst="textNoShape">
+              <a:avLst/>
+            </a:prstTxWarp>
+          </a:bodyPr>
+          <a:lstStyle/>
+          <a:p>
+            <a:pPr marL="0" marR="0" indent="0" algn="l" defTabSz="914400" rtl="0" eaLnBrk="0" fontAlgn="base" latinLnBrk="0" hangingPunct="0">
+              <a:lnSpc>
+                <a:spcPct val="100000"/>
+              </a:lnSpc>
+              <a:spcBef>
+                <a:spcPct val="0"/>
+              </a:spcBef>
+              <a:spcAft>
+                <a:spcPct val="0"/>
+              </a:spcAft>
+              <a:buClrTx/>
+              <a:buSzTx/>
+              <a:buFontTx/>
+              <a:buNone/>
+              <a:tabLst/>
+            </a:pPr>
+            <a:endParaRPr kumimoji="0" lang="zh-TW" altLang="en-US" sz="2400" b="0" i="0" u="none" strike="noStrike" cap="none" normalizeH="0" baseline="0">
+              <a:ln>
+                <a:noFill/>
+              </a:ln>
+              <a:solidFill>
+                <a:schemeClr val="tx1"/>
+              </a:solidFill>
+              <a:effectLst/>
+              <a:latin typeface="Arial" charset="0"/>
+            </a:endParaRPr>
+          </a:p>
+        </p:txBody>
+      </p:sp>
     </p:spTree>
     <p:extLst>
       <p:ext uri="{BB962C8B-B14F-4D97-AF65-F5344CB8AC3E}">
@@ -31071,7 +32640,13 @@
         <p:nvGraphicFramePr>
           <p:cNvPr id="19" name="圖表 18"/>
           <p:cNvGraphicFramePr/>
-          <p:nvPr/>
+          <p:nvPr>
+            <p:extLst>
+              <p:ext uri="{D42A27DB-BD31-4B8C-83A1-F6EECF244321}">
+                <p14:modId xmlns:p14="http://schemas.microsoft.com/office/powerpoint/2010/main" val="1869187791"/>
+              </p:ext>
+            </p:extLst>
+          </p:nvPr>
         </p:nvGraphicFramePr>
         <p:xfrm>
           <a:off x="2332892" y="1611924"/>
@@ -31079,10 +32654,217 @@
         </p:xfrm>
         <a:graphic>
           <a:graphicData uri="http://schemas.openxmlformats.org/drawingml/2006/chart">
-            <c:chart xmlns:c="http://schemas.openxmlformats.org/drawingml/2006/chart" xmlns:r="http://schemas.openxmlformats.org/officeDocument/2006/relationships" r:id="rId2"/>
+            <c:chart xmlns:c="http://schemas.openxmlformats.org/drawingml/2006/chart" xmlns:r="http://schemas.openxmlformats.org/officeDocument/2006/relationships" r:id="rId3"/>
           </a:graphicData>
         </a:graphic>
       </p:graphicFrame>
+      <p:sp>
+        <p:nvSpPr>
+          <p:cNvPr id="2" name="矩形 1">
+            <a:extLst>
+              <a:ext uri="{FF2B5EF4-FFF2-40B4-BE49-F238E27FC236}">
+                <a16:creationId xmlns:a16="http://schemas.microsoft.com/office/drawing/2014/main" id="{8ABB64F3-282C-11EA-5F3B-3D8786FF1B1D}"/>
+              </a:ext>
+            </a:extLst>
+          </p:cNvPr>
+          <p:cNvSpPr/>
+          <p:nvPr/>
+        </p:nvSpPr>
+        <p:spPr bwMode="auto">
+          <a:xfrm>
+            <a:off x="4995746" y="1322698"/>
+            <a:ext cx="1393902" cy="735980"/>
+          </a:xfrm>
+          <a:prstGeom prst="rect">
+            <a:avLst/>
+          </a:prstGeom>
+          <a:noFill/>
+          <a:ln w="19050" cap="flat" cmpd="sng" algn="ctr">
+            <a:solidFill>
+              <a:srgbClr val="FF0000"/>
+            </a:solidFill>
+            <a:prstDash val="solid"/>
+            <a:round/>
+            <a:headEnd type="none" w="med" len="med"/>
+            <a:tailEnd type="none" w="med" len="med"/>
+          </a:ln>
+          <a:effectLst/>
+        </p:spPr>
+        <p:txBody>
+          <a:bodyPr vert="horz" wrap="square" lIns="91440" tIns="45720" rIns="91440" bIns="45720" numCol="1" rtlCol="0" anchor="t" anchorCtr="0" compatLnSpc="1">
+            <a:prstTxWarp prst="textNoShape">
+              <a:avLst/>
+            </a:prstTxWarp>
+          </a:bodyPr>
+          <a:lstStyle/>
+          <a:p>
+            <a:pPr marL="0" marR="0" indent="0" algn="l" defTabSz="914400" rtl="0" eaLnBrk="0" fontAlgn="base" latinLnBrk="0" hangingPunct="0">
+              <a:lnSpc>
+                <a:spcPct val="100000"/>
+              </a:lnSpc>
+              <a:spcBef>
+                <a:spcPct val="0"/>
+              </a:spcBef>
+              <a:spcAft>
+                <a:spcPct val="0"/>
+              </a:spcAft>
+              <a:buClrTx/>
+              <a:buSzTx/>
+              <a:buFontTx/>
+              <a:buNone/>
+              <a:tabLst/>
+            </a:pPr>
+            <a:endParaRPr kumimoji="0" lang="zh-TW" altLang="en-US" sz="2400" b="0" i="0" u="none" strike="noStrike" cap="none" normalizeH="0" baseline="0">
+              <a:ln>
+                <a:noFill/>
+              </a:ln>
+              <a:solidFill>
+                <a:schemeClr val="tx1"/>
+              </a:solidFill>
+              <a:effectLst/>
+              <a:latin typeface="Arial" charset="0"/>
+            </a:endParaRPr>
+          </a:p>
+        </p:txBody>
+      </p:sp>
+      <p:sp>
+        <p:nvSpPr>
+          <p:cNvPr id="3" name="矩形 2">
+            <a:extLst>
+              <a:ext uri="{FF2B5EF4-FFF2-40B4-BE49-F238E27FC236}">
+                <a16:creationId xmlns:a16="http://schemas.microsoft.com/office/drawing/2014/main" id="{CA756052-F457-E001-7A44-77D808A219A9}"/>
+              </a:ext>
+            </a:extLst>
+          </p:cNvPr>
+          <p:cNvSpPr/>
+          <p:nvPr/>
+        </p:nvSpPr>
+        <p:spPr bwMode="auto">
+          <a:xfrm>
+            <a:off x="3077737" y="4510096"/>
+            <a:ext cx="735980" cy="474499"/>
+          </a:xfrm>
+          <a:prstGeom prst="rect">
+            <a:avLst/>
+          </a:prstGeom>
+          <a:noFill/>
+          <a:ln w="19050" cap="flat" cmpd="sng" algn="ctr">
+            <a:solidFill>
+              <a:srgbClr val="FF0000"/>
+            </a:solidFill>
+            <a:prstDash val="solid"/>
+            <a:round/>
+            <a:headEnd type="none" w="med" len="med"/>
+            <a:tailEnd type="none" w="med" len="med"/>
+          </a:ln>
+          <a:effectLst/>
+        </p:spPr>
+        <p:txBody>
+          <a:bodyPr vert="horz" wrap="square" lIns="91440" tIns="45720" rIns="91440" bIns="45720" numCol="1" rtlCol="0" anchor="t" anchorCtr="0" compatLnSpc="1">
+            <a:prstTxWarp prst="textNoShape">
+              <a:avLst/>
+            </a:prstTxWarp>
+          </a:bodyPr>
+          <a:lstStyle/>
+          <a:p>
+            <a:pPr marL="0" marR="0" indent="0" algn="l" defTabSz="914400" rtl="0" eaLnBrk="0" fontAlgn="base" latinLnBrk="0" hangingPunct="0">
+              <a:lnSpc>
+                <a:spcPct val="100000"/>
+              </a:lnSpc>
+              <a:spcBef>
+                <a:spcPct val="0"/>
+              </a:spcBef>
+              <a:spcAft>
+                <a:spcPct val="0"/>
+              </a:spcAft>
+              <a:buClrTx/>
+              <a:buSzTx/>
+              <a:buFontTx/>
+              <a:buNone/>
+              <a:tabLst/>
+            </a:pPr>
+            <a:endParaRPr kumimoji="0" lang="zh-TW" altLang="en-US" sz="2400" b="0" i="0" u="none" strike="noStrike" cap="none" normalizeH="0" baseline="0">
+              <a:ln>
+                <a:noFill/>
+              </a:ln>
+              <a:solidFill>
+                <a:schemeClr val="tx1"/>
+              </a:solidFill>
+              <a:effectLst/>
+              <a:latin typeface="Arial" charset="0"/>
+            </a:endParaRPr>
+          </a:p>
+        </p:txBody>
+      </p:sp>
+      <p:sp>
+        <p:nvSpPr>
+          <p:cNvPr id="4" name="矩形 3">
+            <a:extLst>
+              <a:ext uri="{FF2B5EF4-FFF2-40B4-BE49-F238E27FC236}">
+                <a16:creationId xmlns:a16="http://schemas.microsoft.com/office/drawing/2014/main" id="{1931F259-E0D5-CBC1-924E-1713277AF232}"/>
+              </a:ext>
+            </a:extLst>
+          </p:cNvPr>
+          <p:cNvSpPr/>
+          <p:nvPr/>
+        </p:nvSpPr>
+        <p:spPr bwMode="auto">
+          <a:xfrm>
+            <a:off x="4259766" y="4510095"/>
+            <a:ext cx="735980" cy="474499"/>
+          </a:xfrm>
+          <a:prstGeom prst="rect">
+            <a:avLst/>
+          </a:prstGeom>
+          <a:noFill/>
+          <a:ln w="19050" cap="flat" cmpd="sng" algn="ctr">
+            <a:solidFill>
+              <a:srgbClr val="FF0000"/>
+            </a:solidFill>
+            <a:prstDash val="solid"/>
+            <a:round/>
+            <a:headEnd type="none" w="med" len="med"/>
+            <a:tailEnd type="none" w="med" len="med"/>
+          </a:ln>
+          <a:effectLst/>
+        </p:spPr>
+        <p:txBody>
+          <a:bodyPr vert="horz" wrap="square" lIns="91440" tIns="45720" rIns="91440" bIns="45720" numCol="1" rtlCol="0" anchor="t" anchorCtr="0" compatLnSpc="1">
+            <a:prstTxWarp prst="textNoShape">
+              <a:avLst/>
+            </a:prstTxWarp>
+          </a:bodyPr>
+          <a:lstStyle/>
+          <a:p>
+            <a:pPr marL="0" marR="0" indent="0" algn="l" defTabSz="914400" rtl="0" eaLnBrk="0" fontAlgn="base" latinLnBrk="0" hangingPunct="0">
+              <a:lnSpc>
+                <a:spcPct val="100000"/>
+              </a:lnSpc>
+              <a:spcBef>
+                <a:spcPct val="0"/>
+              </a:spcBef>
+              <a:spcAft>
+                <a:spcPct val="0"/>
+              </a:spcAft>
+              <a:buClrTx/>
+              <a:buSzTx/>
+              <a:buFontTx/>
+              <a:buNone/>
+              <a:tabLst/>
+            </a:pPr>
+            <a:endParaRPr kumimoji="0" lang="zh-TW" altLang="en-US" sz="2400" b="0" i="0" u="none" strike="noStrike" cap="none" normalizeH="0" baseline="0">
+              <a:ln>
+                <a:noFill/>
+              </a:ln>
+              <a:solidFill>
+                <a:schemeClr val="tx1"/>
+              </a:solidFill>
+              <a:effectLst/>
+              <a:latin typeface="Arial" charset="0"/>
+            </a:endParaRPr>
+          </a:p>
+        </p:txBody>
+      </p:sp>
     </p:spTree>
     <p:extLst>
       <p:ext uri="{BB962C8B-B14F-4D97-AF65-F5344CB8AC3E}">
@@ -31414,7 +33196,7 @@
           <p:nvPr/>
         </p:nvPicPr>
         <p:blipFill>
-          <a:blip r:embed="rId2" cstate="print">
+          <a:blip r:embed="rId3" cstate="print">
             <a:extLst>
               <a:ext uri="{28A0092B-C50C-407E-A947-70E740481C1C}">
                 <a14:useLocalDpi xmlns:a14="http://schemas.microsoft.com/office/drawing/2010/main" val="0"/>
@@ -31428,7 +33210,7 @@
         </p:blipFill>
         <p:spPr bwMode="auto">
           <a:xfrm>
-            <a:off x="2520462" y="1152377"/>
+            <a:off x="2487009" y="1145540"/>
             <a:ext cx="6611815" cy="4779500"/>
           </a:xfrm>
           <a:prstGeom prst="rect">
@@ -31440,6 +33222,144 @@
           </a:ln>
         </p:spPr>
       </p:pic>
+      <p:sp>
+        <p:nvSpPr>
+          <p:cNvPr id="2" name="矩形 1">
+            <a:extLst>
+              <a:ext uri="{FF2B5EF4-FFF2-40B4-BE49-F238E27FC236}">
+                <a16:creationId xmlns:a16="http://schemas.microsoft.com/office/drawing/2014/main" id="{7E727AC3-3883-E55B-7C85-7EE490AFB545}"/>
+              </a:ext>
+            </a:extLst>
+          </p:cNvPr>
+          <p:cNvSpPr/>
+          <p:nvPr/>
+        </p:nvSpPr>
+        <p:spPr bwMode="auto">
+          <a:xfrm>
+            <a:off x="3512633" y="5379891"/>
+            <a:ext cx="4783873" cy="887094"/>
+          </a:xfrm>
+          <a:prstGeom prst="rect">
+            <a:avLst/>
+          </a:prstGeom>
+          <a:noFill/>
+          <a:ln w="19050" cap="flat" cmpd="sng" algn="ctr">
+            <a:solidFill>
+              <a:srgbClr val="FF0000"/>
+            </a:solidFill>
+            <a:prstDash val="solid"/>
+            <a:round/>
+            <a:headEnd type="none" w="med" len="med"/>
+            <a:tailEnd type="none" w="med" len="med"/>
+          </a:ln>
+          <a:effectLst/>
+        </p:spPr>
+        <p:txBody>
+          <a:bodyPr vert="horz" wrap="square" lIns="91440" tIns="45720" rIns="91440" bIns="45720" numCol="1" rtlCol="0" anchor="t" anchorCtr="0" compatLnSpc="1">
+            <a:prstTxWarp prst="textNoShape">
+              <a:avLst/>
+            </a:prstTxWarp>
+          </a:bodyPr>
+          <a:lstStyle/>
+          <a:p>
+            <a:pPr marL="0" marR="0" indent="0" algn="l" defTabSz="914400" rtl="0" eaLnBrk="0" fontAlgn="base" latinLnBrk="0" hangingPunct="0">
+              <a:lnSpc>
+                <a:spcPct val="100000"/>
+              </a:lnSpc>
+              <a:spcBef>
+                <a:spcPct val="0"/>
+              </a:spcBef>
+              <a:spcAft>
+                <a:spcPct val="0"/>
+              </a:spcAft>
+              <a:buClrTx/>
+              <a:buSzTx/>
+              <a:buFontTx/>
+              <a:buNone/>
+              <a:tabLst/>
+            </a:pPr>
+            <a:endParaRPr kumimoji="0" lang="zh-TW" altLang="en-US" sz="2400" b="0" i="0" u="none" strike="noStrike" cap="none" normalizeH="0" baseline="0">
+              <a:ln>
+                <a:noFill/>
+              </a:ln>
+              <a:solidFill>
+                <a:schemeClr val="tx1"/>
+              </a:solidFill>
+              <a:effectLst/>
+              <a:latin typeface="Arial" charset="0"/>
+            </a:endParaRPr>
+          </a:p>
+        </p:txBody>
+      </p:sp>
+      <p:sp>
+        <p:nvSpPr>
+          <p:cNvPr id="3" name="矩形 2">
+            <a:extLst>
+              <a:ext uri="{FF2B5EF4-FFF2-40B4-BE49-F238E27FC236}">
+                <a16:creationId xmlns:a16="http://schemas.microsoft.com/office/drawing/2014/main" id="{A0B699EC-7698-7D06-6120-C3CA8846718B}"/>
+              </a:ext>
+            </a:extLst>
+          </p:cNvPr>
+          <p:cNvSpPr/>
+          <p:nvPr/>
+        </p:nvSpPr>
+        <p:spPr bwMode="auto">
+          <a:xfrm>
+            <a:off x="2587083" y="1027906"/>
+            <a:ext cx="735980" cy="767440"/>
+          </a:xfrm>
+          <a:prstGeom prst="rect">
+            <a:avLst/>
+          </a:prstGeom>
+          <a:noFill/>
+          <a:ln w="19050" cap="flat" cmpd="sng" algn="ctr">
+            <a:solidFill>
+              <a:srgbClr val="FF0000"/>
+            </a:solidFill>
+            <a:prstDash val="solid"/>
+            <a:round/>
+            <a:headEnd type="none" w="med" len="med"/>
+            <a:tailEnd type="none" w="med" len="med"/>
+          </a:ln>
+          <a:effectLst/>
+        </p:spPr>
+        <p:txBody>
+          <a:bodyPr vert="horz" wrap="square" lIns="91440" tIns="45720" rIns="91440" bIns="45720" numCol="1" rtlCol="0" anchor="t" anchorCtr="0" compatLnSpc="1">
+            <a:prstTxWarp prst="textNoShape">
+              <a:avLst/>
+            </a:prstTxWarp>
+          </a:bodyPr>
+          <a:lstStyle/>
+          <a:p>
+            <a:pPr marL="0" marR="0" indent="0" algn="l" defTabSz="914400" rtl="0" eaLnBrk="0" fontAlgn="base" latinLnBrk="0" hangingPunct="0">
+              <a:lnSpc>
+                <a:spcPct val="100000"/>
+              </a:lnSpc>
+              <a:spcBef>
+                <a:spcPct val="0"/>
+              </a:spcBef>
+              <a:spcAft>
+                <a:spcPct val="0"/>
+              </a:spcAft>
+              <a:buClrTx/>
+              <a:buSzTx/>
+              <a:buFontTx/>
+              <a:buNone/>
+              <a:tabLst/>
+            </a:pPr>
+            <a:endParaRPr kumimoji="0" lang="zh-TW" altLang="en-US" sz="2400" b="0" i="0" u="none" strike="noStrike" cap="none" normalizeH="0" baseline="0">
+              <a:ln>
+                <a:noFill/>
+              </a:ln>
+              <a:solidFill>
+                <a:schemeClr val="tx1"/>
+              </a:solidFill>
+              <a:effectLst/>
+              <a:latin typeface="Arial" charset="0"/>
+            </a:endParaRPr>
+          </a:p>
+        </p:txBody>
+      </p:sp>
     </p:spTree>
     <p:extLst>
       <p:ext uri="{BB962C8B-B14F-4D97-AF65-F5344CB8AC3E}">
@@ -31537,7 +33457,7 @@
           <p:nvPr/>
         </p:nvPicPr>
         <p:blipFill>
-          <a:blip r:embed="rId2" cstate="print"/>
+          <a:blip r:embed="rId3" cstate="print"/>
           <a:srcRect/>
           <a:stretch>
             <a:fillRect/>
@@ -31560,6 +33480,144 @@
           </a:ln>
         </p:spPr>
       </p:pic>
+      <p:sp>
+        <p:nvSpPr>
+          <p:cNvPr id="2" name="矩形 1">
+            <a:extLst>
+              <a:ext uri="{FF2B5EF4-FFF2-40B4-BE49-F238E27FC236}">
+                <a16:creationId xmlns:a16="http://schemas.microsoft.com/office/drawing/2014/main" id="{888F6B8A-33D0-37EB-99BC-DE7DDB08DAD9}"/>
+              </a:ext>
+            </a:extLst>
+          </p:cNvPr>
+          <p:cNvSpPr/>
+          <p:nvPr/>
+        </p:nvSpPr>
+        <p:spPr bwMode="auto">
+          <a:xfrm>
+            <a:off x="6501162" y="1911862"/>
+            <a:ext cx="735980" cy="474499"/>
+          </a:xfrm>
+          <a:prstGeom prst="rect">
+            <a:avLst/>
+          </a:prstGeom>
+          <a:noFill/>
+          <a:ln w="19050" cap="flat" cmpd="sng" algn="ctr">
+            <a:solidFill>
+              <a:srgbClr val="FF0000"/>
+            </a:solidFill>
+            <a:prstDash val="solid"/>
+            <a:round/>
+            <a:headEnd type="none" w="med" len="med"/>
+            <a:tailEnd type="none" w="med" len="med"/>
+          </a:ln>
+          <a:effectLst/>
+        </p:spPr>
+        <p:txBody>
+          <a:bodyPr vert="horz" wrap="square" lIns="91440" tIns="45720" rIns="91440" bIns="45720" numCol="1" rtlCol="0" anchor="t" anchorCtr="0" compatLnSpc="1">
+            <a:prstTxWarp prst="textNoShape">
+              <a:avLst/>
+            </a:prstTxWarp>
+          </a:bodyPr>
+          <a:lstStyle/>
+          <a:p>
+            <a:pPr marL="0" marR="0" indent="0" algn="l" defTabSz="914400" rtl="0" eaLnBrk="0" fontAlgn="base" latinLnBrk="0" hangingPunct="0">
+              <a:lnSpc>
+                <a:spcPct val="100000"/>
+              </a:lnSpc>
+              <a:spcBef>
+                <a:spcPct val="0"/>
+              </a:spcBef>
+              <a:spcAft>
+                <a:spcPct val="0"/>
+              </a:spcAft>
+              <a:buClrTx/>
+              <a:buSzTx/>
+              <a:buFontTx/>
+              <a:buNone/>
+              <a:tabLst/>
+            </a:pPr>
+            <a:endParaRPr kumimoji="0" lang="zh-TW" altLang="en-US" sz="2400" b="0" i="0" u="none" strike="noStrike" cap="none" normalizeH="0" baseline="0">
+              <a:ln>
+                <a:noFill/>
+              </a:ln>
+              <a:solidFill>
+                <a:schemeClr val="tx1"/>
+              </a:solidFill>
+              <a:effectLst/>
+              <a:latin typeface="Arial" charset="0"/>
+            </a:endParaRPr>
+          </a:p>
+        </p:txBody>
+      </p:sp>
+      <p:sp>
+        <p:nvSpPr>
+          <p:cNvPr id="3" name="矩形 2">
+            <a:extLst>
+              <a:ext uri="{FF2B5EF4-FFF2-40B4-BE49-F238E27FC236}">
+                <a16:creationId xmlns:a16="http://schemas.microsoft.com/office/drawing/2014/main" id="{4DC0D7AC-48EC-54F5-2489-91A3E0049AF7}"/>
+              </a:ext>
+            </a:extLst>
+          </p:cNvPr>
+          <p:cNvSpPr/>
+          <p:nvPr/>
+        </p:nvSpPr>
+        <p:spPr bwMode="auto">
+          <a:xfrm>
+            <a:off x="5207263" y="491007"/>
+            <a:ext cx="888737" cy="2620536"/>
+          </a:xfrm>
+          <a:prstGeom prst="rect">
+            <a:avLst/>
+          </a:prstGeom>
+          <a:noFill/>
+          <a:ln w="19050" cap="flat" cmpd="sng" algn="ctr">
+            <a:solidFill>
+              <a:srgbClr val="FF0000"/>
+            </a:solidFill>
+            <a:prstDash val="solid"/>
+            <a:round/>
+            <a:headEnd type="none" w="med" len="med"/>
+            <a:tailEnd type="none" w="med" len="med"/>
+          </a:ln>
+          <a:effectLst/>
+        </p:spPr>
+        <p:txBody>
+          <a:bodyPr vert="horz" wrap="square" lIns="91440" tIns="45720" rIns="91440" bIns="45720" numCol="1" rtlCol="0" anchor="t" anchorCtr="0" compatLnSpc="1">
+            <a:prstTxWarp prst="textNoShape">
+              <a:avLst/>
+            </a:prstTxWarp>
+          </a:bodyPr>
+          <a:lstStyle/>
+          <a:p>
+            <a:pPr marL="0" marR="0" indent="0" algn="l" defTabSz="914400" rtl="0" eaLnBrk="0" fontAlgn="base" latinLnBrk="0" hangingPunct="0">
+              <a:lnSpc>
+                <a:spcPct val="100000"/>
+              </a:lnSpc>
+              <a:spcBef>
+                <a:spcPct val="0"/>
+              </a:spcBef>
+              <a:spcAft>
+                <a:spcPct val="0"/>
+              </a:spcAft>
+              <a:buClrTx/>
+              <a:buSzTx/>
+              <a:buFontTx/>
+              <a:buNone/>
+              <a:tabLst/>
+            </a:pPr>
+            <a:endParaRPr kumimoji="0" lang="zh-TW" altLang="en-US" sz="2400" b="0" i="0" u="none" strike="noStrike" cap="none" normalizeH="0" baseline="0">
+              <a:ln>
+                <a:noFill/>
+              </a:ln>
+              <a:solidFill>
+                <a:schemeClr val="tx1"/>
+              </a:solidFill>
+              <a:effectLst/>
+              <a:latin typeface="Arial" charset="0"/>
+            </a:endParaRPr>
+          </a:p>
+        </p:txBody>
+      </p:sp>
     </p:spTree>
     <p:extLst>
       <p:ext uri="{BB962C8B-B14F-4D97-AF65-F5344CB8AC3E}">
@@ -31615,21 +33673,18 @@
               <a:buChar char="p"/>
             </a:pPr>
             <a:r>
-              <a:rPr lang="zh-TW" altLang="en-US" dirty="0"/>
-              <a:t>未依特性選擇適當的圖形</a:t>
-            </a:r>
-            <a:r>
-              <a:rPr lang="en-US" altLang="zh-TW" dirty="0"/>
-              <a:t>(</a:t>
-            </a:r>
-            <a:r>
-              <a:rPr lang="zh-TW" altLang="en-US" dirty="0"/>
-              <a:t>折線圖及長條圖</a:t>
-            </a:r>
-            <a:r>
-              <a:rPr lang="en-US" altLang="zh-TW" dirty="0"/>
-              <a:t>)</a:t>
-            </a:r>
+              <a:rPr lang="zh-TW" altLang="en-US" sz="3200" dirty="0"/>
+              <a:t>可使用左右</a:t>
+            </a:r>
+            <a:r>
+              <a:rPr lang="en-US" altLang="zh-TW" sz="3200" dirty="0"/>
+              <a:t>Y</a:t>
+            </a:r>
+            <a:r>
+              <a:rPr lang="zh-TW" altLang="en-US" sz="3200" dirty="0"/>
+              <a:t>軸</a:t>
+            </a:r>
+            <a:endParaRPr lang="en-US" altLang="zh-TW" sz="3200" dirty="0"/>
           </a:p>
           <a:p>
             <a:pPr>
@@ -31637,165 +33692,18 @@
               <a:buChar char="p"/>
             </a:pPr>
             <a:r>
-              <a:rPr lang="zh-TW" altLang="en-US" dirty="0"/>
-              <a:t>列印黑白時分不清楚</a:t>
-            </a:r>
-            <a:endParaRPr lang="en-US" altLang="zh-TW" dirty="0"/>
-          </a:p>
-          <a:p>
-            <a:pPr>
-              <a:buFont typeface="Wingdings" pitchFamily="2" charset="2"/>
-              <a:buChar char="p"/>
-            </a:pPr>
-            <a:r>
-              <a:rPr lang="en-US" altLang="zh-TW" dirty="0"/>
-              <a:t>X</a:t>
-            </a:r>
-            <a:r>
-              <a:rPr lang="zh-TW" altLang="en-US" dirty="0"/>
-              <a:t>軸及</a:t>
-            </a:r>
-            <a:r>
-              <a:rPr lang="en-US" altLang="zh-TW" dirty="0"/>
-              <a:t>Y</a:t>
-            </a:r>
-            <a:r>
-              <a:rPr lang="zh-TW" altLang="en-US" dirty="0"/>
-              <a:t>軸意義未寫</a:t>
-            </a:r>
-            <a:endParaRPr lang="en-US" altLang="zh-TW" dirty="0"/>
-          </a:p>
-          <a:p>
-            <a:pPr>
-              <a:buFont typeface="Wingdings" pitchFamily="2" charset="2"/>
-              <a:buChar char="p"/>
-            </a:pPr>
-            <a:r>
-              <a:rPr lang="en-US" altLang="zh-TW" dirty="0"/>
-              <a:t>X</a:t>
-            </a:r>
-            <a:r>
-              <a:rPr lang="zh-TW" altLang="en-US" dirty="0"/>
-              <a:t>軸單位及</a:t>
-            </a:r>
-            <a:r>
-              <a:rPr lang="en-US" altLang="zh-TW" dirty="0"/>
-              <a:t>Y</a:t>
-            </a:r>
-            <a:r>
-              <a:rPr lang="zh-TW" altLang="en-US" dirty="0"/>
-              <a:t>軸單位未寫</a:t>
-            </a:r>
-            <a:endParaRPr lang="en-US" altLang="zh-TW" dirty="0"/>
-          </a:p>
-          <a:p>
-            <a:pPr>
-              <a:buFont typeface="Wingdings" pitchFamily="2" charset="2"/>
-              <a:buChar char="p"/>
-            </a:pPr>
-            <a:r>
-              <a:rPr lang="zh-TW" altLang="en-US" dirty="0"/>
-              <a:t>折線圖僅用線連結，未使用標記符號</a:t>
-            </a:r>
-            <a:endParaRPr lang="en-US" altLang="zh-TW" dirty="0"/>
-          </a:p>
-          <a:p>
-            <a:pPr lvl="1">
-              <a:buFont typeface="Wingdings" pitchFamily="2" charset="2"/>
-              <a:buChar char="p"/>
-            </a:pPr>
-            <a:r>
-              <a:rPr lang="zh-TW" altLang="en-US" dirty="0"/>
-              <a:t>標記符號為實際結果，線為估計值</a:t>
-            </a:r>
-            <a:endParaRPr lang="en-US" altLang="zh-TW" dirty="0"/>
-          </a:p>
-          <a:p>
-            <a:pPr>
-              <a:buFont typeface="Wingdings" pitchFamily="2" charset="2"/>
-              <a:buChar char="p"/>
-            </a:pPr>
-            <a:r>
-              <a:rPr lang="zh-TW" altLang="en-US" dirty="0"/>
-              <a:t>圖未於本文中提及，在增加或刪除圖形後，圖的編號未更動</a:t>
-            </a:r>
-            <a:endParaRPr lang="en-US" altLang="zh-TW" dirty="0"/>
-          </a:p>
-          <a:p>
-            <a:pPr>
-              <a:buFont typeface="Wingdings" pitchFamily="2" charset="2"/>
-              <a:buChar char="p"/>
-            </a:pPr>
-            <a:r>
-              <a:rPr lang="zh-TW" altLang="en-US" dirty="0"/>
-              <a:t>在類似的圖中，使用的</a:t>
-            </a:r>
-            <a:r>
-              <a:rPr lang="en-US" altLang="zh-TW" dirty="0"/>
-              <a:t>legend</a:t>
-            </a:r>
-            <a:r>
-              <a:rPr lang="zh-TW" altLang="en-US" dirty="0"/>
-              <a:t>不一致，使用的間距不一致、使用的符號不一致，使用的順序不一致</a:t>
-            </a:r>
-            <a:endParaRPr lang="en-US" altLang="zh-TW" dirty="0"/>
-          </a:p>
-          <a:p>
-            <a:pPr>
-              <a:buFont typeface="Wingdings" pitchFamily="2" charset="2"/>
-              <a:buChar char="p"/>
-            </a:pPr>
-            <a:r>
-              <a:rPr lang="zh-TW" altLang="en-US" dirty="0"/>
-              <a:t>數值過大及過小時，直接寫出數值，而未使用科學符號於軸上</a:t>
-            </a:r>
-            <a:r>
-              <a:rPr lang="en-US" altLang="zh-TW" dirty="0"/>
-              <a:t>(Y</a:t>
-            </a:r>
-            <a:r>
-              <a:rPr lang="zh-TW" altLang="en-US" dirty="0"/>
-              <a:t>軸</a:t>
-            </a:r>
-            <a:r>
-              <a:rPr lang="en-US" altLang="zh-TW" dirty="0"/>
-              <a:t>)</a:t>
-            </a:r>
-            <a:r>
-              <a:rPr lang="zh-TW" altLang="en-US" dirty="0"/>
-              <a:t>或軸右</a:t>
-            </a:r>
-            <a:r>
-              <a:rPr lang="en-US" altLang="zh-TW" dirty="0"/>
-              <a:t>(X</a:t>
-            </a:r>
-            <a:r>
-              <a:rPr lang="zh-TW" altLang="en-US" dirty="0"/>
-              <a:t>軸</a:t>
-            </a:r>
-            <a:r>
-              <a:rPr lang="en-US" altLang="zh-TW" dirty="0"/>
-              <a:t>)</a:t>
-            </a:r>
-          </a:p>
-          <a:p>
-            <a:pPr>
-              <a:buFont typeface="Wingdings" pitchFamily="2" charset="2"/>
-              <a:buChar char="p"/>
-            </a:pPr>
-            <a:r>
-              <a:rPr lang="zh-TW" altLang="en-US" dirty="0">
-                <a:solidFill>
-                  <a:srgbClr val="FF0000"/>
-                </a:solidFill>
-              </a:rPr>
-              <a:t>左右是否到底？或有留空白？</a:t>
-            </a:r>
-            <a:endParaRPr lang="en-US" altLang="zh-TW" dirty="0">
-              <a:solidFill>
-                <a:srgbClr val="FF0000"/>
-              </a:solidFill>
-            </a:endParaRPr>
+              <a:rPr lang="zh-TW" altLang="en-US" sz="3200" dirty="0"/>
+              <a:t>曲線需明確知道對左</a:t>
+            </a:r>
+            <a:r>
+              <a:rPr lang="en-US" altLang="zh-TW" sz="3200" dirty="0"/>
+              <a:t>/</a:t>
+            </a:r>
+            <a:r>
+              <a:rPr lang="zh-TW" altLang="en-US" sz="3200" dirty="0"/>
+              <a:t>對右</a:t>
+            </a:r>
+            <a:endParaRPr lang="en-US" altLang="zh-TW" sz="3200" dirty="0"/>
           </a:p>
           <a:p>
             <a:pPr>
@@ -31834,10 +33742,10 @@
           <a:bodyPr/>
           <a:lstStyle/>
           <a:p>
-            <a:r>
-              <a:rPr lang="zh-TW" altLang="en-US" dirty="0"/>
-              <a:t>圖：常犯錯誤</a:t>
-            </a:r>
+            <a:br>
+              <a:rPr lang="en-US" altLang="zh-TW" dirty="0"/>
+            </a:br>
+            <a:endParaRPr lang="zh-TW" altLang="en-US" dirty="0"/>
           </a:p>
         </p:txBody>
       </p:sp>
@@ -31868,10 +33776,2370 @@
           </a:p>
         </p:txBody>
       </p:sp>
+      <p:pic>
+        <p:nvPicPr>
+          <p:cNvPr id="1026" name="Picture 2" descr="半對數圖- 維基百科，自由的百科全書"/>
+          <p:cNvPicPr>
+            <a:picLocks noChangeAspect="1" noChangeArrowheads="1"/>
+          </p:cNvPicPr>
+          <p:nvPr/>
+        </p:nvPicPr>
+        <p:blipFill>
+          <a:blip r:embed="rId2">
+            <a:extLst>
+              <a:ext uri="{28A0092B-C50C-407E-A947-70E740481C1C}">
+                <a14:useLocalDpi xmlns:a14="http://schemas.microsoft.com/office/drawing/2010/main" val="0"/>
+              </a:ext>
+            </a:extLst>
+          </a:blip>
+          <a:srcRect/>
+          <a:stretch>
+            <a:fillRect/>
+          </a:stretch>
+        </p:blipFill>
+        <p:spPr bwMode="auto">
+          <a:xfrm>
+            <a:off x="155575" y="-593725"/>
+            <a:ext cx="1238250" cy="1238250"/>
+          </a:xfrm>
+          <a:prstGeom prst="rect">
+            <a:avLst/>
+          </a:prstGeom>
+          <a:noFill/>
+          <a:extLst>
+            <a:ext uri="{909E8E84-426E-40DD-AFC4-6F175D3DCCD1}">
+              <a14:hiddenFill xmlns:a14="http://schemas.microsoft.com/office/drawing/2010/main">
+                <a:solidFill>
+                  <a:srgbClr val="FFFFFF"/>
+                </a:solidFill>
+              </a14:hiddenFill>
+            </a:ext>
+          </a:extLst>
+        </p:spPr>
+      </p:pic>
+      <p:pic>
+        <p:nvPicPr>
+          <p:cNvPr id="5" name="圖片 4"/>
+          <p:cNvPicPr>
+            <a:picLocks noChangeAspect="1"/>
+          </p:cNvPicPr>
+          <p:nvPr/>
+        </p:nvPicPr>
+        <p:blipFill>
+          <a:blip r:embed="rId3"/>
+          <a:stretch>
+            <a:fillRect/>
+          </a:stretch>
+        </p:blipFill>
+        <p:spPr>
+          <a:xfrm>
+            <a:off x="5892800" y="1474789"/>
+            <a:ext cx="5949614" cy="3908421"/>
+          </a:xfrm>
+          <a:prstGeom prst="rect">
+            <a:avLst/>
+          </a:prstGeom>
+        </p:spPr>
+      </p:pic>
+      <p:sp>
+        <p:nvSpPr>
+          <p:cNvPr id="10" name="標題 3"/>
+          <p:cNvSpPr txBox="1">
+            <a:spLocks/>
+          </p:cNvSpPr>
+          <p:nvPr/>
+        </p:nvSpPr>
+        <p:spPr bwMode="auto">
+          <a:xfrm>
+            <a:off x="774700" y="259225"/>
+            <a:ext cx="10363200" cy="1143000"/>
+          </a:xfrm>
+          <a:prstGeom prst="rect">
+            <a:avLst/>
+          </a:prstGeom>
+          <a:noFill/>
+          <a:ln>
+            <a:noFill/>
+          </a:ln>
+          <a:extLst>
+            <a:ext uri="{909E8E84-426E-40DD-AFC4-6F175D3DCCD1}">
+              <a14:hiddenFill xmlns:a14="http://schemas.microsoft.com/office/drawing/2010/main">
+                <a:solidFill>
+                  <a:srgbClr val="FFFFFF"/>
+                </a:solidFill>
+              </a14:hiddenFill>
+            </a:ext>
+            <a:ext uri="{91240B29-F687-4F45-9708-019B960494DF}">
+              <a14:hiddenLine xmlns:a14="http://schemas.microsoft.com/office/drawing/2010/main" w="9525">
+                <a:solidFill>
+                  <a:srgbClr val="000000"/>
+                </a:solidFill>
+                <a:miter lim="800000"/>
+                <a:headEnd/>
+                <a:tailEnd/>
+              </a14:hiddenLine>
+            </a:ext>
+          </a:extLst>
+        </p:spPr>
+        <p:txBody>
+          <a:bodyPr vert="horz" wrap="square" lIns="91440" tIns="45720" rIns="91440" bIns="45720" numCol="1" anchor="ctr" anchorCtr="0" compatLnSpc="1">
+            <a:prstTxWarp prst="textNoShape">
+              <a:avLst/>
+            </a:prstTxWarp>
+          </a:bodyPr>
+          <a:lstStyle>
+            <a:lvl1pPr algn="l" rtl="0" eaLnBrk="1" fontAlgn="base" hangingPunct="1">
+              <a:spcBef>
+                <a:spcPct val="0"/>
+              </a:spcBef>
+              <a:spcAft>
+                <a:spcPct val="0"/>
+              </a:spcAft>
+              <a:defRPr sz="4400">
+                <a:solidFill>
+                  <a:srgbClr val="000099"/>
+                </a:solidFill>
+                <a:latin typeface="Times New Roman" panose="02020603050405020304" pitchFamily="18" charset="0"/>
+                <a:ea typeface="標楷體" panose="03000509000000000000" pitchFamily="65" charset="-120"/>
+                <a:cs typeface="Times New Roman" panose="02020603050405020304" pitchFamily="18" charset="0"/>
+              </a:defRPr>
+            </a:lvl1pPr>
+            <a:lvl2pPr algn="l" rtl="0" eaLnBrk="1" fontAlgn="base" hangingPunct="1">
+              <a:spcBef>
+                <a:spcPct val="0"/>
+              </a:spcBef>
+              <a:spcAft>
+                <a:spcPct val="0"/>
+              </a:spcAft>
+              <a:defRPr sz="4400">
+                <a:solidFill>
+                  <a:srgbClr val="000099"/>
+                </a:solidFill>
+                <a:latin typeface="Gill Sans MT" pitchFamily="34" charset="0"/>
+                <a:ea typeface="ＭＳ Ｐゴシック" charset="0"/>
+                <a:cs typeface="Arial" charset="0"/>
+              </a:defRPr>
+            </a:lvl2pPr>
+            <a:lvl3pPr algn="l" rtl="0" eaLnBrk="1" fontAlgn="base" hangingPunct="1">
+              <a:spcBef>
+                <a:spcPct val="0"/>
+              </a:spcBef>
+              <a:spcAft>
+                <a:spcPct val="0"/>
+              </a:spcAft>
+              <a:defRPr sz="4400">
+                <a:solidFill>
+                  <a:srgbClr val="000099"/>
+                </a:solidFill>
+                <a:latin typeface="Gill Sans MT" pitchFamily="34" charset="0"/>
+                <a:ea typeface="ＭＳ Ｐゴシック" charset="0"/>
+                <a:cs typeface="Arial" charset="0"/>
+              </a:defRPr>
+            </a:lvl3pPr>
+            <a:lvl4pPr algn="l" rtl="0" eaLnBrk="1" fontAlgn="base" hangingPunct="1">
+              <a:spcBef>
+                <a:spcPct val="0"/>
+              </a:spcBef>
+              <a:spcAft>
+                <a:spcPct val="0"/>
+              </a:spcAft>
+              <a:defRPr sz="4400">
+                <a:solidFill>
+                  <a:srgbClr val="000099"/>
+                </a:solidFill>
+                <a:latin typeface="Gill Sans MT" pitchFamily="34" charset="0"/>
+                <a:ea typeface="ＭＳ Ｐゴシック" charset="0"/>
+                <a:cs typeface="Arial" charset="0"/>
+              </a:defRPr>
+            </a:lvl4pPr>
+            <a:lvl5pPr algn="l" rtl="0" eaLnBrk="1" fontAlgn="base" hangingPunct="1">
+              <a:spcBef>
+                <a:spcPct val="0"/>
+              </a:spcBef>
+              <a:spcAft>
+                <a:spcPct val="0"/>
+              </a:spcAft>
+              <a:defRPr sz="4400">
+                <a:solidFill>
+                  <a:srgbClr val="000099"/>
+                </a:solidFill>
+                <a:latin typeface="Gill Sans MT" pitchFamily="34" charset="0"/>
+                <a:ea typeface="ＭＳ Ｐゴシック" charset="0"/>
+                <a:cs typeface="Arial" charset="0"/>
+              </a:defRPr>
+            </a:lvl5pPr>
+            <a:lvl6pPr marL="457200" algn="l" rtl="0" eaLnBrk="1" fontAlgn="base" hangingPunct="1">
+              <a:spcBef>
+                <a:spcPct val="0"/>
+              </a:spcBef>
+              <a:spcAft>
+                <a:spcPct val="0"/>
+              </a:spcAft>
+              <a:defRPr sz="4400">
+                <a:solidFill>
+                  <a:srgbClr val="000099"/>
+                </a:solidFill>
+                <a:latin typeface="Gill Sans MT" pitchFamily="34" charset="0"/>
+                <a:cs typeface="Arial" charset="0"/>
+              </a:defRPr>
+            </a:lvl6pPr>
+            <a:lvl7pPr marL="914400" algn="l" rtl="0" eaLnBrk="1" fontAlgn="base" hangingPunct="1">
+              <a:spcBef>
+                <a:spcPct val="0"/>
+              </a:spcBef>
+              <a:spcAft>
+                <a:spcPct val="0"/>
+              </a:spcAft>
+              <a:defRPr sz="4400">
+                <a:solidFill>
+                  <a:srgbClr val="000099"/>
+                </a:solidFill>
+                <a:latin typeface="Gill Sans MT" pitchFamily="34" charset="0"/>
+                <a:cs typeface="Arial" charset="0"/>
+              </a:defRPr>
+            </a:lvl7pPr>
+            <a:lvl8pPr marL="1371600" algn="l" rtl="0" eaLnBrk="1" fontAlgn="base" hangingPunct="1">
+              <a:spcBef>
+                <a:spcPct val="0"/>
+              </a:spcBef>
+              <a:spcAft>
+                <a:spcPct val="0"/>
+              </a:spcAft>
+              <a:defRPr sz="4400">
+                <a:solidFill>
+                  <a:srgbClr val="000099"/>
+                </a:solidFill>
+                <a:latin typeface="Gill Sans MT" pitchFamily="34" charset="0"/>
+                <a:cs typeface="Arial" charset="0"/>
+              </a:defRPr>
+            </a:lvl8pPr>
+            <a:lvl9pPr marL="1828800" algn="l" rtl="0" eaLnBrk="1" fontAlgn="base" hangingPunct="1">
+              <a:spcBef>
+                <a:spcPct val="0"/>
+              </a:spcBef>
+              <a:spcAft>
+                <a:spcPct val="0"/>
+              </a:spcAft>
+              <a:defRPr sz="4400">
+                <a:solidFill>
+                  <a:srgbClr val="000099"/>
+                </a:solidFill>
+                <a:latin typeface="Gill Sans MT" pitchFamily="34" charset="0"/>
+                <a:cs typeface="Arial" charset="0"/>
+              </a:defRPr>
+            </a:lvl9pPr>
+          </a:lstStyle>
+          <a:p>
+            <a:r>
+              <a:rPr lang="zh-TW" altLang="en-US" kern="0" dirty="0"/>
+              <a:t>小技巧</a:t>
+            </a:r>
+            <a:r>
+              <a:rPr lang="en-US" altLang="zh-TW" kern="0" dirty="0"/>
+              <a:t>-</a:t>
+            </a:r>
+            <a:r>
+              <a:rPr lang="zh-TW" altLang="en-US" kern="0" dirty="0"/>
+              <a:t>較少圖形量</a:t>
+            </a:r>
+            <a:endParaRPr lang="en-US" altLang="zh-TW" dirty="0"/>
+          </a:p>
+        </p:txBody>
+      </p:sp>
+    </p:spTree>
+    <p:extLst>
+      <p:ext uri="{BB962C8B-B14F-4D97-AF65-F5344CB8AC3E}">
+        <p14:creationId xmlns:p14="http://schemas.microsoft.com/office/powerpoint/2010/main" val="371805952"/>
+      </p:ext>
+    </p:extLst>
+  </p:cSld>
+  <p:clrMapOvr>
+    <a:masterClrMapping/>
+  </p:clrMapOvr>
+</p:sld>
+</file>
+
+<file path=ppt/slides/slide53.xml><?xml version="1.0" encoding="utf-8"?>
+<p:sld xmlns:a="http://schemas.openxmlformats.org/drawingml/2006/main" xmlns:r="http://schemas.openxmlformats.org/officeDocument/2006/relationships" xmlns:p="http://schemas.openxmlformats.org/presentationml/2006/main">
+  <p:cSld>
+    <p:spTree>
+      <p:nvGrpSpPr>
+        <p:cNvPr id="1" name=""/>
+        <p:cNvGrpSpPr/>
+        <p:nvPr/>
+      </p:nvGrpSpPr>
+      <p:grpSpPr>
+        <a:xfrm>
+          <a:off x="0" y="0"/>
+          <a:ext cx="0" cy="0"/>
+          <a:chOff x="0" y="0"/>
+          <a:chExt cx="0" cy="0"/>
+        </a:xfrm>
+      </p:grpSpPr>
+      <mc:AlternateContent xmlns:mc="http://schemas.openxmlformats.org/markup-compatibility/2006" xmlns:a14="http://schemas.microsoft.com/office/drawing/2010/main">
+        <mc:Choice Requires="a14">
+          <p:sp>
+            <p:nvSpPr>
+              <p:cNvPr id="3" name="內容版面配置區 2"/>
+              <p:cNvSpPr>
+                <a:spLocks noGrp="1"/>
+              </p:cNvSpPr>
+              <p:nvPr>
+                <p:ph idx="1"/>
+              </p:nvPr>
+            </p:nvSpPr>
+            <p:spPr>
+              <a:xfrm>
+                <a:off x="711200" y="1444164"/>
+                <a:ext cx="10363200" cy="4648200"/>
+              </a:xfrm>
+            </p:spPr>
+            <p:txBody>
+              <a:bodyPr/>
+              <a:lstStyle/>
+              <a:p>
+                <a:pPr>
+                  <a:buFont typeface="Wingdings" pitchFamily="2" charset="2"/>
+                  <a:buChar char="p"/>
+                </a:pPr>
+                <a:r>
+                  <a:rPr lang="zh-TW" altLang="en-US" sz="3200" dirty="0"/>
+                  <a:t>可使用左右</a:t>
+                </a:r>
+                <a:r>
+                  <a:rPr lang="en-US" altLang="zh-TW" sz="3200" dirty="0"/>
+                  <a:t>Y</a:t>
+                </a:r>
+                <a:r>
+                  <a:rPr lang="zh-TW" altLang="en-US" sz="3200" dirty="0"/>
+                  <a:t>軸</a:t>
+                </a:r>
+                <a:endParaRPr lang="en-US" altLang="zh-TW" sz="3200" dirty="0"/>
+              </a:p>
+              <a:p>
+                <a:pPr>
+                  <a:buFont typeface="Wingdings" pitchFamily="2" charset="2"/>
+                  <a:buChar char="p"/>
+                </a:pPr>
+                <a:r>
+                  <a:rPr lang="zh-TW" altLang="en-US" sz="3200" dirty="0"/>
+                  <a:t>兩段，且使用</a:t>
+                </a:r>
+                <a14:m>
+                  <m:oMath xmlns:m="http://schemas.openxmlformats.org/officeDocument/2006/math">
+                    <m:r>
+                      <a:rPr lang="zh-TW" altLang="en-US" sz="3200" i="1" smtClean="0">
+                        <a:latin typeface="Cambria Math" panose="02040503050406030204" pitchFamily="18" charset="0"/>
+                      </a:rPr>
+                      <m:t>≈</m:t>
+                    </m:r>
+                  </m:oMath>
+                </a14:m>
+                <a:r>
+                  <a:rPr lang="zh-TW" altLang="en-US" sz="3200" dirty="0"/>
+                  <a:t>來跳躍</a:t>
+                </a:r>
+                <a:endParaRPr lang="en-US" altLang="zh-TW" sz="3200" dirty="0"/>
+              </a:p>
+              <a:p>
+                <a:pPr>
+                  <a:buFont typeface="Wingdings" pitchFamily="2" charset="2"/>
+                  <a:buChar char="p"/>
+                </a:pPr>
+                <a:r>
+                  <a:rPr lang="zh-TW" altLang="en-US" sz="3200" dirty="0"/>
+                  <a:t>使用</a:t>
+                </a:r>
+                <a:r>
+                  <a:rPr lang="en-US" altLang="zh-TW" sz="3200" dirty="0"/>
+                  <a:t>log</a:t>
+                </a:r>
+              </a:p>
+              <a:p>
+                <a:pPr>
+                  <a:buFont typeface="Wingdings" pitchFamily="2" charset="2"/>
+                  <a:buChar char="p"/>
+                </a:pPr>
+                <a:endParaRPr lang="en-US" altLang="zh-TW" dirty="0"/>
+              </a:p>
+              <a:p>
+                <a:pPr>
+                  <a:buNone/>
+                </a:pPr>
+                <a:endParaRPr lang="zh-TW" altLang="en-US" dirty="0"/>
+              </a:p>
+            </p:txBody>
+          </p:sp>
+        </mc:Choice>
+        <mc:Fallback xmlns="">
+          <p:sp>
+            <p:nvSpPr>
+              <p:cNvPr id="3" name="內容版面配置區 2"/>
+              <p:cNvSpPr>
+                <a:spLocks noGrp="1" noRot="1" noChangeAspect="1" noMove="1" noResize="1" noEditPoints="1" noAdjustHandles="1" noChangeArrowheads="1" noChangeShapeType="1" noTextEdit="1"/>
+              </p:cNvSpPr>
+              <p:nvPr>
+                <p:ph idx="1"/>
+              </p:nvPr>
+            </p:nvSpPr>
+            <p:spPr>
+              <a:xfrm>
+                <a:off x="711200" y="1444164"/>
+                <a:ext cx="10363200" cy="4648200"/>
+              </a:xfrm>
+              <a:blipFill>
+                <a:blip r:embed="rId3"/>
+                <a:stretch>
+                  <a:fillRect l="-588" t="-3412"/>
+                </a:stretch>
+              </a:blipFill>
+            </p:spPr>
+            <p:txBody>
+              <a:bodyPr/>
+              <a:lstStyle/>
+              <a:p>
+                <a:r>
+                  <a:rPr lang="zh-TW" altLang="en-US">
+                    <a:noFill/>
+                  </a:rPr>
+                  <a:t> </a:t>
+                </a:r>
+              </a:p>
+            </p:txBody>
+          </p:sp>
+        </mc:Fallback>
+      </mc:AlternateContent>
+      <p:sp>
+        <p:nvSpPr>
+          <p:cNvPr id="2" name="標題 1"/>
+          <p:cNvSpPr>
+            <a:spLocks noGrp="1"/>
+          </p:cNvSpPr>
+          <p:nvPr>
+            <p:ph type="title"/>
+          </p:nvPr>
+        </p:nvSpPr>
+        <p:spPr/>
+        <p:txBody>
+          <a:bodyPr/>
+          <a:lstStyle/>
+          <a:p>
+            <a:br>
+              <a:rPr lang="en-US" altLang="zh-TW" dirty="0"/>
+            </a:br>
+            <a:endParaRPr lang="zh-TW" altLang="en-US" dirty="0"/>
+          </a:p>
+        </p:txBody>
+      </p:sp>
+      <p:sp>
+        <p:nvSpPr>
+          <p:cNvPr id="4" name="投影片編號版面配置區 3"/>
+          <p:cNvSpPr>
+            <a:spLocks noGrp="1"/>
+          </p:cNvSpPr>
+          <p:nvPr>
+            <p:ph type="sldNum" sz="quarter" idx="11"/>
+          </p:nvPr>
+        </p:nvSpPr>
+        <p:spPr/>
+        <p:txBody>
+          <a:bodyPr/>
+          <a:lstStyle/>
+          <a:p>
+            <a:fld id="{455104A0-FBBA-457A-A960-88D7301F92DC}" type="slidenum">
+              <a:rPr lang="zh-TW" altLang="en-US" smtClean="0"/>
+              <a:pPr/>
+              <a:t>53</a:t>
+            </a:fld>
+            <a:endParaRPr lang="zh-TW" altLang="en-US"/>
+          </a:p>
+          <a:p>
+            <a:endParaRPr lang="zh-TW" altLang="en-US" dirty="0"/>
+          </a:p>
+        </p:txBody>
+      </p:sp>
+      <p:pic>
+        <p:nvPicPr>
+          <p:cNvPr id="1026" name="Picture 2" descr="半對數圖- 維基百科，自由的百科全書"/>
+          <p:cNvPicPr>
+            <a:picLocks noChangeAspect="1" noChangeArrowheads="1"/>
+          </p:cNvPicPr>
+          <p:nvPr/>
+        </p:nvPicPr>
+        <p:blipFill>
+          <a:blip r:embed="rId4">
+            <a:extLst>
+              <a:ext uri="{28A0092B-C50C-407E-A947-70E740481C1C}">
+                <a14:useLocalDpi xmlns:a14="http://schemas.microsoft.com/office/drawing/2010/main" val="0"/>
+              </a:ext>
+            </a:extLst>
+          </a:blip>
+          <a:srcRect/>
+          <a:stretch>
+            <a:fillRect/>
+          </a:stretch>
+        </p:blipFill>
+        <p:spPr bwMode="auto">
+          <a:xfrm>
+            <a:off x="155575" y="-593725"/>
+            <a:ext cx="1238250" cy="1238250"/>
+          </a:xfrm>
+          <a:prstGeom prst="rect">
+            <a:avLst/>
+          </a:prstGeom>
+          <a:noFill/>
+          <a:extLst>
+            <a:ext uri="{909E8E84-426E-40DD-AFC4-6F175D3DCCD1}">
+              <a14:hiddenFill xmlns:a14="http://schemas.microsoft.com/office/drawing/2010/main">
+                <a:solidFill>
+                  <a:srgbClr val="FFFFFF"/>
+                </a:solidFill>
+              </a14:hiddenFill>
+            </a:ext>
+          </a:extLst>
+        </p:spPr>
+      </p:pic>
+      <p:sp>
+        <p:nvSpPr>
+          <p:cNvPr id="10" name="標題 3"/>
+          <p:cNvSpPr txBox="1">
+            <a:spLocks/>
+          </p:cNvSpPr>
+          <p:nvPr/>
+        </p:nvSpPr>
+        <p:spPr bwMode="auto">
+          <a:xfrm>
+            <a:off x="774700" y="259225"/>
+            <a:ext cx="10363200" cy="1143000"/>
+          </a:xfrm>
+          <a:prstGeom prst="rect">
+            <a:avLst/>
+          </a:prstGeom>
+          <a:noFill/>
+          <a:ln>
+            <a:noFill/>
+          </a:ln>
+          <a:extLst>
+            <a:ext uri="{909E8E84-426E-40DD-AFC4-6F175D3DCCD1}">
+              <a14:hiddenFill xmlns:a14="http://schemas.microsoft.com/office/drawing/2010/main">
+                <a:solidFill>
+                  <a:srgbClr val="FFFFFF"/>
+                </a:solidFill>
+              </a14:hiddenFill>
+            </a:ext>
+            <a:ext uri="{91240B29-F687-4F45-9708-019B960494DF}">
+              <a14:hiddenLine xmlns:a14="http://schemas.microsoft.com/office/drawing/2010/main" w="9525">
+                <a:solidFill>
+                  <a:srgbClr val="000000"/>
+                </a:solidFill>
+                <a:miter lim="800000"/>
+                <a:headEnd/>
+                <a:tailEnd/>
+              </a14:hiddenLine>
+            </a:ext>
+          </a:extLst>
+        </p:spPr>
+        <p:txBody>
+          <a:bodyPr vert="horz" wrap="square" lIns="91440" tIns="45720" rIns="91440" bIns="45720" numCol="1" anchor="ctr" anchorCtr="0" compatLnSpc="1">
+            <a:prstTxWarp prst="textNoShape">
+              <a:avLst/>
+            </a:prstTxWarp>
+          </a:bodyPr>
+          <a:lstStyle>
+            <a:lvl1pPr algn="l" rtl="0" eaLnBrk="1" fontAlgn="base" hangingPunct="1">
+              <a:spcBef>
+                <a:spcPct val="0"/>
+              </a:spcBef>
+              <a:spcAft>
+                <a:spcPct val="0"/>
+              </a:spcAft>
+              <a:defRPr sz="4400">
+                <a:solidFill>
+                  <a:srgbClr val="000099"/>
+                </a:solidFill>
+                <a:latin typeface="Times New Roman" panose="02020603050405020304" pitchFamily="18" charset="0"/>
+                <a:ea typeface="標楷體" panose="03000509000000000000" pitchFamily="65" charset="-120"/>
+                <a:cs typeface="Times New Roman" panose="02020603050405020304" pitchFamily="18" charset="0"/>
+              </a:defRPr>
+            </a:lvl1pPr>
+            <a:lvl2pPr algn="l" rtl="0" eaLnBrk="1" fontAlgn="base" hangingPunct="1">
+              <a:spcBef>
+                <a:spcPct val="0"/>
+              </a:spcBef>
+              <a:spcAft>
+                <a:spcPct val="0"/>
+              </a:spcAft>
+              <a:defRPr sz="4400">
+                <a:solidFill>
+                  <a:srgbClr val="000099"/>
+                </a:solidFill>
+                <a:latin typeface="Gill Sans MT" pitchFamily="34" charset="0"/>
+                <a:ea typeface="ＭＳ Ｐゴシック" charset="0"/>
+                <a:cs typeface="Arial" charset="0"/>
+              </a:defRPr>
+            </a:lvl2pPr>
+            <a:lvl3pPr algn="l" rtl="0" eaLnBrk="1" fontAlgn="base" hangingPunct="1">
+              <a:spcBef>
+                <a:spcPct val="0"/>
+              </a:spcBef>
+              <a:spcAft>
+                <a:spcPct val="0"/>
+              </a:spcAft>
+              <a:defRPr sz="4400">
+                <a:solidFill>
+                  <a:srgbClr val="000099"/>
+                </a:solidFill>
+                <a:latin typeface="Gill Sans MT" pitchFamily="34" charset="0"/>
+                <a:ea typeface="ＭＳ Ｐゴシック" charset="0"/>
+                <a:cs typeface="Arial" charset="0"/>
+              </a:defRPr>
+            </a:lvl3pPr>
+            <a:lvl4pPr algn="l" rtl="0" eaLnBrk="1" fontAlgn="base" hangingPunct="1">
+              <a:spcBef>
+                <a:spcPct val="0"/>
+              </a:spcBef>
+              <a:spcAft>
+                <a:spcPct val="0"/>
+              </a:spcAft>
+              <a:defRPr sz="4400">
+                <a:solidFill>
+                  <a:srgbClr val="000099"/>
+                </a:solidFill>
+                <a:latin typeface="Gill Sans MT" pitchFamily="34" charset="0"/>
+                <a:ea typeface="ＭＳ Ｐゴシック" charset="0"/>
+                <a:cs typeface="Arial" charset="0"/>
+              </a:defRPr>
+            </a:lvl4pPr>
+            <a:lvl5pPr algn="l" rtl="0" eaLnBrk="1" fontAlgn="base" hangingPunct="1">
+              <a:spcBef>
+                <a:spcPct val="0"/>
+              </a:spcBef>
+              <a:spcAft>
+                <a:spcPct val="0"/>
+              </a:spcAft>
+              <a:defRPr sz="4400">
+                <a:solidFill>
+                  <a:srgbClr val="000099"/>
+                </a:solidFill>
+                <a:latin typeface="Gill Sans MT" pitchFamily="34" charset="0"/>
+                <a:ea typeface="ＭＳ Ｐゴシック" charset="0"/>
+                <a:cs typeface="Arial" charset="0"/>
+              </a:defRPr>
+            </a:lvl5pPr>
+            <a:lvl6pPr marL="457200" algn="l" rtl="0" eaLnBrk="1" fontAlgn="base" hangingPunct="1">
+              <a:spcBef>
+                <a:spcPct val="0"/>
+              </a:spcBef>
+              <a:spcAft>
+                <a:spcPct val="0"/>
+              </a:spcAft>
+              <a:defRPr sz="4400">
+                <a:solidFill>
+                  <a:srgbClr val="000099"/>
+                </a:solidFill>
+                <a:latin typeface="Gill Sans MT" pitchFamily="34" charset="0"/>
+                <a:cs typeface="Arial" charset="0"/>
+              </a:defRPr>
+            </a:lvl6pPr>
+            <a:lvl7pPr marL="914400" algn="l" rtl="0" eaLnBrk="1" fontAlgn="base" hangingPunct="1">
+              <a:spcBef>
+                <a:spcPct val="0"/>
+              </a:spcBef>
+              <a:spcAft>
+                <a:spcPct val="0"/>
+              </a:spcAft>
+              <a:defRPr sz="4400">
+                <a:solidFill>
+                  <a:srgbClr val="000099"/>
+                </a:solidFill>
+                <a:latin typeface="Gill Sans MT" pitchFamily="34" charset="0"/>
+                <a:cs typeface="Arial" charset="0"/>
+              </a:defRPr>
+            </a:lvl7pPr>
+            <a:lvl8pPr marL="1371600" algn="l" rtl="0" eaLnBrk="1" fontAlgn="base" hangingPunct="1">
+              <a:spcBef>
+                <a:spcPct val="0"/>
+              </a:spcBef>
+              <a:spcAft>
+                <a:spcPct val="0"/>
+              </a:spcAft>
+              <a:defRPr sz="4400">
+                <a:solidFill>
+                  <a:srgbClr val="000099"/>
+                </a:solidFill>
+                <a:latin typeface="Gill Sans MT" pitchFamily="34" charset="0"/>
+                <a:cs typeface="Arial" charset="0"/>
+              </a:defRPr>
+            </a:lvl8pPr>
+            <a:lvl9pPr marL="1828800" algn="l" rtl="0" eaLnBrk="1" fontAlgn="base" hangingPunct="1">
+              <a:spcBef>
+                <a:spcPct val="0"/>
+              </a:spcBef>
+              <a:spcAft>
+                <a:spcPct val="0"/>
+              </a:spcAft>
+              <a:defRPr sz="4400">
+                <a:solidFill>
+                  <a:srgbClr val="000099"/>
+                </a:solidFill>
+                <a:latin typeface="Gill Sans MT" pitchFamily="34" charset="0"/>
+                <a:cs typeface="Arial" charset="0"/>
+              </a:defRPr>
+            </a:lvl9pPr>
+          </a:lstStyle>
+          <a:p>
+            <a:r>
+              <a:rPr lang="zh-TW" altLang="en-US" kern="0" dirty="0"/>
+              <a:t>小技巧</a:t>
+            </a:r>
+            <a:r>
+              <a:rPr lang="en-US" altLang="zh-TW" kern="0" dirty="0"/>
+              <a:t>-</a:t>
+            </a:r>
+            <a:r>
+              <a:rPr lang="en-US" altLang="zh-TW" dirty="0"/>
+              <a:t>Y</a:t>
+            </a:r>
+            <a:r>
+              <a:rPr lang="zh-TW" altLang="en-US" dirty="0"/>
+              <a:t>軸範圍大大</a:t>
+            </a:r>
+            <a:r>
+              <a:rPr lang="en-US" altLang="zh-TW" dirty="0"/>
+              <a:t>(</a:t>
+            </a:r>
+            <a:r>
+              <a:rPr lang="zh-TW" altLang="en-US" dirty="0"/>
+              <a:t>圖形不好觀察</a:t>
+            </a:r>
+            <a:r>
+              <a:rPr lang="en-US" altLang="zh-TW"/>
+              <a:t>)</a:t>
+            </a:r>
+            <a:endParaRPr lang="en-US" altLang="zh-TW" dirty="0"/>
+          </a:p>
+        </p:txBody>
+      </p:sp>
+      <p:pic>
+        <p:nvPicPr>
+          <p:cNvPr id="6" name="圖片 5"/>
+          <p:cNvPicPr>
+            <a:picLocks noChangeAspect="1"/>
+          </p:cNvPicPr>
+          <p:nvPr/>
+        </p:nvPicPr>
+        <p:blipFill>
+          <a:blip r:embed="rId4">
+            <a:extLst>
+              <a:ext uri="{28A0092B-C50C-407E-A947-70E740481C1C}">
+                <a14:useLocalDpi xmlns:a14="http://schemas.microsoft.com/office/drawing/2010/main" val="0"/>
+              </a:ext>
+            </a:extLst>
+          </a:blip>
+          <a:stretch>
+            <a:fillRect/>
+          </a:stretch>
+        </p:blipFill>
+        <p:spPr>
+          <a:xfrm>
+            <a:off x="6830238" y="1444164"/>
+            <a:ext cx="5116785" cy="5116785"/>
+          </a:xfrm>
+          <a:prstGeom prst="rect">
+            <a:avLst/>
+          </a:prstGeom>
+        </p:spPr>
+      </p:pic>
+      <p:pic>
+        <p:nvPicPr>
+          <p:cNvPr id="5" name="圖片 4"/>
+          <p:cNvPicPr>
+            <a:picLocks noChangeAspect="1"/>
+          </p:cNvPicPr>
+          <p:nvPr/>
+        </p:nvPicPr>
+        <p:blipFill>
+          <a:blip r:embed="rId5"/>
+          <a:stretch>
+            <a:fillRect/>
+          </a:stretch>
+        </p:blipFill>
+        <p:spPr>
+          <a:xfrm>
+            <a:off x="1209675" y="2886076"/>
+            <a:ext cx="4886325" cy="3714750"/>
+          </a:xfrm>
+          <a:prstGeom prst="rect">
+            <a:avLst/>
+          </a:prstGeom>
+        </p:spPr>
+      </p:pic>
+      <p:sp>
+        <p:nvSpPr>
+          <p:cNvPr id="7" name="矩形 6">
+            <a:extLst>
+              <a:ext uri="{FF2B5EF4-FFF2-40B4-BE49-F238E27FC236}">
+                <a16:creationId xmlns:a16="http://schemas.microsoft.com/office/drawing/2014/main" id="{BCDCF3FC-DD31-132A-1B27-196BF79DC043}"/>
+              </a:ext>
+            </a:extLst>
+          </p:cNvPr>
+          <p:cNvSpPr/>
+          <p:nvPr/>
+        </p:nvSpPr>
+        <p:spPr bwMode="auto">
+          <a:xfrm>
+            <a:off x="1114767" y="4900900"/>
+            <a:ext cx="5116785" cy="1013024"/>
+          </a:xfrm>
+          <a:prstGeom prst="rect">
+            <a:avLst/>
+          </a:prstGeom>
+          <a:noFill/>
+          <a:ln w="19050" cap="flat" cmpd="sng" algn="ctr">
+            <a:solidFill>
+              <a:srgbClr val="FF0000"/>
+            </a:solidFill>
+            <a:prstDash val="solid"/>
+            <a:round/>
+            <a:headEnd type="none" w="med" len="med"/>
+            <a:tailEnd type="none" w="med" len="med"/>
+          </a:ln>
+          <a:effectLst/>
+        </p:spPr>
+        <p:txBody>
+          <a:bodyPr vert="horz" wrap="square" lIns="91440" tIns="45720" rIns="91440" bIns="45720" numCol="1" rtlCol="0" anchor="t" anchorCtr="0" compatLnSpc="1">
+            <a:prstTxWarp prst="textNoShape">
+              <a:avLst/>
+            </a:prstTxWarp>
+          </a:bodyPr>
+          <a:lstStyle/>
+          <a:p>
+            <a:pPr marL="0" marR="0" indent="0" algn="l" defTabSz="914400" rtl="0" eaLnBrk="0" fontAlgn="base" latinLnBrk="0" hangingPunct="0">
+              <a:lnSpc>
+                <a:spcPct val="100000"/>
+              </a:lnSpc>
+              <a:spcBef>
+                <a:spcPct val="0"/>
+              </a:spcBef>
+              <a:spcAft>
+                <a:spcPct val="0"/>
+              </a:spcAft>
+              <a:buClrTx/>
+              <a:buSzTx/>
+              <a:buFontTx/>
+              <a:buNone/>
+              <a:tabLst/>
+            </a:pPr>
+            <a:endParaRPr kumimoji="0" lang="zh-TW" altLang="en-US" sz="2400" b="0" i="0" u="none" strike="noStrike" cap="none" normalizeH="0" baseline="0">
+              <a:ln>
+                <a:noFill/>
+              </a:ln>
+              <a:solidFill>
+                <a:schemeClr val="tx1"/>
+              </a:solidFill>
+              <a:effectLst/>
+              <a:latin typeface="Arial" charset="0"/>
+            </a:endParaRPr>
+          </a:p>
+        </p:txBody>
+      </p:sp>
+    </p:spTree>
+    <p:extLst>
+      <p:ext uri="{BB962C8B-B14F-4D97-AF65-F5344CB8AC3E}">
+        <p14:creationId xmlns:p14="http://schemas.microsoft.com/office/powerpoint/2010/main" val="281621007"/>
+      </p:ext>
+    </p:extLst>
+  </p:cSld>
+  <p:clrMapOvr>
+    <a:masterClrMapping/>
+  </p:clrMapOvr>
+</p:sld>
+</file>
+
+<file path=ppt/slides/slide54.xml><?xml version="1.0" encoding="utf-8"?>
+<p:sld xmlns:a="http://schemas.openxmlformats.org/drawingml/2006/main" xmlns:r="http://schemas.openxmlformats.org/officeDocument/2006/relationships" xmlns:p="http://schemas.openxmlformats.org/presentationml/2006/main">
+  <p:cSld>
+    <p:spTree>
+      <p:nvGrpSpPr>
+        <p:cNvPr id="1" name=""/>
+        <p:cNvGrpSpPr/>
+        <p:nvPr/>
+      </p:nvGrpSpPr>
+      <p:grpSpPr>
+        <a:xfrm>
+          <a:off x="0" y="0"/>
+          <a:ext cx="0" cy="0"/>
+          <a:chOff x="0" y="0"/>
+          <a:chExt cx="0" cy="0"/>
+        </a:xfrm>
+      </p:grpSpPr>
+      <p:sp>
+        <p:nvSpPr>
+          <p:cNvPr id="3" name="內容版面配置區 2"/>
+          <p:cNvSpPr>
+            <a:spLocks noGrp="1"/>
+          </p:cNvSpPr>
+          <p:nvPr>
+            <p:ph idx="1"/>
+          </p:nvPr>
+        </p:nvSpPr>
+        <p:spPr>
+          <a:xfrm>
+            <a:off x="711200" y="1444164"/>
+            <a:ext cx="10363200" cy="4648200"/>
+          </a:xfrm>
+        </p:spPr>
+        <p:txBody>
+          <a:bodyPr/>
+          <a:lstStyle/>
+          <a:p>
+            <a:pPr>
+              <a:buFont typeface="Wingdings" pitchFamily="2" charset="2"/>
+              <a:buChar char="p"/>
+            </a:pPr>
+            <a:r>
+              <a:rPr lang="zh-TW" altLang="en-US" sz="3200" dirty="0"/>
+              <a:t>信賴區間</a:t>
+            </a:r>
+            <a:endParaRPr lang="en-US" altLang="zh-TW" sz="3200" dirty="0"/>
+          </a:p>
+          <a:p>
+            <a:pPr>
+              <a:buFont typeface="Wingdings" pitchFamily="2" charset="2"/>
+              <a:buChar char="p"/>
+            </a:pPr>
+            <a:endParaRPr lang="en-US" altLang="zh-TW" dirty="0"/>
+          </a:p>
+          <a:p>
+            <a:pPr>
+              <a:buFont typeface="Wingdings" pitchFamily="2" charset="2"/>
+              <a:buChar char="p"/>
+            </a:pPr>
+            <a:endParaRPr lang="en-US" altLang="zh-TW" dirty="0"/>
+          </a:p>
+          <a:p>
+            <a:pPr>
+              <a:buNone/>
+            </a:pPr>
+            <a:endParaRPr lang="zh-TW" altLang="en-US" dirty="0"/>
+          </a:p>
+        </p:txBody>
+      </p:sp>
+      <p:sp>
+        <p:nvSpPr>
+          <p:cNvPr id="2" name="標題 1"/>
+          <p:cNvSpPr>
+            <a:spLocks noGrp="1"/>
+          </p:cNvSpPr>
+          <p:nvPr>
+            <p:ph type="title"/>
+          </p:nvPr>
+        </p:nvSpPr>
+        <p:spPr/>
+        <p:txBody>
+          <a:bodyPr/>
+          <a:lstStyle/>
+          <a:p>
+            <a:br>
+              <a:rPr lang="en-US" altLang="zh-TW" dirty="0"/>
+            </a:br>
+            <a:endParaRPr lang="zh-TW" altLang="en-US" dirty="0"/>
+          </a:p>
+        </p:txBody>
+      </p:sp>
+      <p:sp>
+        <p:nvSpPr>
+          <p:cNvPr id="4" name="投影片編號版面配置區 3"/>
+          <p:cNvSpPr>
+            <a:spLocks noGrp="1"/>
+          </p:cNvSpPr>
+          <p:nvPr>
+            <p:ph type="sldNum" sz="quarter" idx="11"/>
+          </p:nvPr>
+        </p:nvSpPr>
+        <p:spPr/>
+        <p:txBody>
+          <a:bodyPr/>
+          <a:lstStyle/>
+          <a:p>
+            <a:fld id="{455104A0-FBBA-457A-A960-88D7301F92DC}" type="slidenum">
+              <a:rPr lang="zh-TW" altLang="en-US" smtClean="0"/>
+              <a:pPr/>
+              <a:t>54</a:t>
+            </a:fld>
+            <a:endParaRPr lang="zh-TW" altLang="en-US"/>
+          </a:p>
+          <a:p>
+            <a:endParaRPr lang="zh-TW" altLang="en-US" dirty="0"/>
+          </a:p>
+        </p:txBody>
+      </p:sp>
+      <p:pic>
+        <p:nvPicPr>
+          <p:cNvPr id="1026" name="Picture 2" descr="半對數圖- 維基百科，自由的百科全書"/>
+          <p:cNvPicPr>
+            <a:picLocks noChangeAspect="1" noChangeArrowheads="1"/>
+          </p:cNvPicPr>
+          <p:nvPr/>
+        </p:nvPicPr>
+        <p:blipFill>
+          <a:blip r:embed="rId2">
+            <a:extLst>
+              <a:ext uri="{28A0092B-C50C-407E-A947-70E740481C1C}">
+                <a14:useLocalDpi xmlns:a14="http://schemas.microsoft.com/office/drawing/2010/main" val="0"/>
+              </a:ext>
+            </a:extLst>
+          </a:blip>
+          <a:srcRect/>
+          <a:stretch>
+            <a:fillRect/>
+          </a:stretch>
+        </p:blipFill>
+        <p:spPr bwMode="auto">
+          <a:xfrm>
+            <a:off x="155575" y="-593725"/>
+            <a:ext cx="1238250" cy="1238250"/>
+          </a:xfrm>
+          <a:prstGeom prst="rect">
+            <a:avLst/>
+          </a:prstGeom>
+          <a:noFill/>
+          <a:extLst>
+            <a:ext uri="{909E8E84-426E-40DD-AFC4-6F175D3DCCD1}">
+              <a14:hiddenFill xmlns:a14="http://schemas.microsoft.com/office/drawing/2010/main">
+                <a:solidFill>
+                  <a:srgbClr val="FFFFFF"/>
+                </a:solidFill>
+              </a14:hiddenFill>
+            </a:ext>
+          </a:extLst>
+        </p:spPr>
+      </p:pic>
+      <p:sp>
+        <p:nvSpPr>
+          <p:cNvPr id="10" name="標題 3"/>
+          <p:cNvSpPr txBox="1">
+            <a:spLocks/>
+          </p:cNvSpPr>
+          <p:nvPr/>
+        </p:nvSpPr>
+        <p:spPr bwMode="auto">
+          <a:xfrm>
+            <a:off x="774700" y="259225"/>
+            <a:ext cx="10363200" cy="1143000"/>
+          </a:xfrm>
+          <a:prstGeom prst="rect">
+            <a:avLst/>
+          </a:prstGeom>
+          <a:noFill/>
+          <a:ln>
+            <a:noFill/>
+          </a:ln>
+          <a:extLst>
+            <a:ext uri="{909E8E84-426E-40DD-AFC4-6F175D3DCCD1}">
+              <a14:hiddenFill xmlns:a14="http://schemas.microsoft.com/office/drawing/2010/main">
+                <a:solidFill>
+                  <a:srgbClr val="FFFFFF"/>
+                </a:solidFill>
+              </a14:hiddenFill>
+            </a:ext>
+            <a:ext uri="{91240B29-F687-4F45-9708-019B960494DF}">
+              <a14:hiddenLine xmlns:a14="http://schemas.microsoft.com/office/drawing/2010/main" w="9525">
+                <a:solidFill>
+                  <a:srgbClr val="000000"/>
+                </a:solidFill>
+                <a:miter lim="800000"/>
+                <a:headEnd/>
+                <a:tailEnd/>
+              </a14:hiddenLine>
+            </a:ext>
+          </a:extLst>
+        </p:spPr>
+        <p:txBody>
+          <a:bodyPr vert="horz" wrap="square" lIns="91440" tIns="45720" rIns="91440" bIns="45720" numCol="1" anchor="ctr" anchorCtr="0" compatLnSpc="1">
+            <a:prstTxWarp prst="textNoShape">
+              <a:avLst/>
+            </a:prstTxWarp>
+          </a:bodyPr>
+          <a:lstStyle>
+            <a:lvl1pPr algn="l" rtl="0" eaLnBrk="1" fontAlgn="base" hangingPunct="1">
+              <a:spcBef>
+                <a:spcPct val="0"/>
+              </a:spcBef>
+              <a:spcAft>
+                <a:spcPct val="0"/>
+              </a:spcAft>
+              <a:defRPr sz="4400">
+                <a:solidFill>
+                  <a:srgbClr val="000099"/>
+                </a:solidFill>
+                <a:latin typeface="Times New Roman" panose="02020603050405020304" pitchFamily="18" charset="0"/>
+                <a:ea typeface="標楷體" panose="03000509000000000000" pitchFamily="65" charset="-120"/>
+                <a:cs typeface="Times New Roman" panose="02020603050405020304" pitchFamily="18" charset="0"/>
+              </a:defRPr>
+            </a:lvl1pPr>
+            <a:lvl2pPr algn="l" rtl="0" eaLnBrk="1" fontAlgn="base" hangingPunct="1">
+              <a:spcBef>
+                <a:spcPct val="0"/>
+              </a:spcBef>
+              <a:spcAft>
+                <a:spcPct val="0"/>
+              </a:spcAft>
+              <a:defRPr sz="4400">
+                <a:solidFill>
+                  <a:srgbClr val="000099"/>
+                </a:solidFill>
+                <a:latin typeface="Gill Sans MT" pitchFamily="34" charset="0"/>
+                <a:ea typeface="ＭＳ Ｐゴシック" charset="0"/>
+                <a:cs typeface="Arial" charset="0"/>
+              </a:defRPr>
+            </a:lvl2pPr>
+            <a:lvl3pPr algn="l" rtl="0" eaLnBrk="1" fontAlgn="base" hangingPunct="1">
+              <a:spcBef>
+                <a:spcPct val="0"/>
+              </a:spcBef>
+              <a:spcAft>
+                <a:spcPct val="0"/>
+              </a:spcAft>
+              <a:defRPr sz="4400">
+                <a:solidFill>
+                  <a:srgbClr val="000099"/>
+                </a:solidFill>
+                <a:latin typeface="Gill Sans MT" pitchFamily="34" charset="0"/>
+                <a:ea typeface="ＭＳ Ｐゴシック" charset="0"/>
+                <a:cs typeface="Arial" charset="0"/>
+              </a:defRPr>
+            </a:lvl3pPr>
+            <a:lvl4pPr algn="l" rtl="0" eaLnBrk="1" fontAlgn="base" hangingPunct="1">
+              <a:spcBef>
+                <a:spcPct val="0"/>
+              </a:spcBef>
+              <a:spcAft>
+                <a:spcPct val="0"/>
+              </a:spcAft>
+              <a:defRPr sz="4400">
+                <a:solidFill>
+                  <a:srgbClr val="000099"/>
+                </a:solidFill>
+                <a:latin typeface="Gill Sans MT" pitchFamily="34" charset="0"/>
+                <a:ea typeface="ＭＳ Ｐゴシック" charset="0"/>
+                <a:cs typeface="Arial" charset="0"/>
+              </a:defRPr>
+            </a:lvl4pPr>
+            <a:lvl5pPr algn="l" rtl="0" eaLnBrk="1" fontAlgn="base" hangingPunct="1">
+              <a:spcBef>
+                <a:spcPct val="0"/>
+              </a:spcBef>
+              <a:spcAft>
+                <a:spcPct val="0"/>
+              </a:spcAft>
+              <a:defRPr sz="4400">
+                <a:solidFill>
+                  <a:srgbClr val="000099"/>
+                </a:solidFill>
+                <a:latin typeface="Gill Sans MT" pitchFamily="34" charset="0"/>
+                <a:ea typeface="ＭＳ Ｐゴシック" charset="0"/>
+                <a:cs typeface="Arial" charset="0"/>
+              </a:defRPr>
+            </a:lvl5pPr>
+            <a:lvl6pPr marL="457200" algn="l" rtl="0" eaLnBrk="1" fontAlgn="base" hangingPunct="1">
+              <a:spcBef>
+                <a:spcPct val="0"/>
+              </a:spcBef>
+              <a:spcAft>
+                <a:spcPct val="0"/>
+              </a:spcAft>
+              <a:defRPr sz="4400">
+                <a:solidFill>
+                  <a:srgbClr val="000099"/>
+                </a:solidFill>
+                <a:latin typeface="Gill Sans MT" pitchFamily="34" charset="0"/>
+                <a:cs typeface="Arial" charset="0"/>
+              </a:defRPr>
+            </a:lvl6pPr>
+            <a:lvl7pPr marL="914400" algn="l" rtl="0" eaLnBrk="1" fontAlgn="base" hangingPunct="1">
+              <a:spcBef>
+                <a:spcPct val="0"/>
+              </a:spcBef>
+              <a:spcAft>
+                <a:spcPct val="0"/>
+              </a:spcAft>
+              <a:defRPr sz="4400">
+                <a:solidFill>
+                  <a:srgbClr val="000099"/>
+                </a:solidFill>
+                <a:latin typeface="Gill Sans MT" pitchFamily="34" charset="0"/>
+                <a:cs typeface="Arial" charset="0"/>
+              </a:defRPr>
+            </a:lvl7pPr>
+            <a:lvl8pPr marL="1371600" algn="l" rtl="0" eaLnBrk="1" fontAlgn="base" hangingPunct="1">
+              <a:spcBef>
+                <a:spcPct val="0"/>
+              </a:spcBef>
+              <a:spcAft>
+                <a:spcPct val="0"/>
+              </a:spcAft>
+              <a:defRPr sz="4400">
+                <a:solidFill>
+                  <a:srgbClr val="000099"/>
+                </a:solidFill>
+                <a:latin typeface="Gill Sans MT" pitchFamily="34" charset="0"/>
+                <a:cs typeface="Arial" charset="0"/>
+              </a:defRPr>
+            </a:lvl8pPr>
+            <a:lvl9pPr marL="1828800" algn="l" rtl="0" eaLnBrk="1" fontAlgn="base" hangingPunct="1">
+              <a:spcBef>
+                <a:spcPct val="0"/>
+              </a:spcBef>
+              <a:spcAft>
+                <a:spcPct val="0"/>
+              </a:spcAft>
+              <a:defRPr sz="4400">
+                <a:solidFill>
+                  <a:srgbClr val="000099"/>
+                </a:solidFill>
+                <a:latin typeface="Gill Sans MT" pitchFamily="34" charset="0"/>
+                <a:cs typeface="Arial" charset="0"/>
+              </a:defRPr>
+            </a:lvl9pPr>
+          </a:lstStyle>
+          <a:p>
+            <a:r>
+              <a:rPr lang="zh-TW" altLang="en-US" kern="0" dirty="0"/>
+              <a:t>小技巧</a:t>
+            </a:r>
+            <a:r>
+              <a:rPr lang="en-US" altLang="zh-TW" kern="0" dirty="0"/>
+              <a:t>-</a:t>
+            </a:r>
+            <a:r>
+              <a:rPr lang="zh-TW" altLang="en-US" dirty="0"/>
+              <a:t>顯示變異</a:t>
+            </a:r>
+            <a:endParaRPr lang="en-US" altLang="zh-TW" dirty="0"/>
+          </a:p>
+        </p:txBody>
+      </p:sp>
+      <p:pic>
+        <p:nvPicPr>
+          <p:cNvPr id="7" name="圖片 6"/>
+          <p:cNvPicPr>
+            <a:picLocks noChangeAspect="1"/>
+          </p:cNvPicPr>
+          <p:nvPr/>
+        </p:nvPicPr>
+        <p:blipFill>
+          <a:blip r:embed="rId3">
+            <a:extLst>
+              <a:ext uri="{28A0092B-C50C-407E-A947-70E740481C1C}">
+                <a14:useLocalDpi xmlns:a14="http://schemas.microsoft.com/office/drawing/2010/main" val="0"/>
+              </a:ext>
+            </a:extLst>
+          </a:blip>
+          <a:stretch>
+            <a:fillRect/>
+          </a:stretch>
+        </p:blipFill>
+        <p:spPr>
+          <a:xfrm>
+            <a:off x="3439221" y="1563151"/>
+            <a:ext cx="8089928" cy="4868938"/>
+          </a:xfrm>
+          <a:prstGeom prst="rect">
+            <a:avLst/>
+          </a:prstGeom>
+        </p:spPr>
+      </p:pic>
+    </p:spTree>
+    <p:extLst>
+      <p:ext uri="{BB962C8B-B14F-4D97-AF65-F5344CB8AC3E}">
+        <p14:creationId xmlns:p14="http://schemas.microsoft.com/office/powerpoint/2010/main" val="2278397450"/>
+      </p:ext>
+    </p:extLst>
+  </p:cSld>
+  <p:clrMapOvr>
+    <a:masterClrMapping/>
+  </p:clrMapOvr>
+</p:sld>
+</file>
+
+<file path=ppt/slides/slide55.xml><?xml version="1.0" encoding="utf-8"?>
+<p:sld xmlns:a="http://schemas.openxmlformats.org/drawingml/2006/main" xmlns:r="http://schemas.openxmlformats.org/officeDocument/2006/relationships" xmlns:p="http://schemas.openxmlformats.org/presentationml/2006/main">
+  <p:cSld>
+    <p:spTree>
+      <p:nvGrpSpPr>
+        <p:cNvPr id="1" name=""/>
+        <p:cNvGrpSpPr/>
+        <p:nvPr/>
+      </p:nvGrpSpPr>
+      <p:grpSpPr>
+        <a:xfrm>
+          <a:off x="0" y="0"/>
+          <a:ext cx="0" cy="0"/>
+          <a:chOff x="0" y="0"/>
+          <a:chExt cx="0" cy="0"/>
+        </a:xfrm>
+      </p:grpSpPr>
+      <p:sp>
+        <p:nvSpPr>
+          <p:cNvPr id="3" name="內容版面配置區 2"/>
+          <p:cNvSpPr>
+            <a:spLocks noGrp="1"/>
+          </p:cNvSpPr>
+          <p:nvPr>
+            <p:ph idx="1"/>
+          </p:nvPr>
+        </p:nvSpPr>
+        <p:spPr>
+          <a:xfrm>
+            <a:off x="711200" y="1444164"/>
+            <a:ext cx="10363200" cy="4648200"/>
+          </a:xfrm>
+        </p:spPr>
+        <p:txBody>
+          <a:bodyPr/>
+          <a:lstStyle/>
+          <a:p>
+            <a:pPr>
+              <a:buFont typeface="Wingdings" pitchFamily="2" charset="2"/>
+              <a:buChar char="p"/>
+            </a:pPr>
+            <a:r>
+              <a:rPr lang="zh-TW" altLang="en-US" dirty="0"/>
+              <a:t>多</a:t>
+            </a:r>
+            <a:r>
+              <a:rPr lang="en-US" altLang="zh-TW" dirty="0"/>
+              <a:t>bar </a:t>
+            </a:r>
+          </a:p>
+          <a:p>
+            <a:pPr>
+              <a:buFont typeface="Wingdings" pitchFamily="2" charset="2"/>
+              <a:buChar char="p"/>
+            </a:pPr>
+            <a:r>
+              <a:rPr lang="zh-TW" altLang="en-US" dirty="0"/>
+              <a:t>一</a:t>
+            </a:r>
+            <a:r>
+              <a:rPr lang="en-US" altLang="zh-TW" dirty="0"/>
+              <a:t>bar</a:t>
+            </a:r>
+            <a:r>
+              <a:rPr lang="zh-TW" altLang="en-US" dirty="0"/>
+              <a:t>多值</a:t>
+            </a:r>
+            <a:endParaRPr lang="en-US" altLang="zh-TW" dirty="0"/>
+          </a:p>
+          <a:p>
+            <a:pPr>
+              <a:buFont typeface="Wingdings" pitchFamily="2" charset="2"/>
+              <a:buChar char="p"/>
+            </a:pPr>
+            <a:endParaRPr lang="en-US" altLang="zh-TW" dirty="0"/>
+          </a:p>
+          <a:p>
+            <a:pPr>
+              <a:buFont typeface="Wingdings" pitchFamily="2" charset="2"/>
+              <a:buChar char="p"/>
+            </a:pPr>
+            <a:endParaRPr lang="en-US" altLang="zh-TW" dirty="0"/>
+          </a:p>
+          <a:p>
+            <a:pPr>
+              <a:buNone/>
+            </a:pPr>
+            <a:endParaRPr lang="zh-TW" altLang="en-US" dirty="0"/>
+          </a:p>
+        </p:txBody>
+      </p:sp>
+      <p:sp>
+        <p:nvSpPr>
+          <p:cNvPr id="2" name="標題 1"/>
+          <p:cNvSpPr>
+            <a:spLocks noGrp="1"/>
+          </p:cNvSpPr>
+          <p:nvPr>
+            <p:ph type="title"/>
+          </p:nvPr>
+        </p:nvSpPr>
+        <p:spPr/>
+        <p:txBody>
+          <a:bodyPr/>
+          <a:lstStyle/>
+          <a:p>
+            <a:br>
+              <a:rPr lang="en-US" altLang="zh-TW" dirty="0"/>
+            </a:br>
+            <a:endParaRPr lang="zh-TW" altLang="en-US" dirty="0"/>
+          </a:p>
+        </p:txBody>
+      </p:sp>
+      <p:sp>
+        <p:nvSpPr>
+          <p:cNvPr id="4" name="投影片編號版面配置區 3"/>
+          <p:cNvSpPr>
+            <a:spLocks noGrp="1"/>
+          </p:cNvSpPr>
+          <p:nvPr>
+            <p:ph type="sldNum" sz="quarter" idx="11"/>
+          </p:nvPr>
+        </p:nvSpPr>
+        <p:spPr/>
+        <p:txBody>
+          <a:bodyPr/>
+          <a:lstStyle/>
+          <a:p>
+            <a:fld id="{455104A0-FBBA-457A-A960-88D7301F92DC}" type="slidenum">
+              <a:rPr lang="zh-TW" altLang="en-US" smtClean="0"/>
+              <a:pPr/>
+              <a:t>55</a:t>
+            </a:fld>
+            <a:endParaRPr lang="zh-TW" altLang="en-US"/>
+          </a:p>
+          <a:p>
+            <a:endParaRPr lang="zh-TW" altLang="en-US" dirty="0"/>
+          </a:p>
+        </p:txBody>
+      </p:sp>
+      <p:pic>
+        <p:nvPicPr>
+          <p:cNvPr id="1026" name="Picture 2" descr="半對數圖- 維基百科，自由的百科全書"/>
+          <p:cNvPicPr>
+            <a:picLocks noChangeAspect="1" noChangeArrowheads="1"/>
+          </p:cNvPicPr>
+          <p:nvPr/>
+        </p:nvPicPr>
+        <p:blipFill>
+          <a:blip r:embed="rId3">
+            <a:extLst>
+              <a:ext uri="{28A0092B-C50C-407E-A947-70E740481C1C}">
+                <a14:useLocalDpi xmlns:a14="http://schemas.microsoft.com/office/drawing/2010/main" val="0"/>
+              </a:ext>
+            </a:extLst>
+          </a:blip>
+          <a:srcRect/>
+          <a:stretch>
+            <a:fillRect/>
+          </a:stretch>
+        </p:blipFill>
+        <p:spPr bwMode="auto">
+          <a:xfrm>
+            <a:off x="155575" y="-593725"/>
+            <a:ext cx="1238250" cy="1238250"/>
+          </a:xfrm>
+          <a:prstGeom prst="rect">
+            <a:avLst/>
+          </a:prstGeom>
+          <a:noFill/>
+          <a:extLst>
+            <a:ext uri="{909E8E84-426E-40DD-AFC4-6F175D3DCCD1}">
+              <a14:hiddenFill xmlns:a14="http://schemas.microsoft.com/office/drawing/2010/main">
+                <a:solidFill>
+                  <a:srgbClr val="FFFFFF"/>
+                </a:solidFill>
+              </a14:hiddenFill>
+            </a:ext>
+          </a:extLst>
+        </p:spPr>
+      </p:pic>
+      <p:sp>
+        <p:nvSpPr>
+          <p:cNvPr id="10" name="標題 3"/>
+          <p:cNvSpPr txBox="1">
+            <a:spLocks/>
+          </p:cNvSpPr>
+          <p:nvPr/>
+        </p:nvSpPr>
+        <p:spPr bwMode="auto">
+          <a:xfrm>
+            <a:off x="774700" y="259225"/>
+            <a:ext cx="10363200" cy="1143000"/>
+          </a:xfrm>
+          <a:prstGeom prst="rect">
+            <a:avLst/>
+          </a:prstGeom>
+          <a:noFill/>
+          <a:ln>
+            <a:noFill/>
+          </a:ln>
+          <a:extLst>
+            <a:ext uri="{909E8E84-426E-40DD-AFC4-6F175D3DCCD1}">
+              <a14:hiddenFill xmlns:a14="http://schemas.microsoft.com/office/drawing/2010/main">
+                <a:solidFill>
+                  <a:srgbClr val="FFFFFF"/>
+                </a:solidFill>
+              </a14:hiddenFill>
+            </a:ext>
+            <a:ext uri="{91240B29-F687-4F45-9708-019B960494DF}">
+              <a14:hiddenLine xmlns:a14="http://schemas.microsoft.com/office/drawing/2010/main" w="9525">
+                <a:solidFill>
+                  <a:srgbClr val="000000"/>
+                </a:solidFill>
+                <a:miter lim="800000"/>
+                <a:headEnd/>
+                <a:tailEnd/>
+              </a14:hiddenLine>
+            </a:ext>
+          </a:extLst>
+        </p:spPr>
+        <p:txBody>
+          <a:bodyPr vert="horz" wrap="square" lIns="91440" tIns="45720" rIns="91440" bIns="45720" numCol="1" anchor="ctr" anchorCtr="0" compatLnSpc="1">
+            <a:prstTxWarp prst="textNoShape">
+              <a:avLst/>
+            </a:prstTxWarp>
+          </a:bodyPr>
+          <a:lstStyle>
+            <a:lvl1pPr algn="l" rtl="0" eaLnBrk="1" fontAlgn="base" hangingPunct="1">
+              <a:spcBef>
+                <a:spcPct val="0"/>
+              </a:spcBef>
+              <a:spcAft>
+                <a:spcPct val="0"/>
+              </a:spcAft>
+              <a:defRPr sz="4400">
+                <a:solidFill>
+                  <a:srgbClr val="000099"/>
+                </a:solidFill>
+                <a:latin typeface="Times New Roman" panose="02020603050405020304" pitchFamily="18" charset="0"/>
+                <a:ea typeface="標楷體" panose="03000509000000000000" pitchFamily="65" charset="-120"/>
+                <a:cs typeface="Times New Roman" panose="02020603050405020304" pitchFamily="18" charset="0"/>
+              </a:defRPr>
+            </a:lvl1pPr>
+            <a:lvl2pPr algn="l" rtl="0" eaLnBrk="1" fontAlgn="base" hangingPunct="1">
+              <a:spcBef>
+                <a:spcPct val="0"/>
+              </a:spcBef>
+              <a:spcAft>
+                <a:spcPct val="0"/>
+              </a:spcAft>
+              <a:defRPr sz="4400">
+                <a:solidFill>
+                  <a:srgbClr val="000099"/>
+                </a:solidFill>
+                <a:latin typeface="Gill Sans MT" pitchFamily="34" charset="0"/>
+                <a:ea typeface="ＭＳ Ｐゴシック" charset="0"/>
+                <a:cs typeface="Arial" charset="0"/>
+              </a:defRPr>
+            </a:lvl2pPr>
+            <a:lvl3pPr algn="l" rtl="0" eaLnBrk="1" fontAlgn="base" hangingPunct="1">
+              <a:spcBef>
+                <a:spcPct val="0"/>
+              </a:spcBef>
+              <a:spcAft>
+                <a:spcPct val="0"/>
+              </a:spcAft>
+              <a:defRPr sz="4400">
+                <a:solidFill>
+                  <a:srgbClr val="000099"/>
+                </a:solidFill>
+                <a:latin typeface="Gill Sans MT" pitchFamily="34" charset="0"/>
+                <a:ea typeface="ＭＳ Ｐゴシック" charset="0"/>
+                <a:cs typeface="Arial" charset="0"/>
+              </a:defRPr>
+            </a:lvl3pPr>
+            <a:lvl4pPr algn="l" rtl="0" eaLnBrk="1" fontAlgn="base" hangingPunct="1">
+              <a:spcBef>
+                <a:spcPct val="0"/>
+              </a:spcBef>
+              <a:spcAft>
+                <a:spcPct val="0"/>
+              </a:spcAft>
+              <a:defRPr sz="4400">
+                <a:solidFill>
+                  <a:srgbClr val="000099"/>
+                </a:solidFill>
+                <a:latin typeface="Gill Sans MT" pitchFamily="34" charset="0"/>
+                <a:ea typeface="ＭＳ Ｐゴシック" charset="0"/>
+                <a:cs typeface="Arial" charset="0"/>
+              </a:defRPr>
+            </a:lvl4pPr>
+            <a:lvl5pPr algn="l" rtl="0" eaLnBrk="1" fontAlgn="base" hangingPunct="1">
+              <a:spcBef>
+                <a:spcPct val="0"/>
+              </a:spcBef>
+              <a:spcAft>
+                <a:spcPct val="0"/>
+              </a:spcAft>
+              <a:defRPr sz="4400">
+                <a:solidFill>
+                  <a:srgbClr val="000099"/>
+                </a:solidFill>
+                <a:latin typeface="Gill Sans MT" pitchFamily="34" charset="0"/>
+                <a:ea typeface="ＭＳ Ｐゴシック" charset="0"/>
+                <a:cs typeface="Arial" charset="0"/>
+              </a:defRPr>
+            </a:lvl5pPr>
+            <a:lvl6pPr marL="457200" algn="l" rtl="0" eaLnBrk="1" fontAlgn="base" hangingPunct="1">
+              <a:spcBef>
+                <a:spcPct val="0"/>
+              </a:spcBef>
+              <a:spcAft>
+                <a:spcPct val="0"/>
+              </a:spcAft>
+              <a:defRPr sz="4400">
+                <a:solidFill>
+                  <a:srgbClr val="000099"/>
+                </a:solidFill>
+                <a:latin typeface="Gill Sans MT" pitchFamily="34" charset="0"/>
+                <a:cs typeface="Arial" charset="0"/>
+              </a:defRPr>
+            </a:lvl6pPr>
+            <a:lvl7pPr marL="914400" algn="l" rtl="0" eaLnBrk="1" fontAlgn="base" hangingPunct="1">
+              <a:spcBef>
+                <a:spcPct val="0"/>
+              </a:spcBef>
+              <a:spcAft>
+                <a:spcPct val="0"/>
+              </a:spcAft>
+              <a:defRPr sz="4400">
+                <a:solidFill>
+                  <a:srgbClr val="000099"/>
+                </a:solidFill>
+                <a:latin typeface="Gill Sans MT" pitchFamily="34" charset="0"/>
+                <a:cs typeface="Arial" charset="0"/>
+              </a:defRPr>
+            </a:lvl7pPr>
+            <a:lvl8pPr marL="1371600" algn="l" rtl="0" eaLnBrk="1" fontAlgn="base" hangingPunct="1">
+              <a:spcBef>
+                <a:spcPct val="0"/>
+              </a:spcBef>
+              <a:spcAft>
+                <a:spcPct val="0"/>
+              </a:spcAft>
+              <a:defRPr sz="4400">
+                <a:solidFill>
+                  <a:srgbClr val="000099"/>
+                </a:solidFill>
+                <a:latin typeface="Gill Sans MT" pitchFamily="34" charset="0"/>
+                <a:cs typeface="Arial" charset="0"/>
+              </a:defRPr>
+            </a:lvl8pPr>
+            <a:lvl9pPr marL="1828800" algn="l" rtl="0" eaLnBrk="1" fontAlgn="base" hangingPunct="1">
+              <a:spcBef>
+                <a:spcPct val="0"/>
+              </a:spcBef>
+              <a:spcAft>
+                <a:spcPct val="0"/>
+              </a:spcAft>
+              <a:defRPr sz="4400">
+                <a:solidFill>
+                  <a:srgbClr val="000099"/>
+                </a:solidFill>
+                <a:latin typeface="Gill Sans MT" pitchFamily="34" charset="0"/>
+                <a:cs typeface="Arial" charset="0"/>
+              </a:defRPr>
+            </a:lvl9pPr>
+          </a:lstStyle>
+          <a:p>
+            <a:r>
+              <a:rPr lang="zh-TW" altLang="en-US" kern="0" dirty="0"/>
+              <a:t>小技巧</a:t>
+            </a:r>
+            <a:r>
+              <a:rPr lang="en-US" altLang="zh-TW" kern="0" dirty="0"/>
+              <a:t>-</a:t>
+            </a:r>
+            <a:r>
+              <a:rPr lang="zh-TW" altLang="en-US" kern="0" dirty="0"/>
+              <a:t>多數值長條圖</a:t>
+            </a:r>
+            <a:endParaRPr lang="en-US" altLang="zh-TW" dirty="0"/>
+          </a:p>
+        </p:txBody>
+      </p:sp>
+      <p:pic>
+        <p:nvPicPr>
+          <p:cNvPr id="6" name="圖片 5"/>
+          <p:cNvPicPr>
+            <a:picLocks noChangeAspect="1"/>
+          </p:cNvPicPr>
+          <p:nvPr/>
+        </p:nvPicPr>
+        <p:blipFill>
+          <a:blip r:embed="rId4"/>
+          <a:stretch>
+            <a:fillRect/>
+          </a:stretch>
+        </p:blipFill>
+        <p:spPr>
+          <a:xfrm>
+            <a:off x="3449987" y="1371600"/>
+            <a:ext cx="8100664" cy="5624714"/>
+          </a:xfrm>
+          <a:prstGeom prst="rect">
+            <a:avLst/>
+          </a:prstGeom>
+        </p:spPr>
+      </p:pic>
+    </p:spTree>
+    <p:extLst>
+      <p:ext uri="{BB962C8B-B14F-4D97-AF65-F5344CB8AC3E}">
+        <p14:creationId xmlns:p14="http://schemas.microsoft.com/office/powerpoint/2010/main" val="1394887087"/>
+      </p:ext>
+    </p:extLst>
+  </p:cSld>
+  <p:clrMapOvr>
+    <a:masterClrMapping/>
+  </p:clrMapOvr>
+</p:sld>
+</file>
+
+<file path=ppt/slides/slide56.xml><?xml version="1.0" encoding="utf-8"?>
+<p:sld xmlns:a="http://schemas.openxmlformats.org/drawingml/2006/main" xmlns:r="http://schemas.openxmlformats.org/officeDocument/2006/relationships" xmlns:p="http://schemas.openxmlformats.org/presentationml/2006/main">
+  <p:cSld>
+    <p:spTree>
+      <p:nvGrpSpPr>
+        <p:cNvPr id="1" name=""/>
+        <p:cNvGrpSpPr/>
+        <p:nvPr/>
+      </p:nvGrpSpPr>
+      <p:grpSpPr>
+        <a:xfrm>
+          <a:off x="0" y="0"/>
+          <a:ext cx="0" cy="0"/>
+          <a:chOff x="0" y="0"/>
+          <a:chExt cx="0" cy="0"/>
+        </a:xfrm>
+      </p:grpSpPr>
+      <p:sp>
+        <p:nvSpPr>
+          <p:cNvPr id="3" name="內容版面配置區 2"/>
+          <p:cNvSpPr>
+            <a:spLocks noGrp="1"/>
+          </p:cNvSpPr>
+          <p:nvPr>
+            <p:ph idx="1"/>
+          </p:nvPr>
+        </p:nvSpPr>
+        <p:spPr>
+          <a:xfrm>
+            <a:off x="711200" y="1444164"/>
+            <a:ext cx="10363200" cy="4648200"/>
+          </a:xfrm>
+        </p:spPr>
+        <p:txBody>
+          <a:bodyPr/>
+          <a:lstStyle/>
+          <a:p>
+            <a:pPr>
+              <a:buFont typeface="Wingdings" pitchFamily="2" charset="2"/>
+              <a:buChar char="p"/>
+            </a:pPr>
+            <a:r>
+              <a:rPr lang="zh-TW" altLang="en-US" dirty="0"/>
+              <a:t>未依特性選擇適當的圖形</a:t>
+            </a:r>
+            <a:r>
+              <a:rPr lang="en-US" altLang="zh-TW" dirty="0"/>
+              <a:t>(</a:t>
+            </a:r>
+            <a:r>
+              <a:rPr lang="zh-TW" altLang="en-US" dirty="0"/>
+              <a:t>折線圖及長條圖</a:t>
+            </a:r>
+            <a:r>
+              <a:rPr lang="en-US" altLang="zh-TW" dirty="0"/>
+              <a:t>)</a:t>
+            </a:r>
+          </a:p>
+          <a:p>
+            <a:pPr>
+              <a:buFont typeface="Wingdings" pitchFamily="2" charset="2"/>
+              <a:buChar char="p"/>
+            </a:pPr>
+            <a:r>
+              <a:rPr lang="zh-TW" altLang="en-US" dirty="0"/>
+              <a:t>列印黑白時分不清楚</a:t>
+            </a:r>
+            <a:endParaRPr lang="en-US" altLang="zh-TW" dirty="0"/>
+          </a:p>
+          <a:p>
+            <a:pPr>
+              <a:buFont typeface="Wingdings" pitchFamily="2" charset="2"/>
+              <a:buChar char="p"/>
+            </a:pPr>
+            <a:r>
+              <a:rPr lang="en-US" altLang="zh-TW" dirty="0"/>
+              <a:t>X</a:t>
+            </a:r>
+            <a:r>
+              <a:rPr lang="zh-TW" altLang="en-US" dirty="0"/>
+              <a:t>軸及</a:t>
+            </a:r>
+            <a:r>
+              <a:rPr lang="en-US" altLang="zh-TW" dirty="0"/>
+              <a:t>Y</a:t>
+            </a:r>
+            <a:r>
+              <a:rPr lang="zh-TW" altLang="en-US" dirty="0"/>
+              <a:t>軸意義未寫</a:t>
+            </a:r>
+            <a:endParaRPr lang="en-US" altLang="zh-TW" dirty="0"/>
+          </a:p>
+          <a:p>
+            <a:pPr>
+              <a:buFont typeface="Wingdings" pitchFamily="2" charset="2"/>
+              <a:buChar char="p"/>
+            </a:pPr>
+            <a:r>
+              <a:rPr lang="en-US" altLang="zh-TW" dirty="0"/>
+              <a:t>X</a:t>
+            </a:r>
+            <a:r>
+              <a:rPr lang="zh-TW" altLang="en-US" dirty="0"/>
+              <a:t>軸單位及</a:t>
+            </a:r>
+            <a:r>
+              <a:rPr lang="en-US" altLang="zh-TW" dirty="0"/>
+              <a:t>Y</a:t>
+            </a:r>
+            <a:r>
+              <a:rPr lang="zh-TW" altLang="en-US" dirty="0"/>
+              <a:t>軸單位未寫</a:t>
+            </a:r>
+            <a:endParaRPr lang="en-US" altLang="zh-TW" dirty="0"/>
+          </a:p>
+          <a:p>
+            <a:pPr>
+              <a:buFont typeface="Wingdings" pitchFamily="2" charset="2"/>
+              <a:buChar char="p"/>
+            </a:pPr>
+            <a:r>
+              <a:rPr lang="zh-TW" altLang="en-US" dirty="0"/>
+              <a:t>折線圖僅用線連結，未使用標記符號</a:t>
+            </a:r>
+            <a:endParaRPr lang="en-US" altLang="zh-TW" dirty="0"/>
+          </a:p>
+          <a:p>
+            <a:pPr lvl="1">
+              <a:buFont typeface="Wingdings" pitchFamily="2" charset="2"/>
+              <a:buChar char="p"/>
+            </a:pPr>
+            <a:r>
+              <a:rPr lang="zh-TW" altLang="en-US" dirty="0"/>
+              <a:t>標記符號為實際結果，線為估計值</a:t>
+            </a:r>
+            <a:endParaRPr lang="en-US" altLang="zh-TW" dirty="0"/>
+          </a:p>
+          <a:p>
+            <a:pPr>
+              <a:buFont typeface="Wingdings" pitchFamily="2" charset="2"/>
+              <a:buChar char="p"/>
+            </a:pPr>
+            <a:r>
+              <a:rPr lang="zh-TW" altLang="en-US" dirty="0"/>
+              <a:t>圖未於本文中提及，在增加或刪除圖形後，圖的編號未更動</a:t>
+            </a:r>
+            <a:endParaRPr lang="en-US" altLang="zh-TW" dirty="0"/>
+          </a:p>
+          <a:p>
+            <a:pPr>
+              <a:buFont typeface="Wingdings" pitchFamily="2" charset="2"/>
+              <a:buChar char="p"/>
+            </a:pPr>
+            <a:r>
+              <a:rPr lang="zh-TW" altLang="en-US" dirty="0"/>
+              <a:t>在類似的圖中，使用的</a:t>
+            </a:r>
+            <a:r>
+              <a:rPr lang="en-US" altLang="zh-TW" dirty="0"/>
+              <a:t>legend</a:t>
+            </a:r>
+            <a:r>
+              <a:rPr lang="zh-TW" altLang="en-US" dirty="0"/>
+              <a:t>不一致，使用的間距不一致、使用的符號不一致，使用的順序不一致</a:t>
+            </a:r>
+            <a:endParaRPr lang="en-US" altLang="zh-TW" dirty="0"/>
+          </a:p>
+          <a:p>
+            <a:pPr>
+              <a:buFont typeface="Wingdings" pitchFamily="2" charset="2"/>
+              <a:buChar char="p"/>
+            </a:pPr>
+            <a:r>
+              <a:rPr lang="zh-TW" altLang="en-US" dirty="0"/>
+              <a:t>數值過大及過小時，直接寫出數值，而未使用科學符號於軸上</a:t>
+            </a:r>
+            <a:r>
+              <a:rPr lang="en-US" altLang="zh-TW" dirty="0"/>
+              <a:t>(Y</a:t>
+            </a:r>
+            <a:r>
+              <a:rPr lang="zh-TW" altLang="en-US" dirty="0"/>
+              <a:t>軸</a:t>
+            </a:r>
+            <a:r>
+              <a:rPr lang="en-US" altLang="zh-TW" dirty="0"/>
+              <a:t>)</a:t>
+            </a:r>
+            <a:r>
+              <a:rPr lang="zh-TW" altLang="en-US" dirty="0"/>
+              <a:t>或軸右</a:t>
+            </a:r>
+            <a:r>
+              <a:rPr lang="en-US" altLang="zh-TW" dirty="0"/>
+              <a:t>(X</a:t>
+            </a:r>
+            <a:r>
+              <a:rPr lang="zh-TW" altLang="en-US" dirty="0"/>
+              <a:t>軸</a:t>
+            </a:r>
+            <a:r>
+              <a:rPr lang="en-US" altLang="zh-TW" dirty="0"/>
+              <a:t>)</a:t>
+            </a:r>
+          </a:p>
+          <a:p>
+            <a:pPr>
+              <a:buFont typeface="Wingdings" pitchFamily="2" charset="2"/>
+              <a:buChar char="p"/>
+            </a:pPr>
+            <a:r>
+              <a:rPr lang="zh-TW" altLang="en-US" dirty="0">
+                <a:solidFill>
+                  <a:srgbClr val="FF0000"/>
+                </a:solidFill>
+              </a:rPr>
+              <a:t>左右是否到底？或有留空白？</a:t>
+            </a:r>
+            <a:endParaRPr lang="en-US" altLang="zh-TW" dirty="0">
+              <a:solidFill>
+                <a:srgbClr val="FF0000"/>
+              </a:solidFill>
+            </a:endParaRPr>
+          </a:p>
+          <a:p>
+            <a:pPr>
+              <a:buFont typeface="Wingdings" pitchFamily="2" charset="2"/>
+              <a:buChar char="p"/>
+            </a:pPr>
+            <a:endParaRPr lang="en-US" altLang="zh-TW" dirty="0"/>
+          </a:p>
+          <a:p>
+            <a:pPr>
+              <a:buFont typeface="Wingdings" pitchFamily="2" charset="2"/>
+              <a:buChar char="p"/>
+            </a:pPr>
+            <a:endParaRPr lang="en-US" altLang="zh-TW" dirty="0"/>
+          </a:p>
+          <a:p>
+            <a:pPr>
+              <a:buNone/>
+            </a:pPr>
+            <a:endParaRPr lang="zh-TW" altLang="en-US" dirty="0"/>
+          </a:p>
+        </p:txBody>
+      </p:sp>
+      <p:sp>
+        <p:nvSpPr>
+          <p:cNvPr id="2" name="標題 1"/>
+          <p:cNvSpPr>
+            <a:spLocks noGrp="1"/>
+          </p:cNvSpPr>
+          <p:nvPr>
+            <p:ph type="title"/>
+          </p:nvPr>
+        </p:nvSpPr>
+        <p:spPr/>
+        <p:txBody>
+          <a:bodyPr/>
+          <a:lstStyle/>
+          <a:p>
+            <a:r>
+              <a:rPr lang="zh-TW" altLang="en-US" dirty="0"/>
+              <a:t>圖：常犯錯誤</a:t>
+            </a:r>
+          </a:p>
+        </p:txBody>
+      </p:sp>
+      <p:sp>
+        <p:nvSpPr>
+          <p:cNvPr id="4" name="投影片編號版面配置區 3"/>
+          <p:cNvSpPr>
+            <a:spLocks noGrp="1"/>
+          </p:cNvSpPr>
+          <p:nvPr>
+            <p:ph type="sldNum" sz="quarter" idx="11"/>
+          </p:nvPr>
+        </p:nvSpPr>
+        <p:spPr/>
+        <p:txBody>
+          <a:bodyPr/>
+          <a:lstStyle/>
+          <a:p>
+            <a:fld id="{455104A0-FBBA-457A-A960-88D7301F92DC}" type="slidenum">
+              <a:rPr lang="zh-TW" altLang="en-US" smtClean="0"/>
+              <a:pPr/>
+              <a:t>56</a:t>
+            </a:fld>
+            <a:endParaRPr lang="zh-TW" altLang="en-US"/>
+          </a:p>
+          <a:p>
+            <a:endParaRPr lang="zh-TW" altLang="en-US" dirty="0"/>
+          </a:p>
+        </p:txBody>
+      </p:sp>
     </p:spTree>
     <p:extLst>
       <p:ext uri="{BB962C8B-B14F-4D97-AF65-F5344CB8AC3E}">
         <p14:creationId xmlns:p14="http://schemas.microsoft.com/office/powerpoint/2010/main" val="2557624219"/>
+      </p:ext>
+    </p:extLst>
+  </p:cSld>
+  <p:clrMapOvr>
+    <a:masterClrMapping/>
+  </p:clrMapOvr>
+</p:sld>
+</file>
+
+<file path=ppt/slides/slide57.xml><?xml version="1.0" encoding="utf-8"?>
+<p:sld xmlns:a="http://schemas.openxmlformats.org/drawingml/2006/main" xmlns:r="http://schemas.openxmlformats.org/officeDocument/2006/relationships" xmlns:p="http://schemas.openxmlformats.org/presentationml/2006/main">
+  <p:cSld>
+    <p:spTree>
+      <p:nvGrpSpPr>
+        <p:cNvPr id="1" name=""/>
+        <p:cNvGrpSpPr/>
+        <p:nvPr/>
+      </p:nvGrpSpPr>
+      <p:grpSpPr>
+        <a:xfrm>
+          <a:off x="0" y="0"/>
+          <a:ext cx="0" cy="0"/>
+          <a:chOff x="0" y="0"/>
+          <a:chExt cx="0" cy="0"/>
+        </a:xfrm>
+      </p:grpSpPr>
+      <p:sp>
+        <p:nvSpPr>
+          <p:cNvPr id="2" name="內容版面配置區 1">
+            <a:extLst>
+              <a:ext uri="{FF2B5EF4-FFF2-40B4-BE49-F238E27FC236}">
+                <a16:creationId xmlns:a16="http://schemas.microsoft.com/office/drawing/2014/main" id="{477228B9-6EF6-5DA1-AA7B-1CA931A18094}"/>
+              </a:ext>
+            </a:extLst>
+          </p:cNvPr>
+          <p:cNvSpPr>
+            <a:spLocks noGrp="1"/>
+          </p:cNvSpPr>
+          <p:nvPr>
+            <p:ph idx="1"/>
+          </p:nvPr>
+        </p:nvSpPr>
+        <p:spPr/>
+        <p:txBody>
+          <a:bodyPr/>
+          <a:lstStyle/>
+          <a:p>
+            <a:endParaRPr lang="zh-TW" altLang="en-US"/>
+          </a:p>
+        </p:txBody>
+      </p:sp>
+      <p:sp>
+        <p:nvSpPr>
+          <p:cNvPr id="3" name="投影片編號版面配置區 2">
+            <a:extLst>
+              <a:ext uri="{FF2B5EF4-FFF2-40B4-BE49-F238E27FC236}">
+                <a16:creationId xmlns:a16="http://schemas.microsoft.com/office/drawing/2014/main" id="{D2DE8B35-CBD5-B42B-B17D-7404ACC4CAE8}"/>
+              </a:ext>
+            </a:extLst>
+          </p:cNvPr>
+          <p:cNvSpPr>
+            <a:spLocks noGrp="1"/>
+          </p:cNvSpPr>
+          <p:nvPr>
+            <p:ph type="sldNum" sz="quarter" idx="11"/>
+          </p:nvPr>
+        </p:nvSpPr>
+        <p:spPr/>
+        <p:txBody>
+          <a:bodyPr/>
+          <a:lstStyle/>
+          <a:p>
+            <a:fld id="{455104A0-FBBA-457A-A960-88D7301F92DC}" type="slidenum">
+              <a:rPr lang="zh-TW" altLang="en-US" smtClean="0"/>
+              <a:pPr/>
+              <a:t>57</a:t>
+            </a:fld>
+            <a:endParaRPr lang="zh-TW" altLang="en-US"/>
+          </a:p>
+          <a:p>
+            <a:endParaRPr lang="zh-TW" altLang="en-US" dirty="0"/>
+          </a:p>
+        </p:txBody>
+      </p:sp>
+      <p:sp>
+        <p:nvSpPr>
+          <p:cNvPr id="4" name="標題 3">
+            <a:extLst>
+              <a:ext uri="{FF2B5EF4-FFF2-40B4-BE49-F238E27FC236}">
+                <a16:creationId xmlns:a16="http://schemas.microsoft.com/office/drawing/2014/main" id="{B0700F21-D949-A6CE-66FD-D7CADC600432}"/>
+              </a:ext>
+            </a:extLst>
+          </p:cNvPr>
+          <p:cNvSpPr>
+            <a:spLocks noGrp="1"/>
+          </p:cNvSpPr>
+          <p:nvPr>
+            <p:ph type="title"/>
+          </p:nvPr>
+        </p:nvSpPr>
+        <p:spPr/>
+        <p:txBody>
+          <a:bodyPr/>
+          <a:lstStyle/>
+          <a:p>
+            <a:endParaRPr lang="zh-TW" altLang="en-US"/>
+          </a:p>
+        </p:txBody>
+      </p:sp>
+      <p:pic>
+        <p:nvPicPr>
+          <p:cNvPr id="6" name="圖片 5">
+            <a:extLst>
+              <a:ext uri="{FF2B5EF4-FFF2-40B4-BE49-F238E27FC236}">
+                <a16:creationId xmlns:a16="http://schemas.microsoft.com/office/drawing/2014/main" id="{9D8DAF9F-D086-B20E-5D71-CE88C32E4EDA}"/>
+              </a:ext>
+            </a:extLst>
+          </p:cNvPr>
+          <p:cNvPicPr>
+            <a:picLocks noChangeAspect="1"/>
+          </p:cNvPicPr>
+          <p:nvPr/>
+        </p:nvPicPr>
+        <p:blipFill>
+          <a:blip r:embed="rId2"/>
+          <a:stretch>
+            <a:fillRect/>
+          </a:stretch>
+        </p:blipFill>
+        <p:spPr>
+          <a:xfrm>
+            <a:off x="2496000" y="490905"/>
+            <a:ext cx="7200000" cy="5876190"/>
+          </a:xfrm>
+          <a:prstGeom prst="rect">
+            <a:avLst/>
+          </a:prstGeom>
+        </p:spPr>
+      </p:pic>
+    </p:spTree>
+    <p:extLst>
+      <p:ext uri="{BB962C8B-B14F-4D97-AF65-F5344CB8AC3E}">
+        <p14:creationId xmlns:p14="http://schemas.microsoft.com/office/powerpoint/2010/main" val="125467387"/>
+      </p:ext>
+    </p:extLst>
+  </p:cSld>
+  <p:clrMapOvr>
+    <a:masterClrMapping/>
+  </p:clrMapOvr>
+</p:sld>
+</file>
+
+<file path=ppt/slides/slide58.xml><?xml version="1.0" encoding="utf-8"?>
+<p:sld xmlns:a="http://schemas.openxmlformats.org/drawingml/2006/main" xmlns:r="http://schemas.openxmlformats.org/officeDocument/2006/relationships" xmlns:p="http://schemas.openxmlformats.org/presentationml/2006/main">
+  <p:cSld>
+    <p:spTree>
+      <p:nvGrpSpPr>
+        <p:cNvPr id="1" name=""/>
+        <p:cNvGrpSpPr/>
+        <p:nvPr/>
+      </p:nvGrpSpPr>
+      <p:grpSpPr>
+        <a:xfrm>
+          <a:off x="0" y="0"/>
+          <a:ext cx="0" cy="0"/>
+          <a:chOff x="0" y="0"/>
+          <a:chExt cx="0" cy="0"/>
+        </a:xfrm>
+      </p:grpSpPr>
+      <p:sp>
+        <p:nvSpPr>
+          <p:cNvPr id="2" name="內容版面配置區 1">
+            <a:extLst>
+              <a:ext uri="{FF2B5EF4-FFF2-40B4-BE49-F238E27FC236}">
+                <a16:creationId xmlns:a16="http://schemas.microsoft.com/office/drawing/2014/main" id="{8A6A7AFC-797D-8DD3-99D4-174699A420AE}"/>
+              </a:ext>
+            </a:extLst>
+          </p:cNvPr>
+          <p:cNvSpPr>
+            <a:spLocks noGrp="1"/>
+          </p:cNvSpPr>
+          <p:nvPr>
+            <p:ph idx="1"/>
+          </p:nvPr>
+        </p:nvSpPr>
+        <p:spPr/>
+        <p:txBody>
+          <a:bodyPr/>
+          <a:lstStyle/>
+          <a:p>
+            <a:endParaRPr lang="zh-TW" altLang="en-US"/>
+          </a:p>
+        </p:txBody>
+      </p:sp>
+      <p:sp>
+        <p:nvSpPr>
+          <p:cNvPr id="3" name="投影片編號版面配置區 2">
+            <a:extLst>
+              <a:ext uri="{FF2B5EF4-FFF2-40B4-BE49-F238E27FC236}">
+                <a16:creationId xmlns:a16="http://schemas.microsoft.com/office/drawing/2014/main" id="{A069C7C5-95DD-CFA0-4720-57700E2F64EA}"/>
+              </a:ext>
+            </a:extLst>
+          </p:cNvPr>
+          <p:cNvSpPr>
+            <a:spLocks noGrp="1"/>
+          </p:cNvSpPr>
+          <p:nvPr>
+            <p:ph type="sldNum" sz="quarter" idx="11"/>
+          </p:nvPr>
+        </p:nvSpPr>
+        <p:spPr/>
+        <p:txBody>
+          <a:bodyPr/>
+          <a:lstStyle/>
+          <a:p>
+            <a:fld id="{455104A0-FBBA-457A-A960-88D7301F92DC}" type="slidenum">
+              <a:rPr lang="zh-TW" altLang="en-US" smtClean="0"/>
+              <a:pPr/>
+              <a:t>58</a:t>
+            </a:fld>
+            <a:endParaRPr lang="zh-TW" altLang="en-US"/>
+          </a:p>
+          <a:p>
+            <a:endParaRPr lang="zh-TW" altLang="en-US" dirty="0"/>
+          </a:p>
+        </p:txBody>
+      </p:sp>
+      <p:sp>
+        <p:nvSpPr>
+          <p:cNvPr id="4" name="標題 3">
+            <a:extLst>
+              <a:ext uri="{FF2B5EF4-FFF2-40B4-BE49-F238E27FC236}">
+                <a16:creationId xmlns:a16="http://schemas.microsoft.com/office/drawing/2014/main" id="{A7D3D12F-86AB-9594-FF67-24AF31B15A68}"/>
+              </a:ext>
+            </a:extLst>
+          </p:cNvPr>
+          <p:cNvSpPr>
+            <a:spLocks noGrp="1"/>
+          </p:cNvSpPr>
+          <p:nvPr>
+            <p:ph type="title"/>
+          </p:nvPr>
+        </p:nvSpPr>
+        <p:spPr/>
+        <p:txBody>
+          <a:bodyPr/>
+          <a:lstStyle/>
+          <a:p>
+            <a:endParaRPr lang="zh-TW" altLang="en-US"/>
+          </a:p>
+        </p:txBody>
+      </p:sp>
+      <p:pic>
+        <p:nvPicPr>
+          <p:cNvPr id="6" name="圖片 5">
+            <a:extLst>
+              <a:ext uri="{FF2B5EF4-FFF2-40B4-BE49-F238E27FC236}">
+                <a16:creationId xmlns:a16="http://schemas.microsoft.com/office/drawing/2014/main" id="{CB404E7A-3F67-D9E7-4221-B5C800ED13F6}"/>
+              </a:ext>
+            </a:extLst>
+          </p:cNvPr>
+          <p:cNvPicPr>
+            <a:picLocks noChangeAspect="1"/>
+          </p:cNvPicPr>
+          <p:nvPr/>
+        </p:nvPicPr>
+        <p:blipFill>
+          <a:blip r:embed="rId3"/>
+          <a:stretch>
+            <a:fillRect/>
+          </a:stretch>
+        </p:blipFill>
+        <p:spPr>
+          <a:xfrm>
+            <a:off x="2190915" y="641129"/>
+            <a:ext cx="7209562" cy="5725666"/>
+          </a:xfrm>
+          <a:prstGeom prst="rect">
+            <a:avLst/>
+          </a:prstGeom>
+        </p:spPr>
+      </p:pic>
+      <p:sp>
+        <p:nvSpPr>
+          <p:cNvPr id="9" name="矩形 8">
+            <a:extLst>
+              <a:ext uri="{FF2B5EF4-FFF2-40B4-BE49-F238E27FC236}">
+                <a16:creationId xmlns:a16="http://schemas.microsoft.com/office/drawing/2014/main" id="{57B54D7C-608D-C21F-AD46-8E4F00BE6DE5}"/>
+              </a:ext>
+            </a:extLst>
+          </p:cNvPr>
+          <p:cNvSpPr/>
+          <p:nvPr/>
+        </p:nvSpPr>
+        <p:spPr bwMode="auto">
+          <a:xfrm>
+            <a:off x="2943566" y="4900900"/>
+            <a:ext cx="3234210" cy="1013024"/>
+          </a:xfrm>
+          <a:prstGeom prst="rect">
+            <a:avLst/>
+          </a:prstGeom>
+          <a:noFill/>
+          <a:ln w="19050" cap="flat" cmpd="sng" algn="ctr">
+            <a:solidFill>
+              <a:srgbClr val="FF0000"/>
+            </a:solidFill>
+            <a:prstDash val="solid"/>
+            <a:round/>
+            <a:headEnd type="none" w="med" len="med"/>
+            <a:tailEnd type="none" w="med" len="med"/>
+          </a:ln>
+          <a:effectLst/>
+        </p:spPr>
+        <p:txBody>
+          <a:bodyPr vert="horz" wrap="square" lIns="91440" tIns="45720" rIns="91440" bIns="45720" numCol="1" rtlCol="0" anchor="t" anchorCtr="0" compatLnSpc="1">
+            <a:prstTxWarp prst="textNoShape">
+              <a:avLst/>
+            </a:prstTxWarp>
+          </a:bodyPr>
+          <a:lstStyle/>
+          <a:p>
+            <a:pPr marL="0" marR="0" indent="0" algn="l" defTabSz="914400" rtl="0" eaLnBrk="0" fontAlgn="base" latinLnBrk="0" hangingPunct="0">
+              <a:lnSpc>
+                <a:spcPct val="100000"/>
+              </a:lnSpc>
+              <a:spcBef>
+                <a:spcPct val="0"/>
+              </a:spcBef>
+              <a:spcAft>
+                <a:spcPct val="0"/>
+              </a:spcAft>
+              <a:buClrTx/>
+              <a:buSzTx/>
+              <a:buFontTx/>
+              <a:buNone/>
+              <a:tabLst/>
+            </a:pPr>
+            <a:endParaRPr kumimoji="0" lang="zh-TW" altLang="en-US" sz="2400" b="0" i="0" u="none" strike="noStrike" cap="none" normalizeH="0" baseline="0">
+              <a:ln>
+                <a:noFill/>
+              </a:ln>
+              <a:solidFill>
+                <a:schemeClr val="tx1"/>
+              </a:solidFill>
+              <a:effectLst/>
+              <a:latin typeface="Arial" charset="0"/>
+            </a:endParaRPr>
+          </a:p>
+        </p:txBody>
+      </p:sp>
+    </p:spTree>
+    <p:extLst>
+      <p:ext uri="{BB962C8B-B14F-4D97-AF65-F5344CB8AC3E}">
+        <p14:creationId xmlns:p14="http://schemas.microsoft.com/office/powerpoint/2010/main" val="3956180691"/>
       </p:ext>
     </p:extLst>
   </p:cSld>

--- a/MI5014701 科技研究與論文寫作 Technology Research and Thesis Writing/4. Figure-table.pptx
+++ b/MI5014701 科技研究與論文寫作 Technology Research and Thesis Writing/4. Figure-table.pptx
@@ -1598,7 +1598,7 @@
             <a:fld id="{247B535D-8BD0-404E-96D6-D5C611C59A2C}" type="datetimeFigureOut">
               <a:rPr lang="zh-TW" altLang="en-US" smtClean="0"/>
               <a:pPr/>
-              <a:t>2023/11/2</a:t>
+              <a:t>2023/11/22</a:t>
             </a:fld>
             <a:endParaRPr lang="zh-TW" altLang="en-US"/>
           </a:p>
@@ -1765,7 +1765,7 @@
             <a:fld id="{8A138D5D-92D2-4EB1-8778-0DDC1EE16406}" type="datetimeFigureOut">
               <a:rPr lang="zh-TW" altLang="en-US" smtClean="0"/>
               <a:pPr/>
-              <a:t>2023/11/2</a:t>
+              <a:t>2023/11/22</a:t>
             </a:fld>
             <a:endParaRPr lang="zh-TW" altLang="en-US"/>
           </a:p>
@@ -11208,7 +11208,7 @@
             <a:fld id="{32049A66-0248-488C-ADBB-B0C7708A5BF5}" type="datetimeFigureOut">
               <a:rPr lang="zh-TW" altLang="en-US" smtClean="0"/>
               <a:pPr/>
-              <a:t>2023/11/2</a:t>
+              <a:t>2023/11/22</a:t>
             </a:fld>
             <a:endParaRPr lang="zh-TW" altLang="en-US"/>
           </a:p>
@@ -16742,7 +16742,11 @@
               <a:buNone/>
             </a:pPr>
             <a:r>
-              <a:rPr lang="en-US" altLang="zh-TW" sz="1800" dirty="0"/>
+              <a:rPr lang="en-US" altLang="zh-TW" sz="1800" dirty="0">
+                <a:highlight>
+                  <a:srgbClr val="FFFF00"/>
+                </a:highlight>
+              </a:rPr>
               <a:t>Table 1</a:t>
             </a:r>
           </a:p>
@@ -16751,7 +16755,11 @@
               <a:buNone/>
             </a:pPr>
             <a:r>
-              <a:rPr lang="en-US" altLang="zh-TW" sz="1800" i="1" dirty="0"/>
+              <a:rPr lang="en-US" altLang="zh-TW" sz="1800" i="1" dirty="0">
+                <a:highlight>
+                  <a:srgbClr val="FFFF00"/>
+                </a:highlight>
+              </a:rPr>
               <a:t>Mean Performance Scores of Students With Different College Majors</a:t>
             </a:r>
           </a:p>
@@ -16928,8 +16936,16 @@
           </a:p>
           <a:p>
             <a:r>
-              <a:rPr lang="zh-TW" altLang="en-US" dirty="0"/>
-              <a:t>表的標題必須力求簡潔，長度上不可比直欄裡最寬的條目多出太多的字元</a:t>
+              <a:rPr lang="zh-TW" altLang="en-US" dirty="0">
+                <a:highlight>
+                  <a:srgbClr val="FFFF00"/>
+                </a:highlight>
+              </a:rPr>
+              <a:t>表的標題必須力求簡潔</a:t>
+            </a:r>
+            <a:r>
+              <a:rPr lang="zh-TW" altLang="en-US" dirty="0"/>
+              <a:t>，長度上不可比直欄裡最寬的條目多出太多的字元</a:t>
             </a:r>
             <a:endParaRPr lang="en-US" altLang="zh-TW" dirty="0"/>
           </a:p>
@@ -21347,7 +21363,11 @@
           <a:p>
             <a:pPr algn="just"/>
             <a:r>
-              <a:rPr lang="zh-TW" altLang="en-US" dirty="0"/>
+              <a:rPr lang="zh-TW" altLang="en-US" dirty="0">
+                <a:highlight>
+                  <a:srgbClr val="FFFF00"/>
+                </a:highlight>
+              </a:rPr>
               <a:t>注意</a:t>
             </a:r>
             <a:r>
@@ -21355,11 +21375,18 @@
                 <a:solidFill>
                   <a:srgbClr val="FF0000"/>
                 </a:solidFill>
+                <a:highlight>
+                  <a:srgbClr val="FFFF00"/>
+                </a:highlight>
               </a:rPr>
               <a:t>TABLE</a:t>
             </a:r>
             <a:r>
-              <a:rPr lang="zh-TW" altLang="en-US" dirty="0"/>
+              <a:rPr lang="zh-TW" altLang="en-US" dirty="0">
+                <a:highlight>
+                  <a:srgbClr val="FFFF00"/>
+                </a:highlight>
+              </a:rPr>
               <a:t>是正體，</a:t>
             </a:r>
             <a:r>
@@ -21367,12 +21394,23 @@
                 <a:solidFill>
                   <a:srgbClr val="FF0000"/>
                 </a:solidFill>
+                <a:highlight>
+                  <a:srgbClr val="FFFF00"/>
+                </a:highlight>
               </a:rPr>
               <a:t>表的名稱</a:t>
             </a:r>
             <a:r>
-              <a:rPr lang="zh-TW" altLang="en-US" dirty="0"/>
-              <a:t>是斜體，</a:t>
+              <a:rPr lang="zh-TW" altLang="en-US" dirty="0">
+                <a:highlight>
+                  <a:srgbClr val="FFFF00"/>
+                </a:highlight>
+              </a:rPr>
+              <a:t>是斜體</a:t>
+            </a:r>
+            <a:r>
+              <a:rPr lang="zh-TW" altLang="en-US" dirty="0"/>
+              <a:t>，</a:t>
             </a:r>
             <a:r>
               <a:rPr lang="en-US" altLang="zh-TW" i="1" dirty="0">
@@ -21426,7 +21464,11 @@
           <a:p>
             <a:pPr algn="just"/>
             <a:r>
-              <a:rPr lang="zh-TW" altLang="en-US" dirty="0"/>
+              <a:rPr lang="zh-TW" altLang="en-US" dirty="0">
+                <a:highlight>
+                  <a:srgbClr val="FFFF00"/>
+                </a:highlight>
+              </a:rPr>
               <a:t>所有標題和字條目的首字的第一個字母用</a:t>
             </a:r>
             <a:r>
@@ -21434,10 +21476,17 @@
                 <a:solidFill>
                   <a:srgbClr val="FF0000"/>
                 </a:solidFill>
+                <a:highlight>
+                  <a:srgbClr val="FFFF00"/>
+                </a:highlight>
               </a:rPr>
               <a:t>大寫</a:t>
             </a:r>
-            <a:endParaRPr lang="zh-TW" altLang="en-US" dirty="0"/>
+            <a:endParaRPr lang="zh-TW" altLang="en-US" dirty="0">
+              <a:highlight>
+                <a:srgbClr val="FFFF00"/>
+              </a:highlight>
+            </a:endParaRPr>
           </a:p>
           <a:p>
             <a:pPr algn="just"/>
@@ -25799,11 +25848,19 @@
               </a:lnSpc>
             </a:pPr>
             <a:r>
-              <a:rPr lang="zh-TW" altLang="en-US" dirty="0"/>
+              <a:rPr lang="zh-TW" altLang="en-US" dirty="0">
+                <a:highlight>
+                  <a:srgbClr val="FFFF00"/>
+                </a:highlight>
+              </a:rPr>
               <a:t>圖編號為</a:t>
             </a:r>
             <a:r>
-              <a:rPr lang="zh-TW" altLang="en-US" i="1" dirty="0"/>
+              <a:rPr lang="zh-TW" altLang="en-US" i="1" dirty="0">
+                <a:highlight>
+                  <a:srgbClr val="FFFF00"/>
+                </a:highlight>
+              </a:rPr>
               <a:t>斜體字</a:t>
             </a:r>
             <a:r>
@@ -25811,6 +25868,9 @@
                 <a:solidFill>
                   <a:schemeClr val="tx2"/>
                 </a:solidFill>
+                <a:highlight>
+                  <a:srgbClr val="FFFF00"/>
+                </a:highlight>
               </a:rPr>
               <a:t>(</a:t>
             </a:r>
@@ -25819,6 +25879,9 @@
                 <a:solidFill>
                   <a:schemeClr val="accent6"/>
                 </a:solidFill>
+                <a:highlight>
+                  <a:srgbClr val="FFFF00"/>
+                </a:highlight>
               </a:rPr>
               <a:t>這有放寬</a:t>
             </a:r>
@@ -25827,14 +25890,25 @@
                 <a:solidFill>
                   <a:schemeClr val="tx2"/>
                 </a:solidFill>
+                <a:highlight>
+                  <a:srgbClr val="FFFF00"/>
+                </a:highlight>
               </a:rPr>
               <a:t>)</a:t>
             </a:r>
             <a:r>
-              <a:rPr lang="zh-TW" altLang="en-US" dirty="0"/>
+              <a:rPr lang="zh-TW" altLang="en-US" dirty="0">
+                <a:highlight>
+                  <a:srgbClr val="FFFF00"/>
+                </a:highlight>
+              </a:rPr>
               <a:t>，圖標題會正體字</a:t>
             </a:r>
-            <a:endParaRPr lang="en-US" altLang="zh-TW" dirty="0"/>
+            <a:endParaRPr lang="en-US" altLang="zh-TW" dirty="0">
+              <a:highlight>
+                <a:srgbClr val="FFFF00"/>
+              </a:highlight>
+            </a:endParaRPr>
           </a:p>
           <a:p>
             <a:pPr lvl="1">
@@ -25903,27 +25977,51 @@
               <a:t>英文：</a:t>
             </a:r>
             <a:r>
-              <a:rPr lang="en-US" altLang="zh-TW" i="1" dirty="0"/>
+              <a:rPr lang="en-US" altLang="zh-TW" i="1" dirty="0">
+                <a:highlight>
+                  <a:srgbClr val="FFFF00"/>
+                </a:highlight>
+              </a:rPr>
               <a:t>Figure 1</a:t>
             </a:r>
             <a:r>
-              <a:rPr lang="en-US" altLang="zh-TW" dirty="0"/>
+              <a:rPr lang="en-US" altLang="zh-TW" dirty="0">
+                <a:highlight>
+                  <a:srgbClr val="FFFF00"/>
+                </a:highlight>
+              </a:rPr>
               <a:t>. Figure title. </a:t>
             </a:r>
             <a:r>
-              <a:rPr lang="zh-TW" altLang="en-US" dirty="0"/>
+              <a:rPr lang="zh-TW" altLang="en-US" dirty="0">
+                <a:highlight>
+                  <a:srgbClr val="FFFF00"/>
+                </a:highlight>
+              </a:rPr>
               <a:t>或 </a:t>
             </a:r>
             <a:r>
-              <a:rPr lang="en-US" altLang="zh-TW" i="1" dirty="0"/>
+              <a:rPr lang="en-US" altLang="zh-TW" i="1" dirty="0">
+                <a:highlight>
+                  <a:srgbClr val="FFFF00"/>
+                </a:highlight>
+              </a:rPr>
               <a:t>Figure 1.1</a:t>
             </a:r>
             <a:r>
-              <a:rPr lang="en-US" altLang="zh-TW" dirty="0"/>
+              <a:rPr lang="en-US" altLang="zh-TW" dirty="0">
+                <a:highlight>
+                  <a:srgbClr val="FFFF00"/>
+                </a:highlight>
+              </a:rPr>
               <a:t>. Figure title. </a:t>
             </a:r>
             <a:r>
-              <a:rPr lang="zh-TW" altLang="en-US" dirty="0"/>
+              <a:rPr lang="zh-TW" altLang="en-US" dirty="0">
+                <a:highlight>
+                  <a:srgbClr val="FFFF00"/>
+                </a:highlight>
+              </a:rPr>
               <a:t>（</a:t>
             </a:r>
             <a:r>
@@ -25931,14 +26029,25 @@
                 <a:solidFill>
                   <a:srgbClr val="FF0000"/>
                 </a:solidFill>
+                <a:highlight>
+                  <a:srgbClr val="FFFF00"/>
+                </a:highlight>
               </a:rPr>
               <a:t>置於圖形下方，靠左對齊或置中</a:t>
             </a:r>
             <a:r>
-              <a:rPr lang="zh-TW" altLang="en-US" dirty="0"/>
+              <a:rPr lang="zh-TW" altLang="en-US" dirty="0">
+                <a:highlight>
+                  <a:srgbClr val="FFFF00"/>
+                </a:highlight>
+              </a:rPr>
               <a:t>）</a:t>
             </a:r>
-            <a:endParaRPr lang="en-US" altLang="zh-TW" dirty="0"/>
+            <a:endParaRPr lang="en-US" altLang="zh-TW" dirty="0">
+              <a:highlight>
+                <a:srgbClr val="FFFF00"/>
+              </a:highlight>
+            </a:endParaRPr>
           </a:p>
           <a:p>
             <a:pPr lvl="1">
@@ -26837,11 +26946,19 @@
               <a:buNone/>
             </a:pPr>
             <a:r>
-              <a:rPr lang="en-US" altLang="zh-TW" i="1" dirty="0"/>
+              <a:rPr lang="en-US" altLang="zh-TW" i="1" dirty="0">
+                <a:highlight>
+                  <a:srgbClr val="FFFF00"/>
+                </a:highlight>
+              </a:rPr>
               <a:t>Figure 3</a:t>
             </a:r>
             <a:r>
-              <a:rPr lang="en-US" altLang="zh-TW" dirty="0"/>
+              <a:rPr lang="en-US" altLang="zh-TW" dirty="0">
+                <a:highlight>
+                  <a:srgbClr val="FFFF00"/>
+                </a:highlight>
+              </a:rPr>
               <a:t>. Fixation duration as a function of the delay between the beginning of eye fixation and the onset of the stimulus in Experiment 1.</a:t>
             </a:r>
           </a:p>
@@ -27499,6 +27616,9 @@
             <a:p>
               <a:r>
                 <a:rPr lang="en-US" altLang="zh-TW" sz="1600" i="1" dirty="0">
+                  <a:highlight>
+                    <a:srgbClr val="FFFF00"/>
+                  </a:highlight>
                   <a:latin typeface="Times New Roman" pitchFamily="18" charset="0"/>
                   <a:cs typeface="Times New Roman" pitchFamily="18" charset="0"/>
                 </a:rPr>
@@ -27506,12 +27626,18 @@
               </a:r>
               <a:r>
                 <a:rPr lang="en-US" altLang="zh-TW" sz="1600" dirty="0">
+                  <a:highlight>
+                    <a:srgbClr val="FFFF00"/>
+                  </a:highlight>
                   <a:latin typeface="Times New Roman" pitchFamily="18" charset="0"/>
                   <a:cs typeface="Times New Roman" pitchFamily="18" charset="0"/>
                 </a:rPr>
                 <a:t>. The different rates between network A and network B.</a:t>
               </a:r>
               <a:endParaRPr lang="zh-TW" altLang="en-US" sz="1600" dirty="0">
+                <a:highlight>
+                  <a:srgbClr val="FFFF00"/>
+                </a:highlight>
                 <a:latin typeface="Times New Roman" pitchFamily="18" charset="0"/>
                 <a:cs typeface="Times New Roman" pitchFamily="18" charset="0"/>
               </a:endParaRPr>
@@ -30155,7 +30281,11 @@
           <a:p>
             <a:pPr lvl="2"/>
             <a:r>
-              <a:rPr lang="zh-TW" altLang="en-US" dirty="0"/>
+              <a:rPr lang="zh-TW" altLang="en-US" dirty="0">
+                <a:highlight>
+                  <a:srgbClr val="FFFF00"/>
+                </a:highlight>
+              </a:rPr>
               <a:t>例如：第三章的第一個圖，編為「</a:t>
             </a:r>
             <a:r>
@@ -30163,6 +30293,9 @@
                 <a:solidFill>
                   <a:srgbClr val="FF0000"/>
                 </a:solidFill>
+                <a:highlight>
+                  <a:srgbClr val="FFFF00"/>
+                </a:highlight>
               </a:rPr>
               <a:t>Figure</a:t>
             </a:r>
@@ -30171,6 +30304,9 @@
                 <a:solidFill>
                   <a:srgbClr val="FF0000"/>
                 </a:solidFill>
+                <a:highlight>
+                  <a:srgbClr val="FFFF00"/>
+                </a:highlight>
               </a:rPr>
               <a:t> </a:t>
             </a:r>
@@ -30179,14 +30315,25 @@
                 <a:solidFill>
                   <a:srgbClr val="FF0000"/>
                 </a:solidFill>
+                <a:highlight>
+                  <a:srgbClr val="FFFF00"/>
+                </a:highlight>
               </a:rPr>
               <a:t>3-1</a:t>
             </a:r>
             <a:r>
-              <a:rPr lang="zh-TW" altLang="en-US" dirty="0"/>
+              <a:rPr lang="zh-TW" altLang="en-US" dirty="0">
+                <a:highlight>
+                  <a:srgbClr val="FFFF00"/>
+                </a:highlight>
+              </a:rPr>
               <a:t>」 ，以此類推</a:t>
             </a:r>
-            <a:endParaRPr lang="en-US" altLang="zh-TW" dirty="0"/>
+            <a:endParaRPr lang="en-US" altLang="zh-TW" dirty="0">
+              <a:highlight>
+                <a:srgbClr val="FFFF00"/>
+              </a:highlight>
+            </a:endParaRPr>
           </a:p>
           <a:p>
             <a:pPr lvl="1"/>
@@ -36982,46 +37129,90 @@
           <a:p>
             <a:pPr lvl="1" algn="just"/>
             <a:r>
-              <a:rPr lang="zh-TW" altLang="en-US" dirty="0"/>
+              <a:rPr lang="zh-TW" altLang="en-US" dirty="0">
+                <a:highlight>
+                  <a:srgbClr val="FFFF00"/>
+                </a:highlight>
+              </a:rPr>
               <a:t>錯誤範例：</a:t>
             </a:r>
             <a:r>
-              <a:rPr lang="en-US" altLang="zh-TW" i="1" dirty="0"/>
+              <a:rPr lang="en-US" altLang="zh-TW" i="1" dirty="0">
+                <a:highlight>
+                  <a:srgbClr val="FFFF00"/>
+                </a:highlight>
+              </a:rPr>
               <a:t>table 5</a:t>
             </a:r>
             <a:r>
-              <a:rPr lang="zh-TW" altLang="en-US" i="1" dirty="0"/>
+              <a:rPr lang="zh-TW" altLang="en-US" i="1" dirty="0">
+                <a:highlight>
+                  <a:srgbClr val="FFFF00"/>
+                </a:highlight>
+              </a:rPr>
               <a:t>、</a:t>
             </a:r>
             <a:r>
-              <a:rPr lang="en-US" altLang="zh-TW" i="1" dirty="0"/>
+              <a:rPr lang="en-US" altLang="zh-TW" i="1" dirty="0">
+                <a:highlight>
+                  <a:srgbClr val="FFFF00"/>
+                </a:highlight>
+              </a:rPr>
               <a:t>table 5a</a:t>
             </a:r>
             <a:r>
-              <a:rPr lang="zh-TW" altLang="en-US" i="1" dirty="0"/>
+              <a:rPr lang="zh-TW" altLang="en-US" i="1" dirty="0">
+                <a:highlight>
+                  <a:srgbClr val="FFFF00"/>
+                </a:highlight>
+              </a:rPr>
               <a:t>、</a:t>
             </a:r>
             <a:r>
-              <a:rPr lang="en-US" altLang="zh-TW" i="1" dirty="0"/>
+              <a:rPr lang="en-US" altLang="zh-TW" i="1" dirty="0">
+                <a:highlight>
+                  <a:srgbClr val="FFFF00"/>
+                </a:highlight>
+              </a:rPr>
               <a:t>table 5b</a:t>
             </a:r>
             <a:r>
-              <a:rPr lang="zh-TW" altLang="en-US" i="1" dirty="0"/>
+              <a:rPr lang="zh-TW" altLang="en-US" i="1" dirty="0">
+                <a:highlight>
+                  <a:srgbClr val="FFFF00"/>
+                </a:highlight>
+              </a:rPr>
               <a:t>、</a:t>
             </a:r>
             <a:r>
-              <a:rPr lang="en-US" altLang="zh-TW" i="1" dirty="0"/>
+              <a:rPr lang="en-US" altLang="zh-TW" i="1" dirty="0">
+                <a:highlight>
+                  <a:srgbClr val="FFFF00"/>
+                </a:highlight>
+              </a:rPr>
               <a:t>figure 5(a)</a:t>
             </a:r>
             <a:r>
-              <a:rPr lang="zh-TW" altLang="en-US" i="1" dirty="0"/>
+              <a:rPr lang="zh-TW" altLang="en-US" i="1" dirty="0">
+                <a:highlight>
+                  <a:srgbClr val="FFFF00"/>
+                </a:highlight>
+              </a:rPr>
               <a:t>、</a:t>
             </a:r>
             <a:r>
-              <a:rPr lang="en-US" altLang="zh-TW" i="1" dirty="0"/>
+              <a:rPr lang="en-US" altLang="zh-TW" i="1" dirty="0">
+                <a:highlight>
+                  <a:srgbClr val="FFFF00"/>
+                </a:highlight>
+              </a:rPr>
               <a:t>figure 5(b)</a:t>
             </a:r>
-            <a:endParaRPr lang="en-US" altLang="zh-TW" dirty="0"/>
+            <a:endParaRPr lang="en-US" altLang="zh-TW" dirty="0">
+              <a:highlight>
+                <a:srgbClr val="FFFF00"/>
+              </a:highlight>
+            </a:endParaRPr>
           </a:p>
           <a:p>
             <a:pPr lvl="1" algn="just"/>
@@ -37329,7 +37520,7 @@
                   <a:srgbClr val="FFFF00"/>
                 </a:highlight>
               </a:rPr>
-              <a:t>投稿論文比較多用</a:t>
+              <a:t> 投稿論文比較多用</a:t>
             </a:r>
             <a:r>
               <a:rPr lang="en-US" altLang="zh-TW" sz="1800" dirty="0">

--- a/MI5014701 科技研究與論文寫作 Technology Research and Thesis Writing/4. Figure-table.pptx
+++ b/MI5014701 科技研究與論文寫作 Technology Research and Thesis Writing/4. Figure-table.pptx
@@ -1598,7 +1598,7 @@
             <a:fld id="{247B535D-8BD0-404E-96D6-D5C611C59A2C}" type="datetimeFigureOut">
               <a:rPr lang="zh-TW" altLang="en-US" smtClean="0"/>
               <a:pPr/>
-              <a:t>2023/11/22</a:t>
+              <a:t>2023/11/23</a:t>
             </a:fld>
             <a:endParaRPr lang="zh-TW" altLang="en-US"/>
           </a:p>
@@ -1765,7 +1765,7 @@
             <a:fld id="{8A138D5D-92D2-4EB1-8778-0DDC1EE16406}" type="datetimeFigureOut">
               <a:rPr lang="zh-TW" altLang="en-US" smtClean="0"/>
               <a:pPr/>
-              <a:t>2023/11/22</a:t>
+              <a:t>2023/11/23</a:t>
             </a:fld>
             <a:endParaRPr lang="zh-TW" altLang="en-US"/>
           </a:p>
@@ -11208,7 +11208,7 @@
             <a:fld id="{32049A66-0248-488C-ADBB-B0C7708A5BF5}" type="datetimeFigureOut">
               <a:rPr lang="zh-TW" altLang="en-US" smtClean="0"/>
               <a:pPr/>
-              <a:t>2023/11/22</a:t>
+              <a:t>2023/11/23</a:t>
             </a:fld>
             <a:endParaRPr lang="zh-TW" altLang="en-US"/>
           </a:p>
@@ -26793,62 +26793,73 @@
           <a:p>
             <a:pPr lvl="1"/>
             <a:r>
-              <a:rPr lang="zh-TW" altLang="en-US" dirty="0"/>
-              <a:t>說明圖中所使用的各種符號必須</a:t>
-            </a:r>
-            <a:r>
-              <a:rPr lang="zh-TW" altLang="en-US" dirty="0">
-                <a:solidFill>
-                  <a:srgbClr val="FF0000"/>
-                </a:solidFill>
-              </a:rPr>
-              <a:t>放置在圖內</a:t>
-            </a:r>
-            <a:endParaRPr lang="en-US" altLang="zh-TW" dirty="0"/>
-          </a:p>
-          <a:p>
-            <a:pPr lvl="1"/>
-            <a:r>
-              <a:rPr lang="zh-TW" altLang="en-US" dirty="0"/>
-              <a:t>應與在圖中其它部分的</a:t>
-            </a:r>
-            <a:r>
-              <a:rPr lang="zh-TW" altLang="en-US" dirty="0">
-                <a:solidFill>
-                  <a:srgbClr val="FF0000"/>
-                </a:solidFill>
-              </a:rPr>
-              <a:t>字體格式一致</a:t>
-            </a:r>
-            <a:endParaRPr lang="en-US" altLang="zh-TW" dirty="0"/>
-          </a:p>
-          <a:p>
-            <a:pPr lvl="1"/>
-            <a:r>
-              <a:rPr lang="zh-TW" altLang="en-US" dirty="0"/>
-              <a:t>主要字使用</a:t>
-            </a:r>
-            <a:r>
-              <a:rPr lang="zh-TW" altLang="en-US" dirty="0">
-                <a:solidFill>
-                  <a:srgbClr val="FF0000"/>
-                </a:solidFill>
-              </a:rPr>
-              <a:t>大寫字母</a:t>
-            </a:r>
-            <a:r>
-              <a:rPr lang="zh-TW" altLang="en-US" dirty="0"/>
-              <a:t>書寫</a:t>
-            </a:r>
-            <a:endParaRPr lang="en-US" altLang="zh-TW" dirty="0"/>
-          </a:p>
-          <a:p>
-            <a:r>
               <a:rPr lang="zh-TW" altLang="en-US" dirty="0">
                 <a:highlight>
                   <a:srgbClr val="FFFF00"/>
                 </a:highlight>
               </a:rPr>
+              <a:t>說明圖中所使用的各種符號必須</a:t>
+            </a:r>
+            <a:r>
+              <a:rPr lang="zh-TW" altLang="en-US" dirty="0">
+                <a:solidFill>
+                  <a:srgbClr val="FF0000"/>
+                </a:solidFill>
+                <a:highlight>
+                  <a:srgbClr val="FFFF00"/>
+                </a:highlight>
+              </a:rPr>
+              <a:t>放置在圖內</a:t>
+            </a:r>
+            <a:endParaRPr lang="en-US" altLang="zh-TW" dirty="0">
+              <a:highlight>
+                <a:srgbClr val="FFFF00"/>
+              </a:highlight>
+            </a:endParaRPr>
+          </a:p>
+          <a:p>
+            <a:pPr lvl="1"/>
+            <a:r>
+              <a:rPr lang="zh-TW" altLang="en-US" dirty="0"/>
+              <a:t>應與在圖中其它部分的</a:t>
+            </a:r>
+            <a:r>
+              <a:rPr lang="zh-TW" altLang="en-US" dirty="0">
+                <a:solidFill>
+                  <a:srgbClr val="FF0000"/>
+                </a:solidFill>
+              </a:rPr>
+              <a:t>字體格式一致</a:t>
+            </a:r>
+            <a:endParaRPr lang="en-US" altLang="zh-TW" dirty="0"/>
+          </a:p>
+          <a:p>
+            <a:pPr lvl="1"/>
+            <a:r>
+              <a:rPr lang="zh-TW" altLang="en-US" dirty="0"/>
+              <a:t>主要字使用</a:t>
+            </a:r>
+            <a:r>
+              <a:rPr lang="zh-TW" altLang="en-US" dirty="0">
+                <a:solidFill>
+                  <a:srgbClr val="FF0000"/>
+                </a:solidFill>
+              </a:rPr>
+              <a:t>大寫字母</a:t>
+            </a:r>
+            <a:r>
+              <a:rPr lang="zh-TW" altLang="en-US" dirty="0"/>
+              <a:t>書寫</a:t>
+            </a:r>
+            <a:endParaRPr lang="en-US" altLang="zh-TW" dirty="0"/>
+          </a:p>
+          <a:p>
+            <a:r>
+              <a:rPr lang="zh-TW" altLang="en-US" dirty="0">
+                <a:highlight>
+                  <a:srgbClr val="FFFF00"/>
+                </a:highlight>
+              </a:rPr>
               <a:t>圖說</a:t>
             </a:r>
             <a:r>
@@ -26879,7 +26890,11 @@
           <a:p>
             <a:pPr lvl="1"/>
             <a:r>
-              <a:rPr lang="zh-TW" altLang="en-US" dirty="0"/>
+              <a:rPr lang="zh-TW" altLang="en-US" dirty="0">
+                <a:highlight>
+                  <a:srgbClr val="FFFF00"/>
+                </a:highlight>
+              </a:rPr>
               <a:t>為一張圖的說明和名稱，</a:t>
             </a:r>
             <a:r>
@@ -26887,10 +26902,17 @@
                 <a:solidFill>
                   <a:srgbClr val="FF0000"/>
                 </a:solidFill>
+                <a:highlight>
+                  <a:srgbClr val="FFFF00"/>
+                </a:highlight>
               </a:rPr>
               <a:t>放置於圖的下方</a:t>
             </a:r>
-            <a:endParaRPr lang="en-US" altLang="zh-TW" dirty="0"/>
+            <a:endParaRPr lang="en-US" altLang="zh-TW" dirty="0">
+              <a:highlight>
+                <a:srgbClr val="FFFF00"/>
+              </a:highlight>
+            </a:endParaRPr>
           </a:p>
           <a:p>
             <a:pPr lvl="1"/>
